--- a/DesignProiect - Pucani Liviu, Tanul Gabriel.pptx
+++ b/DesignProiect - Pucani Liviu, Tanul Gabriel.pptx
@@ -22,6 +22,23 @@
     <p:sldId id="271" r:id="rId16"/>
     <p:sldId id="272" r:id="rId17"/>
     <p:sldId id="273" r:id="rId18"/>
+    <p:sldId id="288" r:id="rId19"/>
+    <p:sldId id="289" r:id="rId20"/>
+    <p:sldId id="290" r:id="rId21"/>
+    <p:sldId id="274" r:id="rId22"/>
+    <p:sldId id="275" r:id="rId23"/>
+    <p:sldId id="276" r:id="rId24"/>
+    <p:sldId id="277" r:id="rId25"/>
+    <p:sldId id="280" r:id="rId26"/>
+    <p:sldId id="279" r:id="rId27"/>
+    <p:sldId id="278" r:id="rId28"/>
+    <p:sldId id="281" r:id="rId29"/>
+    <p:sldId id="282" r:id="rId30"/>
+    <p:sldId id="283" r:id="rId31"/>
+    <p:sldId id="284" r:id="rId32"/>
+    <p:sldId id="285" r:id="rId33"/>
+    <p:sldId id="286" r:id="rId34"/>
+    <p:sldId id="287" r:id="rId35"/>
   </p:sldIdLst>
   <p:sldSz cx="12192000" cy="6858000"/>
   <p:notesSz cx="6858000" cy="9144000"/>
@@ -121,38 +138,6 @@
     </a:lvl9pPr>
   </p:defaultTextStyle>
   <p:extLst>
-    <p:ext uri="{521415D9-36F7-43E2-AB2F-B90AF26B5E84}">
-      <p14:sectionLst xmlns:p14="http://schemas.microsoft.com/office/powerpoint/2010/main">
-        <p14:section name="Default Section" id="{C4918633-466C-4E8F-8F09-DFA7F7F66925}">
-          <p14:sldIdLst>
-            <p14:sldId id="256"/>
-            <p14:sldId id="257"/>
-            <p14:sldId id="258"/>
-            <p14:sldId id="260"/>
-            <p14:sldId id="261"/>
-            <p14:sldId id="262"/>
-            <p14:sldId id="263"/>
-            <p14:sldId id="264"/>
-            <p14:sldId id="265"/>
-            <p14:sldId id="266"/>
-            <p14:sldId id="267"/>
-            <p14:sldId id="268"/>
-            <p14:sldId id="269"/>
-          </p14:sldIdLst>
-        </p14:section>
-        <p14:section name="Cazuri de testare" id="{1CD49937-ECBA-490D-8B3E-655F0B68B55C}">
-          <p14:sldIdLst>
-            <p14:sldId id="270"/>
-            <p14:sldId id="271"/>
-            <p14:sldId id="272"/>
-            <p14:sldId id="273"/>
-          </p14:sldIdLst>
-        </p14:section>
-        <p14:section name="Untitled Section" id="{7CE72D28-5788-4E34-A3F9-F075353934CC}">
-          <p14:sldIdLst/>
-        </p14:section>
-      </p14:sectionLst>
-    </p:ext>
     <p:ext uri="{EFAFB233-063F-42B5-8137-9DF3F51BA10A}">
       <p15:sldGuideLst xmlns:p15="http://schemas.microsoft.com/office/powerpoint/2012/main"/>
     </p:ext>
@@ -351,7 +336,7 @@
           <a:p>
             <a:fld id="{AA70F276-1833-4A75-9C1D-A56E2295A68D}" type="datetimeFigureOut">
               <a:rPr lang="en-US" smtClean="0"/>
-              <a:t>09-Dec-21</a:t>
+              <a:t>03-Jan-22</a:t>
             </a:fld>
             <a:endParaRPr lang="en-US"/>
           </a:p>
@@ -788,7 +773,7 @@
             <a:fld id="{AA70F276-1833-4A75-9C1D-A56E2295A68D}" type="datetimeFigureOut">
               <a:rPr lang="en-US" smtClean="0"/>
               <a:pPr/>
-              <a:t>09-Dec-21</a:t>
+              <a:t>03-Jan-22</a:t>
             </a:fld>
             <a:endParaRPr lang="en-US" dirty="0"/>
           </a:p>
@@ -1044,7 +1029,7 @@
             <a:fld id="{AA70F276-1833-4A75-9C1D-A56E2295A68D}" type="datetimeFigureOut">
               <a:rPr lang="en-US" smtClean="0"/>
               <a:pPr/>
-              <a:t>09-Dec-21</a:t>
+              <a:t>03-Jan-22</a:t>
             </a:fld>
             <a:endParaRPr lang="en-US" dirty="0"/>
           </a:p>
@@ -1358,7 +1343,7 @@
             <a:fld id="{AA70F276-1833-4A75-9C1D-A56E2295A68D}" type="datetimeFigureOut">
               <a:rPr lang="en-US" smtClean="0"/>
               <a:pPr/>
-              <a:t>09-Dec-21</a:t>
+              <a:t>03-Jan-22</a:t>
             </a:fld>
             <a:endParaRPr lang="en-US" dirty="0"/>
           </a:p>
@@ -1682,7 +1667,7 @@
             <a:fld id="{AA70F276-1833-4A75-9C1D-A56E2295A68D}" type="datetimeFigureOut">
               <a:rPr lang="en-US" smtClean="0"/>
               <a:pPr/>
-              <a:t>09-Dec-21</a:t>
+              <a:t>03-Jan-22</a:t>
             </a:fld>
             <a:endParaRPr lang="en-US" dirty="0"/>
           </a:p>
@@ -1990,7 +1975,7 @@
             <a:fld id="{AA70F276-1833-4A75-9C1D-A56E2295A68D}" type="datetimeFigureOut">
               <a:rPr lang="en-US" smtClean="0"/>
               <a:pPr/>
-              <a:t>09-Dec-21</a:t>
+              <a:t>03-Jan-22</a:t>
             </a:fld>
             <a:endParaRPr lang="en-US" dirty="0"/>
           </a:p>
@@ -2363,7 +2348,7 @@
             <a:fld id="{AA70F276-1833-4A75-9C1D-A56E2295A68D}" type="datetimeFigureOut">
               <a:rPr lang="en-US" smtClean="0"/>
               <a:pPr/>
-              <a:t>09-Dec-21</a:t>
+              <a:t>03-Jan-22</a:t>
             </a:fld>
             <a:endParaRPr lang="en-US" dirty="0"/>
           </a:p>
@@ -2542,7 +2527,7 @@
           <a:p>
             <a:fld id="{AA70F276-1833-4A75-9C1D-A56E2295A68D}" type="datetimeFigureOut">
               <a:rPr lang="en-US" smtClean="0"/>
-              <a:t>09-Dec-21</a:t>
+              <a:t>03-Jan-22</a:t>
             </a:fld>
             <a:endParaRPr lang="en-US"/>
           </a:p>
@@ -2722,7 +2707,7 @@
           <a:p>
             <a:fld id="{AA70F276-1833-4A75-9C1D-A56E2295A68D}" type="datetimeFigureOut">
               <a:rPr lang="en-US" smtClean="0"/>
-              <a:t>09-Dec-21</a:t>
+              <a:t>03-Jan-22</a:t>
             </a:fld>
             <a:endParaRPr lang="en-US"/>
           </a:p>
@@ -2892,7 +2877,7 @@
           <a:p>
             <a:fld id="{AA70F276-1833-4A75-9C1D-A56E2295A68D}" type="datetimeFigureOut">
               <a:rPr lang="en-US" smtClean="0"/>
-              <a:t>09-Dec-21</a:t>
+              <a:t>03-Jan-22</a:t>
             </a:fld>
             <a:endParaRPr lang="en-US"/>
           </a:p>
@@ -3142,7 +3127,7 @@
           <a:p>
             <a:fld id="{AA70F276-1833-4A75-9C1D-A56E2295A68D}" type="datetimeFigureOut">
               <a:rPr lang="en-US" smtClean="0"/>
-              <a:t>09-Dec-21</a:t>
+              <a:t>03-Jan-22</a:t>
             </a:fld>
             <a:endParaRPr lang="en-US"/>
           </a:p>
@@ -3378,7 +3363,7 @@
           <a:p>
             <a:fld id="{AA70F276-1833-4A75-9C1D-A56E2295A68D}" type="datetimeFigureOut">
               <a:rPr lang="en-US" smtClean="0"/>
-              <a:t>09-Dec-21</a:t>
+              <a:t>03-Jan-22</a:t>
             </a:fld>
             <a:endParaRPr lang="en-US"/>
           </a:p>
@@ -3760,7 +3745,7 @@
           <a:p>
             <a:fld id="{AA70F276-1833-4A75-9C1D-A56E2295A68D}" type="datetimeFigureOut">
               <a:rPr lang="en-US" smtClean="0"/>
-              <a:t>09-Dec-21</a:t>
+              <a:t>03-Jan-22</a:t>
             </a:fld>
             <a:endParaRPr lang="en-US"/>
           </a:p>
@@ -3878,7 +3863,7 @@
           <a:p>
             <a:fld id="{AA70F276-1833-4A75-9C1D-A56E2295A68D}" type="datetimeFigureOut">
               <a:rPr lang="en-US" smtClean="0"/>
-              <a:t>09-Dec-21</a:t>
+              <a:t>03-Jan-22</a:t>
             </a:fld>
             <a:endParaRPr lang="en-US"/>
           </a:p>
@@ -3973,7 +3958,7 @@
           <a:p>
             <a:fld id="{AA70F276-1833-4A75-9C1D-A56E2295A68D}" type="datetimeFigureOut">
               <a:rPr lang="en-US" smtClean="0"/>
-              <a:t>09-Dec-21</a:t>
+              <a:t>03-Jan-22</a:t>
             </a:fld>
             <a:endParaRPr lang="en-US"/>
           </a:p>
@@ -4228,7 +4213,7 @@
           <a:p>
             <a:fld id="{AA70F276-1833-4A75-9C1D-A56E2295A68D}" type="datetimeFigureOut">
               <a:rPr lang="en-US" smtClean="0"/>
-              <a:t>09-Dec-21</a:t>
+              <a:t>03-Jan-22</a:t>
             </a:fld>
             <a:endParaRPr lang="en-US"/>
           </a:p>
@@ -4511,7 +4496,7 @@
           <a:p>
             <a:fld id="{AA70F276-1833-4A75-9C1D-A56E2295A68D}" type="datetimeFigureOut">
               <a:rPr lang="en-US" smtClean="0"/>
-              <a:t>09-Dec-21</a:t>
+              <a:t>03-Jan-22</a:t>
             </a:fld>
             <a:endParaRPr lang="en-US"/>
           </a:p>
@@ -4918,7 +4903,7 @@
             <a:fld id="{AA70F276-1833-4A75-9C1D-A56E2295A68D}" type="datetimeFigureOut">
               <a:rPr lang="en-US" smtClean="0"/>
               <a:pPr/>
-              <a:t>09-Dec-21</a:t>
+              <a:t>03-Jan-22</a:t>
             </a:fld>
             <a:endParaRPr lang="en-US" dirty="0"/>
           </a:p>
@@ -8448,6 +8433,641 @@
 </p:sld>
 </file>
 
+<file path=ppt/slides/slide18.xml><?xml version="1.0" encoding="utf-8"?>
+<p:sld xmlns:a="http://schemas.openxmlformats.org/drawingml/2006/main" xmlns:r="http://schemas.openxmlformats.org/officeDocument/2006/relationships" xmlns:p="http://schemas.openxmlformats.org/presentationml/2006/main">
+  <p:cSld>
+    <p:spTree>
+      <p:nvGrpSpPr>
+        <p:cNvPr id="1" name=""/>
+        <p:cNvGrpSpPr/>
+        <p:nvPr/>
+      </p:nvGrpSpPr>
+      <p:grpSpPr>
+        <a:xfrm>
+          <a:off x="0" y="0"/>
+          <a:ext cx="0" cy="0"/>
+          <a:chOff x="0" y="0"/>
+          <a:chExt cx="0" cy="0"/>
+        </a:xfrm>
+      </p:grpSpPr>
+      <p:sp>
+        <p:nvSpPr>
+          <p:cNvPr id="2" name="Title 1">
+            <a:extLst>
+              <a:ext uri="{FF2B5EF4-FFF2-40B4-BE49-F238E27FC236}">
+                <a16:creationId xmlns:a16="http://schemas.microsoft.com/office/drawing/2014/main" id="{63F5035C-74BC-40C2-9EC4-CD7907CF2505}"/>
+              </a:ext>
+            </a:extLst>
+          </p:cNvPr>
+          <p:cNvSpPr>
+            <a:spLocks noGrp="1"/>
+          </p:cNvSpPr>
+          <p:nvPr>
+            <p:ph type="title"/>
+          </p:nvPr>
+        </p:nvSpPr>
+        <p:spPr>
+          <a:xfrm>
+            <a:off x="475606" y="147158"/>
+            <a:ext cx="8865040" cy="925445"/>
+          </a:xfrm>
+        </p:spPr>
+        <p:txBody>
+          <a:bodyPr>
+            <a:noAutofit/>
+          </a:bodyPr>
+          <a:lstStyle/>
+          <a:p>
+            <a:r>
+              <a:rPr lang="en-US" sz="3200" dirty="0">
+                <a:latin typeface="Times New Roman" panose="02020603050405020304" pitchFamily="18" charset="0"/>
+                <a:cs typeface="Times New Roman" panose="02020603050405020304" pitchFamily="18" charset="0"/>
+              </a:rPr>
+              <a:t>5</a:t>
+            </a:r>
+            <a:r>
+              <a:rPr lang="ro-RO" sz="3200" dirty="0">
+                <a:solidFill>
+                  <a:schemeClr val="tx1"/>
+                </a:solidFill>
+                <a:latin typeface="Times New Roman" panose="02020603050405020304" pitchFamily="18" charset="0"/>
+                <a:cs typeface="Times New Roman" panose="02020603050405020304" pitchFamily="18" charset="0"/>
+              </a:rPr>
+              <a:t>. </a:t>
+            </a:r>
+            <a:r>
+              <a:rPr lang="en-US" sz="3200" dirty="0">
+                <a:latin typeface="Times New Roman" panose="02020603050405020304" pitchFamily="18" charset="0"/>
+                <a:cs typeface="Times New Roman" panose="02020603050405020304" pitchFamily="18" charset="0"/>
+              </a:rPr>
+              <a:t>Junit testing</a:t>
+            </a:r>
+            <a:br>
+              <a:rPr lang="ro-RO" sz="3200" dirty="0">
+                <a:latin typeface="Times New Roman" panose="02020603050405020304" pitchFamily="18" charset="0"/>
+                <a:cs typeface="Times New Roman" panose="02020603050405020304" pitchFamily="18" charset="0"/>
+              </a:rPr>
+            </a:br>
+            <a:r>
+              <a:rPr lang="ro-RO" sz="3200" dirty="0">
+                <a:latin typeface="Times New Roman" panose="02020603050405020304" pitchFamily="18" charset="0"/>
+                <a:cs typeface="Times New Roman" panose="02020603050405020304" pitchFamily="18" charset="0"/>
+              </a:rPr>
+              <a:t>     </a:t>
+            </a:r>
+            <a:endParaRPr lang="en-US" sz="3200" dirty="0">
+              <a:solidFill>
+                <a:schemeClr val="tx1"/>
+              </a:solidFill>
+              <a:latin typeface="Times New Roman" panose="02020603050405020304" pitchFamily="18" charset="0"/>
+              <a:cs typeface="Times New Roman" panose="02020603050405020304" pitchFamily="18" charset="0"/>
+            </a:endParaRPr>
+          </a:p>
+        </p:txBody>
+      </p:sp>
+      <p:sp>
+        <p:nvSpPr>
+          <p:cNvPr id="9" name="Title 1">
+            <a:extLst>
+              <a:ext uri="{FF2B5EF4-FFF2-40B4-BE49-F238E27FC236}">
+                <a16:creationId xmlns:a16="http://schemas.microsoft.com/office/drawing/2014/main" id="{FF107F4F-9209-4401-B8CA-4D4542BD228C}"/>
+              </a:ext>
+            </a:extLst>
+          </p:cNvPr>
+          <p:cNvSpPr txBox="1">
+            <a:spLocks/>
+          </p:cNvSpPr>
+          <p:nvPr/>
+        </p:nvSpPr>
+        <p:spPr>
+          <a:xfrm>
+            <a:off x="811397" y="609880"/>
+            <a:ext cx="10569206" cy="925445"/>
+          </a:xfrm>
+          <a:prstGeom prst="rect">
+            <a:avLst/>
+          </a:prstGeom>
+          <a:effectLst/>
+        </p:spPr>
+        <p:txBody>
+          <a:bodyPr vert="horz" lIns="91440" tIns="45720" rIns="91440" bIns="45720" rtlCol="0" anchor="ctr">
+            <a:noAutofit/>
+          </a:bodyPr>
+          <a:lstStyle>
+            <a:lvl1pPr algn="l" defTabSz="457200" rtl="0" eaLnBrk="1" latinLnBrk="0" hangingPunct="1">
+              <a:spcBef>
+                <a:spcPct val="0"/>
+              </a:spcBef>
+              <a:buNone/>
+              <a:defRPr sz="3600" kern="1200" cap="all">
+                <a:ln w="3175" cmpd="sng">
+                  <a:noFill/>
+                </a:ln>
+                <a:solidFill>
+                  <a:schemeClr val="tx1"/>
+                </a:solidFill>
+                <a:effectLst/>
+                <a:latin typeface="+mj-lt"/>
+                <a:ea typeface="+mj-ea"/>
+                <a:cs typeface="+mj-cs"/>
+              </a:defRPr>
+            </a:lvl1pPr>
+            <a:lvl2pPr eaLnBrk="1" hangingPunct="1">
+              <a:defRPr>
+                <a:solidFill>
+                  <a:schemeClr val="tx2"/>
+                </a:solidFill>
+              </a:defRPr>
+            </a:lvl2pPr>
+            <a:lvl3pPr eaLnBrk="1" hangingPunct="1">
+              <a:defRPr>
+                <a:solidFill>
+                  <a:schemeClr val="tx2"/>
+                </a:solidFill>
+              </a:defRPr>
+            </a:lvl3pPr>
+            <a:lvl4pPr eaLnBrk="1" hangingPunct="1">
+              <a:defRPr>
+                <a:solidFill>
+                  <a:schemeClr val="tx2"/>
+                </a:solidFill>
+              </a:defRPr>
+            </a:lvl4pPr>
+            <a:lvl5pPr eaLnBrk="1" hangingPunct="1">
+              <a:defRPr>
+                <a:solidFill>
+                  <a:schemeClr val="tx2"/>
+                </a:solidFill>
+              </a:defRPr>
+            </a:lvl5pPr>
+            <a:lvl6pPr eaLnBrk="1" hangingPunct="1">
+              <a:defRPr>
+                <a:solidFill>
+                  <a:schemeClr val="tx2"/>
+                </a:solidFill>
+              </a:defRPr>
+            </a:lvl6pPr>
+            <a:lvl7pPr eaLnBrk="1" hangingPunct="1">
+              <a:defRPr>
+                <a:solidFill>
+                  <a:schemeClr val="tx2"/>
+                </a:solidFill>
+              </a:defRPr>
+            </a:lvl7pPr>
+            <a:lvl8pPr eaLnBrk="1" hangingPunct="1">
+              <a:defRPr>
+                <a:solidFill>
+                  <a:schemeClr val="tx2"/>
+                </a:solidFill>
+              </a:defRPr>
+            </a:lvl8pPr>
+            <a:lvl9pPr eaLnBrk="1" hangingPunct="1">
+              <a:defRPr>
+                <a:solidFill>
+                  <a:schemeClr val="tx2"/>
+                </a:solidFill>
+              </a:defRPr>
+            </a:lvl9pPr>
+          </a:lstStyle>
+          <a:p>
+            <a:endParaRPr lang="en-US" sz="2800" dirty="0">
+              <a:latin typeface="Times New Roman" panose="02020603050405020304" pitchFamily="18" charset="0"/>
+              <a:cs typeface="Times New Roman" panose="02020603050405020304" pitchFamily="18" charset="0"/>
+            </a:endParaRPr>
+          </a:p>
+        </p:txBody>
+      </p:sp>
+      <p:sp>
+        <p:nvSpPr>
+          <p:cNvPr id="10" name="TextBox 9">
+            <a:extLst>
+              <a:ext uri="{FF2B5EF4-FFF2-40B4-BE49-F238E27FC236}">
+                <a16:creationId xmlns:a16="http://schemas.microsoft.com/office/drawing/2014/main" id="{76E72F1B-2F91-4EF6-AA98-39576A0E0F99}"/>
+              </a:ext>
+            </a:extLst>
+          </p:cNvPr>
+          <p:cNvSpPr txBox="1"/>
+          <p:nvPr/>
+        </p:nvSpPr>
+        <p:spPr>
+          <a:xfrm>
+            <a:off x="641715" y="749436"/>
+            <a:ext cx="11766661" cy="923330"/>
+          </a:xfrm>
+          <a:prstGeom prst="rect">
+            <a:avLst/>
+          </a:prstGeom>
+          <a:noFill/>
+        </p:spPr>
+        <p:txBody>
+          <a:bodyPr wrap="square" rtlCol="0">
+            <a:spAutoFit/>
+          </a:bodyPr>
+          <a:lstStyle/>
+          <a:p>
+            <a:r>
+              <a:rPr lang="en-US" dirty="0"/>
+              <a:t>Am ales </a:t>
+            </a:r>
+            <a:r>
+              <a:rPr lang="en-US" dirty="0" err="1"/>
+              <a:t>cazurile</a:t>
+            </a:r>
+            <a:r>
+              <a:rPr lang="en-US" dirty="0"/>
+              <a:t> de </a:t>
+            </a:r>
+            <a:r>
+              <a:rPr lang="en-US" dirty="0" err="1"/>
+              <a:t>testare</a:t>
+            </a:r>
+            <a:r>
+              <a:rPr lang="en-US" dirty="0"/>
+              <a:t> ale </a:t>
+            </a:r>
+            <a:r>
+              <a:rPr lang="en-US" dirty="0" err="1"/>
+              <a:t>aplicatiei</a:t>
+            </a:r>
+            <a:r>
+              <a:rPr lang="en-US" dirty="0"/>
+              <a:t> </a:t>
+            </a:r>
+            <a:r>
+              <a:rPr lang="en-US" dirty="0" err="1"/>
+              <a:t>folosind</a:t>
+            </a:r>
+            <a:r>
+              <a:rPr lang="en-US" dirty="0"/>
+              <a:t> Junit. Se </a:t>
+            </a:r>
+            <a:r>
+              <a:rPr lang="en-US" dirty="0" err="1"/>
+              <a:t>verific</a:t>
+            </a:r>
+            <a:r>
+              <a:rPr lang="ro-RO" dirty="0"/>
+              <a:t>ă existența unui email în cazul </a:t>
+            </a:r>
+          </a:p>
+          <a:p>
+            <a:r>
+              <a:rPr lang="ro-RO" dirty="0"/>
+              <a:t>Înregistrării unui nou user, returnarea unui utilizator din server, validarea autentificării și extragerea unui</a:t>
+            </a:r>
+          </a:p>
+          <a:p>
+            <a:r>
+              <a:rPr lang="ro-RO" dirty="0"/>
+              <a:t>e-mail din inbox.</a:t>
+            </a:r>
+            <a:endParaRPr lang="en-US" dirty="0"/>
+          </a:p>
+        </p:txBody>
+      </p:sp>
+      <p:pic>
+        <p:nvPicPr>
+          <p:cNvPr id="7" name="Picture 6">
+            <a:extLst>
+              <a:ext uri="{FF2B5EF4-FFF2-40B4-BE49-F238E27FC236}">
+                <a16:creationId xmlns:a16="http://schemas.microsoft.com/office/drawing/2014/main" id="{0C60FF76-6A0C-45C6-B73C-68D71F697547}"/>
+              </a:ext>
+            </a:extLst>
+          </p:cNvPr>
+          <p:cNvPicPr>
+            <a:picLocks noChangeAspect="1"/>
+          </p:cNvPicPr>
+          <p:nvPr/>
+        </p:nvPicPr>
+        <p:blipFill rotWithShape="1">
+          <a:blip r:embed="rId2">
+            <a:extLst>
+              <a:ext uri="{28A0092B-C50C-407E-A947-70E740481C1C}">
+                <a14:useLocalDpi xmlns:a14="http://schemas.microsoft.com/office/drawing/2010/main" val="0"/>
+              </a:ext>
+            </a:extLst>
+          </a:blip>
+          <a:srcRect r="77113"/>
+          <a:stretch/>
+        </p:blipFill>
+        <p:spPr>
+          <a:xfrm>
+            <a:off x="4198007" y="5697858"/>
+            <a:ext cx="3795985" cy="1100524"/>
+          </a:xfrm>
+          <a:prstGeom prst="rect">
+            <a:avLst/>
+          </a:prstGeom>
+        </p:spPr>
+      </p:pic>
+      <p:pic>
+        <p:nvPicPr>
+          <p:cNvPr id="11" name="Picture 10" descr="Text&#10;&#10;Description automatically generated">
+            <a:extLst>
+              <a:ext uri="{FF2B5EF4-FFF2-40B4-BE49-F238E27FC236}">
+                <a16:creationId xmlns:a16="http://schemas.microsoft.com/office/drawing/2014/main" id="{DAAEC8D0-E08A-42F9-8AD3-3F6ABA2FEAD5}"/>
+              </a:ext>
+            </a:extLst>
+          </p:cNvPr>
+          <p:cNvPicPr>
+            <a:picLocks noChangeAspect="1"/>
+          </p:cNvPicPr>
+          <p:nvPr/>
+        </p:nvPicPr>
+        <p:blipFill>
+          <a:blip r:embed="rId3">
+            <a:extLst>
+              <a:ext uri="{28A0092B-C50C-407E-A947-70E740481C1C}">
+                <a14:useLocalDpi xmlns:a14="http://schemas.microsoft.com/office/drawing/2010/main" val="0"/>
+              </a:ext>
+            </a:extLst>
+          </a:blip>
+          <a:stretch>
+            <a:fillRect/>
+          </a:stretch>
+        </p:blipFill>
+        <p:spPr>
+          <a:xfrm>
+            <a:off x="1809874" y="1672766"/>
+            <a:ext cx="8572252" cy="3980370"/>
+          </a:xfrm>
+          <a:prstGeom prst="rect">
+            <a:avLst/>
+          </a:prstGeom>
+        </p:spPr>
+      </p:pic>
+    </p:spTree>
+    <p:extLst>
+      <p:ext uri="{BB962C8B-B14F-4D97-AF65-F5344CB8AC3E}">
+        <p14:creationId xmlns:p14="http://schemas.microsoft.com/office/powerpoint/2010/main" val="1584108508"/>
+      </p:ext>
+    </p:extLst>
+  </p:cSld>
+  <p:clrMapOvr>
+    <a:masterClrMapping/>
+  </p:clrMapOvr>
+  <p:transition spd="med">
+    <p:pull/>
+  </p:transition>
+</p:sld>
+</file>
+
+<file path=ppt/slides/slide19.xml><?xml version="1.0" encoding="utf-8"?>
+<p:sld xmlns:a="http://schemas.openxmlformats.org/drawingml/2006/main" xmlns:r="http://schemas.openxmlformats.org/officeDocument/2006/relationships" xmlns:p="http://schemas.openxmlformats.org/presentationml/2006/main">
+  <p:cSld>
+    <p:spTree>
+      <p:nvGrpSpPr>
+        <p:cNvPr id="1" name=""/>
+        <p:cNvGrpSpPr/>
+        <p:nvPr/>
+      </p:nvGrpSpPr>
+      <p:grpSpPr>
+        <a:xfrm>
+          <a:off x="0" y="0"/>
+          <a:ext cx="0" cy="0"/>
+          <a:chOff x="0" y="0"/>
+          <a:chExt cx="0" cy="0"/>
+        </a:xfrm>
+      </p:grpSpPr>
+      <p:sp>
+        <p:nvSpPr>
+          <p:cNvPr id="2" name="Title 1">
+            <a:extLst>
+              <a:ext uri="{FF2B5EF4-FFF2-40B4-BE49-F238E27FC236}">
+                <a16:creationId xmlns:a16="http://schemas.microsoft.com/office/drawing/2014/main" id="{63F5035C-74BC-40C2-9EC4-CD7907CF2505}"/>
+              </a:ext>
+            </a:extLst>
+          </p:cNvPr>
+          <p:cNvSpPr>
+            <a:spLocks noGrp="1"/>
+          </p:cNvSpPr>
+          <p:nvPr>
+            <p:ph type="title"/>
+          </p:nvPr>
+        </p:nvSpPr>
+        <p:spPr>
+          <a:xfrm>
+            <a:off x="475606" y="147158"/>
+            <a:ext cx="8865040" cy="925445"/>
+          </a:xfrm>
+        </p:spPr>
+        <p:txBody>
+          <a:bodyPr>
+            <a:noAutofit/>
+          </a:bodyPr>
+          <a:lstStyle/>
+          <a:p>
+            <a:r>
+              <a:rPr lang="en-US" sz="3200" dirty="0">
+                <a:latin typeface="Times New Roman" panose="02020603050405020304" pitchFamily="18" charset="0"/>
+                <a:cs typeface="Times New Roman" panose="02020603050405020304" pitchFamily="18" charset="0"/>
+              </a:rPr>
+              <a:t>5</a:t>
+            </a:r>
+            <a:r>
+              <a:rPr lang="ro-RO" sz="3200" dirty="0">
+                <a:solidFill>
+                  <a:schemeClr val="tx1"/>
+                </a:solidFill>
+                <a:latin typeface="Times New Roman" panose="02020603050405020304" pitchFamily="18" charset="0"/>
+                <a:cs typeface="Times New Roman" panose="02020603050405020304" pitchFamily="18" charset="0"/>
+              </a:rPr>
+              <a:t>. </a:t>
+            </a:r>
+            <a:r>
+              <a:rPr lang="en-US" sz="3200" dirty="0">
+                <a:latin typeface="Times New Roman" panose="02020603050405020304" pitchFamily="18" charset="0"/>
+                <a:cs typeface="Times New Roman" panose="02020603050405020304" pitchFamily="18" charset="0"/>
+              </a:rPr>
+              <a:t>Junit testing</a:t>
+            </a:r>
+            <a:br>
+              <a:rPr lang="ro-RO" sz="3200" dirty="0">
+                <a:latin typeface="Times New Roman" panose="02020603050405020304" pitchFamily="18" charset="0"/>
+                <a:cs typeface="Times New Roman" panose="02020603050405020304" pitchFamily="18" charset="0"/>
+              </a:rPr>
+            </a:br>
+            <a:r>
+              <a:rPr lang="ro-RO" sz="3200" dirty="0">
+                <a:latin typeface="Times New Roman" panose="02020603050405020304" pitchFamily="18" charset="0"/>
+                <a:cs typeface="Times New Roman" panose="02020603050405020304" pitchFamily="18" charset="0"/>
+              </a:rPr>
+              <a:t>     </a:t>
+            </a:r>
+            <a:endParaRPr lang="en-US" sz="3200" dirty="0">
+              <a:solidFill>
+                <a:schemeClr val="tx1"/>
+              </a:solidFill>
+              <a:latin typeface="Times New Roman" panose="02020603050405020304" pitchFamily="18" charset="0"/>
+              <a:cs typeface="Times New Roman" panose="02020603050405020304" pitchFamily="18" charset="0"/>
+            </a:endParaRPr>
+          </a:p>
+        </p:txBody>
+      </p:sp>
+      <p:sp>
+        <p:nvSpPr>
+          <p:cNvPr id="9" name="Title 1">
+            <a:extLst>
+              <a:ext uri="{FF2B5EF4-FFF2-40B4-BE49-F238E27FC236}">
+                <a16:creationId xmlns:a16="http://schemas.microsoft.com/office/drawing/2014/main" id="{FF107F4F-9209-4401-B8CA-4D4542BD228C}"/>
+              </a:ext>
+            </a:extLst>
+          </p:cNvPr>
+          <p:cNvSpPr txBox="1">
+            <a:spLocks/>
+          </p:cNvSpPr>
+          <p:nvPr/>
+        </p:nvSpPr>
+        <p:spPr>
+          <a:xfrm>
+            <a:off x="811397" y="609880"/>
+            <a:ext cx="10569206" cy="925445"/>
+          </a:xfrm>
+          <a:prstGeom prst="rect">
+            <a:avLst/>
+          </a:prstGeom>
+          <a:effectLst/>
+        </p:spPr>
+        <p:txBody>
+          <a:bodyPr vert="horz" lIns="91440" tIns="45720" rIns="91440" bIns="45720" rtlCol="0" anchor="ctr">
+            <a:noAutofit/>
+          </a:bodyPr>
+          <a:lstStyle>
+            <a:lvl1pPr algn="l" defTabSz="457200" rtl="0" eaLnBrk="1" latinLnBrk="0" hangingPunct="1">
+              <a:spcBef>
+                <a:spcPct val="0"/>
+              </a:spcBef>
+              <a:buNone/>
+              <a:defRPr sz="3600" kern="1200" cap="all">
+                <a:ln w="3175" cmpd="sng">
+                  <a:noFill/>
+                </a:ln>
+                <a:solidFill>
+                  <a:schemeClr val="tx1"/>
+                </a:solidFill>
+                <a:effectLst/>
+                <a:latin typeface="+mj-lt"/>
+                <a:ea typeface="+mj-ea"/>
+                <a:cs typeface="+mj-cs"/>
+              </a:defRPr>
+            </a:lvl1pPr>
+            <a:lvl2pPr eaLnBrk="1" hangingPunct="1">
+              <a:defRPr>
+                <a:solidFill>
+                  <a:schemeClr val="tx2"/>
+                </a:solidFill>
+              </a:defRPr>
+            </a:lvl2pPr>
+            <a:lvl3pPr eaLnBrk="1" hangingPunct="1">
+              <a:defRPr>
+                <a:solidFill>
+                  <a:schemeClr val="tx2"/>
+                </a:solidFill>
+              </a:defRPr>
+            </a:lvl3pPr>
+            <a:lvl4pPr eaLnBrk="1" hangingPunct="1">
+              <a:defRPr>
+                <a:solidFill>
+                  <a:schemeClr val="tx2"/>
+                </a:solidFill>
+              </a:defRPr>
+            </a:lvl4pPr>
+            <a:lvl5pPr eaLnBrk="1" hangingPunct="1">
+              <a:defRPr>
+                <a:solidFill>
+                  <a:schemeClr val="tx2"/>
+                </a:solidFill>
+              </a:defRPr>
+            </a:lvl5pPr>
+            <a:lvl6pPr eaLnBrk="1" hangingPunct="1">
+              <a:defRPr>
+                <a:solidFill>
+                  <a:schemeClr val="tx2"/>
+                </a:solidFill>
+              </a:defRPr>
+            </a:lvl6pPr>
+            <a:lvl7pPr eaLnBrk="1" hangingPunct="1">
+              <a:defRPr>
+                <a:solidFill>
+                  <a:schemeClr val="tx2"/>
+                </a:solidFill>
+              </a:defRPr>
+            </a:lvl7pPr>
+            <a:lvl8pPr eaLnBrk="1" hangingPunct="1">
+              <a:defRPr>
+                <a:solidFill>
+                  <a:schemeClr val="tx2"/>
+                </a:solidFill>
+              </a:defRPr>
+            </a:lvl8pPr>
+            <a:lvl9pPr eaLnBrk="1" hangingPunct="1">
+              <a:defRPr>
+                <a:solidFill>
+                  <a:schemeClr val="tx2"/>
+                </a:solidFill>
+              </a:defRPr>
+            </a:lvl9pPr>
+          </a:lstStyle>
+          <a:p>
+            <a:endParaRPr lang="en-US" sz="2800" dirty="0">
+              <a:latin typeface="Times New Roman" panose="02020603050405020304" pitchFamily="18" charset="0"/>
+              <a:cs typeface="Times New Roman" panose="02020603050405020304" pitchFamily="18" charset="0"/>
+            </a:endParaRPr>
+          </a:p>
+        </p:txBody>
+      </p:sp>
+      <p:pic>
+        <p:nvPicPr>
+          <p:cNvPr id="4" name="Picture 3" descr="Text&#10;&#10;Description automatically generated">
+            <a:extLst>
+              <a:ext uri="{FF2B5EF4-FFF2-40B4-BE49-F238E27FC236}">
+                <a16:creationId xmlns:a16="http://schemas.microsoft.com/office/drawing/2014/main" id="{23355C17-8EAE-4F7A-AF96-A0BCE6DA0166}"/>
+              </a:ext>
+            </a:extLst>
+          </p:cNvPr>
+          <p:cNvPicPr>
+            <a:picLocks noChangeAspect="1"/>
+          </p:cNvPicPr>
+          <p:nvPr/>
+        </p:nvPicPr>
+        <p:blipFill>
+          <a:blip r:embed="rId2">
+            <a:extLst>
+              <a:ext uri="{28A0092B-C50C-407E-A947-70E740481C1C}">
+                <a14:useLocalDpi xmlns:a14="http://schemas.microsoft.com/office/drawing/2010/main" val="0"/>
+              </a:ext>
+            </a:extLst>
+          </a:blip>
+          <a:stretch>
+            <a:fillRect/>
+          </a:stretch>
+        </p:blipFill>
+        <p:spPr>
+          <a:xfrm>
+            <a:off x="811397" y="690731"/>
+            <a:ext cx="10569206" cy="5476537"/>
+          </a:xfrm>
+          <a:prstGeom prst="rect">
+            <a:avLst/>
+          </a:prstGeom>
+        </p:spPr>
+      </p:pic>
+    </p:spTree>
+    <p:extLst>
+      <p:ext uri="{BB962C8B-B14F-4D97-AF65-F5344CB8AC3E}">
+        <p14:creationId xmlns:p14="http://schemas.microsoft.com/office/powerpoint/2010/main" val="1100226626"/>
+      </p:ext>
+    </p:extLst>
+  </p:cSld>
+  <p:clrMapOvr>
+    <a:masterClrMapping/>
+  </p:clrMapOvr>
+  <p:transition spd="med">
+    <p:pull/>
+  </p:transition>
+</p:sld>
+</file>
+
 <file path=ppt/slides/slide2.xml><?xml version="1.0" encoding="utf-8"?>
 <p:sld xmlns:a="http://schemas.openxmlformats.org/drawingml/2006/main" xmlns:r="http://schemas.openxmlformats.org/officeDocument/2006/relationships" xmlns:p="http://schemas.openxmlformats.org/presentationml/2006/main">
   <p:cSld>
@@ -9401,31 +10021,7 @@
             </a:pPr>
             <a:r>
               <a:rPr lang="en-US" sz="2000" dirty="0"/>
-              <a:t>5. </a:t>
-            </a:r>
-            <a:r>
-              <a:rPr lang="en-US" sz="2000" dirty="0" err="1"/>
-              <a:t>Testarea</a:t>
-            </a:r>
-            <a:r>
-              <a:rPr lang="en-US" sz="2000" dirty="0"/>
-              <a:t> </a:t>
-            </a:r>
-            <a:r>
-              <a:rPr lang="en-US" sz="2000" dirty="0" err="1"/>
-              <a:t>propriu-zisă</a:t>
-            </a:r>
-            <a:r>
-              <a:rPr lang="en-US" sz="2000" dirty="0"/>
-              <a:t> a </a:t>
-            </a:r>
-            <a:r>
-              <a:rPr lang="en-US" sz="2000" dirty="0" err="1"/>
-              <a:t>aplicației</a:t>
-            </a:r>
-            <a:r>
-              <a:rPr lang="en-US" sz="2000" dirty="0"/>
-              <a:t> </a:t>
+              <a:t>5. JUnit Testing</a:t>
             </a:r>
           </a:p>
           <a:p>
@@ -9532,6 +10128,4244 @@
     <p:extLst>
       <p:ext uri="{BB962C8B-B14F-4D97-AF65-F5344CB8AC3E}">
         <p14:creationId xmlns:p14="http://schemas.microsoft.com/office/powerpoint/2010/main" val="3043036411"/>
+      </p:ext>
+    </p:extLst>
+  </p:cSld>
+  <p:clrMapOvr>
+    <a:masterClrMapping/>
+  </p:clrMapOvr>
+  <p:transition spd="med">
+    <p:pull/>
+  </p:transition>
+</p:sld>
+</file>
+
+<file path=ppt/slides/slide20.xml><?xml version="1.0" encoding="utf-8"?>
+<p:sld xmlns:a="http://schemas.openxmlformats.org/drawingml/2006/main" xmlns:r="http://schemas.openxmlformats.org/officeDocument/2006/relationships" xmlns:p="http://schemas.openxmlformats.org/presentationml/2006/main">
+  <p:cSld>
+    <p:spTree>
+      <p:nvGrpSpPr>
+        <p:cNvPr id="1" name=""/>
+        <p:cNvGrpSpPr/>
+        <p:nvPr/>
+      </p:nvGrpSpPr>
+      <p:grpSpPr>
+        <a:xfrm>
+          <a:off x="0" y="0"/>
+          <a:ext cx="0" cy="0"/>
+          <a:chOff x="0" y="0"/>
+          <a:chExt cx="0" cy="0"/>
+        </a:xfrm>
+      </p:grpSpPr>
+      <p:sp>
+        <p:nvSpPr>
+          <p:cNvPr id="2" name="Title 1">
+            <a:extLst>
+              <a:ext uri="{FF2B5EF4-FFF2-40B4-BE49-F238E27FC236}">
+                <a16:creationId xmlns:a16="http://schemas.microsoft.com/office/drawing/2014/main" id="{63F5035C-74BC-40C2-9EC4-CD7907CF2505}"/>
+              </a:ext>
+            </a:extLst>
+          </p:cNvPr>
+          <p:cNvSpPr>
+            <a:spLocks noGrp="1"/>
+          </p:cNvSpPr>
+          <p:nvPr>
+            <p:ph type="title"/>
+          </p:nvPr>
+        </p:nvSpPr>
+        <p:spPr>
+          <a:xfrm>
+            <a:off x="475606" y="147158"/>
+            <a:ext cx="8865040" cy="925445"/>
+          </a:xfrm>
+        </p:spPr>
+        <p:txBody>
+          <a:bodyPr>
+            <a:noAutofit/>
+          </a:bodyPr>
+          <a:lstStyle/>
+          <a:p>
+            <a:r>
+              <a:rPr lang="en-US" sz="3200" dirty="0">
+                <a:latin typeface="Times New Roman" panose="02020603050405020304" pitchFamily="18" charset="0"/>
+                <a:cs typeface="Times New Roman" panose="02020603050405020304" pitchFamily="18" charset="0"/>
+              </a:rPr>
+              <a:t>5</a:t>
+            </a:r>
+            <a:r>
+              <a:rPr lang="ro-RO" sz="3200" dirty="0">
+                <a:solidFill>
+                  <a:schemeClr val="tx1"/>
+                </a:solidFill>
+                <a:latin typeface="Times New Roman" panose="02020603050405020304" pitchFamily="18" charset="0"/>
+                <a:cs typeface="Times New Roman" panose="02020603050405020304" pitchFamily="18" charset="0"/>
+              </a:rPr>
+              <a:t>. </a:t>
+            </a:r>
+            <a:r>
+              <a:rPr lang="en-US" sz="3200" dirty="0">
+                <a:latin typeface="Times New Roman" panose="02020603050405020304" pitchFamily="18" charset="0"/>
+                <a:cs typeface="Times New Roman" panose="02020603050405020304" pitchFamily="18" charset="0"/>
+              </a:rPr>
+              <a:t>Junit testing</a:t>
+            </a:r>
+            <a:br>
+              <a:rPr lang="ro-RO" sz="3200" dirty="0">
+                <a:latin typeface="Times New Roman" panose="02020603050405020304" pitchFamily="18" charset="0"/>
+                <a:cs typeface="Times New Roman" panose="02020603050405020304" pitchFamily="18" charset="0"/>
+              </a:rPr>
+            </a:br>
+            <a:r>
+              <a:rPr lang="ro-RO" sz="3200" dirty="0">
+                <a:latin typeface="Times New Roman" panose="02020603050405020304" pitchFamily="18" charset="0"/>
+                <a:cs typeface="Times New Roman" panose="02020603050405020304" pitchFamily="18" charset="0"/>
+              </a:rPr>
+              <a:t>     </a:t>
+            </a:r>
+            <a:endParaRPr lang="en-US" sz="3200" dirty="0">
+              <a:solidFill>
+                <a:schemeClr val="tx1"/>
+              </a:solidFill>
+              <a:latin typeface="Times New Roman" panose="02020603050405020304" pitchFamily="18" charset="0"/>
+              <a:cs typeface="Times New Roman" panose="02020603050405020304" pitchFamily="18" charset="0"/>
+            </a:endParaRPr>
+          </a:p>
+        </p:txBody>
+      </p:sp>
+      <p:sp>
+        <p:nvSpPr>
+          <p:cNvPr id="9" name="Title 1">
+            <a:extLst>
+              <a:ext uri="{FF2B5EF4-FFF2-40B4-BE49-F238E27FC236}">
+                <a16:creationId xmlns:a16="http://schemas.microsoft.com/office/drawing/2014/main" id="{FF107F4F-9209-4401-B8CA-4D4542BD228C}"/>
+              </a:ext>
+            </a:extLst>
+          </p:cNvPr>
+          <p:cNvSpPr txBox="1">
+            <a:spLocks/>
+          </p:cNvSpPr>
+          <p:nvPr/>
+        </p:nvSpPr>
+        <p:spPr>
+          <a:xfrm>
+            <a:off x="811397" y="609880"/>
+            <a:ext cx="10569206" cy="925445"/>
+          </a:xfrm>
+          <a:prstGeom prst="rect">
+            <a:avLst/>
+          </a:prstGeom>
+          <a:effectLst/>
+        </p:spPr>
+        <p:txBody>
+          <a:bodyPr vert="horz" lIns="91440" tIns="45720" rIns="91440" bIns="45720" rtlCol="0" anchor="ctr">
+            <a:noAutofit/>
+          </a:bodyPr>
+          <a:lstStyle>
+            <a:lvl1pPr algn="l" defTabSz="457200" rtl="0" eaLnBrk="1" latinLnBrk="0" hangingPunct="1">
+              <a:spcBef>
+                <a:spcPct val="0"/>
+              </a:spcBef>
+              <a:buNone/>
+              <a:defRPr sz="3600" kern="1200" cap="all">
+                <a:ln w="3175" cmpd="sng">
+                  <a:noFill/>
+                </a:ln>
+                <a:solidFill>
+                  <a:schemeClr val="tx1"/>
+                </a:solidFill>
+                <a:effectLst/>
+                <a:latin typeface="+mj-lt"/>
+                <a:ea typeface="+mj-ea"/>
+                <a:cs typeface="+mj-cs"/>
+              </a:defRPr>
+            </a:lvl1pPr>
+            <a:lvl2pPr eaLnBrk="1" hangingPunct="1">
+              <a:defRPr>
+                <a:solidFill>
+                  <a:schemeClr val="tx2"/>
+                </a:solidFill>
+              </a:defRPr>
+            </a:lvl2pPr>
+            <a:lvl3pPr eaLnBrk="1" hangingPunct="1">
+              <a:defRPr>
+                <a:solidFill>
+                  <a:schemeClr val="tx2"/>
+                </a:solidFill>
+              </a:defRPr>
+            </a:lvl3pPr>
+            <a:lvl4pPr eaLnBrk="1" hangingPunct="1">
+              <a:defRPr>
+                <a:solidFill>
+                  <a:schemeClr val="tx2"/>
+                </a:solidFill>
+              </a:defRPr>
+            </a:lvl4pPr>
+            <a:lvl5pPr eaLnBrk="1" hangingPunct="1">
+              <a:defRPr>
+                <a:solidFill>
+                  <a:schemeClr val="tx2"/>
+                </a:solidFill>
+              </a:defRPr>
+            </a:lvl5pPr>
+            <a:lvl6pPr eaLnBrk="1" hangingPunct="1">
+              <a:defRPr>
+                <a:solidFill>
+                  <a:schemeClr val="tx2"/>
+                </a:solidFill>
+              </a:defRPr>
+            </a:lvl6pPr>
+            <a:lvl7pPr eaLnBrk="1" hangingPunct="1">
+              <a:defRPr>
+                <a:solidFill>
+                  <a:schemeClr val="tx2"/>
+                </a:solidFill>
+              </a:defRPr>
+            </a:lvl7pPr>
+            <a:lvl8pPr eaLnBrk="1" hangingPunct="1">
+              <a:defRPr>
+                <a:solidFill>
+                  <a:schemeClr val="tx2"/>
+                </a:solidFill>
+              </a:defRPr>
+            </a:lvl8pPr>
+            <a:lvl9pPr eaLnBrk="1" hangingPunct="1">
+              <a:defRPr>
+                <a:solidFill>
+                  <a:schemeClr val="tx2"/>
+                </a:solidFill>
+              </a:defRPr>
+            </a:lvl9pPr>
+          </a:lstStyle>
+          <a:p>
+            <a:endParaRPr lang="en-US" sz="2800" dirty="0">
+              <a:latin typeface="Times New Roman" panose="02020603050405020304" pitchFamily="18" charset="0"/>
+              <a:cs typeface="Times New Roman" panose="02020603050405020304" pitchFamily="18" charset="0"/>
+            </a:endParaRPr>
+          </a:p>
+        </p:txBody>
+      </p:sp>
+      <p:pic>
+        <p:nvPicPr>
+          <p:cNvPr id="5" name="Picture 4" descr="Text&#10;&#10;Description automatically generated">
+            <a:extLst>
+              <a:ext uri="{FF2B5EF4-FFF2-40B4-BE49-F238E27FC236}">
+                <a16:creationId xmlns:a16="http://schemas.microsoft.com/office/drawing/2014/main" id="{A4F1BC66-8F0E-4DE8-AD07-1442650A0EE2}"/>
+              </a:ext>
+            </a:extLst>
+          </p:cNvPr>
+          <p:cNvPicPr>
+            <a:picLocks noChangeAspect="1"/>
+          </p:cNvPicPr>
+          <p:nvPr/>
+        </p:nvPicPr>
+        <p:blipFill>
+          <a:blip r:embed="rId2">
+            <a:extLst>
+              <a:ext uri="{28A0092B-C50C-407E-A947-70E740481C1C}">
+                <a14:useLocalDpi xmlns:a14="http://schemas.microsoft.com/office/drawing/2010/main" val="0"/>
+              </a:ext>
+            </a:extLst>
+          </a:blip>
+          <a:stretch>
+            <a:fillRect/>
+          </a:stretch>
+        </p:blipFill>
+        <p:spPr>
+          <a:xfrm>
+            <a:off x="1390281" y="693458"/>
+            <a:ext cx="9411438" cy="4215083"/>
+          </a:xfrm>
+          <a:prstGeom prst="rect">
+            <a:avLst/>
+          </a:prstGeom>
+        </p:spPr>
+      </p:pic>
+      <p:pic>
+        <p:nvPicPr>
+          <p:cNvPr id="7" name="Picture 6" descr="A picture containing text&#10;&#10;Description automatically generated">
+            <a:extLst>
+              <a:ext uri="{FF2B5EF4-FFF2-40B4-BE49-F238E27FC236}">
+                <a16:creationId xmlns:a16="http://schemas.microsoft.com/office/drawing/2014/main" id="{39ED25AE-8EA7-4DAA-BD11-DD495FE497EE}"/>
+              </a:ext>
+            </a:extLst>
+          </p:cNvPr>
+          <p:cNvPicPr>
+            <a:picLocks noChangeAspect="1"/>
+          </p:cNvPicPr>
+          <p:nvPr/>
+        </p:nvPicPr>
+        <p:blipFill rotWithShape="1">
+          <a:blip r:embed="rId3">
+            <a:extLst>
+              <a:ext uri="{28A0092B-C50C-407E-A947-70E740481C1C}">
+                <a14:useLocalDpi xmlns:a14="http://schemas.microsoft.com/office/drawing/2010/main" val="0"/>
+              </a:ext>
+            </a:extLst>
+          </a:blip>
+          <a:srcRect r="70824"/>
+          <a:stretch/>
+        </p:blipFill>
+        <p:spPr>
+          <a:xfrm>
+            <a:off x="3480670" y="5040404"/>
+            <a:ext cx="5230660" cy="1718725"/>
+          </a:xfrm>
+          <a:prstGeom prst="rect">
+            <a:avLst/>
+          </a:prstGeom>
+        </p:spPr>
+      </p:pic>
+    </p:spTree>
+    <p:extLst>
+      <p:ext uri="{BB962C8B-B14F-4D97-AF65-F5344CB8AC3E}">
+        <p14:creationId xmlns:p14="http://schemas.microsoft.com/office/powerpoint/2010/main" val="2239644928"/>
+      </p:ext>
+    </p:extLst>
+  </p:cSld>
+  <p:clrMapOvr>
+    <a:masterClrMapping/>
+  </p:clrMapOvr>
+  <p:transition spd="med">
+    <p:pull/>
+  </p:transition>
+</p:sld>
+</file>
+
+<file path=ppt/slides/slide21.xml><?xml version="1.0" encoding="utf-8"?>
+<p:sld xmlns:a="http://schemas.openxmlformats.org/drawingml/2006/main" xmlns:r="http://schemas.openxmlformats.org/officeDocument/2006/relationships" xmlns:p="http://schemas.openxmlformats.org/presentationml/2006/main">
+  <p:cSld>
+    <p:spTree>
+      <p:nvGrpSpPr>
+        <p:cNvPr id="1" name=""/>
+        <p:cNvGrpSpPr/>
+        <p:nvPr/>
+      </p:nvGrpSpPr>
+      <p:grpSpPr>
+        <a:xfrm>
+          <a:off x="0" y="0"/>
+          <a:ext cx="0" cy="0"/>
+          <a:chOff x="0" y="0"/>
+          <a:chExt cx="0" cy="0"/>
+        </a:xfrm>
+      </p:grpSpPr>
+      <p:sp>
+        <p:nvSpPr>
+          <p:cNvPr id="2" name="Title 1">
+            <a:extLst>
+              <a:ext uri="{FF2B5EF4-FFF2-40B4-BE49-F238E27FC236}">
+                <a16:creationId xmlns:a16="http://schemas.microsoft.com/office/drawing/2014/main" id="{63F5035C-74BC-40C2-9EC4-CD7907CF2505}"/>
+              </a:ext>
+            </a:extLst>
+          </p:cNvPr>
+          <p:cNvSpPr>
+            <a:spLocks noGrp="1"/>
+          </p:cNvSpPr>
+          <p:nvPr>
+            <p:ph type="title"/>
+          </p:nvPr>
+        </p:nvSpPr>
+        <p:spPr>
+          <a:xfrm>
+            <a:off x="475606" y="147158"/>
+            <a:ext cx="8865040" cy="925445"/>
+          </a:xfrm>
+        </p:spPr>
+        <p:txBody>
+          <a:bodyPr>
+            <a:noAutofit/>
+          </a:bodyPr>
+          <a:lstStyle/>
+          <a:p>
+            <a:r>
+              <a:rPr lang="en-US" sz="3200" dirty="0">
+                <a:solidFill>
+                  <a:schemeClr val="tx1"/>
+                </a:solidFill>
+                <a:latin typeface="Times New Roman" panose="02020603050405020304" pitchFamily="18" charset="0"/>
+                <a:cs typeface="Times New Roman" panose="02020603050405020304" pitchFamily="18" charset="0"/>
+              </a:rPr>
+              <a:t>6</a:t>
+            </a:r>
+            <a:r>
+              <a:rPr lang="ro-RO" sz="3200" dirty="0">
+                <a:solidFill>
+                  <a:schemeClr val="tx1"/>
+                </a:solidFill>
+                <a:latin typeface="Times New Roman" panose="02020603050405020304" pitchFamily="18" charset="0"/>
+                <a:cs typeface="Times New Roman" panose="02020603050405020304" pitchFamily="18" charset="0"/>
+              </a:rPr>
+              <a:t>. </a:t>
+            </a:r>
+            <a:r>
+              <a:rPr lang="en-US" sz="3200" dirty="0">
+                <a:solidFill>
+                  <a:schemeClr val="tx1"/>
+                </a:solidFill>
+                <a:latin typeface="Times New Roman" panose="02020603050405020304" pitchFamily="18" charset="0"/>
+                <a:cs typeface="Times New Roman" panose="02020603050405020304" pitchFamily="18" charset="0"/>
+              </a:rPr>
+              <a:t>Manual de </a:t>
+            </a:r>
+            <a:r>
+              <a:rPr lang="en-US" sz="3200" dirty="0" err="1">
+                <a:solidFill>
+                  <a:schemeClr val="tx1"/>
+                </a:solidFill>
+                <a:latin typeface="Times New Roman" panose="02020603050405020304" pitchFamily="18" charset="0"/>
+                <a:cs typeface="Times New Roman" panose="02020603050405020304" pitchFamily="18" charset="0"/>
+              </a:rPr>
+              <a:t>instalare</a:t>
+            </a:r>
+            <a:r>
+              <a:rPr lang="en-US" sz="3200" dirty="0">
+                <a:solidFill>
+                  <a:schemeClr val="tx1"/>
+                </a:solidFill>
+                <a:latin typeface="Times New Roman" panose="02020603050405020304" pitchFamily="18" charset="0"/>
+                <a:cs typeface="Times New Roman" panose="02020603050405020304" pitchFamily="18" charset="0"/>
+              </a:rPr>
+              <a:t> </a:t>
+            </a:r>
+            <a:r>
+              <a:rPr lang="en-US" sz="3200" dirty="0" err="1">
+                <a:solidFill>
+                  <a:schemeClr val="tx1"/>
+                </a:solidFill>
+                <a:latin typeface="Times New Roman" panose="02020603050405020304" pitchFamily="18" charset="0"/>
+                <a:cs typeface="Times New Roman" panose="02020603050405020304" pitchFamily="18" charset="0"/>
+              </a:rPr>
+              <a:t>si</a:t>
+            </a:r>
+            <a:r>
+              <a:rPr lang="en-US" sz="3200" dirty="0">
+                <a:solidFill>
+                  <a:schemeClr val="tx1"/>
+                </a:solidFill>
+                <a:latin typeface="Times New Roman" panose="02020603050405020304" pitchFamily="18" charset="0"/>
+                <a:cs typeface="Times New Roman" panose="02020603050405020304" pitchFamily="18" charset="0"/>
+              </a:rPr>
+              <a:t> </a:t>
+            </a:r>
+            <a:r>
+              <a:rPr lang="en-US" sz="3200" dirty="0" err="1">
+                <a:solidFill>
+                  <a:schemeClr val="tx1"/>
+                </a:solidFill>
+                <a:latin typeface="Times New Roman" panose="02020603050405020304" pitchFamily="18" charset="0"/>
+                <a:cs typeface="Times New Roman" panose="02020603050405020304" pitchFamily="18" charset="0"/>
+              </a:rPr>
+              <a:t>utilizare</a:t>
+            </a:r>
+            <a:br>
+              <a:rPr lang="ro-RO" sz="3200" dirty="0">
+                <a:latin typeface="Times New Roman" panose="02020603050405020304" pitchFamily="18" charset="0"/>
+                <a:cs typeface="Times New Roman" panose="02020603050405020304" pitchFamily="18" charset="0"/>
+              </a:rPr>
+            </a:br>
+            <a:r>
+              <a:rPr lang="ro-RO" sz="3200" dirty="0">
+                <a:latin typeface="Times New Roman" panose="02020603050405020304" pitchFamily="18" charset="0"/>
+                <a:cs typeface="Times New Roman" panose="02020603050405020304" pitchFamily="18" charset="0"/>
+              </a:rPr>
+              <a:t>     </a:t>
+            </a:r>
+            <a:endParaRPr lang="en-US" sz="3200" dirty="0">
+              <a:solidFill>
+                <a:schemeClr val="tx1"/>
+              </a:solidFill>
+              <a:latin typeface="Times New Roman" panose="02020603050405020304" pitchFamily="18" charset="0"/>
+              <a:cs typeface="Times New Roman" panose="02020603050405020304" pitchFamily="18" charset="0"/>
+            </a:endParaRPr>
+          </a:p>
+        </p:txBody>
+      </p:sp>
+      <p:sp>
+        <p:nvSpPr>
+          <p:cNvPr id="9" name="Title 1">
+            <a:extLst>
+              <a:ext uri="{FF2B5EF4-FFF2-40B4-BE49-F238E27FC236}">
+                <a16:creationId xmlns:a16="http://schemas.microsoft.com/office/drawing/2014/main" id="{FF107F4F-9209-4401-B8CA-4D4542BD228C}"/>
+              </a:ext>
+            </a:extLst>
+          </p:cNvPr>
+          <p:cNvSpPr txBox="1">
+            <a:spLocks/>
+          </p:cNvSpPr>
+          <p:nvPr/>
+        </p:nvSpPr>
+        <p:spPr>
+          <a:xfrm>
+            <a:off x="811397" y="609880"/>
+            <a:ext cx="10569206" cy="925445"/>
+          </a:xfrm>
+          <a:prstGeom prst="rect">
+            <a:avLst/>
+          </a:prstGeom>
+          <a:effectLst/>
+        </p:spPr>
+        <p:txBody>
+          <a:bodyPr vert="horz" lIns="91440" tIns="45720" rIns="91440" bIns="45720" rtlCol="0" anchor="ctr">
+            <a:noAutofit/>
+          </a:bodyPr>
+          <a:lstStyle>
+            <a:lvl1pPr algn="l" defTabSz="457200" rtl="0" eaLnBrk="1" latinLnBrk="0" hangingPunct="1">
+              <a:spcBef>
+                <a:spcPct val="0"/>
+              </a:spcBef>
+              <a:buNone/>
+              <a:defRPr sz="3600" kern="1200" cap="all">
+                <a:ln w="3175" cmpd="sng">
+                  <a:noFill/>
+                </a:ln>
+                <a:solidFill>
+                  <a:schemeClr val="tx1"/>
+                </a:solidFill>
+                <a:effectLst/>
+                <a:latin typeface="+mj-lt"/>
+                <a:ea typeface="+mj-ea"/>
+                <a:cs typeface="+mj-cs"/>
+              </a:defRPr>
+            </a:lvl1pPr>
+            <a:lvl2pPr eaLnBrk="1" hangingPunct="1">
+              <a:defRPr>
+                <a:solidFill>
+                  <a:schemeClr val="tx2"/>
+                </a:solidFill>
+              </a:defRPr>
+            </a:lvl2pPr>
+            <a:lvl3pPr eaLnBrk="1" hangingPunct="1">
+              <a:defRPr>
+                <a:solidFill>
+                  <a:schemeClr val="tx2"/>
+                </a:solidFill>
+              </a:defRPr>
+            </a:lvl3pPr>
+            <a:lvl4pPr eaLnBrk="1" hangingPunct="1">
+              <a:defRPr>
+                <a:solidFill>
+                  <a:schemeClr val="tx2"/>
+                </a:solidFill>
+              </a:defRPr>
+            </a:lvl4pPr>
+            <a:lvl5pPr eaLnBrk="1" hangingPunct="1">
+              <a:defRPr>
+                <a:solidFill>
+                  <a:schemeClr val="tx2"/>
+                </a:solidFill>
+              </a:defRPr>
+            </a:lvl5pPr>
+            <a:lvl6pPr eaLnBrk="1" hangingPunct="1">
+              <a:defRPr>
+                <a:solidFill>
+                  <a:schemeClr val="tx2"/>
+                </a:solidFill>
+              </a:defRPr>
+            </a:lvl6pPr>
+            <a:lvl7pPr eaLnBrk="1" hangingPunct="1">
+              <a:defRPr>
+                <a:solidFill>
+                  <a:schemeClr val="tx2"/>
+                </a:solidFill>
+              </a:defRPr>
+            </a:lvl7pPr>
+            <a:lvl8pPr eaLnBrk="1" hangingPunct="1">
+              <a:defRPr>
+                <a:solidFill>
+                  <a:schemeClr val="tx2"/>
+                </a:solidFill>
+              </a:defRPr>
+            </a:lvl8pPr>
+            <a:lvl9pPr eaLnBrk="1" hangingPunct="1">
+              <a:defRPr>
+                <a:solidFill>
+                  <a:schemeClr val="tx2"/>
+                </a:solidFill>
+              </a:defRPr>
+            </a:lvl9pPr>
+          </a:lstStyle>
+          <a:p>
+            <a:r>
+              <a:rPr lang="en-US" sz="2800" dirty="0">
+                <a:latin typeface="Times New Roman" panose="02020603050405020304" pitchFamily="18" charset="0"/>
+                <a:cs typeface="Times New Roman" panose="02020603050405020304" pitchFamily="18" charset="0"/>
+              </a:rPr>
+              <a:t>6</a:t>
+            </a:r>
+            <a:r>
+              <a:rPr lang="ro-RO" sz="2800" dirty="0">
+                <a:latin typeface="Times New Roman" panose="02020603050405020304" pitchFamily="18" charset="0"/>
+                <a:cs typeface="Times New Roman" panose="02020603050405020304" pitchFamily="18" charset="0"/>
+              </a:rPr>
+              <a:t>.</a:t>
+            </a:r>
+            <a:r>
+              <a:rPr lang="en-US" sz="2800" dirty="0">
+                <a:latin typeface="Times New Roman" panose="02020603050405020304" pitchFamily="18" charset="0"/>
+                <a:cs typeface="Times New Roman" panose="02020603050405020304" pitchFamily="18" charset="0"/>
+              </a:rPr>
+              <a:t>1 </a:t>
+            </a:r>
+            <a:r>
+              <a:rPr lang="en-US" sz="2800" dirty="0" err="1">
+                <a:latin typeface="Times New Roman" panose="02020603050405020304" pitchFamily="18" charset="0"/>
+                <a:cs typeface="Times New Roman" panose="02020603050405020304" pitchFamily="18" charset="0"/>
+              </a:rPr>
+              <a:t>inregistrarea</a:t>
+            </a:r>
+            <a:r>
+              <a:rPr lang="en-US" sz="2800" dirty="0">
+                <a:latin typeface="Times New Roman" panose="02020603050405020304" pitchFamily="18" charset="0"/>
+                <a:cs typeface="Times New Roman" panose="02020603050405020304" pitchFamily="18" charset="0"/>
+              </a:rPr>
+              <a:t> </a:t>
+            </a:r>
+            <a:r>
+              <a:rPr lang="en-US" sz="2800" dirty="0" err="1">
+                <a:latin typeface="Times New Roman" panose="02020603050405020304" pitchFamily="18" charset="0"/>
+                <a:cs typeface="Times New Roman" panose="02020603050405020304" pitchFamily="18" charset="0"/>
+              </a:rPr>
+              <a:t>unui</a:t>
+            </a:r>
+            <a:r>
+              <a:rPr lang="en-US" sz="2800" dirty="0">
+                <a:latin typeface="Times New Roman" panose="02020603050405020304" pitchFamily="18" charset="0"/>
+                <a:cs typeface="Times New Roman" panose="02020603050405020304" pitchFamily="18" charset="0"/>
+              </a:rPr>
+              <a:t> </a:t>
+            </a:r>
+            <a:r>
+              <a:rPr lang="en-US" sz="2800" dirty="0" err="1">
+                <a:latin typeface="Times New Roman" panose="02020603050405020304" pitchFamily="18" charset="0"/>
+                <a:cs typeface="Times New Roman" panose="02020603050405020304" pitchFamily="18" charset="0"/>
+              </a:rPr>
+              <a:t>cont</a:t>
+            </a:r>
+            <a:endParaRPr lang="en-US" sz="2800" dirty="0">
+              <a:latin typeface="Times New Roman" panose="02020603050405020304" pitchFamily="18" charset="0"/>
+              <a:cs typeface="Times New Roman" panose="02020603050405020304" pitchFamily="18" charset="0"/>
+            </a:endParaRPr>
+          </a:p>
+        </p:txBody>
+      </p:sp>
+      <p:pic>
+        <p:nvPicPr>
+          <p:cNvPr id="5" name="Picture 4">
+            <a:extLst>
+              <a:ext uri="{FF2B5EF4-FFF2-40B4-BE49-F238E27FC236}">
+                <a16:creationId xmlns:a16="http://schemas.microsoft.com/office/drawing/2014/main" id="{559FD009-F02E-4C52-8684-533A660EF9EF}"/>
+              </a:ext>
+            </a:extLst>
+          </p:cNvPr>
+          <p:cNvPicPr>
+            <a:picLocks noChangeAspect="1"/>
+          </p:cNvPicPr>
+          <p:nvPr/>
+        </p:nvPicPr>
+        <p:blipFill>
+          <a:blip r:embed="rId2"/>
+          <a:stretch>
+            <a:fillRect/>
+          </a:stretch>
+        </p:blipFill>
+        <p:spPr>
+          <a:xfrm>
+            <a:off x="1201442" y="1504683"/>
+            <a:ext cx="10098569" cy="5175517"/>
+          </a:xfrm>
+          <a:prstGeom prst="rect">
+            <a:avLst/>
+          </a:prstGeom>
+        </p:spPr>
+      </p:pic>
+    </p:spTree>
+    <p:extLst>
+      <p:ext uri="{BB962C8B-B14F-4D97-AF65-F5344CB8AC3E}">
+        <p14:creationId xmlns:p14="http://schemas.microsoft.com/office/powerpoint/2010/main" val="2362122995"/>
+      </p:ext>
+    </p:extLst>
+  </p:cSld>
+  <p:clrMapOvr>
+    <a:masterClrMapping/>
+  </p:clrMapOvr>
+  <p:transition spd="med">
+    <p:pull/>
+  </p:transition>
+</p:sld>
+</file>
+
+<file path=ppt/slides/slide22.xml><?xml version="1.0" encoding="utf-8"?>
+<p:sld xmlns:a="http://schemas.openxmlformats.org/drawingml/2006/main" xmlns:r="http://schemas.openxmlformats.org/officeDocument/2006/relationships" xmlns:p="http://schemas.openxmlformats.org/presentationml/2006/main">
+  <p:cSld>
+    <p:spTree>
+      <p:nvGrpSpPr>
+        <p:cNvPr id="1" name=""/>
+        <p:cNvGrpSpPr/>
+        <p:nvPr/>
+      </p:nvGrpSpPr>
+      <p:grpSpPr>
+        <a:xfrm>
+          <a:off x="0" y="0"/>
+          <a:ext cx="0" cy="0"/>
+          <a:chOff x="0" y="0"/>
+          <a:chExt cx="0" cy="0"/>
+        </a:xfrm>
+      </p:grpSpPr>
+      <p:sp>
+        <p:nvSpPr>
+          <p:cNvPr id="2" name="Title 1">
+            <a:extLst>
+              <a:ext uri="{FF2B5EF4-FFF2-40B4-BE49-F238E27FC236}">
+                <a16:creationId xmlns:a16="http://schemas.microsoft.com/office/drawing/2014/main" id="{63F5035C-74BC-40C2-9EC4-CD7907CF2505}"/>
+              </a:ext>
+            </a:extLst>
+          </p:cNvPr>
+          <p:cNvSpPr>
+            <a:spLocks noGrp="1"/>
+          </p:cNvSpPr>
+          <p:nvPr>
+            <p:ph type="title"/>
+          </p:nvPr>
+        </p:nvSpPr>
+        <p:spPr>
+          <a:xfrm>
+            <a:off x="475606" y="147158"/>
+            <a:ext cx="8865040" cy="925445"/>
+          </a:xfrm>
+        </p:spPr>
+        <p:txBody>
+          <a:bodyPr>
+            <a:noAutofit/>
+          </a:bodyPr>
+          <a:lstStyle/>
+          <a:p>
+            <a:r>
+              <a:rPr lang="en-US" sz="3200" dirty="0">
+                <a:solidFill>
+                  <a:schemeClr val="tx1"/>
+                </a:solidFill>
+                <a:latin typeface="Times New Roman" panose="02020603050405020304" pitchFamily="18" charset="0"/>
+                <a:cs typeface="Times New Roman" panose="02020603050405020304" pitchFamily="18" charset="0"/>
+              </a:rPr>
+              <a:t>6</a:t>
+            </a:r>
+            <a:r>
+              <a:rPr lang="ro-RO" sz="3200" dirty="0">
+                <a:solidFill>
+                  <a:schemeClr val="tx1"/>
+                </a:solidFill>
+                <a:latin typeface="Times New Roman" panose="02020603050405020304" pitchFamily="18" charset="0"/>
+                <a:cs typeface="Times New Roman" panose="02020603050405020304" pitchFamily="18" charset="0"/>
+              </a:rPr>
+              <a:t>. </a:t>
+            </a:r>
+            <a:r>
+              <a:rPr lang="en-US" sz="3200" dirty="0">
+                <a:solidFill>
+                  <a:schemeClr val="tx1"/>
+                </a:solidFill>
+                <a:latin typeface="Times New Roman" panose="02020603050405020304" pitchFamily="18" charset="0"/>
+                <a:cs typeface="Times New Roman" panose="02020603050405020304" pitchFamily="18" charset="0"/>
+              </a:rPr>
+              <a:t>Manual de </a:t>
+            </a:r>
+            <a:r>
+              <a:rPr lang="en-US" sz="3200" dirty="0" err="1">
+                <a:solidFill>
+                  <a:schemeClr val="tx1"/>
+                </a:solidFill>
+                <a:latin typeface="Times New Roman" panose="02020603050405020304" pitchFamily="18" charset="0"/>
+                <a:cs typeface="Times New Roman" panose="02020603050405020304" pitchFamily="18" charset="0"/>
+              </a:rPr>
+              <a:t>instalare</a:t>
+            </a:r>
+            <a:r>
+              <a:rPr lang="en-US" sz="3200" dirty="0">
+                <a:solidFill>
+                  <a:schemeClr val="tx1"/>
+                </a:solidFill>
+                <a:latin typeface="Times New Roman" panose="02020603050405020304" pitchFamily="18" charset="0"/>
+                <a:cs typeface="Times New Roman" panose="02020603050405020304" pitchFamily="18" charset="0"/>
+              </a:rPr>
+              <a:t> </a:t>
+            </a:r>
+            <a:r>
+              <a:rPr lang="en-US" sz="3200" dirty="0" err="1">
+                <a:solidFill>
+                  <a:schemeClr val="tx1"/>
+                </a:solidFill>
+                <a:latin typeface="Times New Roman" panose="02020603050405020304" pitchFamily="18" charset="0"/>
+                <a:cs typeface="Times New Roman" panose="02020603050405020304" pitchFamily="18" charset="0"/>
+              </a:rPr>
+              <a:t>si</a:t>
+            </a:r>
+            <a:r>
+              <a:rPr lang="en-US" sz="3200" dirty="0">
+                <a:solidFill>
+                  <a:schemeClr val="tx1"/>
+                </a:solidFill>
+                <a:latin typeface="Times New Roman" panose="02020603050405020304" pitchFamily="18" charset="0"/>
+                <a:cs typeface="Times New Roman" panose="02020603050405020304" pitchFamily="18" charset="0"/>
+              </a:rPr>
+              <a:t> </a:t>
+            </a:r>
+            <a:r>
+              <a:rPr lang="en-US" sz="3200" dirty="0" err="1">
+                <a:solidFill>
+                  <a:schemeClr val="tx1"/>
+                </a:solidFill>
+                <a:latin typeface="Times New Roman" panose="02020603050405020304" pitchFamily="18" charset="0"/>
+                <a:cs typeface="Times New Roman" panose="02020603050405020304" pitchFamily="18" charset="0"/>
+              </a:rPr>
+              <a:t>utilizare</a:t>
+            </a:r>
+            <a:br>
+              <a:rPr lang="ro-RO" sz="3200" dirty="0">
+                <a:latin typeface="Times New Roman" panose="02020603050405020304" pitchFamily="18" charset="0"/>
+                <a:cs typeface="Times New Roman" panose="02020603050405020304" pitchFamily="18" charset="0"/>
+              </a:rPr>
+            </a:br>
+            <a:r>
+              <a:rPr lang="ro-RO" sz="3200" dirty="0">
+                <a:latin typeface="Times New Roman" panose="02020603050405020304" pitchFamily="18" charset="0"/>
+                <a:cs typeface="Times New Roman" panose="02020603050405020304" pitchFamily="18" charset="0"/>
+              </a:rPr>
+              <a:t>     </a:t>
+            </a:r>
+            <a:endParaRPr lang="en-US" sz="3200" dirty="0">
+              <a:solidFill>
+                <a:schemeClr val="tx1"/>
+              </a:solidFill>
+              <a:latin typeface="Times New Roman" panose="02020603050405020304" pitchFamily="18" charset="0"/>
+              <a:cs typeface="Times New Roman" panose="02020603050405020304" pitchFamily="18" charset="0"/>
+            </a:endParaRPr>
+          </a:p>
+        </p:txBody>
+      </p:sp>
+      <p:sp>
+        <p:nvSpPr>
+          <p:cNvPr id="9" name="Title 1">
+            <a:extLst>
+              <a:ext uri="{FF2B5EF4-FFF2-40B4-BE49-F238E27FC236}">
+                <a16:creationId xmlns:a16="http://schemas.microsoft.com/office/drawing/2014/main" id="{FF107F4F-9209-4401-B8CA-4D4542BD228C}"/>
+              </a:ext>
+            </a:extLst>
+          </p:cNvPr>
+          <p:cNvSpPr txBox="1">
+            <a:spLocks/>
+          </p:cNvSpPr>
+          <p:nvPr/>
+        </p:nvSpPr>
+        <p:spPr>
+          <a:xfrm>
+            <a:off x="811397" y="609880"/>
+            <a:ext cx="10569206" cy="925445"/>
+          </a:xfrm>
+          <a:prstGeom prst="rect">
+            <a:avLst/>
+          </a:prstGeom>
+          <a:effectLst/>
+        </p:spPr>
+        <p:txBody>
+          <a:bodyPr vert="horz" lIns="91440" tIns="45720" rIns="91440" bIns="45720" rtlCol="0" anchor="ctr">
+            <a:noAutofit/>
+          </a:bodyPr>
+          <a:lstStyle>
+            <a:lvl1pPr algn="l" defTabSz="457200" rtl="0" eaLnBrk="1" latinLnBrk="0" hangingPunct="1">
+              <a:spcBef>
+                <a:spcPct val="0"/>
+              </a:spcBef>
+              <a:buNone/>
+              <a:defRPr sz="3600" kern="1200" cap="all">
+                <a:ln w="3175" cmpd="sng">
+                  <a:noFill/>
+                </a:ln>
+                <a:solidFill>
+                  <a:schemeClr val="tx1"/>
+                </a:solidFill>
+                <a:effectLst/>
+                <a:latin typeface="+mj-lt"/>
+                <a:ea typeface="+mj-ea"/>
+                <a:cs typeface="+mj-cs"/>
+              </a:defRPr>
+            </a:lvl1pPr>
+            <a:lvl2pPr eaLnBrk="1" hangingPunct="1">
+              <a:defRPr>
+                <a:solidFill>
+                  <a:schemeClr val="tx2"/>
+                </a:solidFill>
+              </a:defRPr>
+            </a:lvl2pPr>
+            <a:lvl3pPr eaLnBrk="1" hangingPunct="1">
+              <a:defRPr>
+                <a:solidFill>
+                  <a:schemeClr val="tx2"/>
+                </a:solidFill>
+              </a:defRPr>
+            </a:lvl3pPr>
+            <a:lvl4pPr eaLnBrk="1" hangingPunct="1">
+              <a:defRPr>
+                <a:solidFill>
+                  <a:schemeClr val="tx2"/>
+                </a:solidFill>
+              </a:defRPr>
+            </a:lvl4pPr>
+            <a:lvl5pPr eaLnBrk="1" hangingPunct="1">
+              <a:defRPr>
+                <a:solidFill>
+                  <a:schemeClr val="tx2"/>
+                </a:solidFill>
+              </a:defRPr>
+            </a:lvl5pPr>
+            <a:lvl6pPr eaLnBrk="1" hangingPunct="1">
+              <a:defRPr>
+                <a:solidFill>
+                  <a:schemeClr val="tx2"/>
+                </a:solidFill>
+              </a:defRPr>
+            </a:lvl6pPr>
+            <a:lvl7pPr eaLnBrk="1" hangingPunct="1">
+              <a:defRPr>
+                <a:solidFill>
+                  <a:schemeClr val="tx2"/>
+                </a:solidFill>
+              </a:defRPr>
+            </a:lvl7pPr>
+            <a:lvl8pPr eaLnBrk="1" hangingPunct="1">
+              <a:defRPr>
+                <a:solidFill>
+                  <a:schemeClr val="tx2"/>
+                </a:solidFill>
+              </a:defRPr>
+            </a:lvl8pPr>
+            <a:lvl9pPr eaLnBrk="1" hangingPunct="1">
+              <a:defRPr>
+                <a:solidFill>
+                  <a:schemeClr val="tx2"/>
+                </a:solidFill>
+              </a:defRPr>
+            </a:lvl9pPr>
+          </a:lstStyle>
+          <a:p>
+            <a:r>
+              <a:rPr lang="en-US" sz="2800" dirty="0">
+                <a:latin typeface="Times New Roman" panose="02020603050405020304" pitchFamily="18" charset="0"/>
+                <a:cs typeface="Times New Roman" panose="02020603050405020304" pitchFamily="18" charset="0"/>
+              </a:rPr>
+              <a:t>6</a:t>
+            </a:r>
+            <a:r>
+              <a:rPr lang="ro-RO" sz="2800" dirty="0">
+                <a:latin typeface="Times New Roman" panose="02020603050405020304" pitchFamily="18" charset="0"/>
+                <a:cs typeface="Times New Roman" panose="02020603050405020304" pitchFamily="18" charset="0"/>
+              </a:rPr>
+              <a:t>.</a:t>
+            </a:r>
+            <a:r>
+              <a:rPr lang="en-US" sz="2800" dirty="0">
+                <a:latin typeface="Times New Roman" panose="02020603050405020304" pitchFamily="18" charset="0"/>
+                <a:cs typeface="Times New Roman" panose="02020603050405020304" pitchFamily="18" charset="0"/>
+              </a:rPr>
+              <a:t>2 AUTENTIFICARE</a:t>
+            </a:r>
+          </a:p>
+        </p:txBody>
+      </p:sp>
+      <p:pic>
+        <p:nvPicPr>
+          <p:cNvPr id="4" name="Picture 3">
+            <a:extLst>
+              <a:ext uri="{FF2B5EF4-FFF2-40B4-BE49-F238E27FC236}">
+                <a16:creationId xmlns:a16="http://schemas.microsoft.com/office/drawing/2014/main" id="{515438B4-CA9A-4064-ABC7-D74BFF8AA8F8}"/>
+              </a:ext>
+            </a:extLst>
+          </p:cNvPr>
+          <p:cNvPicPr>
+            <a:picLocks noChangeAspect="1"/>
+          </p:cNvPicPr>
+          <p:nvPr/>
+        </p:nvPicPr>
+        <p:blipFill>
+          <a:blip r:embed="rId2"/>
+          <a:stretch>
+            <a:fillRect/>
+          </a:stretch>
+        </p:blipFill>
+        <p:spPr>
+          <a:xfrm>
+            <a:off x="1029229" y="1381125"/>
+            <a:ext cx="10133541" cy="5211535"/>
+          </a:xfrm>
+          <a:prstGeom prst="rect">
+            <a:avLst/>
+          </a:prstGeom>
+        </p:spPr>
+      </p:pic>
+    </p:spTree>
+    <p:extLst>
+      <p:ext uri="{BB962C8B-B14F-4D97-AF65-F5344CB8AC3E}">
+        <p14:creationId xmlns:p14="http://schemas.microsoft.com/office/powerpoint/2010/main" val="3621515443"/>
+      </p:ext>
+    </p:extLst>
+  </p:cSld>
+  <p:clrMapOvr>
+    <a:masterClrMapping/>
+  </p:clrMapOvr>
+  <p:transition spd="med">
+    <p:pull/>
+  </p:transition>
+</p:sld>
+</file>
+
+<file path=ppt/slides/slide23.xml><?xml version="1.0" encoding="utf-8"?>
+<p:sld xmlns:a="http://schemas.openxmlformats.org/drawingml/2006/main" xmlns:r="http://schemas.openxmlformats.org/officeDocument/2006/relationships" xmlns:p="http://schemas.openxmlformats.org/presentationml/2006/main">
+  <p:cSld>
+    <p:spTree>
+      <p:nvGrpSpPr>
+        <p:cNvPr id="1" name=""/>
+        <p:cNvGrpSpPr/>
+        <p:nvPr/>
+      </p:nvGrpSpPr>
+      <p:grpSpPr>
+        <a:xfrm>
+          <a:off x="0" y="0"/>
+          <a:ext cx="0" cy="0"/>
+          <a:chOff x="0" y="0"/>
+          <a:chExt cx="0" cy="0"/>
+        </a:xfrm>
+      </p:grpSpPr>
+      <p:sp>
+        <p:nvSpPr>
+          <p:cNvPr id="2" name="Title 1">
+            <a:extLst>
+              <a:ext uri="{FF2B5EF4-FFF2-40B4-BE49-F238E27FC236}">
+                <a16:creationId xmlns:a16="http://schemas.microsoft.com/office/drawing/2014/main" id="{63F5035C-74BC-40C2-9EC4-CD7907CF2505}"/>
+              </a:ext>
+            </a:extLst>
+          </p:cNvPr>
+          <p:cNvSpPr>
+            <a:spLocks noGrp="1"/>
+          </p:cNvSpPr>
+          <p:nvPr>
+            <p:ph type="title"/>
+          </p:nvPr>
+        </p:nvSpPr>
+        <p:spPr>
+          <a:xfrm>
+            <a:off x="475606" y="147158"/>
+            <a:ext cx="8865040" cy="925445"/>
+          </a:xfrm>
+        </p:spPr>
+        <p:txBody>
+          <a:bodyPr>
+            <a:noAutofit/>
+          </a:bodyPr>
+          <a:lstStyle/>
+          <a:p>
+            <a:r>
+              <a:rPr lang="en-US" sz="3200" dirty="0">
+                <a:solidFill>
+                  <a:schemeClr val="tx1"/>
+                </a:solidFill>
+                <a:latin typeface="Times New Roman" panose="02020603050405020304" pitchFamily="18" charset="0"/>
+                <a:cs typeface="Times New Roman" panose="02020603050405020304" pitchFamily="18" charset="0"/>
+              </a:rPr>
+              <a:t>6</a:t>
+            </a:r>
+            <a:r>
+              <a:rPr lang="ro-RO" sz="3200" dirty="0">
+                <a:solidFill>
+                  <a:schemeClr val="tx1"/>
+                </a:solidFill>
+                <a:latin typeface="Times New Roman" panose="02020603050405020304" pitchFamily="18" charset="0"/>
+                <a:cs typeface="Times New Roman" panose="02020603050405020304" pitchFamily="18" charset="0"/>
+              </a:rPr>
+              <a:t>. </a:t>
+            </a:r>
+            <a:r>
+              <a:rPr lang="en-US" sz="3200" dirty="0">
+                <a:solidFill>
+                  <a:schemeClr val="tx1"/>
+                </a:solidFill>
+                <a:latin typeface="Times New Roman" panose="02020603050405020304" pitchFamily="18" charset="0"/>
+                <a:cs typeface="Times New Roman" panose="02020603050405020304" pitchFamily="18" charset="0"/>
+              </a:rPr>
+              <a:t>Manual de </a:t>
+            </a:r>
+            <a:r>
+              <a:rPr lang="en-US" sz="3200" dirty="0" err="1">
+                <a:solidFill>
+                  <a:schemeClr val="tx1"/>
+                </a:solidFill>
+                <a:latin typeface="Times New Roman" panose="02020603050405020304" pitchFamily="18" charset="0"/>
+                <a:cs typeface="Times New Roman" panose="02020603050405020304" pitchFamily="18" charset="0"/>
+              </a:rPr>
+              <a:t>instalare</a:t>
+            </a:r>
+            <a:r>
+              <a:rPr lang="en-US" sz="3200" dirty="0">
+                <a:solidFill>
+                  <a:schemeClr val="tx1"/>
+                </a:solidFill>
+                <a:latin typeface="Times New Roman" panose="02020603050405020304" pitchFamily="18" charset="0"/>
+                <a:cs typeface="Times New Roman" panose="02020603050405020304" pitchFamily="18" charset="0"/>
+              </a:rPr>
+              <a:t> </a:t>
+            </a:r>
+            <a:r>
+              <a:rPr lang="en-US" sz="3200" dirty="0" err="1">
+                <a:solidFill>
+                  <a:schemeClr val="tx1"/>
+                </a:solidFill>
+                <a:latin typeface="Times New Roman" panose="02020603050405020304" pitchFamily="18" charset="0"/>
+                <a:cs typeface="Times New Roman" panose="02020603050405020304" pitchFamily="18" charset="0"/>
+              </a:rPr>
+              <a:t>si</a:t>
+            </a:r>
+            <a:r>
+              <a:rPr lang="en-US" sz="3200" dirty="0">
+                <a:solidFill>
+                  <a:schemeClr val="tx1"/>
+                </a:solidFill>
+                <a:latin typeface="Times New Roman" panose="02020603050405020304" pitchFamily="18" charset="0"/>
+                <a:cs typeface="Times New Roman" panose="02020603050405020304" pitchFamily="18" charset="0"/>
+              </a:rPr>
+              <a:t> </a:t>
+            </a:r>
+            <a:r>
+              <a:rPr lang="en-US" sz="3200" dirty="0" err="1">
+                <a:solidFill>
+                  <a:schemeClr val="tx1"/>
+                </a:solidFill>
+                <a:latin typeface="Times New Roman" panose="02020603050405020304" pitchFamily="18" charset="0"/>
+                <a:cs typeface="Times New Roman" panose="02020603050405020304" pitchFamily="18" charset="0"/>
+              </a:rPr>
+              <a:t>utilizare</a:t>
+            </a:r>
+            <a:br>
+              <a:rPr lang="ro-RO" sz="3200" dirty="0">
+                <a:latin typeface="Times New Roman" panose="02020603050405020304" pitchFamily="18" charset="0"/>
+                <a:cs typeface="Times New Roman" panose="02020603050405020304" pitchFamily="18" charset="0"/>
+              </a:rPr>
+            </a:br>
+            <a:r>
+              <a:rPr lang="ro-RO" sz="3200" dirty="0">
+                <a:latin typeface="Times New Roman" panose="02020603050405020304" pitchFamily="18" charset="0"/>
+                <a:cs typeface="Times New Roman" panose="02020603050405020304" pitchFamily="18" charset="0"/>
+              </a:rPr>
+              <a:t>     </a:t>
+            </a:r>
+            <a:endParaRPr lang="en-US" sz="3200" dirty="0">
+              <a:solidFill>
+                <a:schemeClr val="tx1"/>
+              </a:solidFill>
+              <a:latin typeface="Times New Roman" panose="02020603050405020304" pitchFamily="18" charset="0"/>
+              <a:cs typeface="Times New Roman" panose="02020603050405020304" pitchFamily="18" charset="0"/>
+            </a:endParaRPr>
+          </a:p>
+        </p:txBody>
+      </p:sp>
+      <p:sp>
+        <p:nvSpPr>
+          <p:cNvPr id="9" name="Title 1">
+            <a:extLst>
+              <a:ext uri="{FF2B5EF4-FFF2-40B4-BE49-F238E27FC236}">
+                <a16:creationId xmlns:a16="http://schemas.microsoft.com/office/drawing/2014/main" id="{FF107F4F-9209-4401-B8CA-4D4542BD228C}"/>
+              </a:ext>
+            </a:extLst>
+          </p:cNvPr>
+          <p:cNvSpPr txBox="1">
+            <a:spLocks/>
+          </p:cNvSpPr>
+          <p:nvPr/>
+        </p:nvSpPr>
+        <p:spPr>
+          <a:xfrm>
+            <a:off x="811397" y="609880"/>
+            <a:ext cx="10569206" cy="925445"/>
+          </a:xfrm>
+          <a:prstGeom prst="rect">
+            <a:avLst/>
+          </a:prstGeom>
+          <a:effectLst/>
+        </p:spPr>
+        <p:txBody>
+          <a:bodyPr vert="horz" lIns="91440" tIns="45720" rIns="91440" bIns="45720" rtlCol="0" anchor="ctr">
+            <a:noAutofit/>
+          </a:bodyPr>
+          <a:lstStyle>
+            <a:lvl1pPr algn="l" defTabSz="457200" rtl="0" eaLnBrk="1" latinLnBrk="0" hangingPunct="1">
+              <a:spcBef>
+                <a:spcPct val="0"/>
+              </a:spcBef>
+              <a:buNone/>
+              <a:defRPr sz="3600" kern="1200" cap="all">
+                <a:ln w="3175" cmpd="sng">
+                  <a:noFill/>
+                </a:ln>
+                <a:solidFill>
+                  <a:schemeClr val="tx1"/>
+                </a:solidFill>
+                <a:effectLst/>
+                <a:latin typeface="+mj-lt"/>
+                <a:ea typeface="+mj-ea"/>
+                <a:cs typeface="+mj-cs"/>
+              </a:defRPr>
+            </a:lvl1pPr>
+            <a:lvl2pPr eaLnBrk="1" hangingPunct="1">
+              <a:defRPr>
+                <a:solidFill>
+                  <a:schemeClr val="tx2"/>
+                </a:solidFill>
+              </a:defRPr>
+            </a:lvl2pPr>
+            <a:lvl3pPr eaLnBrk="1" hangingPunct="1">
+              <a:defRPr>
+                <a:solidFill>
+                  <a:schemeClr val="tx2"/>
+                </a:solidFill>
+              </a:defRPr>
+            </a:lvl3pPr>
+            <a:lvl4pPr eaLnBrk="1" hangingPunct="1">
+              <a:defRPr>
+                <a:solidFill>
+                  <a:schemeClr val="tx2"/>
+                </a:solidFill>
+              </a:defRPr>
+            </a:lvl4pPr>
+            <a:lvl5pPr eaLnBrk="1" hangingPunct="1">
+              <a:defRPr>
+                <a:solidFill>
+                  <a:schemeClr val="tx2"/>
+                </a:solidFill>
+              </a:defRPr>
+            </a:lvl5pPr>
+            <a:lvl6pPr eaLnBrk="1" hangingPunct="1">
+              <a:defRPr>
+                <a:solidFill>
+                  <a:schemeClr val="tx2"/>
+                </a:solidFill>
+              </a:defRPr>
+            </a:lvl6pPr>
+            <a:lvl7pPr eaLnBrk="1" hangingPunct="1">
+              <a:defRPr>
+                <a:solidFill>
+                  <a:schemeClr val="tx2"/>
+                </a:solidFill>
+              </a:defRPr>
+            </a:lvl7pPr>
+            <a:lvl8pPr eaLnBrk="1" hangingPunct="1">
+              <a:defRPr>
+                <a:solidFill>
+                  <a:schemeClr val="tx2"/>
+                </a:solidFill>
+              </a:defRPr>
+            </a:lvl8pPr>
+            <a:lvl9pPr eaLnBrk="1" hangingPunct="1">
+              <a:defRPr>
+                <a:solidFill>
+                  <a:schemeClr val="tx2"/>
+                </a:solidFill>
+              </a:defRPr>
+            </a:lvl9pPr>
+          </a:lstStyle>
+          <a:p>
+            <a:r>
+              <a:rPr lang="en-US" sz="2800" dirty="0">
+                <a:latin typeface="Times New Roman" panose="02020603050405020304" pitchFamily="18" charset="0"/>
+                <a:cs typeface="Times New Roman" panose="02020603050405020304" pitchFamily="18" charset="0"/>
+              </a:rPr>
+              <a:t>6</a:t>
+            </a:r>
+            <a:r>
+              <a:rPr lang="ro-RO" sz="2800" dirty="0">
+                <a:latin typeface="Times New Roman" panose="02020603050405020304" pitchFamily="18" charset="0"/>
+                <a:cs typeface="Times New Roman" panose="02020603050405020304" pitchFamily="18" charset="0"/>
+              </a:rPr>
+              <a:t>.</a:t>
+            </a:r>
+            <a:r>
+              <a:rPr lang="en-US" sz="2800" dirty="0">
+                <a:latin typeface="Times New Roman" panose="02020603050405020304" pitchFamily="18" charset="0"/>
+                <a:cs typeface="Times New Roman" panose="02020603050405020304" pitchFamily="18" charset="0"/>
+              </a:rPr>
+              <a:t>3 </a:t>
+            </a:r>
+            <a:r>
+              <a:rPr lang="en-US" sz="2800" dirty="0" err="1">
+                <a:latin typeface="Times New Roman" panose="02020603050405020304" pitchFamily="18" charset="0"/>
+                <a:cs typeface="Times New Roman" panose="02020603050405020304" pitchFamily="18" charset="0"/>
+              </a:rPr>
+              <a:t>pagina</a:t>
+            </a:r>
+            <a:r>
+              <a:rPr lang="en-US" sz="2800" dirty="0">
+                <a:latin typeface="Times New Roman" panose="02020603050405020304" pitchFamily="18" charset="0"/>
+                <a:cs typeface="Times New Roman" panose="02020603050405020304" pitchFamily="18" charset="0"/>
+              </a:rPr>
+              <a:t> </a:t>
+            </a:r>
+            <a:r>
+              <a:rPr lang="en-US" sz="2800" dirty="0" err="1">
+                <a:latin typeface="Times New Roman" panose="02020603050405020304" pitchFamily="18" charset="0"/>
+                <a:cs typeface="Times New Roman" panose="02020603050405020304" pitchFamily="18" charset="0"/>
+              </a:rPr>
+              <a:t>principala</a:t>
+            </a:r>
+            <a:endParaRPr lang="en-US" sz="2800" dirty="0">
+              <a:latin typeface="Times New Roman" panose="02020603050405020304" pitchFamily="18" charset="0"/>
+              <a:cs typeface="Times New Roman" panose="02020603050405020304" pitchFamily="18" charset="0"/>
+            </a:endParaRPr>
+          </a:p>
+        </p:txBody>
+      </p:sp>
+      <p:pic>
+        <p:nvPicPr>
+          <p:cNvPr id="5" name="Picture 4">
+            <a:extLst>
+              <a:ext uri="{FF2B5EF4-FFF2-40B4-BE49-F238E27FC236}">
+                <a16:creationId xmlns:a16="http://schemas.microsoft.com/office/drawing/2014/main" id="{82765BB6-5EE5-4BA1-A065-0D616B35F333}"/>
+              </a:ext>
+            </a:extLst>
+          </p:cNvPr>
+          <p:cNvPicPr>
+            <a:picLocks noChangeAspect="1"/>
+          </p:cNvPicPr>
+          <p:nvPr/>
+        </p:nvPicPr>
+        <p:blipFill>
+          <a:blip r:embed="rId2"/>
+          <a:stretch>
+            <a:fillRect/>
+          </a:stretch>
+        </p:blipFill>
+        <p:spPr>
+          <a:xfrm>
+            <a:off x="1888479" y="2112623"/>
+            <a:ext cx="8415041" cy="4598219"/>
+          </a:xfrm>
+          <a:prstGeom prst="rect">
+            <a:avLst/>
+          </a:prstGeom>
+        </p:spPr>
+      </p:pic>
+      <p:sp>
+        <p:nvSpPr>
+          <p:cNvPr id="6" name="TextBox 5">
+            <a:extLst>
+              <a:ext uri="{FF2B5EF4-FFF2-40B4-BE49-F238E27FC236}">
+                <a16:creationId xmlns:a16="http://schemas.microsoft.com/office/drawing/2014/main" id="{826674D3-9206-492F-BACD-CEA338F4E7DC}"/>
+              </a:ext>
+            </a:extLst>
+          </p:cNvPr>
+          <p:cNvSpPr txBox="1"/>
+          <p:nvPr/>
+        </p:nvSpPr>
+        <p:spPr>
+          <a:xfrm>
+            <a:off x="811397" y="1535325"/>
+            <a:ext cx="10569206" cy="369332"/>
+          </a:xfrm>
+          <a:prstGeom prst="rect">
+            <a:avLst/>
+          </a:prstGeom>
+          <a:noFill/>
+        </p:spPr>
+        <p:txBody>
+          <a:bodyPr wrap="square" rtlCol="0">
+            <a:spAutoFit/>
+          </a:bodyPr>
+          <a:lstStyle/>
+          <a:p>
+            <a:r>
+              <a:rPr lang="en-US" dirty="0" err="1"/>
+              <a:t>Pagina</a:t>
+            </a:r>
+            <a:r>
+              <a:rPr lang="en-US" dirty="0"/>
+              <a:t> </a:t>
+            </a:r>
+            <a:r>
+              <a:rPr lang="en-US" dirty="0" err="1"/>
+              <a:t>principala</a:t>
+            </a:r>
+            <a:r>
+              <a:rPr lang="en-US" dirty="0"/>
+              <a:t> din care </a:t>
+            </a:r>
+            <a:r>
+              <a:rPr lang="en-US" dirty="0" err="1"/>
+              <a:t>utilizatorul</a:t>
+            </a:r>
+            <a:r>
+              <a:rPr lang="en-US" dirty="0"/>
+              <a:t> </a:t>
+            </a:r>
+            <a:r>
+              <a:rPr lang="en-US" dirty="0" err="1"/>
+              <a:t>isi</a:t>
+            </a:r>
+            <a:r>
+              <a:rPr lang="en-US" dirty="0"/>
+              <a:t> </a:t>
+            </a:r>
+            <a:r>
+              <a:rPr lang="en-US" dirty="0" err="1"/>
+              <a:t>poate</a:t>
+            </a:r>
+            <a:r>
+              <a:rPr lang="en-US" dirty="0"/>
+              <a:t> </a:t>
+            </a:r>
+            <a:r>
+              <a:rPr lang="en-US" dirty="0" err="1"/>
+              <a:t>vizualiza</a:t>
+            </a:r>
+            <a:r>
+              <a:rPr lang="en-US" dirty="0"/>
+              <a:t> </a:t>
+            </a:r>
+            <a:r>
+              <a:rPr lang="en-US" dirty="0" err="1"/>
+              <a:t>si</a:t>
+            </a:r>
+            <a:r>
+              <a:rPr lang="en-US" dirty="0"/>
+              <a:t> </a:t>
+            </a:r>
+            <a:r>
+              <a:rPr lang="en-US" dirty="0" err="1"/>
+              <a:t>compune</a:t>
+            </a:r>
+            <a:r>
+              <a:rPr lang="en-US" dirty="0"/>
+              <a:t> mail-urile</a:t>
+            </a:r>
+            <a:endParaRPr lang="ro-RO" dirty="0"/>
+          </a:p>
+        </p:txBody>
+      </p:sp>
+    </p:spTree>
+    <p:extLst>
+      <p:ext uri="{BB962C8B-B14F-4D97-AF65-F5344CB8AC3E}">
+        <p14:creationId xmlns:p14="http://schemas.microsoft.com/office/powerpoint/2010/main" val="866570433"/>
+      </p:ext>
+    </p:extLst>
+  </p:cSld>
+  <p:clrMapOvr>
+    <a:masterClrMapping/>
+  </p:clrMapOvr>
+  <p:transition spd="med">
+    <p:pull/>
+  </p:transition>
+</p:sld>
+</file>
+
+<file path=ppt/slides/slide24.xml><?xml version="1.0" encoding="utf-8"?>
+<p:sld xmlns:a="http://schemas.openxmlformats.org/drawingml/2006/main" xmlns:r="http://schemas.openxmlformats.org/officeDocument/2006/relationships" xmlns:p="http://schemas.openxmlformats.org/presentationml/2006/main">
+  <p:cSld>
+    <p:spTree>
+      <p:nvGrpSpPr>
+        <p:cNvPr id="1" name=""/>
+        <p:cNvGrpSpPr/>
+        <p:nvPr/>
+      </p:nvGrpSpPr>
+      <p:grpSpPr>
+        <a:xfrm>
+          <a:off x="0" y="0"/>
+          <a:ext cx="0" cy="0"/>
+          <a:chOff x="0" y="0"/>
+          <a:chExt cx="0" cy="0"/>
+        </a:xfrm>
+      </p:grpSpPr>
+      <p:sp>
+        <p:nvSpPr>
+          <p:cNvPr id="2" name="Title 1">
+            <a:extLst>
+              <a:ext uri="{FF2B5EF4-FFF2-40B4-BE49-F238E27FC236}">
+                <a16:creationId xmlns:a16="http://schemas.microsoft.com/office/drawing/2014/main" id="{63F5035C-74BC-40C2-9EC4-CD7907CF2505}"/>
+              </a:ext>
+            </a:extLst>
+          </p:cNvPr>
+          <p:cNvSpPr>
+            <a:spLocks noGrp="1"/>
+          </p:cNvSpPr>
+          <p:nvPr>
+            <p:ph type="title"/>
+          </p:nvPr>
+        </p:nvSpPr>
+        <p:spPr>
+          <a:xfrm>
+            <a:off x="475606" y="147158"/>
+            <a:ext cx="8865040" cy="925445"/>
+          </a:xfrm>
+        </p:spPr>
+        <p:txBody>
+          <a:bodyPr>
+            <a:noAutofit/>
+          </a:bodyPr>
+          <a:lstStyle/>
+          <a:p>
+            <a:r>
+              <a:rPr lang="en-US" sz="3200" dirty="0">
+                <a:solidFill>
+                  <a:schemeClr val="tx1"/>
+                </a:solidFill>
+                <a:latin typeface="Times New Roman" panose="02020603050405020304" pitchFamily="18" charset="0"/>
+                <a:cs typeface="Times New Roman" panose="02020603050405020304" pitchFamily="18" charset="0"/>
+              </a:rPr>
+              <a:t>6</a:t>
+            </a:r>
+            <a:r>
+              <a:rPr lang="ro-RO" sz="3200" dirty="0">
+                <a:solidFill>
+                  <a:schemeClr val="tx1"/>
+                </a:solidFill>
+                <a:latin typeface="Times New Roman" panose="02020603050405020304" pitchFamily="18" charset="0"/>
+                <a:cs typeface="Times New Roman" panose="02020603050405020304" pitchFamily="18" charset="0"/>
+              </a:rPr>
+              <a:t>. </a:t>
+            </a:r>
+            <a:r>
+              <a:rPr lang="en-US" sz="3200" dirty="0">
+                <a:solidFill>
+                  <a:schemeClr val="tx1"/>
+                </a:solidFill>
+                <a:latin typeface="Times New Roman" panose="02020603050405020304" pitchFamily="18" charset="0"/>
+                <a:cs typeface="Times New Roman" panose="02020603050405020304" pitchFamily="18" charset="0"/>
+              </a:rPr>
+              <a:t>Manual de </a:t>
+            </a:r>
+            <a:r>
+              <a:rPr lang="en-US" sz="3200" dirty="0" err="1">
+                <a:solidFill>
+                  <a:schemeClr val="tx1"/>
+                </a:solidFill>
+                <a:latin typeface="Times New Roman" panose="02020603050405020304" pitchFamily="18" charset="0"/>
+                <a:cs typeface="Times New Roman" panose="02020603050405020304" pitchFamily="18" charset="0"/>
+              </a:rPr>
+              <a:t>instalare</a:t>
+            </a:r>
+            <a:r>
+              <a:rPr lang="en-US" sz="3200" dirty="0">
+                <a:solidFill>
+                  <a:schemeClr val="tx1"/>
+                </a:solidFill>
+                <a:latin typeface="Times New Roman" panose="02020603050405020304" pitchFamily="18" charset="0"/>
+                <a:cs typeface="Times New Roman" panose="02020603050405020304" pitchFamily="18" charset="0"/>
+              </a:rPr>
+              <a:t> </a:t>
+            </a:r>
+            <a:r>
+              <a:rPr lang="en-US" sz="3200" dirty="0" err="1">
+                <a:solidFill>
+                  <a:schemeClr val="tx1"/>
+                </a:solidFill>
+                <a:latin typeface="Times New Roman" panose="02020603050405020304" pitchFamily="18" charset="0"/>
+                <a:cs typeface="Times New Roman" panose="02020603050405020304" pitchFamily="18" charset="0"/>
+              </a:rPr>
+              <a:t>si</a:t>
+            </a:r>
+            <a:r>
+              <a:rPr lang="en-US" sz="3200" dirty="0">
+                <a:solidFill>
+                  <a:schemeClr val="tx1"/>
+                </a:solidFill>
+                <a:latin typeface="Times New Roman" panose="02020603050405020304" pitchFamily="18" charset="0"/>
+                <a:cs typeface="Times New Roman" panose="02020603050405020304" pitchFamily="18" charset="0"/>
+              </a:rPr>
+              <a:t> </a:t>
+            </a:r>
+            <a:r>
+              <a:rPr lang="en-US" sz="3200" dirty="0" err="1">
+                <a:solidFill>
+                  <a:schemeClr val="tx1"/>
+                </a:solidFill>
+                <a:latin typeface="Times New Roman" panose="02020603050405020304" pitchFamily="18" charset="0"/>
+                <a:cs typeface="Times New Roman" panose="02020603050405020304" pitchFamily="18" charset="0"/>
+              </a:rPr>
+              <a:t>utilizare</a:t>
+            </a:r>
+            <a:br>
+              <a:rPr lang="ro-RO" sz="3200" dirty="0">
+                <a:latin typeface="Times New Roman" panose="02020603050405020304" pitchFamily="18" charset="0"/>
+                <a:cs typeface="Times New Roman" panose="02020603050405020304" pitchFamily="18" charset="0"/>
+              </a:rPr>
+            </a:br>
+            <a:r>
+              <a:rPr lang="ro-RO" sz="3200" dirty="0">
+                <a:latin typeface="Times New Roman" panose="02020603050405020304" pitchFamily="18" charset="0"/>
+                <a:cs typeface="Times New Roman" panose="02020603050405020304" pitchFamily="18" charset="0"/>
+              </a:rPr>
+              <a:t>     </a:t>
+            </a:r>
+            <a:endParaRPr lang="en-US" sz="3200" dirty="0">
+              <a:solidFill>
+                <a:schemeClr val="tx1"/>
+              </a:solidFill>
+              <a:latin typeface="Times New Roman" panose="02020603050405020304" pitchFamily="18" charset="0"/>
+              <a:cs typeface="Times New Roman" panose="02020603050405020304" pitchFamily="18" charset="0"/>
+            </a:endParaRPr>
+          </a:p>
+        </p:txBody>
+      </p:sp>
+      <p:sp>
+        <p:nvSpPr>
+          <p:cNvPr id="9" name="Title 1">
+            <a:extLst>
+              <a:ext uri="{FF2B5EF4-FFF2-40B4-BE49-F238E27FC236}">
+                <a16:creationId xmlns:a16="http://schemas.microsoft.com/office/drawing/2014/main" id="{FF107F4F-9209-4401-B8CA-4D4542BD228C}"/>
+              </a:ext>
+            </a:extLst>
+          </p:cNvPr>
+          <p:cNvSpPr txBox="1">
+            <a:spLocks/>
+          </p:cNvSpPr>
+          <p:nvPr/>
+        </p:nvSpPr>
+        <p:spPr>
+          <a:xfrm>
+            <a:off x="811397" y="609880"/>
+            <a:ext cx="10569206" cy="925445"/>
+          </a:xfrm>
+          <a:prstGeom prst="rect">
+            <a:avLst/>
+          </a:prstGeom>
+          <a:effectLst/>
+        </p:spPr>
+        <p:txBody>
+          <a:bodyPr vert="horz" lIns="91440" tIns="45720" rIns="91440" bIns="45720" rtlCol="0" anchor="ctr">
+            <a:noAutofit/>
+          </a:bodyPr>
+          <a:lstStyle>
+            <a:lvl1pPr algn="l" defTabSz="457200" rtl="0" eaLnBrk="1" latinLnBrk="0" hangingPunct="1">
+              <a:spcBef>
+                <a:spcPct val="0"/>
+              </a:spcBef>
+              <a:buNone/>
+              <a:defRPr sz="3600" kern="1200" cap="all">
+                <a:ln w="3175" cmpd="sng">
+                  <a:noFill/>
+                </a:ln>
+                <a:solidFill>
+                  <a:schemeClr val="tx1"/>
+                </a:solidFill>
+                <a:effectLst/>
+                <a:latin typeface="+mj-lt"/>
+                <a:ea typeface="+mj-ea"/>
+                <a:cs typeface="+mj-cs"/>
+              </a:defRPr>
+            </a:lvl1pPr>
+            <a:lvl2pPr eaLnBrk="1" hangingPunct="1">
+              <a:defRPr>
+                <a:solidFill>
+                  <a:schemeClr val="tx2"/>
+                </a:solidFill>
+              </a:defRPr>
+            </a:lvl2pPr>
+            <a:lvl3pPr eaLnBrk="1" hangingPunct="1">
+              <a:defRPr>
+                <a:solidFill>
+                  <a:schemeClr val="tx2"/>
+                </a:solidFill>
+              </a:defRPr>
+            </a:lvl3pPr>
+            <a:lvl4pPr eaLnBrk="1" hangingPunct="1">
+              <a:defRPr>
+                <a:solidFill>
+                  <a:schemeClr val="tx2"/>
+                </a:solidFill>
+              </a:defRPr>
+            </a:lvl4pPr>
+            <a:lvl5pPr eaLnBrk="1" hangingPunct="1">
+              <a:defRPr>
+                <a:solidFill>
+                  <a:schemeClr val="tx2"/>
+                </a:solidFill>
+              </a:defRPr>
+            </a:lvl5pPr>
+            <a:lvl6pPr eaLnBrk="1" hangingPunct="1">
+              <a:defRPr>
+                <a:solidFill>
+                  <a:schemeClr val="tx2"/>
+                </a:solidFill>
+              </a:defRPr>
+            </a:lvl6pPr>
+            <a:lvl7pPr eaLnBrk="1" hangingPunct="1">
+              <a:defRPr>
+                <a:solidFill>
+                  <a:schemeClr val="tx2"/>
+                </a:solidFill>
+              </a:defRPr>
+            </a:lvl7pPr>
+            <a:lvl8pPr eaLnBrk="1" hangingPunct="1">
+              <a:defRPr>
+                <a:solidFill>
+                  <a:schemeClr val="tx2"/>
+                </a:solidFill>
+              </a:defRPr>
+            </a:lvl8pPr>
+            <a:lvl9pPr eaLnBrk="1" hangingPunct="1">
+              <a:defRPr>
+                <a:solidFill>
+                  <a:schemeClr val="tx2"/>
+                </a:solidFill>
+              </a:defRPr>
+            </a:lvl9pPr>
+          </a:lstStyle>
+          <a:p>
+            <a:r>
+              <a:rPr lang="en-US" sz="2800" dirty="0">
+                <a:latin typeface="Times New Roman" panose="02020603050405020304" pitchFamily="18" charset="0"/>
+                <a:cs typeface="Times New Roman" panose="02020603050405020304" pitchFamily="18" charset="0"/>
+              </a:rPr>
+              <a:t>6</a:t>
+            </a:r>
+            <a:r>
+              <a:rPr lang="ro-RO" sz="2800" dirty="0">
+                <a:latin typeface="Times New Roman" panose="02020603050405020304" pitchFamily="18" charset="0"/>
+                <a:cs typeface="Times New Roman" panose="02020603050405020304" pitchFamily="18" charset="0"/>
+              </a:rPr>
+              <a:t>.</a:t>
+            </a:r>
+            <a:r>
+              <a:rPr lang="en-US" sz="2800" dirty="0">
+                <a:latin typeface="Times New Roman" panose="02020603050405020304" pitchFamily="18" charset="0"/>
+                <a:cs typeface="Times New Roman" panose="02020603050405020304" pitchFamily="18" charset="0"/>
+              </a:rPr>
+              <a:t>4 </a:t>
+            </a:r>
+            <a:r>
+              <a:rPr lang="en-US" sz="2800" dirty="0" err="1">
+                <a:latin typeface="Times New Roman" panose="02020603050405020304" pitchFamily="18" charset="0"/>
+                <a:cs typeface="Times New Roman" panose="02020603050405020304" pitchFamily="18" charset="0"/>
+              </a:rPr>
+              <a:t>Compunerea</a:t>
+            </a:r>
+            <a:r>
+              <a:rPr lang="en-US" sz="2800" dirty="0">
+                <a:latin typeface="Times New Roman" panose="02020603050405020304" pitchFamily="18" charset="0"/>
+                <a:cs typeface="Times New Roman" panose="02020603050405020304" pitchFamily="18" charset="0"/>
+              </a:rPr>
+              <a:t> </a:t>
+            </a:r>
+            <a:r>
+              <a:rPr lang="en-US" sz="2800" dirty="0" err="1">
+                <a:latin typeface="Times New Roman" panose="02020603050405020304" pitchFamily="18" charset="0"/>
+                <a:cs typeface="Times New Roman" panose="02020603050405020304" pitchFamily="18" charset="0"/>
+              </a:rPr>
+              <a:t>unui</a:t>
+            </a:r>
+            <a:r>
+              <a:rPr lang="en-US" sz="2800" dirty="0">
+                <a:latin typeface="Times New Roman" panose="02020603050405020304" pitchFamily="18" charset="0"/>
+                <a:cs typeface="Times New Roman" panose="02020603050405020304" pitchFamily="18" charset="0"/>
+              </a:rPr>
+              <a:t> mail</a:t>
+            </a:r>
+          </a:p>
+        </p:txBody>
+      </p:sp>
+      <p:sp>
+        <p:nvSpPr>
+          <p:cNvPr id="6" name="TextBox 5">
+            <a:extLst>
+              <a:ext uri="{FF2B5EF4-FFF2-40B4-BE49-F238E27FC236}">
+                <a16:creationId xmlns:a16="http://schemas.microsoft.com/office/drawing/2014/main" id="{826674D3-9206-492F-BACD-CEA338F4E7DC}"/>
+              </a:ext>
+            </a:extLst>
+          </p:cNvPr>
+          <p:cNvSpPr txBox="1"/>
+          <p:nvPr/>
+        </p:nvSpPr>
+        <p:spPr>
+          <a:xfrm>
+            <a:off x="811396" y="1351716"/>
+            <a:ext cx="10569206" cy="646331"/>
+          </a:xfrm>
+          <a:prstGeom prst="rect">
+            <a:avLst/>
+          </a:prstGeom>
+          <a:noFill/>
+        </p:spPr>
+        <p:txBody>
+          <a:bodyPr wrap="square" rtlCol="0">
+            <a:spAutoFit/>
+          </a:bodyPr>
+          <a:lstStyle/>
+          <a:p>
+            <a:r>
+              <a:rPr lang="en-US" dirty="0" err="1"/>
+              <a:t>Pentru</a:t>
+            </a:r>
+            <a:r>
+              <a:rPr lang="en-US" dirty="0"/>
+              <a:t> </a:t>
+            </a:r>
+            <a:r>
+              <a:rPr lang="en-US" dirty="0" err="1"/>
+              <a:t>compunerea</a:t>
+            </a:r>
+            <a:r>
+              <a:rPr lang="en-US" dirty="0"/>
+              <a:t> </a:t>
+            </a:r>
+            <a:r>
+              <a:rPr lang="en-US" dirty="0" err="1"/>
+              <a:t>unui</a:t>
+            </a:r>
+            <a:r>
+              <a:rPr lang="en-US" dirty="0"/>
+              <a:t> email se </a:t>
+            </a:r>
+            <a:r>
+              <a:rPr lang="en-US" dirty="0" err="1"/>
+              <a:t>apasa</a:t>
+            </a:r>
+            <a:r>
+              <a:rPr lang="en-US" dirty="0"/>
+              <a:t> </a:t>
+            </a:r>
+            <a:r>
+              <a:rPr lang="en-US" dirty="0" err="1"/>
+              <a:t>butonul</a:t>
+            </a:r>
+            <a:r>
+              <a:rPr lang="en-US" dirty="0"/>
+              <a:t> “compose” care </a:t>
+            </a:r>
+            <a:r>
+              <a:rPr lang="en-US" dirty="0" err="1"/>
+              <a:t>va</a:t>
+            </a:r>
+            <a:r>
+              <a:rPr lang="en-US" dirty="0"/>
+              <a:t> </a:t>
+            </a:r>
+            <a:r>
+              <a:rPr lang="en-US" dirty="0" err="1"/>
+              <a:t>deschide</a:t>
+            </a:r>
+            <a:r>
+              <a:rPr lang="en-US" dirty="0"/>
+              <a:t> o </a:t>
+            </a:r>
+            <a:r>
+              <a:rPr lang="en-US" dirty="0" err="1"/>
+              <a:t>fereastra</a:t>
+            </a:r>
+            <a:r>
+              <a:rPr lang="en-US" dirty="0"/>
+              <a:t> pop-up in care se </a:t>
+            </a:r>
+            <a:r>
+              <a:rPr lang="en-US" dirty="0" err="1"/>
+              <a:t>poate</a:t>
+            </a:r>
+            <a:r>
+              <a:rPr lang="en-US" dirty="0"/>
+              <a:t> </a:t>
+            </a:r>
+            <a:r>
+              <a:rPr lang="en-US" dirty="0" err="1"/>
+              <a:t>compune</a:t>
+            </a:r>
+            <a:r>
+              <a:rPr lang="en-US" dirty="0"/>
+              <a:t> un mail</a:t>
+            </a:r>
+            <a:endParaRPr lang="ro-RO" dirty="0"/>
+          </a:p>
+        </p:txBody>
+      </p:sp>
+      <p:pic>
+        <p:nvPicPr>
+          <p:cNvPr id="4" name="Picture 3">
+            <a:extLst>
+              <a:ext uri="{FF2B5EF4-FFF2-40B4-BE49-F238E27FC236}">
+                <a16:creationId xmlns:a16="http://schemas.microsoft.com/office/drawing/2014/main" id="{BAE36202-4DAE-42C9-AFD8-5CF3F976EF63}"/>
+              </a:ext>
+            </a:extLst>
+          </p:cNvPr>
+          <p:cNvPicPr>
+            <a:picLocks noChangeAspect="1"/>
+          </p:cNvPicPr>
+          <p:nvPr/>
+        </p:nvPicPr>
+        <p:blipFill>
+          <a:blip r:embed="rId2"/>
+          <a:stretch>
+            <a:fillRect/>
+          </a:stretch>
+        </p:blipFill>
+        <p:spPr>
+          <a:xfrm>
+            <a:off x="1846774" y="2084400"/>
+            <a:ext cx="8498450" cy="4648854"/>
+          </a:xfrm>
+          <a:prstGeom prst="rect">
+            <a:avLst/>
+          </a:prstGeom>
+        </p:spPr>
+      </p:pic>
+    </p:spTree>
+    <p:extLst>
+      <p:ext uri="{BB962C8B-B14F-4D97-AF65-F5344CB8AC3E}">
+        <p14:creationId xmlns:p14="http://schemas.microsoft.com/office/powerpoint/2010/main" val="1032895841"/>
+      </p:ext>
+    </p:extLst>
+  </p:cSld>
+  <p:clrMapOvr>
+    <a:masterClrMapping/>
+  </p:clrMapOvr>
+  <p:transition spd="med">
+    <p:pull/>
+  </p:transition>
+</p:sld>
+</file>
+
+<file path=ppt/slides/slide25.xml><?xml version="1.0" encoding="utf-8"?>
+<p:sld xmlns:a="http://schemas.openxmlformats.org/drawingml/2006/main" xmlns:r="http://schemas.openxmlformats.org/officeDocument/2006/relationships" xmlns:p="http://schemas.openxmlformats.org/presentationml/2006/main">
+  <p:cSld>
+    <p:spTree>
+      <p:nvGrpSpPr>
+        <p:cNvPr id="1" name=""/>
+        <p:cNvGrpSpPr/>
+        <p:nvPr/>
+      </p:nvGrpSpPr>
+      <p:grpSpPr>
+        <a:xfrm>
+          <a:off x="0" y="0"/>
+          <a:ext cx="0" cy="0"/>
+          <a:chOff x="0" y="0"/>
+          <a:chExt cx="0" cy="0"/>
+        </a:xfrm>
+      </p:grpSpPr>
+      <p:sp>
+        <p:nvSpPr>
+          <p:cNvPr id="2" name="Title 1">
+            <a:extLst>
+              <a:ext uri="{FF2B5EF4-FFF2-40B4-BE49-F238E27FC236}">
+                <a16:creationId xmlns:a16="http://schemas.microsoft.com/office/drawing/2014/main" id="{63F5035C-74BC-40C2-9EC4-CD7907CF2505}"/>
+              </a:ext>
+            </a:extLst>
+          </p:cNvPr>
+          <p:cNvSpPr>
+            <a:spLocks noGrp="1"/>
+          </p:cNvSpPr>
+          <p:nvPr>
+            <p:ph type="title"/>
+          </p:nvPr>
+        </p:nvSpPr>
+        <p:spPr>
+          <a:xfrm>
+            <a:off x="475606" y="147158"/>
+            <a:ext cx="8865040" cy="925445"/>
+          </a:xfrm>
+        </p:spPr>
+        <p:txBody>
+          <a:bodyPr>
+            <a:noAutofit/>
+          </a:bodyPr>
+          <a:lstStyle/>
+          <a:p>
+            <a:r>
+              <a:rPr lang="en-US" sz="3200" dirty="0">
+                <a:solidFill>
+                  <a:schemeClr val="tx1"/>
+                </a:solidFill>
+                <a:latin typeface="Times New Roman" panose="02020603050405020304" pitchFamily="18" charset="0"/>
+                <a:cs typeface="Times New Roman" panose="02020603050405020304" pitchFamily="18" charset="0"/>
+              </a:rPr>
+              <a:t>6</a:t>
+            </a:r>
+            <a:r>
+              <a:rPr lang="ro-RO" sz="3200" dirty="0">
+                <a:solidFill>
+                  <a:schemeClr val="tx1"/>
+                </a:solidFill>
+                <a:latin typeface="Times New Roman" panose="02020603050405020304" pitchFamily="18" charset="0"/>
+                <a:cs typeface="Times New Roman" panose="02020603050405020304" pitchFamily="18" charset="0"/>
+              </a:rPr>
+              <a:t>. </a:t>
+            </a:r>
+            <a:r>
+              <a:rPr lang="en-US" sz="3200" dirty="0">
+                <a:solidFill>
+                  <a:schemeClr val="tx1"/>
+                </a:solidFill>
+                <a:latin typeface="Times New Roman" panose="02020603050405020304" pitchFamily="18" charset="0"/>
+                <a:cs typeface="Times New Roman" panose="02020603050405020304" pitchFamily="18" charset="0"/>
+              </a:rPr>
+              <a:t>Manual de </a:t>
+            </a:r>
+            <a:r>
+              <a:rPr lang="en-US" sz="3200" dirty="0" err="1">
+                <a:solidFill>
+                  <a:schemeClr val="tx1"/>
+                </a:solidFill>
+                <a:latin typeface="Times New Roman" panose="02020603050405020304" pitchFamily="18" charset="0"/>
+                <a:cs typeface="Times New Roman" panose="02020603050405020304" pitchFamily="18" charset="0"/>
+              </a:rPr>
+              <a:t>instalare</a:t>
+            </a:r>
+            <a:r>
+              <a:rPr lang="en-US" sz="3200" dirty="0">
+                <a:solidFill>
+                  <a:schemeClr val="tx1"/>
+                </a:solidFill>
+                <a:latin typeface="Times New Roman" panose="02020603050405020304" pitchFamily="18" charset="0"/>
+                <a:cs typeface="Times New Roman" panose="02020603050405020304" pitchFamily="18" charset="0"/>
+              </a:rPr>
+              <a:t> </a:t>
+            </a:r>
+            <a:r>
+              <a:rPr lang="en-US" sz="3200" dirty="0" err="1">
+                <a:solidFill>
+                  <a:schemeClr val="tx1"/>
+                </a:solidFill>
+                <a:latin typeface="Times New Roman" panose="02020603050405020304" pitchFamily="18" charset="0"/>
+                <a:cs typeface="Times New Roman" panose="02020603050405020304" pitchFamily="18" charset="0"/>
+              </a:rPr>
+              <a:t>si</a:t>
+            </a:r>
+            <a:r>
+              <a:rPr lang="en-US" sz="3200" dirty="0">
+                <a:solidFill>
+                  <a:schemeClr val="tx1"/>
+                </a:solidFill>
+                <a:latin typeface="Times New Roman" panose="02020603050405020304" pitchFamily="18" charset="0"/>
+                <a:cs typeface="Times New Roman" panose="02020603050405020304" pitchFamily="18" charset="0"/>
+              </a:rPr>
+              <a:t> </a:t>
+            </a:r>
+            <a:r>
+              <a:rPr lang="en-US" sz="3200" dirty="0" err="1">
+                <a:solidFill>
+                  <a:schemeClr val="tx1"/>
+                </a:solidFill>
+                <a:latin typeface="Times New Roman" panose="02020603050405020304" pitchFamily="18" charset="0"/>
+                <a:cs typeface="Times New Roman" panose="02020603050405020304" pitchFamily="18" charset="0"/>
+              </a:rPr>
+              <a:t>utilizare</a:t>
+            </a:r>
+            <a:br>
+              <a:rPr lang="ro-RO" sz="3200" dirty="0">
+                <a:latin typeface="Times New Roman" panose="02020603050405020304" pitchFamily="18" charset="0"/>
+                <a:cs typeface="Times New Roman" panose="02020603050405020304" pitchFamily="18" charset="0"/>
+              </a:rPr>
+            </a:br>
+            <a:r>
+              <a:rPr lang="ro-RO" sz="3200" dirty="0">
+                <a:latin typeface="Times New Roman" panose="02020603050405020304" pitchFamily="18" charset="0"/>
+                <a:cs typeface="Times New Roman" panose="02020603050405020304" pitchFamily="18" charset="0"/>
+              </a:rPr>
+              <a:t>     </a:t>
+            </a:r>
+            <a:endParaRPr lang="en-US" sz="3200" dirty="0">
+              <a:solidFill>
+                <a:schemeClr val="tx1"/>
+              </a:solidFill>
+              <a:latin typeface="Times New Roman" panose="02020603050405020304" pitchFamily="18" charset="0"/>
+              <a:cs typeface="Times New Roman" panose="02020603050405020304" pitchFamily="18" charset="0"/>
+            </a:endParaRPr>
+          </a:p>
+        </p:txBody>
+      </p:sp>
+      <p:sp>
+        <p:nvSpPr>
+          <p:cNvPr id="9" name="Title 1">
+            <a:extLst>
+              <a:ext uri="{FF2B5EF4-FFF2-40B4-BE49-F238E27FC236}">
+                <a16:creationId xmlns:a16="http://schemas.microsoft.com/office/drawing/2014/main" id="{FF107F4F-9209-4401-B8CA-4D4542BD228C}"/>
+              </a:ext>
+            </a:extLst>
+          </p:cNvPr>
+          <p:cNvSpPr txBox="1">
+            <a:spLocks/>
+          </p:cNvSpPr>
+          <p:nvPr/>
+        </p:nvSpPr>
+        <p:spPr>
+          <a:xfrm>
+            <a:off x="811397" y="609880"/>
+            <a:ext cx="10569206" cy="925445"/>
+          </a:xfrm>
+          <a:prstGeom prst="rect">
+            <a:avLst/>
+          </a:prstGeom>
+          <a:effectLst/>
+        </p:spPr>
+        <p:txBody>
+          <a:bodyPr vert="horz" lIns="91440" tIns="45720" rIns="91440" bIns="45720" rtlCol="0" anchor="ctr">
+            <a:noAutofit/>
+          </a:bodyPr>
+          <a:lstStyle>
+            <a:lvl1pPr algn="l" defTabSz="457200" rtl="0" eaLnBrk="1" latinLnBrk="0" hangingPunct="1">
+              <a:spcBef>
+                <a:spcPct val="0"/>
+              </a:spcBef>
+              <a:buNone/>
+              <a:defRPr sz="3600" kern="1200" cap="all">
+                <a:ln w="3175" cmpd="sng">
+                  <a:noFill/>
+                </a:ln>
+                <a:solidFill>
+                  <a:schemeClr val="tx1"/>
+                </a:solidFill>
+                <a:effectLst/>
+                <a:latin typeface="+mj-lt"/>
+                <a:ea typeface="+mj-ea"/>
+                <a:cs typeface="+mj-cs"/>
+              </a:defRPr>
+            </a:lvl1pPr>
+            <a:lvl2pPr eaLnBrk="1" hangingPunct="1">
+              <a:defRPr>
+                <a:solidFill>
+                  <a:schemeClr val="tx2"/>
+                </a:solidFill>
+              </a:defRPr>
+            </a:lvl2pPr>
+            <a:lvl3pPr eaLnBrk="1" hangingPunct="1">
+              <a:defRPr>
+                <a:solidFill>
+                  <a:schemeClr val="tx2"/>
+                </a:solidFill>
+              </a:defRPr>
+            </a:lvl3pPr>
+            <a:lvl4pPr eaLnBrk="1" hangingPunct="1">
+              <a:defRPr>
+                <a:solidFill>
+                  <a:schemeClr val="tx2"/>
+                </a:solidFill>
+              </a:defRPr>
+            </a:lvl4pPr>
+            <a:lvl5pPr eaLnBrk="1" hangingPunct="1">
+              <a:defRPr>
+                <a:solidFill>
+                  <a:schemeClr val="tx2"/>
+                </a:solidFill>
+              </a:defRPr>
+            </a:lvl5pPr>
+            <a:lvl6pPr eaLnBrk="1" hangingPunct="1">
+              <a:defRPr>
+                <a:solidFill>
+                  <a:schemeClr val="tx2"/>
+                </a:solidFill>
+              </a:defRPr>
+            </a:lvl6pPr>
+            <a:lvl7pPr eaLnBrk="1" hangingPunct="1">
+              <a:defRPr>
+                <a:solidFill>
+                  <a:schemeClr val="tx2"/>
+                </a:solidFill>
+              </a:defRPr>
+            </a:lvl7pPr>
+            <a:lvl8pPr eaLnBrk="1" hangingPunct="1">
+              <a:defRPr>
+                <a:solidFill>
+                  <a:schemeClr val="tx2"/>
+                </a:solidFill>
+              </a:defRPr>
+            </a:lvl8pPr>
+            <a:lvl9pPr eaLnBrk="1" hangingPunct="1">
+              <a:defRPr>
+                <a:solidFill>
+                  <a:schemeClr val="tx2"/>
+                </a:solidFill>
+              </a:defRPr>
+            </a:lvl9pPr>
+          </a:lstStyle>
+          <a:p>
+            <a:r>
+              <a:rPr lang="en-US" sz="2800" dirty="0">
+                <a:latin typeface="Times New Roman" panose="02020603050405020304" pitchFamily="18" charset="0"/>
+                <a:cs typeface="Times New Roman" panose="02020603050405020304" pitchFamily="18" charset="0"/>
+              </a:rPr>
+              <a:t>6</a:t>
+            </a:r>
+            <a:r>
+              <a:rPr lang="ro-RO" sz="2800" dirty="0">
+                <a:latin typeface="Times New Roman" panose="02020603050405020304" pitchFamily="18" charset="0"/>
+                <a:cs typeface="Times New Roman" panose="02020603050405020304" pitchFamily="18" charset="0"/>
+              </a:rPr>
+              <a:t>.</a:t>
+            </a:r>
+            <a:r>
+              <a:rPr lang="en-US" sz="2800" dirty="0">
+                <a:latin typeface="Times New Roman" panose="02020603050405020304" pitchFamily="18" charset="0"/>
+                <a:cs typeface="Times New Roman" panose="02020603050405020304" pitchFamily="18" charset="0"/>
+              </a:rPr>
+              <a:t>5 </a:t>
+            </a:r>
+            <a:r>
+              <a:rPr lang="en-US" sz="2800" dirty="0" err="1">
+                <a:latin typeface="Times New Roman" panose="02020603050405020304" pitchFamily="18" charset="0"/>
+                <a:cs typeface="Times New Roman" panose="02020603050405020304" pitchFamily="18" charset="0"/>
+              </a:rPr>
+              <a:t>Vizualizarea</a:t>
+            </a:r>
+            <a:r>
+              <a:rPr lang="en-US" sz="2800" dirty="0">
+                <a:latin typeface="Times New Roman" panose="02020603050405020304" pitchFamily="18" charset="0"/>
+                <a:cs typeface="Times New Roman" panose="02020603050405020304" pitchFamily="18" charset="0"/>
+              </a:rPr>
+              <a:t> </a:t>
+            </a:r>
+            <a:r>
+              <a:rPr lang="en-US" sz="2800" dirty="0" err="1">
+                <a:latin typeface="Times New Roman" panose="02020603050405020304" pitchFamily="18" charset="0"/>
+                <a:cs typeface="Times New Roman" panose="02020603050405020304" pitchFamily="18" charset="0"/>
+              </a:rPr>
+              <a:t>mailurilor</a:t>
+            </a:r>
+            <a:r>
+              <a:rPr lang="en-US" sz="2800" dirty="0">
+                <a:latin typeface="Times New Roman" panose="02020603050405020304" pitchFamily="18" charset="0"/>
+                <a:cs typeface="Times New Roman" panose="02020603050405020304" pitchFamily="18" charset="0"/>
+              </a:rPr>
+              <a:t> </a:t>
+            </a:r>
+            <a:r>
+              <a:rPr lang="en-US" sz="2800" dirty="0" err="1">
+                <a:latin typeface="Times New Roman" panose="02020603050405020304" pitchFamily="18" charset="0"/>
+                <a:cs typeface="Times New Roman" panose="02020603050405020304" pitchFamily="18" charset="0"/>
+              </a:rPr>
+              <a:t>Primite</a:t>
+            </a:r>
+            <a:endParaRPr lang="en-US" sz="2800" dirty="0">
+              <a:latin typeface="Times New Roman" panose="02020603050405020304" pitchFamily="18" charset="0"/>
+              <a:cs typeface="Times New Roman" panose="02020603050405020304" pitchFamily="18" charset="0"/>
+            </a:endParaRPr>
+          </a:p>
+        </p:txBody>
+      </p:sp>
+      <p:sp>
+        <p:nvSpPr>
+          <p:cNvPr id="6" name="TextBox 5">
+            <a:extLst>
+              <a:ext uri="{FF2B5EF4-FFF2-40B4-BE49-F238E27FC236}">
+                <a16:creationId xmlns:a16="http://schemas.microsoft.com/office/drawing/2014/main" id="{826674D3-9206-492F-BACD-CEA338F4E7DC}"/>
+              </a:ext>
+            </a:extLst>
+          </p:cNvPr>
+          <p:cNvSpPr txBox="1"/>
+          <p:nvPr/>
+        </p:nvSpPr>
+        <p:spPr>
+          <a:xfrm>
+            <a:off x="811396" y="1351716"/>
+            <a:ext cx="10569206" cy="369332"/>
+          </a:xfrm>
+          <a:prstGeom prst="rect">
+            <a:avLst/>
+          </a:prstGeom>
+          <a:noFill/>
+        </p:spPr>
+        <p:txBody>
+          <a:bodyPr wrap="square" rtlCol="0">
+            <a:spAutoFit/>
+          </a:bodyPr>
+          <a:lstStyle/>
+          <a:p>
+            <a:r>
+              <a:rPr lang="en-US" dirty="0" err="1"/>
+              <a:t>Mailurile</a:t>
+            </a:r>
+            <a:r>
+              <a:rPr lang="en-US" dirty="0"/>
+              <a:t> </a:t>
+            </a:r>
+            <a:r>
+              <a:rPr lang="en-US" dirty="0" err="1"/>
+              <a:t>trimise</a:t>
+            </a:r>
+            <a:r>
+              <a:rPr lang="en-US" dirty="0"/>
+              <a:t> pot fi </a:t>
+            </a:r>
+            <a:r>
+              <a:rPr lang="en-US" dirty="0" err="1"/>
+              <a:t>vazute</a:t>
+            </a:r>
+            <a:r>
+              <a:rPr lang="en-US" dirty="0"/>
+              <a:t> </a:t>
+            </a:r>
+            <a:r>
+              <a:rPr lang="en-US" dirty="0" err="1"/>
+              <a:t>accesand</a:t>
+            </a:r>
+            <a:r>
+              <a:rPr lang="en-US" dirty="0"/>
+              <a:t> </a:t>
+            </a:r>
+            <a:r>
+              <a:rPr lang="en-US" dirty="0" err="1"/>
+              <a:t>categoria</a:t>
+            </a:r>
+            <a:r>
+              <a:rPr lang="en-US" dirty="0"/>
+              <a:t> “Inbox”</a:t>
+            </a:r>
+            <a:endParaRPr lang="ro-RO" dirty="0"/>
+          </a:p>
+        </p:txBody>
+      </p:sp>
+      <p:pic>
+        <p:nvPicPr>
+          <p:cNvPr id="5" name="Picture 4">
+            <a:extLst>
+              <a:ext uri="{FF2B5EF4-FFF2-40B4-BE49-F238E27FC236}">
+                <a16:creationId xmlns:a16="http://schemas.microsoft.com/office/drawing/2014/main" id="{EDB0CF71-B70F-439E-9385-270DBAB09A4C}"/>
+              </a:ext>
+            </a:extLst>
+          </p:cNvPr>
+          <p:cNvPicPr>
+            <a:picLocks noChangeAspect="1"/>
+          </p:cNvPicPr>
+          <p:nvPr/>
+        </p:nvPicPr>
+        <p:blipFill>
+          <a:blip r:embed="rId2"/>
+          <a:stretch>
+            <a:fillRect/>
+          </a:stretch>
+        </p:blipFill>
+        <p:spPr>
+          <a:xfrm>
+            <a:off x="1887070" y="1998047"/>
+            <a:ext cx="8417860" cy="4599759"/>
+          </a:xfrm>
+          <a:prstGeom prst="rect">
+            <a:avLst/>
+          </a:prstGeom>
+        </p:spPr>
+      </p:pic>
+    </p:spTree>
+    <p:extLst>
+      <p:ext uri="{BB962C8B-B14F-4D97-AF65-F5344CB8AC3E}">
+        <p14:creationId xmlns:p14="http://schemas.microsoft.com/office/powerpoint/2010/main" val="2563595927"/>
+      </p:ext>
+    </p:extLst>
+  </p:cSld>
+  <p:clrMapOvr>
+    <a:masterClrMapping/>
+  </p:clrMapOvr>
+  <p:transition spd="med">
+    <p:pull/>
+  </p:transition>
+</p:sld>
+</file>
+
+<file path=ppt/slides/slide26.xml><?xml version="1.0" encoding="utf-8"?>
+<p:sld xmlns:a="http://schemas.openxmlformats.org/drawingml/2006/main" xmlns:r="http://schemas.openxmlformats.org/officeDocument/2006/relationships" xmlns:p="http://schemas.openxmlformats.org/presentationml/2006/main">
+  <p:cSld>
+    <p:spTree>
+      <p:nvGrpSpPr>
+        <p:cNvPr id="1" name=""/>
+        <p:cNvGrpSpPr/>
+        <p:nvPr/>
+      </p:nvGrpSpPr>
+      <p:grpSpPr>
+        <a:xfrm>
+          <a:off x="0" y="0"/>
+          <a:ext cx="0" cy="0"/>
+          <a:chOff x="0" y="0"/>
+          <a:chExt cx="0" cy="0"/>
+        </a:xfrm>
+      </p:grpSpPr>
+      <p:sp>
+        <p:nvSpPr>
+          <p:cNvPr id="2" name="Title 1">
+            <a:extLst>
+              <a:ext uri="{FF2B5EF4-FFF2-40B4-BE49-F238E27FC236}">
+                <a16:creationId xmlns:a16="http://schemas.microsoft.com/office/drawing/2014/main" id="{63F5035C-74BC-40C2-9EC4-CD7907CF2505}"/>
+              </a:ext>
+            </a:extLst>
+          </p:cNvPr>
+          <p:cNvSpPr>
+            <a:spLocks noGrp="1"/>
+          </p:cNvSpPr>
+          <p:nvPr>
+            <p:ph type="title"/>
+          </p:nvPr>
+        </p:nvSpPr>
+        <p:spPr>
+          <a:xfrm>
+            <a:off x="475606" y="147158"/>
+            <a:ext cx="8865040" cy="925445"/>
+          </a:xfrm>
+        </p:spPr>
+        <p:txBody>
+          <a:bodyPr>
+            <a:noAutofit/>
+          </a:bodyPr>
+          <a:lstStyle/>
+          <a:p>
+            <a:r>
+              <a:rPr lang="en-US" sz="3200" dirty="0">
+                <a:solidFill>
+                  <a:schemeClr val="tx1"/>
+                </a:solidFill>
+                <a:latin typeface="Times New Roman" panose="02020603050405020304" pitchFamily="18" charset="0"/>
+                <a:cs typeface="Times New Roman" panose="02020603050405020304" pitchFamily="18" charset="0"/>
+              </a:rPr>
+              <a:t>6</a:t>
+            </a:r>
+            <a:r>
+              <a:rPr lang="ro-RO" sz="3200" dirty="0">
+                <a:solidFill>
+                  <a:schemeClr val="tx1"/>
+                </a:solidFill>
+                <a:latin typeface="Times New Roman" panose="02020603050405020304" pitchFamily="18" charset="0"/>
+                <a:cs typeface="Times New Roman" panose="02020603050405020304" pitchFamily="18" charset="0"/>
+              </a:rPr>
+              <a:t>. </a:t>
+            </a:r>
+            <a:r>
+              <a:rPr lang="en-US" sz="3200" dirty="0">
+                <a:solidFill>
+                  <a:schemeClr val="tx1"/>
+                </a:solidFill>
+                <a:latin typeface="Times New Roman" panose="02020603050405020304" pitchFamily="18" charset="0"/>
+                <a:cs typeface="Times New Roman" panose="02020603050405020304" pitchFamily="18" charset="0"/>
+              </a:rPr>
+              <a:t>Manual de </a:t>
+            </a:r>
+            <a:r>
+              <a:rPr lang="en-US" sz="3200" dirty="0" err="1">
+                <a:solidFill>
+                  <a:schemeClr val="tx1"/>
+                </a:solidFill>
+                <a:latin typeface="Times New Roman" panose="02020603050405020304" pitchFamily="18" charset="0"/>
+                <a:cs typeface="Times New Roman" panose="02020603050405020304" pitchFamily="18" charset="0"/>
+              </a:rPr>
+              <a:t>instalare</a:t>
+            </a:r>
+            <a:r>
+              <a:rPr lang="en-US" sz="3200" dirty="0">
+                <a:solidFill>
+                  <a:schemeClr val="tx1"/>
+                </a:solidFill>
+                <a:latin typeface="Times New Roman" panose="02020603050405020304" pitchFamily="18" charset="0"/>
+                <a:cs typeface="Times New Roman" panose="02020603050405020304" pitchFamily="18" charset="0"/>
+              </a:rPr>
+              <a:t> </a:t>
+            </a:r>
+            <a:r>
+              <a:rPr lang="en-US" sz="3200" dirty="0" err="1">
+                <a:solidFill>
+                  <a:schemeClr val="tx1"/>
+                </a:solidFill>
+                <a:latin typeface="Times New Roman" panose="02020603050405020304" pitchFamily="18" charset="0"/>
+                <a:cs typeface="Times New Roman" panose="02020603050405020304" pitchFamily="18" charset="0"/>
+              </a:rPr>
+              <a:t>si</a:t>
+            </a:r>
+            <a:r>
+              <a:rPr lang="en-US" sz="3200" dirty="0">
+                <a:solidFill>
+                  <a:schemeClr val="tx1"/>
+                </a:solidFill>
+                <a:latin typeface="Times New Roman" panose="02020603050405020304" pitchFamily="18" charset="0"/>
+                <a:cs typeface="Times New Roman" panose="02020603050405020304" pitchFamily="18" charset="0"/>
+              </a:rPr>
+              <a:t> </a:t>
+            </a:r>
+            <a:r>
+              <a:rPr lang="en-US" sz="3200" dirty="0" err="1">
+                <a:solidFill>
+                  <a:schemeClr val="tx1"/>
+                </a:solidFill>
+                <a:latin typeface="Times New Roman" panose="02020603050405020304" pitchFamily="18" charset="0"/>
+                <a:cs typeface="Times New Roman" panose="02020603050405020304" pitchFamily="18" charset="0"/>
+              </a:rPr>
+              <a:t>utilizare</a:t>
+            </a:r>
+            <a:br>
+              <a:rPr lang="ro-RO" sz="3200" dirty="0">
+                <a:latin typeface="Times New Roman" panose="02020603050405020304" pitchFamily="18" charset="0"/>
+                <a:cs typeface="Times New Roman" panose="02020603050405020304" pitchFamily="18" charset="0"/>
+              </a:rPr>
+            </a:br>
+            <a:r>
+              <a:rPr lang="ro-RO" sz="3200" dirty="0">
+                <a:latin typeface="Times New Roman" panose="02020603050405020304" pitchFamily="18" charset="0"/>
+                <a:cs typeface="Times New Roman" panose="02020603050405020304" pitchFamily="18" charset="0"/>
+              </a:rPr>
+              <a:t>     </a:t>
+            </a:r>
+            <a:endParaRPr lang="en-US" sz="3200" dirty="0">
+              <a:solidFill>
+                <a:schemeClr val="tx1"/>
+              </a:solidFill>
+              <a:latin typeface="Times New Roman" panose="02020603050405020304" pitchFamily="18" charset="0"/>
+              <a:cs typeface="Times New Roman" panose="02020603050405020304" pitchFamily="18" charset="0"/>
+            </a:endParaRPr>
+          </a:p>
+        </p:txBody>
+      </p:sp>
+      <p:sp>
+        <p:nvSpPr>
+          <p:cNvPr id="9" name="Title 1">
+            <a:extLst>
+              <a:ext uri="{FF2B5EF4-FFF2-40B4-BE49-F238E27FC236}">
+                <a16:creationId xmlns:a16="http://schemas.microsoft.com/office/drawing/2014/main" id="{FF107F4F-9209-4401-B8CA-4D4542BD228C}"/>
+              </a:ext>
+            </a:extLst>
+          </p:cNvPr>
+          <p:cNvSpPr txBox="1">
+            <a:spLocks/>
+          </p:cNvSpPr>
+          <p:nvPr/>
+        </p:nvSpPr>
+        <p:spPr>
+          <a:xfrm>
+            <a:off x="811397" y="609880"/>
+            <a:ext cx="10569206" cy="925445"/>
+          </a:xfrm>
+          <a:prstGeom prst="rect">
+            <a:avLst/>
+          </a:prstGeom>
+          <a:effectLst/>
+        </p:spPr>
+        <p:txBody>
+          <a:bodyPr vert="horz" lIns="91440" tIns="45720" rIns="91440" bIns="45720" rtlCol="0" anchor="ctr">
+            <a:noAutofit/>
+          </a:bodyPr>
+          <a:lstStyle>
+            <a:lvl1pPr algn="l" defTabSz="457200" rtl="0" eaLnBrk="1" latinLnBrk="0" hangingPunct="1">
+              <a:spcBef>
+                <a:spcPct val="0"/>
+              </a:spcBef>
+              <a:buNone/>
+              <a:defRPr sz="3600" kern="1200" cap="all">
+                <a:ln w="3175" cmpd="sng">
+                  <a:noFill/>
+                </a:ln>
+                <a:solidFill>
+                  <a:schemeClr val="tx1"/>
+                </a:solidFill>
+                <a:effectLst/>
+                <a:latin typeface="+mj-lt"/>
+                <a:ea typeface="+mj-ea"/>
+                <a:cs typeface="+mj-cs"/>
+              </a:defRPr>
+            </a:lvl1pPr>
+            <a:lvl2pPr eaLnBrk="1" hangingPunct="1">
+              <a:defRPr>
+                <a:solidFill>
+                  <a:schemeClr val="tx2"/>
+                </a:solidFill>
+              </a:defRPr>
+            </a:lvl2pPr>
+            <a:lvl3pPr eaLnBrk="1" hangingPunct="1">
+              <a:defRPr>
+                <a:solidFill>
+                  <a:schemeClr val="tx2"/>
+                </a:solidFill>
+              </a:defRPr>
+            </a:lvl3pPr>
+            <a:lvl4pPr eaLnBrk="1" hangingPunct="1">
+              <a:defRPr>
+                <a:solidFill>
+                  <a:schemeClr val="tx2"/>
+                </a:solidFill>
+              </a:defRPr>
+            </a:lvl4pPr>
+            <a:lvl5pPr eaLnBrk="1" hangingPunct="1">
+              <a:defRPr>
+                <a:solidFill>
+                  <a:schemeClr val="tx2"/>
+                </a:solidFill>
+              </a:defRPr>
+            </a:lvl5pPr>
+            <a:lvl6pPr eaLnBrk="1" hangingPunct="1">
+              <a:defRPr>
+                <a:solidFill>
+                  <a:schemeClr val="tx2"/>
+                </a:solidFill>
+              </a:defRPr>
+            </a:lvl6pPr>
+            <a:lvl7pPr eaLnBrk="1" hangingPunct="1">
+              <a:defRPr>
+                <a:solidFill>
+                  <a:schemeClr val="tx2"/>
+                </a:solidFill>
+              </a:defRPr>
+            </a:lvl7pPr>
+            <a:lvl8pPr eaLnBrk="1" hangingPunct="1">
+              <a:defRPr>
+                <a:solidFill>
+                  <a:schemeClr val="tx2"/>
+                </a:solidFill>
+              </a:defRPr>
+            </a:lvl8pPr>
+            <a:lvl9pPr eaLnBrk="1" hangingPunct="1">
+              <a:defRPr>
+                <a:solidFill>
+                  <a:schemeClr val="tx2"/>
+                </a:solidFill>
+              </a:defRPr>
+            </a:lvl9pPr>
+          </a:lstStyle>
+          <a:p>
+            <a:r>
+              <a:rPr lang="en-US" sz="2800" dirty="0">
+                <a:latin typeface="Times New Roman" panose="02020603050405020304" pitchFamily="18" charset="0"/>
+                <a:cs typeface="Times New Roman" panose="02020603050405020304" pitchFamily="18" charset="0"/>
+              </a:rPr>
+              <a:t>6</a:t>
+            </a:r>
+            <a:r>
+              <a:rPr lang="ro-RO" sz="2800" dirty="0">
+                <a:latin typeface="Times New Roman" panose="02020603050405020304" pitchFamily="18" charset="0"/>
+                <a:cs typeface="Times New Roman" panose="02020603050405020304" pitchFamily="18" charset="0"/>
+              </a:rPr>
+              <a:t>.</a:t>
+            </a:r>
+            <a:r>
+              <a:rPr lang="en-US" sz="2800" dirty="0">
+                <a:latin typeface="Times New Roman" panose="02020603050405020304" pitchFamily="18" charset="0"/>
+                <a:cs typeface="Times New Roman" panose="02020603050405020304" pitchFamily="18" charset="0"/>
+              </a:rPr>
+              <a:t>6 </a:t>
+            </a:r>
+            <a:r>
+              <a:rPr lang="en-US" sz="2800" dirty="0" err="1">
+                <a:latin typeface="Times New Roman" panose="02020603050405020304" pitchFamily="18" charset="0"/>
+                <a:cs typeface="Times New Roman" panose="02020603050405020304" pitchFamily="18" charset="0"/>
+              </a:rPr>
+              <a:t>Vizualizarea</a:t>
+            </a:r>
+            <a:r>
+              <a:rPr lang="en-US" sz="2800" dirty="0">
+                <a:latin typeface="Times New Roman" panose="02020603050405020304" pitchFamily="18" charset="0"/>
+                <a:cs typeface="Times New Roman" panose="02020603050405020304" pitchFamily="18" charset="0"/>
+              </a:rPr>
+              <a:t> </a:t>
+            </a:r>
+            <a:r>
+              <a:rPr lang="en-US" sz="2800" dirty="0" err="1">
+                <a:latin typeface="Times New Roman" panose="02020603050405020304" pitchFamily="18" charset="0"/>
+                <a:cs typeface="Times New Roman" panose="02020603050405020304" pitchFamily="18" charset="0"/>
+              </a:rPr>
+              <a:t>mailurilor</a:t>
+            </a:r>
+            <a:r>
+              <a:rPr lang="en-US" sz="2800" dirty="0">
+                <a:latin typeface="Times New Roman" panose="02020603050405020304" pitchFamily="18" charset="0"/>
+                <a:cs typeface="Times New Roman" panose="02020603050405020304" pitchFamily="18" charset="0"/>
+              </a:rPr>
+              <a:t> </a:t>
+            </a:r>
+            <a:r>
+              <a:rPr lang="en-US" sz="2800" dirty="0" err="1">
+                <a:latin typeface="Times New Roman" panose="02020603050405020304" pitchFamily="18" charset="0"/>
+                <a:cs typeface="Times New Roman" panose="02020603050405020304" pitchFamily="18" charset="0"/>
+              </a:rPr>
+              <a:t>trimise</a:t>
+            </a:r>
+            <a:endParaRPr lang="en-US" sz="2800" dirty="0">
+              <a:latin typeface="Times New Roman" panose="02020603050405020304" pitchFamily="18" charset="0"/>
+              <a:cs typeface="Times New Roman" panose="02020603050405020304" pitchFamily="18" charset="0"/>
+            </a:endParaRPr>
+          </a:p>
+        </p:txBody>
+      </p:sp>
+      <p:sp>
+        <p:nvSpPr>
+          <p:cNvPr id="6" name="TextBox 5">
+            <a:extLst>
+              <a:ext uri="{FF2B5EF4-FFF2-40B4-BE49-F238E27FC236}">
+                <a16:creationId xmlns:a16="http://schemas.microsoft.com/office/drawing/2014/main" id="{826674D3-9206-492F-BACD-CEA338F4E7DC}"/>
+              </a:ext>
+            </a:extLst>
+          </p:cNvPr>
+          <p:cNvSpPr txBox="1"/>
+          <p:nvPr/>
+        </p:nvSpPr>
+        <p:spPr>
+          <a:xfrm>
+            <a:off x="811396" y="1351716"/>
+            <a:ext cx="10569206" cy="369332"/>
+          </a:xfrm>
+          <a:prstGeom prst="rect">
+            <a:avLst/>
+          </a:prstGeom>
+          <a:noFill/>
+        </p:spPr>
+        <p:txBody>
+          <a:bodyPr wrap="square" rtlCol="0">
+            <a:spAutoFit/>
+          </a:bodyPr>
+          <a:lstStyle/>
+          <a:p>
+            <a:r>
+              <a:rPr lang="en-US" dirty="0" err="1"/>
+              <a:t>Mailurile</a:t>
+            </a:r>
+            <a:r>
+              <a:rPr lang="en-US" dirty="0"/>
+              <a:t> </a:t>
+            </a:r>
+            <a:r>
+              <a:rPr lang="en-US" dirty="0" err="1"/>
+              <a:t>trimise</a:t>
+            </a:r>
+            <a:r>
+              <a:rPr lang="en-US" dirty="0"/>
+              <a:t> pot fi </a:t>
+            </a:r>
+            <a:r>
+              <a:rPr lang="en-US" dirty="0" err="1"/>
+              <a:t>vazute</a:t>
+            </a:r>
+            <a:r>
+              <a:rPr lang="en-US" dirty="0"/>
+              <a:t> </a:t>
+            </a:r>
+            <a:r>
+              <a:rPr lang="en-US" dirty="0" err="1"/>
+              <a:t>accesand</a:t>
+            </a:r>
+            <a:r>
+              <a:rPr lang="en-US" dirty="0"/>
+              <a:t> </a:t>
+            </a:r>
+            <a:r>
+              <a:rPr lang="en-US" dirty="0" err="1"/>
+              <a:t>categoria</a:t>
+            </a:r>
+            <a:r>
+              <a:rPr lang="en-US" dirty="0"/>
+              <a:t> “Sent”</a:t>
+            </a:r>
+            <a:endParaRPr lang="ro-RO" dirty="0"/>
+          </a:p>
+        </p:txBody>
+      </p:sp>
+      <p:pic>
+        <p:nvPicPr>
+          <p:cNvPr id="4" name="Picture 3">
+            <a:extLst>
+              <a:ext uri="{FF2B5EF4-FFF2-40B4-BE49-F238E27FC236}">
+                <a16:creationId xmlns:a16="http://schemas.microsoft.com/office/drawing/2014/main" id="{BCE13950-ACDC-4719-BEA0-163E3943EC8A}"/>
+              </a:ext>
+            </a:extLst>
+          </p:cNvPr>
+          <p:cNvPicPr>
+            <a:picLocks noChangeAspect="1"/>
+          </p:cNvPicPr>
+          <p:nvPr/>
+        </p:nvPicPr>
+        <p:blipFill>
+          <a:blip r:embed="rId2"/>
+          <a:stretch>
+            <a:fillRect/>
+          </a:stretch>
+        </p:blipFill>
+        <p:spPr>
+          <a:xfrm>
+            <a:off x="1833282" y="1901371"/>
+            <a:ext cx="8525435" cy="4668690"/>
+          </a:xfrm>
+          <a:prstGeom prst="rect">
+            <a:avLst/>
+          </a:prstGeom>
+        </p:spPr>
+      </p:pic>
+    </p:spTree>
+    <p:extLst>
+      <p:ext uri="{BB962C8B-B14F-4D97-AF65-F5344CB8AC3E}">
+        <p14:creationId xmlns:p14="http://schemas.microsoft.com/office/powerpoint/2010/main" val="845371188"/>
+      </p:ext>
+    </p:extLst>
+  </p:cSld>
+  <p:clrMapOvr>
+    <a:masterClrMapping/>
+  </p:clrMapOvr>
+  <p:transition spd="med">
+    <p:pull/>
+  </p:transition>
+</p:sld>
+</file>
+
+<file path=ppt/slides/slide27.xml><?xml version="1.0" encoding="utf-8"?>
+<p:sld xmlns:a="http://schemas.openxmlformats.org/drawingml/2006/main" xmlns:r="http://schemas.openxmlformats.org/officeDocument/2006/relationships" xmlns:p="http://schemas.openxmlformats.org/presentationml/2006/main">
+  <p:cSld>
+    <p:spTree>
+      <p:nvGrpSpPr>
+        <p:cNvPr id="1" name=""/>
+        <p:cNvGrpSpPr/>
+        <p:nvPr/>
+      </p:nvGrpSpPr>
+      <p:grpSpPr>
+        <a:xfrm>
+          <a:off x="0" y="0"/>
+          <a:ext cx="0" cy="0"/>
+          <a:chOff x="0" y="0"/>
+          <a:chExt cx="0" cy="0"/>
+        </a:xfrm>
+      </p:grpSpPr>
+      <p:sp>
+        <p:nvSpPr>
+          <p:cNvPr id="2" name="Title 1">
+            <a:extLst>
+              <a:ext uri="{FF2B5EF4-FFF2-40B4-BE49-F238E27FC236}">
+                <a16:creationId xmlns:a16="http://schemas.microsoft.com/office/drawing/2014/main" id="{63F5035C-74BC-40C2-9EC4-CD7907CF2505}"/>
+              </a:ext>
+            </a:extLst>
+          </p:cNvPr>
+          <p:cNvSpPr>
+            <a:spLocks noGrp="1"/>
+          </p:cNvSpPr>
+          <p:nvPr>
+            <p:ph type="title"/>
+          </p:nvPr>
+        </p:nvSpPr>
+        <p:spPr>
+          <a:xfrm>
+            <a:off x="475606" y="147158"/>
+            <a:ext cx="8865040" cy="925445"/>
+          </a:xfrm>
+        </p:spPr>
+        <p:txBody>
+          <a:bodyPr>
+            <a:noAutofit/>
+          </a:bodyPr>
+          <a:lstStyle/>
+          <a:p>
+            <a:r>
+              <a:rPr lang="en-US" sz="3200" dirty="0">
+                <a:solidFill>
+                  <a:schemeClr val="tx1"/>
+                </a:solidFill>
+                <a:latin typeface="Times New Roman" panose="02020603050405020304" pitchFamily="18" charset="0"/>
+                <a:cs typeface="Times New Roman" panose="02020603050405020304" pitchFamily="18" charset="0"/>
+              </a:rPr>
+              <a:t>6</a:t>
+            </a:r>
+            <a:r>
+              <a:rPr lang="ro-RO" sz="3200" dirty="0">
+                <a:solidFill>
+                  <a:schemeClr val="tx1"/>
+                </a:solidFill>
+                <a:latin typeface="Times New Roman" panose="02020603050405020304" pitchFamily="18" charset="0"/>
+                <a:cs typeface="Times New Roman" panose="02020603050405020304" pitchFamily="18" charset="0"/>
+              </a:rPr>
+              <a:t>. </a:t>
+            </a:r>
+            <a:r>
+              <a:rPr lang="en-US" sz="3200" dirty="0">
+                <a:solidFill>
+                  <a:schemeClr val="tx1"/>
+                </a:solidFill>
+                <a:latin typeface="Times New Roman" panose="02020603050405020304" pitchFamily="18" charset="0"/>
+                <a:cs typeface="Times New Roman" panose="02020603050405020304" pitchFamily="18" charset="0"/>
+              </a:rPr>
+              <a:t>Manual de </a:t>
+            </a:r>
+            <a:r>
+              <a:rPr lang="en-US" sz="3200" dirty="0" err="1">
+                <a:solidFill>
+                  <a:schemeClr val="tx1"/>
+                </a:solidFill>
+                <a:latin typeface="Times New Roman" panose="02020603050405020304" pitchFamily="18" charset="0"/>
+                <a:cs typeface="Times New Roman" panose="02020603050405020304" pitchFamily="18" charset="0"/>
+              </a:rPr>
+              <a:t>instalare</a:t>
+            </a:r>
+            <a:r>
+              <a:rPr lang="en-US" sz="3200" dirty="0">
+                <a:solidFill>
+                  <a:schemeClr val="tx1"/>
+                </a:solidFill>
+                <a:latin typeface="Times New Roman" panose="02020603050405020304" pitchFamily="18" charset="0"/>
+                <a:cs typeface="Times New Roman" panose="02020603050405020304" pitchFamily="18" charset="0"/>
+              </a:rPr>
+              <a:t> </a:t>
+            </a:r>
+            <a:r>
+              <a:rPr lang="en-US" sz="3200" dirty="0" err="1">
+                <a:solidFill>
+                  <a:schemeClr val="tx1"/>
+                </a:solidFill>
+                <a:latin typeface="Times New Roman" panose="02020603050405020304" pitchFamily="18" charset="0"/>
+                <a:cs typeface="Times New Roman" panose="02020603050405020304" pitchFamily="18" charset="0"/>
+              </a:rPr>
+              <a:t>si</a:t>
+            </a:r>
+            <a:r>
+              <a:rPr lang="en-US" sz="3200" dirty="0">
+                <a:solidFill>
+                  <a:schemeClr val="tx1"/>
+                </a:solidFill>
+                <a:latin typeface="Times New Roman" panose="02020603050405020304" pitchFamily="18" charset="0"/>
+                <a:cs typeface="Times New Roman" panose="02020603050405020304" pitchFamily="18" charset="0"/>
+              </a:rPr>
+              <a:t> </a:t>
+            </a:r>
+            <a:r>
+              <a:rPr lang="en-US" sz="3200" dirty="0" err="1">
+                <a:solidFill>
+                  <a:schemeClr val="tx1"/>
+                </a:solidFill>
+                <a:latin typeface="Times New Roman" panose="02020603050405020304" pitchFamily="18" charset="0"/>
+                <a:cs typeface="Times New Roman" panose="02020603050405020304" pitchFamily="18" charset="0"/>
+              </a:rPr>
+              <a:t>utilizare</a:t>
+            </a:r>
+            <a:br>
+              <a:rPr lang="ro-RO" sz="3200" dirty="0">
+                <a:latin typeface="Times New Roman" panose="02020603050405020304" pitchFamily="18" charset="0"/>
+                <a:cs typeface="Times New Roman" panose="02020603050405020304" pitchFamily="18" charset="0"/>
+              </a:rPr>
+            </a:br>
+            <a:r>
+              <a:rPr lang="ro-RO" sz="3200" dirty="0">
+                <a:latin typeface="Times New Roman" panose="02020603050405020304" pitchFamily="18" charset="0"/>
+                <a:cs typeface="Times New Roman" panose="02020603050405020304" pitchFamily="18" charset="0"/>
+              </a:rPr>
+              <a:t>     </a:t>
+            </a:r>
+            <a:endParaRPr lang="en-US" sz="3200" dirty="0">
+              <a:solidFill>
+                <a:schemeClr val="tx1"/>
+              </a:solidFill>
+              <a:latin typeface="Times New Roman" panose="02020603050405020304" pitchFamily="18" charset="0"/>
+              <a:cs typeface="Times New Roman" panose="02020603050405020304" pitchFamily="18" charset="0"/>
+            </a:endParaRPr>
+          </a:p>
+        </p:txBody>
+      </p:sp>
+      <p:sp>
+        <p:nvSpPr>
+          <p:cNvPr id="9" name="Title 1">
+            <a:extLst>
+              <a:ext uri="{FF2B5EF4-FFF2-40B4-BE49-F238E27FC236}">
+                <a16:creationId xmlns:a16="http://schemas.microsoft.com/office/drawing/2014/main" id="{FF107F4F-9209-4401-B8CA-4D4542BD228C}"/>
+              </a:ext>
+            </a:extLst>
+          </p:cNvPr>
+          <p:cNvSpPr txBox="1">
+            <a:spLocks/>
+          </p:cNvSpPr>
+          <p:nvPr/>
+        </p:nvSpPr>
+        <p:spPr>
+          <a:xfrm>
+            <a:off x="811397" y="609880"/>
+            <a:ext cx="10569206" cy="925445"/>
+          </a:xfrm>
+          <a:prstGeom prst="rect">
+            <a:avLst/>
+          </a:prstGeom>
+          <a:effectLst/>
+        </p:spPr>
+        <p:txBody>
+          <a:bodyPr vert="horz" lIns="91440" tIns="45720" rIns="91440" bIns="45720" rtlCol="0" anchor="ctr">
+            <a:noAutofit/>
+          </a:bodyPr>
+          <a:lstStyle>
+            <a:lvl1pPr algn="l" defTabSz="457200" rtl="0" eaLnBrk="1" latinLnBrk="0" hangingPunct="1">
+              <a:spcBef>
+                <a:spcPct val="0"/>
+              </a:spcBef>
+              <a:buNone/>
+              <a:defRPr sz="3600" kern="1200" cap="all">
+                <a:ln w="3175" cmpd="sng">
+                  <a:noFill/>
+                </a:ln>
+                <a:solidFill>
+                  <a:schemeClr val="tx1"/>
+                </a:solidFill>
+                <a:effectLst/>
+                <a:latin typeface="+mj-lt"/>
+                <a:ea typeface="+mj-ea"/>
+                <a:cs typeface="+mj-cs"/>
+              </a:defRPr>
+            </a:lvl1pPr>
+            <a:lvl2pPr eaLnBrk="1" hangingPunct="1">
+              <a:defRPr>
+                <a:solidFill>
+                  <a:schemeClr val="tx2"/>
+                </a:solidFill>
+              </a:defRPr>
+            </a:lvl2pPr>
+            <a:lvl3pPr eaLnBrk="1" hangingPunct="1">
+              <a:defRPr>
+                <a:solidFill>
+                  <a:schemeClr val="tx2"/>
+                </a:solidFill>
+              </a:defRPr>
+            </a:lvl3pPr>
+            <a:lvl4pPr eaLnBrk="1" hangingPunct="1">
+              <a:defRPr>
+                <a:solidFill>
+                  <a:schemeClr val="tx2"/>
+                </a:solidFill>
+              </a:defRPr>
+            </a:lvl4pPr>
+            <a:lvl5pPr eaLnBrk="1" hangingPunct="1">
+              <a:defRPr>
+                <a:solidFill>
+                  <a:schemeClr val="tx2"/>
+                </a:solidFill>
+              </a:defRPr>
+            </a:lvl5pPr>
+            <a:lvl6pPr eaLnBrk="1" hangingPunct="1">
+              <a:defRPr>
+                <a:solidFill>
+                  <a:schemeClr val="tx2"/>
+                </a:solidFill>
+              </a:defRPr>
+            </a:lvl6pPr>
+            <a:lvl7pPr eaLnBrk="1" hangingPunct="1">
+              <a:defRPr>
+                <a:solidFill>
+                  <a:schemeClr val="tx2"/>
+                </a:solidFill>
+              </a:defRPr>
+            </a:lvl7pPr>
+            <a:lvl8pPr eaLnBrk="1" hangingPunct="1">
+              <a:defRPr>
+                <a:solidFill>
+                  <a:schemeClr val="tx2"/>
+                </a:solidFill>
+              </a:defRPr>
+            </a:lvl8pPr>
+            <a:lvl9pPr eaLnBrk="1" hangingPunct="1">
+              <a:defRPr>
+                <a:solidFill>
+                  <a:schemeClr val="tx2"/>
+                </a:solidFill>
+              </a:defRPr>
+            </a:lvl9pPr>
+          </a:lstStyle>
+          <a:p>
+            <a:r>
+              <a:rPr lang="en-US" sz="2800" dirty="0">
+                <a:latin typeface="Times New Roman" panose="02020603050405020304" pitchFamily="18" charset="0"/>
+                <a:cs typeface="Times New Roman" panose="02020603050405020304" pitchFamily="18" charset="0"/>
+              </a:rPr>
+              <a:t>6</a:t>
+            </a:r>
+            <a:r>
+              <a:rPr lang="ro-RO" sz="2800" dirty="0">
+                <a:latin typeface="Times New Roman" panose="02020603050405020304" pitchFamily="18" charset="0"/>
+                <a:cs typeface="Times New Roman" panose="02020603050405020304" pitchFamily="18" charset="0"/>
+              </a:rPr>
+              <a:t>.</a:t>
+            </a:r>
+            <a:r>
+              <a:rPr lang="en-US" sz="2800" dirty="0">
+                <a:latin typeface="Times New Roman" panose="02020603050405020304" pitchFamily="18" charset="0"/>
+                <a:cs typeface="Times New Roman" panose="02020603050405020304" pitchFamily="18" charset="0"/>
+              </a:rPr>
+              <a:t>7 </a:t>
+            </a:r>
+            <a:r>
+              <a:rPr lang="en-US" sz="2800" dirty="0" err="1">
+                <a:latin typeface="Times New Roman" panose="02020603050405020304" pitchFamily="18" charset="0"/>
+                <a:cs typeface="Times New Roman" panose="02020603050405020304" pitchFamily="18" charset="0"/>
+              </a:rPr>
+              <a:t>Salvarea</a:t>
+            </a:r>
+            <a:r>
+              <a:rPr lang="en-US" sz="2800" dirty="0">
+                <a:latin typeface="Times New Roman" panose="02020603050405020304" pitchFamily="18" charset="0"/>
+                <a:cs typeface="Times New Roman" panose="02020603050405020304" pitchFamily="18" charset="0"/>
+              </a:rPr>
+              <a:t> </a:t>
+            </a:r>
+            <a:r>
+              <a:rPr lang="en-US" sz="2800" dirty="0" err="1">
+                <a:latin typeface="Times New Roman" panose="02020603050405020304" pitchFamily="18" charset="0"/>
+                <a:cs typeface="Times New Roman" panose="02020603050405020304" pitchFamily="18" charset="0"/>
+              </a:rPr>
+              <a:t>unui</a:t>
+            </a:r>
+            <a:r>
+              <a:rPr lang="en-US" sz="2800" dirty="0">
+                <a:latin typeface="Times New Roman" panose="02020603050405020304" pitchFamily="18" charset="0"/>
+                <a:cs typeface="Times New Roman" panose="02020603050405020304" pitchFamily="18" charset="0"/>
+              </a:rPr>
+              <a:t> mail ca draft</a:t>
+            </a:r>
+          </a:p>
+        </p:txBody>
+      </p:sp>
+      <p:sp>
+        <p:nvSpPr>
+          <p:cNvPr id="6" name="TextBox 5">
+            <a:extLst>
+              <a:ext uri="{FF2B5EF4-FFF2-40B4-BE49-F238E27FC236}">
+                <a16:creationId xmlns:a16="http://schemas.microsoft.com/office/drawing/2014/main" id="{826674D3-9206-492F-BACD-CEA338F4E7DC}"/>
+              </a:ext>
+            </a:extLst>
+          </p:cNvPr>
+          <p:cNvSpPr txBox="1"/>
+          <p:nvPr/>
+        </p:nvSpPr>
+        <p:spPr>
+          <a:xfrm>
+            <a:off x="811396" y="1351716"/>
+            <a:ext cx="10569206" cy="646331"/>
+          </a:xfrm>
+          <a:prstGeom prst="rect">
+            <a:avLst/>
+          </a:prstGeom>
+          <a:noFill/>
+        </p:spPr>
+        <p:txBody>
+          <a:bodyPr wrap="square" rtlCol="0">
+            <a:spAutoFit/>
+          </a:bodyPr>
+          <a:lstStyle/>
+          <a:p>
+            <a:r>
+              <a:rPr lang="en-US" dirty="0"/>
+              <a:t>Un mail </a:t>
+            </a:r>
+            <a:r>
+              <a:rPr lang="en-US" dirty="0" err="1"/>
+              <a:t>inceput</a:t>
+            </a:r>
+            <a:r>
+              <a:rPr lang="en-US" dirty="0"/>
+              <a:t> </a:t>
+            </a:r>
+            <a:r>
+              <a:rPr lang="en-US" dirty="0" err="1"/>
+              <a:t>dar</a:t>
+            </a:r>
+            <a:r>
+              <a:rPr lang="en-US" dirty="0"/>
+              <a:t> care nu a </a:t>
+            </a:r>
+            <a:r>
+              <a:rPr lang="en-US" dirty="0" err="1"/>
+              <a:t>fost</a:t>
+            </a:r>
+            <a:r>
+              <a:rPr lang="en-US" dirty="0"/>
+              <a:t> </a:t>
+            </a:r>
+            <a:r>
+              <a:rPr lang="en-US" dirty="0" err="1"/>
+              <a:t>trimis</a:t>
+            </a:r>
+            <a:r>
+              <a:rPr lang="en-US" dirty="0"/>
+              <a:t> se </a:t>
+            </a:r>
+            <a:r>
+              <a:rPr lang="en-US" dirty="0" err="1"/>
+              <a:t>va</a:t>
+            </a:r>
+            <a:r>
+              <a:rPr lang="en-US" dirty="0"/>
+              <a:t> </a:t>
+            </a:r>
+            <a:r>
+              <a:rPr lang="en-US" dirty="0" err="1"/>
+              <a:t>salva</a:t>
+            </a:r>
+            <a:r>
+              <a:rPr lang="en-US" dirty="0"/>
+              <a:t> in </a:t>
+            </a:r>
+            <a:r>
+              <a:rPr lang="en-US" dirty="0" err="1"/>
+              <a:t>categoria</a:t>
+            </a:r>
+            <a:r>
+              <a:rPr lang="en-US" dirty="0"/>
+              <a:t> drafts. </a:t>
+            </a:r>
+            <a:r>
+              <a:rPr lang="en-US" dirty="0" err="1"/>
+              <a:t>Acesta</a:t>
+            </a:r>
+            <a:r>
+              <a:rPr lang="en-US" dirty="0"/>
+              <a:t> </a:t>
+            </a:r>
+            <a:r>
+              <a:rPr lang="en-US" dirty="0" err="1"/>
+              <a:t>poate</a:t>
+            </a:r>
+            <a:r>
+              <a:rPr lang="en-US" dirty="0"/>
+              <a:t> fi </a:t>
+            </a:r>
+            <a:r>
+              <a:rPr lang="en-US" dirty="0" err="1"/>
+              <a:t>editat</a:t>
+            </a:r>
+            <a:r>
+              <a:rPr lang="en-US" dirty="0"/>
+              <a:t> </a:t>
+            </a:r>
+            <a:r>
+              <a:rPr lang="en-US" dirty="0" err="1"/>
+              <a:t>si</a:t>
+            </a:r>
+            <a:r>
+              <a:rPr lang="en-US" dirty="0"/>
+              <a:t> </a:t>
+            </a:r>
+            <a:r>
+              <a:rPr lang="en-US" dirty="0" err="1"/>
+              <a:t>trimis</a:t>
+            </a:r>
+            <a:r>
+              <a:rPr lang="en-US" dirty="0"/>
+              <a:t> ulterior </a:t>
+            </a:r>
+            <a:endParaRPr lang="ro-RO" dirty="0"/>
+          </a:p>
+        </p:txBody>
+      </p:sp>
+      <p:pic>
+        <p:nvPicPr>
+          <p:cNvPr id="8" name="Picture 7">
+            <a:extLst>
+              <a:ext uri="{FF2B5EF4-FFF2-40B4-BE49-F238E27FC236}">
+                <a16:creationId xmlns:a16="http://schemas.microsoft.com/office/drawing/2014/main" id="{CF882097-C78C-465C-A607-9265698065E9}"/>
+              </a:ext>
+            </a:extLst>
+          </p:cNvPr>
+          <p:cNvPicPr>
+            <a:picLocks noChangeAspect="1"/>
+          </p:cNvPicPr>
+          <p:nvPr/>
+        </p:nvPicPr>
+        <p:blipFill>
+          <a:blip r:embed="rId2"/>
+          <a:stretch>
+            <a:fillRect/>
+          </a:stretch>
+        </p:blipFill>
+        <p:spPr>
+          <a:xfrm>
+            <a:off x="2090056" y="2108985"/>
+            <a:ext cx="8011885" cy="4377923"/>
+          </a:xfrm>
+          <a:prstGeom prst="rect">
+            <a:avLst/>
+          </a:prstGeom>
+        </p:spPr>
+      </p:pic>
+    </p:spTree>
+    <p:extLst>
+      <p:ext uri="{BB962C8B-B14F-4D97-AF65-F5344CB8AC3E}">
+        <p14:creationId xmlns:p14="http://schemas.microsoft.com/office/powerpoint/2010/main" val="1006516055"/>
+      </p:ext>
+    </p:extLst>
+  </p:cSld>
+  <p:clrMapOvr>
+    <a:masterClrMapping/>
+  </p:clrMapOvr>
+  <p:transition spd="med">
+    <p:pull/>
+  </p:transition>
+</p:sld>
+</file>
+
+<file path=ppt/slides/slide28.xml><?xml version="1.0" encoding="utf-8"?>
+<p:sld xmlns:a="http://schemas.openxmlformats.org/drawingml/2006/main" xmlns:r="http://schemas.openxmlformats.org/officeDocument/2006/relationships" xmlns:p="http://schemas.openxmlformats.org/presentationml/2006/main">
+  <p:cSld>
+    <p:spTree>
+      <p:nvGrpSpPr>
+        <p:cNvPr id="1" name=""/>
+        <p:cNvGrpSpPr/>
+        <p:nvPr/>
+      </p:nvGrpSpPr>
+      <p:grpSpPr>
+        <a:xfrm>
+          <a:off x="0" y="0"/>
+          <a:ext cx="0" cy="0"/>
+          <a:chOff x="0" y="0"/>
+          <a:chExt cx="0" cy="0"/>
+        </a:xfrm>
+      </p:grpSpPr>
+      <p:sp>
+        <p:nvSpPr>
+          <p:cNvPr id="2" name="Title 1">
+            <a:extLst>
+              <a:ext uri="{FF2B5EF4-FFF2-40B4-BE49-F238E27FC236}">
+                <a16:creationId xmlns:a16="http://schemas.microsoft.com/office/drawing/2014/main" id="{63F5035C-74BC-40C2-9EC4-CD7907CF2505}"/>
+              </a:ext>
+            </a:extLst>
+          </p:cNvPr>
+          <p:cNvSpPr>
+            <a:spLocks noGrp="1"/>
+          </p:cNvSpPr>
+          <p:nvPr>
+            <p:ph type="title"/>
+          </p:nvPr>
+        </p:nvSpPr>
+        <p:spPr>
+          <a:xfrm>
+            <a:off x="502500" y="147157"/>
+            <a:ext cx="8865040" cy="925445"/>
+          </a:xfrm>
+        </p:spPr>
+        <p:txBody>
+          <a:bodyPr>
+            <a:noAutofit/>
+          </a:bodyPr>
+          <a:lstStyle/>
+          <a:p>
+            <a:r>
+              <a:rPr lang="en-US" sz="3200" dirty="0">
+                <a:solidFill>
+                  <a:schemeClr val="tx1"/>
+                </a:solidFill>
+                <a:latin typeface="Times New Roman" panose="02020603050405020304" pitchFamily="18" charset="0"/>
+                <a:cs typeface="Times New Roman" panose="02020603050405020304" pitchFamily="18" charset="0"/>
+              </a:rPr>
+              <a:t>6</a:t>
+            </a:r>
+            <a:r>
+              <a:rPr lang="ro-RO" sz="3200" dirty="0">
+                <a:solidFill>
+                  <a:schemeClr val="tx1"/>
+                </a:solidFill>
+                <a:latin typeface="Times New Roman" panose="02020603050405020304" pitchFamily="18" charset="0"/>
+                <a:cs typeface="Times New Roman" panose="02020603050405020304" pitchFamily="18" charset="0"/>
+              </a:rPr>
+              <a:t>. </a:t>
+            </a:r>
+            <a:r>
+              <a:rPr lang="en-US" sz="3200" dirty="0">
+                <a:solidFill>
+                  <a:schemeClr val="tx1"/>
+                </a:solidFill>
+                <a:latin typeface="Times New Roman" panose="02020603050405020304" pitchFamily="18" charset="0"/>
+                <a:cs typeface="Times New Roman" panose="02020603050405020304" pitchFamily="18" charset="0"/>
+              </a:rPr>
+              <a:t>Manual de </a:t>
+            </a:r>
+            <a:r>
+              <a:rPr lang="en-US" sz="3200" dirty="0" err="1">
+                <a:solidFill>
+                  <a:schemeClr val="tx1"/>
+                </a:solidFill>
+                <a:latin typeface="Times New Roman" panose="02020603050405020304" pitchFamily="18" charset="0"/>
+                <a:cs typeface="Times New Roman" panose="02020603050405020304" pitchFamily="18" charset="0"/>
+              </a:rPr>
+              <a:t>instalare</a:t>
+            </a:r>
+            <a:r>
+              <a:rPr lang="en-US" sz="3200" dirty="0">
+                <a:solidFill>
+                  <a:schemeClr val="tx1"/>
+                </a:solidFill>
+                <a:latin typeface="Times New Roman" panose="02020603050405020304" pitchFamily="18" charset="0"/>
+                <a:cs typeface="Times New Roman" panose="02020603050405020304" pitchFamily="18" charset="0"/>
+              </a:rPr>
+              <a:t> </a:t>
+            </a:r>
+            <a:r>
+              <a:rPr lang="en-US" sz="3200" dirty="0" err="1">
+                <a:solidFill>
+                  <a:schemeClr val="tx1"/>
+                </a:solidFill>
+                <a:latin typeface="Times New Roman" panose="02020603050405020304" pitchFamily="18" charset="0"/>
+                <a:cs typeface="Times New Roman" panose="02020603050405020304" pitchFamily="18" charset="0"/>
+              </a:rPr>
+              <a:t>si</a:t>
+            </a:r>
+            <a:r>
+              <a:rPr lang="en-US" sz="3200" dirty="0">
+                <a:solidFill>
+                  <a:schemeClr val="tx1"/>
+                </a:solidFill>
+                <a:latin typeface="Times New Roman" panose="02020603050405020304" pitchFamily="18" charset="0"/>
+                <a:cs typeface="Times New Roman" panose="02020603050405020304" pitchFamily="18" charset="0"/>
+              </a:rPr>
+              <a:t> </a:t>
+            </a:r>
+            <a:r>
+              <a:rPr lang="en-US" sz="3200" dirty="0" err="1">
+                <a:solidFill>
+                  <a:schemeClr val="tx1"/>
+                </a:solidFill>
+                <a:latin typeface="Times New Roman" panose="02020603050405020304" pitchFamily="18" charset="0"/>
+                <a:cs typeface="Times New Roman" panose="02020603050405020304" pitchFamily="18" charset="0"/>
+              </a:rPr>
+              <a:t>utilizare</a:t>
+            </a:r>
+            <a:br>
+              <a:rPr lang="ro-RO" sz="3200" dirty="0">
+                <a:latin typeface="Times New Roman" panose="02020603050405020304" pitchFamily="18" charset="0"/>
+                <a:cs typeface="Times New Roman" panose="02020603050405020304" pitchFamily="18" charset="0"/>
+              </a:rPr>
+            </a:br>
+            <a:r>
+              <a:rPr lang="ro-RO" sz="3200" dirty="0">
+                <a:latin typeface="Times New Roman" panose="02020603050405020304" pitchFamily="18" charset="0"/>
+                <a:cs typeface="Times New Roman" panose="02020603050405020304" pitchFamily="18" charset="0"/>
+              </a:rPr>
+              <a:t>     </a:t>
+            </a:r>
+            <a:endParaRPr lang="en-US" sz="3200" dirty="0">
+              <a:solidFill>
+                <a:schemeClr val="tx1"/>
+              </a:solidFill>
+              <a:latin typeface="Times New Roman" panose="02020603050405020304" pitchFamily="18" charset="0"/>
+              <a:cs typeface="Times New Roman" panose="02020603050405020304" pitchFamily="18" charset="0"/>
+            </a:endParaRPr>
+          </a:p>
+        </p:txBody>
+      </p:sp>
+      <p:sp>
+        <p:nvSpPr>
+          <p:cNvPr id="9" name="Title 1">
+            <a:extLst>
+              <a:ext uri="{FF2B5EF4-FFF2-40B4-BE49-F238E27FC236}">
+                <a16:creationId xmlns:a16="http://schemas.microsoft.com/office/drawing/2014/main" id="{FF107F4F-9209-4401-B8CA-4D4542BD228C}"/>
+              </a:ext>
+            </a:extLst>
+          </p:cNvPr>
+          <p:cNvSpPr txBox="1">
+            <a:spLocks/>
+          </p:cNvSpPr>
+          <p:nvPr/>
+        </p:nvSpPr>
+        <p:spPr>
+          <a:xfrm>
+            <a:off x="811397" y="609880"/>
+            <a:ext cx="10569206" cy="925445"/>
+          </a:xfrm>
+          <a:prstGeom prst="rect">
+            <a:avLst/>
+          </a:prstGeom>
+          <a:effectLst/>
+        </p:spPr>
+        <p:txBody>
+          <a:bodyPr vert="horz" lIns="91440" tIns="45720" rIns="91440" bIns="45720" rtlCol="0" anchor="ctr">
+            <a:noAutofit/>
+          </a:bodyPr>
+          <a:lstStyle>
+            <a:lvl1pPr algn="l" defTabSz="457200" rtl="0" eaLnBrk="1" latinLnBrk="0" hangingPunct="1">
+              <a:spcBef>
+                <a:spcPct val="0"/>
+              </a:spcBef>
+              <a:buNone/>
+              <a:defRPr sz="3600" kern="1200" cap="all">
+                <a:ln w="3175" cmpd="sng">
+                  <a:noFill/>
+                </a:ln>
+                <a:solidFill>
+                  <a:schemeClr val="tx1"/>
+                </a:solidFill>
+                <a:effectLst/>
+                <a:latin typeface="+mj-lt"/>
+                <a:ea typeface="+mj-ea"/>
+                <a:cs typeface="+mj-cs"/>
+              </a:defRPr>
+            </a:lvl1pPr>
+            <a:lvl2pPr eaLnBrk="1" hangingPunct="1">
+              <a:defRPr>
+                <a:solidFill>
+                  <a:schemeClr val="tx2"/>
+                </a:solidFill>
+              </a:defRPr>
+            </a:lvl2pPr>
+            <a:lvl3pPr eaLnBrk="1" hangingPunct="1">
+              <a:defRPr>
+                <a:solidFill>
+                  <a:schemeClr val="tx2"/>
+                </a:solidFill>
+              </a:defRPr>
+            </a:lvl3pPr>
+            <a:lvl4pPr eaLnBrk="1" hangingPunct="1">
+              <a:defRPr>
+                <a:solidFill>
+                  <a:schemeClr val="tx2"/>
+                </a:solidFill>
+              </a:defRPr>
+            </a:lvl4pPr>
+            <a:lvl5pPr eaLnBrk="1" hangingPunct="1">
+              <a:defRPr>
+                <a:solidFill>
+                  <a:schemeClr val="tx2"/>
+                </a:solidFill>
+              </a:defRPr>
+            </a:lvl5pPr>
+            <a:lvl6pPr eaLnBrk="1" hangingPunct="1">
+              <a:defRPr>
+                <a:solidFill>
+                  <a:schemeClr val="tx2"/>
+                </a:solidFill>
+              </a:defRPr>
+            </a:lvl6pPr>
+            <a:lvl7pPr eaLnBrk="1" hangingPunct="1">
+              <a:defRPr>
+                <a:solidFill>
+                  <a:schemeClr val="tx2"/>
+                </a:solidFill>
+              </a:defRPr>
+            </a:lvl7pPr>
+            <a:lvl8pPr eaLnBrk="1" hangingPunct="1">
+              <a:defRPr>
+                <a:solidFill>
+                  <a:schemeClr val="tx2"/>
+                </a:solidFill>
+              </a:defRPr>
+            </a:lvl8pPr>
+            <a:lvl9pPr eaLnBrk="1" hangingPunct="1">
+              <a:defRPr>
+                <a:solidFill>
+                  <a:schemeClr val="tx2"/>
+                </a:solidFill>
+              </a:defRPr>
+            </a:lvl9pPr>
+          </a:lstStyle>
+          <a:p>
+            <a:r>
+              <a:rPr lang="en-US" sz="2800" dirty="0">
+                <a:latin typeface="Times New Roman" panose="02020603050405020304" pitchFamily="18" charset="0"/>
+                <a:cs typeface="Times New Roman" panose="02020603050405020304" pitchFamily="18" charset="0"/>
+              </a:rPr>
+              <a:t>6</a:t>
+            </a:r>
+            <a:r>
+              <a:rPr lang="ro-RO" sz="2800" dirty="0">
+                <a:latin typeface="Times New Roman" panose="02020603050405020304" pitchFamily="18" charset="0"/>
+                <a:cs typeface="Times New Roman" panose="02020603050405020304" pitchFamily="18" charset="0"/>
+              </a:rPr>
+              <a:t>.</a:t>
+            </a:r>
+            <a:r>
+              <a:rPr lang="en-US" sz="2800" dirty="0">
+                <a:latin typeface="Times New Roman" panose="02020603050405020304" pitchFamily="18" charset="0"/>
+                <a:cs typeface="Times New Roman" panose="02020603050405020304" pitchFamily="18" charset="0"/>
+              </a:rPr>
+              <a:t>8 </a:t>
+            </a:r>
+            <a:r>
+              <a:rPr lang="en-US" sz="2800" dirty="0" err="1">
+                <a:latin typeface="Times New Roman" panose="02020603050405020304" pitchFamily="18" charset="0"/>
+                <a:cs typeface="Times New Roman" panose="02020603050405020304" pitchFamily="18" charset="0"/>
+              </a:rPr>
+              <a:t>Stergerea</a:t>
+            </a:r>
+            <a:r>
+              <a:rPr lang="en-US" sz="2800" dirty="0">
+                <a:latin typeface="Times New Roman" panose="02020603050405020304" pitchFamily="18" charset="0"/>
+                <a:cs typeface="Times New Roman" panose="02020603050405020304" pitchFamily="18" charset="0"/>
+              </a:rPr>
+              <a:t> a </a:t>
+            </a:r>
+            <a:r>
+              <a:rPr lang="en-US" sz="2800" dirty="0" err="1">
+                <a:latin typeface="Times New Roman" panose="02020603050405020304" pitchFamily="18" charset="0"/>
+                <a:cs typeface="Times New Roman" panose="02020603050405020304" pitchFamily="18" charset="0"/>
+              </a:rPr>
+              <a:t>unuia</a:t>
+            </a:r>
+            <a:r>
+              <a:rPr lang="en-US" sz="2800" dirty="0">
+                <a:latin typeface="Times New Roman" panose="02020603050405020304" pitchFamily="18" charset="0"/>
+                <a:cs typeface="Times New Roman" panose="02020603050405020304" pitchFamily="18" charset="0"/>
+              </a:rPr>
+              <a:t>/</a:t>
+            </a:r>
+            <a:r>
+              <a:rPr lang="en-US" sz="2800" dirty="0" err="1">
+                <a:latin typeface="Times New Roman" panose="02020603050405020304" pitchFamily="18" charset="0"/>
+                <a:cs typeface="Times New Roman" panose="02020603050405020304" pitchFamily="18" charset="0"/>
+              </a:rPr>
+              <a:t>mai</a:t>
+            </a:r>
+            <a:r>
+              <a:rPr lang="en-US" sz="2800" dirty="0">
+                <a:latin typeface="Times New Roman" panose="02020603050405020304" pitchFamily="18" charset="0"/>
+                <a:cs typeface="Times New Roman" panose="02020603050405020304" pitchFamily="18" charset="0"/>
+              </a:rPr>
+              <a:t> </a:t>
+            </a:r>
+            <a:r>
+              <a:rPr lang="en-US" sz="2800" dirty="0" err="1">
+                <a:latin typeface="Times New Roman" panose="02020603050405020304" pitchFamily="18" charset="0"/>
+                <a:cs typeface="Times New Roman" panose="02020603050405020304" pitchFamily="18" charset="0"/>
+              </a:rPr>
+              <a:t>multor</a:t>
+            </a:r>
+            <a:r>
+              <a:rPr lang="en-US" sz="2800" dirty="0">
+                <a:latin typeface="Times New Roman" panose="02020603050405020304" pitchFamily="18" charset="0"/>
+                <a:cs typeface="Times New Roman" panose="02020603050405020304" pitchFamily="18" charset="0"/>
+              </a:rPr>
+              <a:t> </a:t>
+            </a:r>
+            <a:r>
+              <a:rPr lang="en-US" sz="2800" dirty="0" err="1">
+                <a:latin typeface="Times New Roman" panose="02020603050405020304" pitchFamily="18" charset="0"/>
+                <a:cs typeface="Times New Roman" panose="02020603050405020304" pitchFamily="18" charset="0"/>
+              </a:rPr>
+              <a:t>mailuri</a:t>
+            </a:r>
+            <a:endParaRPr lang="en-US" sz="2800" dirty="0">
+              <a:latin typeface="Times New Roman" panose="02020603050405020304" pitchFamily="18" charset="0"/>
+              <a:cs typeface="Times New Roman" panose="02020603050405020304" pitchFamily="18" charset="0"/>
+            </a:endParaRPr>
+          </a:p>
+        </p:txBody>
+      </p:sp>
+      <p:sp>
+        <p:nvSpPr>
+          <p:cNvPr id="6" name="TextBox 5">
+            <a:extLst>
+              <a:ext uri="{FF2B5EF4-FFF2-40B4-BE49-F238E27FC236}">
+                <a16:creationId xmlns:a16="http://schemas.microsoft.com/office/drawing/2014/main" id="{826674D3-9206-492F-BACD-CEA338F4E7DC}"/>
+              </a:ext>
+            </a:extLst>
+          </p:cNvPr>
+          <p:cNvSpPr txBox="1"/>
+          <p:nvPr/>
+        </p:nvSpPr>
+        <p:spPr>
+          <a:xfrm>
+            <a:off x="811396" y="1351716"/>
+            <a:ext cx="10569206" cy="369332"/>
+          </a:xfrm>
+          <a:prstGeom prst="rect">
+            <a:avLst/>
+          </a:prstGeom>
+          <a:noFill/>
+        </p:spPr>
+        <p:txBody>
+          <a:bodyPr wrap="square" rtlCol="0">
+            <a:spAutoFit/>
+          </a:bodyPr>
+          <a:lstStyle/>
+          <a:p>
+            <a:r>
+              <a:rPr lang="en-US" dirty="0"/>
+              <a:t>Se </a:t>
+            </a:r>
+            <a:r>
+              <a:rPr lang="en-US" dirty="0" err="1"/>
+              <a:t>selecteaza</a:t>
+            </a:r>
+            <a:r>
+              <a:rPr lang="en-US" dirty="0"/>
+              <a:t> </a:t>
+            </a:r>
+            <a:r>
+              <a:rPr lang="en-US" dirty="0" err="1"/>
+              <a:t>mailuri</a:t>
+            </a:r>
+            <a:r>
+              <a:rPr lang="en-US" dirty="0"/>
+              <a:t> care </a:t>
+            </a:r>
+            <a:r>
+              <a:rPr lang="en-US" dirty="0" err="1"/>
+              <a:t>doresc</a:t>
+            </a:r>
+            <a:r>
+              <a:rPr lang="en-US" dirty="0"/>
+              <a:t> </a:t>
+            </a:r>
+            <a:r>
+              <a:rPr lang="en-US" dirty="0" err="1"/>
+              <a:t>sa</a:t>
+            </a:r>
+            <a:r>
+              <a:rPr lang="en-US" dirty="0"/>
+              <a:t> fie </a:t>
+            </a:r>
+            <a:r>
+              <a:rPr lang="en-US" dirty="0" err="1"/>
+              <a:t>sterse</a:t>
+            </a:r>
+            <a:r>
+              <a:rPr lang="en-US" dirty="0"/>
+              <a:t>, </a:t>
+            </a:r>
+            <a:r>
+              <a:rPr lang="en-US" dirty="0" err="1"/>
+              <a:t>iar</a:t>
+            </a:r>
+            <a:r>
+              <a:rPr lang="en-US" dirty="0"/>
+              <a:t> </a:t>
+            </a:r>
+            <a:r>
+              <a:rPr lang="en-US" dirty="0" err="1"/>
+              <a:t>apoi</a:t>
+            </a:r>
+            <a:r>
+              <a:rPr lang="en-US" dirty="0"/>
+              <a:t> se </a:t>
+            </a:r>
+            <a:r>
+              <a:rPr lang="en-US" dirty="0" err="1"/>
+              <a:t>apasa</a:t>
+            </a:r>
+            <a:r>
+              <a:rPr lang="en-US" dirty="0"/>
+              <a:t> pe </a:t>
+            </a:r>
+            <a:r>
+              <a:rPr lang="en-US" dirty="0" err="1"/>
+              <a:t>butonul</a:t>
+            </a:r>
+            <a:r>
+              <a:rPr lang="en-US" dirty="0"/>
+              <a:t> de </a:t>
+            </a:r>
+            <a:r>
+              <a:rPr lang="en-US" dirty="0" err="1"/>
+              <a:t>stergere</a:t>
+            </a:r>
+            <a:endParaRPr lang="ro-RO" dirty="0"/>
+          </a:p>
+        </p:txBody>
+      </p:sp>
+      <p:pic>
+        <p:nvPicPr>
+          <p:cNvPr id="4" name="Picture 3">
+            <a:extLst>
+              <a:ext uri="{FF2B5EF4-FFF2-40B4-BE49-F238E27FC236}">
+                <a16:creationId xmlns:a16="http://schemas.microsoft.com/office/drawing/2014/main" id="{35AF2A45-3C20-4976-BF01-6FF48D23995D}"/>
+              </a:ext>
+            </a:extLst>
+          </p:cNvPr>
+          <p:cNvPicPr>
+            <a:picLocks noChangeAspect="1"/>
+          </p:cNvPicPr>
+          <p:nvPr/>
+        </p:nvPicPr>
+        <p:blipFill>
+          <a:blip r:embed="rId2"/>
+          <a:stretch>
+            <a:fillRect/>
+          </a:stretch>
+        </p:blipFill>
+        <p:spPr>
+          <a:xfrm>
+            <a:off x="1823670" y="1998048"/>
+            <a:ext cx="8544661" cy="4704649"/>
+          </a:xfrm>
+          <a:prstGeom prst="rect">
+            <a:avLst/>
+          </a:prstGeom>
+        </p:spPr>
+      </p:pic>
+    </p:spTree>
+    <p:extLst>
+      <p:ext uri="{BB962C8B-B14F-4D97-AF65-F5344CB8AC3E}">
+        <p14:creationId xmlns:p14="http://schemas.microsoft.com/office/powerpoint/2010/main" val="1551606252"/>
+      </p:ext>
+    </p:extLst>
+  </p:cSld>
+  <p:clrMapOvr>
+    <a:masterClrMapping/>
+  </p:clrMapOvr>
+  <p:transition spd="med">
+    <p:pull/>
+  </p:transition>
+</p:sld>
+</file>
+
+<file path=ppt/slides/slide29.xml><?xml version="1.0" encoding="utf-8"?>
+<p:sld xmlns:a="http://schemas.openxmlformats.org/drawingml/2006/main" xmlns:r="http://schemas.openxmlformats.org/officeDocument/2006/relationships" xmlns:p="http://schemas.openxmlformats.org/presentationml/2006/main">
+  <p:cSld>
+    <p:spTree>
+      <p:nvGrpSpPr>
+        <p:cNvPr id="1" name=""/>
+        <p:cNvGrpSpPr/>
+        <p:nvPr/>
+      </p:nvGrpSpPr>
+      <p:grpSpPr>
+        <a:xfrm>
+          <a:off x="0" y="0"/>
+          <a:ext cx="0" cy="0"/>
+          <a:chOff x="0" y="0"/>
+          <a:chExt cx="0" cy="0"/>
+        </a:xfrm>
+      </p:grpSpPr>
+      <p:sp>
+        <p:nvSpPr>
+          <p:cNvPr id="2" name="Title 1">
+            <a:extLst>
+              <a:ext uri="{FF2B5EF4-FFF2-40B4-BE49-F238E27FC236}">
+                <a16:creationId xmlns:a16="http://schemas.microsoft.com/office/drawing/2014/main" id="{63F5035C-74BC-40C2-9EC4-CD7907CF2505}"/>
+              </a:ext>
+            </a:extLst>
+          </p:cNvPr>
+          <p:cNvSpPr>
+            <a:spLocks noGrp="1"/>
+          </p:cNvSpPr>
+          <p:nvPr>
+            <p:ph type="title"/>
+          </p:nvPr>
+        </p:nvSpPr>
+        <p:spPr>
+          <a:xfrm>
+            <a:off x="502500" y="147157"/>
+            <a:ext cx="8865040" cy="925445"/>
+          </a:xfrm>
+        </p:spPr>
+        <p:txBody>
+          <a:bodyPr>
+            <a:noAutofit/>
+          </a:bodyPr>
+          <a:lstStyle/>
+          <a:p>
+            <a:r>
+              <a:rPr lang="en-US" sz="3200" dirty="0">
+                <a:solidFill>
+                  <a:schemeClr val="tx1"/>
+                </a:solidFill>
+                <a:latin typeface="Times New Roman" panose="02020603050405020304" pitchFamily="18" charset="0"/>
+                <a:cs typeface="Times New Roman" panose="02020603050405020304" pitchFamily="18" charset="0"/>
+              </a:rPr>
+              <a:t>6</a:t>
+            </a:r>
+            <a:r>
+              <a:rPr lang="ro-RO" sz="3200" dirty="0">
+                <a:solidFill>
+                  <a:schemeClr val="tx1"/>
+                </a:solidFill>
+                <a:latin typeface="Times New Roman" panose="02020603050405020304" pitchFamily="18" charset="0"/>
+                <a:cs typeface="Times New Roman" panose="02020603050405020304" pitchFamily="18" charset="0"/>
+              </a:rPr>
+              <a:t>. </a:t>
+            </a:r>
+            <a:r>
+              <a:rPr lang="en-US" sz="3200" dirty="0">
+                <a:solidFill>
+                  <a:schemeClr val="tx1"/>
+                </a:solidFill>
+                <a:latin typeface="Times New Roman" panose="02020603050405020304" pitchFamily="18" charset="0"/>
+                <a:cs typeface="Times New Roman" panose="02020603050405020304" pitchFamily="18" charset="0"/>
+              </a:rPr>
+              <a:t>Manual de </a:t>
+            </a:r>
+            <a:r>
+              <a:rPr lang="en-US" sz="3200" dirty="0" err="1">
+                <a:solidFill>
+                  <a:schemeClr val="tx1"/>
+                </a:solidFill>
+                <a:latin typeface="Times New Roman" panose="02020603050405020304" pitchFamily="18" charset="0"/>
+                <a:cs typeface="Times New Roman" panose="02020603050405020304" pitchFamily="18" charset="0"/>
+              </a:rPr>
+              <a:t>instalare</a:t>
+            </a:r>
+            <a:r>
+              <a:rPr lang="en-US" sz="3200" dirty="0">
+                <a:solidFill>
+                  <a:schemeClr val="tx1"/>
+                </a:solidFill>
+                <a:latin typeface="Times New Roman" panose="02020603050405020304" pitchFamily="18" charset="0"/>
+                <a:cs typeface="Times New Roman" panose="02020603050405020304" pitchFamily="18" charset="0"/>
+              </a:rPr>
+              <a:t> </a:t>
+            </a:r>
+            <a:r>
+              <a:rPr lang="en-US" sz="3200" dirty="0" err="1">
+                <a:solidFill>
+                  <a:schemeClr val="tx1"/>
+                </a:solidFill>
+                <a:latin typeface="Times New Roman" panose="02020603050405020304" pitchFamily="18" charset="0"/>
+                <a:cs typeface="Times New Roman" panose="02020603050405020304" pitchFamily="18" charset="0"/>
+              </a:rPr>
+              <a:t>si</a:t>
+            </a:r>
+            <a:r>
+              <a:rPr lang="en-US" sz="3200" dirty="0">
+                <a:solidFill>
+                  <a:schemeClr val="tx1"/>
+                </a:solidFill>
+                <a:latin typeface="Times New Roman" panose="02020603050405020304" pitchFamily="18" charset="0"/>
+                <a:cs typeface="Times New Roman" panose="02020603050405020304" pitchFamily="18" charset="0"/>
+              </a:rPr>
+              <a:t> </a:t>
+            </a:r>
+            <a:r>
+              <a:rPr lang="en-US" sz="3200" dirty="0" err="1">
+                <a:solidFill>
+                  <a:schemeClr val="tx1"/>
+                </a:solidFill>
+                <a:latin typeface="Times New Roman" panose="02020603050405020304" pitchFamily="18" charset="0"/>
+                <a:cs typeface="Times New Roman" panose="02020603050405020304" pitchFamily="18" charset="0"/>
+              </a:rPr>
+              <a:t>utilizare</a:t>
+            </a:r>
+            <a:br>
+              <a:rPr lang="ro-RO" sz="3200" dirty="0">
+                <a:latin typeface="Times New Roman" panose="02020603050405020304" pitchFamily="18" charset="0"/>
+                <a:cs typeface="Times New Roman" panose="02020603050405020304" pitchFamily="18" charset="0"/>
+              </a:rPr>
+            </a:br>
+            <a:r>
+              <a:rPr lang="ro-RO" sz="3200" dirty="0">
+                <a:latin typeface="Times New Roman" panose="02020603050405020304" pitchFamily="18" charset="0"/>
+                <a:cs typeface="Times New Roman" panose="02020603050405020304" pitchFamily="18" charset="0"/>
+              </a:rPr>
+              <a:t>     </a:t>
+            </a:r>
+            <a:endParaRPr lang="en-US" sz="3200" dirty="0">
+              <a:solidFill>
+                <a:schemeClr val="tx1"/>
+              </a:solidFill>
+              <a:latin typeface="Times New Roman" panose="02020603050405020304" pitchFamily="18" charset="0"/>
+              <a:cs typeface="Times New Roman" panose="02020603050405020304" pitchFamily="18" charset="0"/>
+            </a:endParaRPr>
+          </a:p>
+        </p:txBody>
+      </p:sp>
+      <p:sp>
+        <p:nvSpPr>
+          <p:cNvPr id="9" name="Title 1">
+            <a:extLst>
+              <a:ext uri="{FF2B5EF4-FFF2-40B4-BE49-F238E27FC236}">
+                <a16:creationId xmlns:a16="http://schemas.microsoft.com/office/drawing/2014/main" id="{FF107F4F-9209-4401-B8CA-4D4542BD228C}"/>
+              </a:ext>
+            </a:extLst>
+          </p:cNvPr>
+          <p:cNvSpPr txBox="1">
+            <a:spLocks/>
+          </p:cNvSpPr>
+          <p:nvPr/>
+        </p:nvSpPr>
+        <p:spPr>
+          <a:xfrm>
+            <a:off x="811397" y="609880"/>
+            <a:ext cx="10569206" cy="925445"/>
+          </a:xfrm>
+          <a:prstGeom prst="rect">
+            <a:avLst/>
+          </a:prstGeom>
+          <a:effectLst/>
+        </p:spPr>
+        <p:txBody>
+          <a:bodyPr vert="horz" lIns="91440" tIns="45720" rIns="91440" bIns="45720" rtlCol="0" anchor="ctr">
+            <a:noAutofit/>
+          </a:bodyPr>
+          <a:lstStyle>
+            <a:lvl1pPr algn="l" defTabSz="457200" rtl="0" eaLnBrk="1" latinLnBrk="0" hangingPunct="1">
+              <a:spcBef>
+                <a:spcPct val="0"/>
+              </a:spcBef>
+              <a:buNone/>
+              <a:defRPr sz="3600" kern="1200" cap="all">
+                <a:ln w="3175" cmpd="sng">
+                  <a:noFill/>
+                </a:ln>
+                <a:solidFill>
+                  <a:schemeClr val="tx1"/>
+                </a:solidFill>
+                <a:effectLst/>
+                <a:latin typeface="+mj-lt"/>
+                <a:ea typeface="+mj-ea"/>
+                <a:cs typeface="+mj-cs"/>
+              </a:defRPr>
+            </a:lvl1pPr>
+            <a:lvl2pPr eaLnBrk="1" hangingPunct="1">
+              <a:defRPr>
+                <a:solidFill>
+                  <a:schemeClr val="tx2"/>
+                </a:solidFill>
+              </a:defRPr>
+            </a:lvl2pPr>
+            <a:lvl3pPr eaLnBrk="1" hangingPunct="1">
+              <a:defRPr>
+                <a:solidFill>
+                  <a:schemeClr val="tx2"/>
+                </a:solidFill>
+              </a:defRPr>
+            </a:lvl3pPr>
+            <a:lvl4pPr eaLnBrk="1" hangingPunct="1">
+              <a:defRPr>
+                <a:solidFill>
+                  <a:schemeClr val="tx2"/>
+                </a:solidFill>
+              </a:defRPr>
+            </a:lvl4pPr>
+            <a:lvl5pPr eaLnBrk="1" hangingPunct="1">
+              <a:defRPr>
+                <a:solidFill>
+                  <a:schemeClr val="tx2"/>
+                </a:solidFill>
+              </a:defRPr>
+            </a:lvl5pPr>
+            <a:lvl6pPr eaLnBrk="1" hangingPunct="1">
+              <a:defRPr>
+                <a:solidFill>
+                  <a:schemeClr val="tx2"/>
+                </a:solidFill>
+              </a:defRPr>
+            </a:lvl6pPr>
+            <a:lvl7pPr eaLnBrk="1" hangingPunct="1">
+              <a:defRPr>
+                <a:solidFill>
+                  <a:schemeClr val="tx2"/>
+                </a:solidFill>
+              </a:defRPr>
+            </a:lvl7pPr>
+            <a:lvl8pPr eaLnBrk="1" hangingPunct="1">
+              <a:defRPr>
+                <a:solidFill>
+                  <a:schemeClr val="tx2"/>
+                </a:solidFill>
+              </a:defRPr>
+            </a:lvl8pPr>
+            <a:lvl9pPr eaLnBrk="1" hangingPunct="1">
+              <a:defRPr>
+                <a:solidFill>
+                  <a:schemeClr val="tx2"/>
+                </a:solidFill>
+              </a:defRPr>
+            </a:lvl9pPr>
+          </a:lstStyle>
+          <a:p>
+            <a:r>
+              <a:rPr lang="en-US" sz="2800" dirty="0">
+                <a:latin typeface="Times New Roman" panose="02020603050405020304" pitchFamily="18" charset="0"/>
+                <a:cs typeface="Times New Roman" panose="02020603050405020304" pitchFamily="18" charset="0"/>
+              </a:rPr>
+              <a:t>6</a:t>
+            </a:r>
+            <a:r>
+              <a:rPr lang="ro-RO" sz="2800" dirty="0">
+                <a:latin typeface="Times New Roman" panose="02020603050405020304" pitchFamily="18" charset="0"/>
+                <a:cs typeface="Times New Roman" panose="02020603050405020304" pitchFamily="18" charset="0"/>
+              </a:rPr>
+              <a:t>.</a:t>
+            </a:r>
+            <a:r>
+              <a:rPr lang="en-US" sz="2800" dirty="0">
+                <a:latin typeface="Times New Roman" panose="02020603050405020304" pitchFamily="18" charset="0"/>
+                <a:cs typeface="Times New Roman" panose="02020603050405020304" pitchFamily="18" charset="0"/>
+              </a:rPr>
+              <a:t>8 </a:t>
+            </a:r>
+            <a:r>
+              <a:rPr lang="en-US" sz="2800" dirty="0" err="1">
+                <a:latin typeface="Times New Roman" panose="02020603050405020304" pitchFamily="18" charset="0"/>
+                <a:cs typeface="Times New Roman" panose="02020603050405020304" pitchFamily="18" charset="0"/>
+              </a:rPr>
+              <a:t>Stergerea</a:t>
+            </a:r>
+            <a:r>
+              <a:rPr lang="en-US" sz="2800" dirty="0">
+                <a:latin typeface="Times New Roman" panose="02020603050405020304" pitchFamily="18" charset="0"/>
+                <a:cs typeface="Times New Roman" panose="02020603050405020304" pitchFamily="18" charset="0"/>
+              </a:rPr>
+              <a:t> a </a:t>
+            </a:r>
+            <a:r>
+              <a:rPr lang="en-US" sz="2800" dirty="0" err="1">
+                <a:latin typeface="Times New Roman" panose="02020603050405020304" pitchFamily="18" charset="0"/>
+                <a:cs typeface="Times New Roman" panose="02020603050405020304" pitchFamily="18" charset="0"/>
+              </a:rPr>
+              <a:t>unuia</a:t>
+            </a:r>
+            <a:r>
+              <a:rPr lang="en-US" sz="2800" dirty="0">
+                <a:latin typeface="Times New Roman" panose="02020603050405020304" pitchFamily="18" charset="0"/>
+                <a:cs typeface="Times New Roman" panose="02020603050405020304" pitchFamily="18" charset="0"/>
+              </a:rPr>
+              <a:t>/</a:t>
+            </a:r>
+            <a:r>
+              <a:rPr lang="en-US" sz="2800" dirty="0" err="1">
+                <a:latin typeface="Times New Roman" panose="02020603050405020304" pitchFamily="18" charset="0"/>
+                <a:cs typeface="Times New Roman" panose="02020603050405020304" pitchFamily="18" charset="0"/>
+              </a:rPr>
+              <a:t>mai</a:t>
+            </a:r>
+            <a:r>
+              <a:rPr lang="en-US" sz="2800" dirty="0">
+                <a:latin typeface="Times New Roman" panose="02020603050405020304" pitchFamily="18" charset="0"/>
+                <a:cs typeface="Times New Roman" panose="02020603050405020304" pitchFamily="18" charset="0"/>
+              </a:rPr>
+              <a:t> </a:t>
+            </a:r>
+            <a:r>
+              <a:rPr lang="en-US" sz="2800" dirty="0" err="1">
+                <a:latin typeface="Times New Roman" panose="02020603050405020304" pitchFamily="18" charset="0"/>
+                <a:cs typeface="Times New Roman" panose="02020603050405020304" pitchFamily="18" charset="0"/>
+              </a:rPr>
+              <a:t>multor</a:t>
+            </a:r>
+            <a:r>
+              <a:rPr lang="en-US" sz="2800" dirty="0">
+                <a:latin typeface="Times New Roman" panose="02020603050405020304" pitchFamily="18" charset="0"/>
+                <a:cs typeface="Times New Roman" panose="02020603050405020304" pitchFamily="18" charset="0"/>
+              </a:rPr>
+              <a:t> </a:t>
+            </a:r>
+            <a:r>
+              <a:rPr lang="en-US" sz="2800" dirty="0" err="1">
+                <a:latin typeface="Times New Roman" panose="02020603050405020304" pitchFamily="18" charset="0"/>
+                <a:cs typeface="Times New Roman" panose="02020603050405020304" pitchFamily="18" charset="0"/>
+              </a:rPr>
+              <a:t>mailuri</a:t>
+            </a:r>
+            <a:endParaRPr lang="en-US" sz="2800" dirty="0">
+              <a:latin typeface="Times New Roman" panose="02020603050405020304" pitchFamily="18" charset="0"/>
+              <a:cs typeface="Times New Roman" panose="02020603050405020304" pitchFamily="18" charset="0"/>
+            </a:endParaRPr>
+          </a:p>
+        </p:txBody>
+      </p:sp>
+      <p:sp>
+        <p:nvSpPr>
+          <p:cNvPr id="6" name="TextBox 5">
+            <a:extLst>
+              <a:ext uri="{FF2B5EF4-FFF2-40B4-BE49-F238E27FC236}">
+                <a16:creationId xmlns:a16="http://schemas.microsoft.com/office/drawing/2014/main" id="{826674D3-9206-492F-BACD-CEA338F4E7DC}"/>
+              </a:ext>
+            </a:extLst>
+          </p:cNvPr>
+          <p:cNvSpPr txBox="1"/>
+          <p:nvPr/>
+        </p:nvSpPr>
+        <p:spPr>
+          <a:xfrm>
+            <a:off x="811396" y="1351716"/>
+            <a:ext cx="10569206" cy="369332"/>
+          </a:xfrm>
+          <a:prstGeom prst="rect">
+            <a:avLst/>
+          </a:prstGeom>
+          <a:noFill/>
+        </p:spPr>
+        <p:txBody>
+          <a:bodyPr wrap="square" rtlCol="0">
+            <a:spAutoFit/>
+          </a:bodyPr>
+          <a:lstStyle/>
+          <a:p>
+            <a:r>
+              <a:rPr lang="en-US" dirty="0"/>
+              <a:t>Se </a:t>
+            </a:r>
+            <a:r>
+              <a:rPr lang="en-US" dirty="0" err="1"/>
+              <a:t>selecteaza</a:t>
+            </a:r>
+            <a:r>
+              <a:rPr lang="en-US" dirty="0"/>
+              <a:t> </a:t>
+            </a:r>
+            <a:r>
+              <a:rPr lang="en-US" dirty="0" err="1"/>
+              <a:t>mailuri</a:t>
+            </a:r>
+            <a:r>
+              <a:rPr lang="en-US" dirty="0"/>
+              <a:t> care </a:t>
+            </a:r>
+            <a:r>
+              <a:rPr lang="en-US" dirty="0" err="1"/>
+              <a:t>doresc</a:t>
+            </a:r>
+            <a:r>
+              <a:rPr lang="en-US" dirty="0"/>
+              <a:t> </a:t>
+            </a:r>
+            <a:r>
+              <a:rPr lang="en-US" dirty="0" err="1"/>
+              <a:t>sa</a:t>
+            </a:r>
+            <a:r>
+              <a:rPr lang="en-US" dirty="0"/>
+              <a:t> fie </a:t>
+            </a:r>
+            <a:r>
+              <a:rPr lang="en-US" dirty="0" err="1"/>
+              <a:t>sterse</a:t>
+            </a:r>
+            <a:r>
+              <a:rPr lang="en-US" dirty="0"/>
+              <a:t>, </a:t>
+            </a:r>
+            <a:r>
+              <a:rPr lang="en-US" dirty="0" err="1"/>
+              <a:t>iar</a:t>
+            </a:r>
+            <a:r>
+              <a:rPr lang="en-US" dirty="0"/>
+              <a:t> </a:t>
+            </a:r>
+            <a:r>
+              <a:rPr lang="en-US" dirty="0" err="1"/>
+              <a:t>apoi</a:t>
+            </a:r>
+            <a:r>
+              <a:rPr lang="en-US" dirty="0"/>
+              <a:t> se </a:t>
+            </a:r>
+            <a:r>
+              <a:rPr lang="en-US" dirty="0" err="1"/>
+              <a:t>apasa</a:t>
+            </a:r>
+            <a:r>
+              <a:rPr lang="en-US" dirty="0"/>
+              <a:t> pe </a:t>
+            </a:r>
+            <a:r>
+              <a:rPr lang="en-US" dirty="0" err="1"/>
+              <a:t>butonul</a:t>
+            </a:r>
+            <a:r>
+              <a:rPr lang="en-US" dirty="0"/>
+              <a:t> de </a:t>
+            </a:r>
+            <a:r>
+              <a:rPr lang="en-US" dirty="0" err="1"/>
+              <a:t>stergere</a:t>
+            </a:r>
+            <a:endParaRPr lang="ro-RO" dirty="0"/>
+          </a:p>
+        </p:txBody>
+      </p:sp>
+      <p:pic>
+        <p:nvPicPr>
+          <p:cNvPr id="5" name="Picture 4">
+            <a:extLst>
+              <a:ext uri="{FF2B5EF4-FFF2-40B4-BE49-F238E27FC236}">
+                <a16:creationId xmlns:a16="http://schemas.microsoft.com/office/drawing/2014/main" id="{DC5AE13D-2316-4B2C-95BA-5A37D4D0FC57}"/>
+              </a:ext>
+            </a:extLst>
+          </p:cNvPr>
+          <p:cNvPicPr>
+            <a:picLocks noChangeAspect="1"/>
+          </p:cNvPicPr>
+          <p:nvPr/>
+        </p:nvPicPr>
+        <p:blipFill>
+          <a:blip r:embed="rId2"/>
+          <a:stretch>
+            <a:fillRect/>
+          </a:stretch>
+        </p:blipFill>
+        <p:spPr>
+          <a:xfrm>
+            <a:off x="1812000" y="1998048"/>
+            <a:ext cx="8568000" cy="4702201"/>
+          </a:xfrm>
+          <a:prstGeom prst="rect">
+            <a:avLst/>
+          </a:prstGeom>
+        </p:spPr>
+      </p:pic>
+    </p:spTree>
+    <p:extLst>
+      <p:ext uri="{BB962C8B-B14F-4D97-AF65-F5344CB8AC3E}">
+        <p14:creationId xmlns:p14="http://schemas.microsoft.com/office/powerpoint/2010/main" val="622083472"/>
       </p:ext>
     </p:extLst>
   </p:cSld>
@@ -9795,6 +14629,1976 @@
     <p:extLst>
       <p:ext uri="{BB962C8B-B14F-4D97-AF65-F5344CB8AC3E}">
         <p14:creationId xmlns:p14="http://schemas.microsoft.com/office/powerpoint/2010/main" val="3198508889"/>
+      </p:ext>
+    </p:extLst>
+  </p:cSld>
+  <p:clrMapOvr>
+    <a:masterClrMapping/>
+  </p:clrMapOvr>
+  <p:transition spd="med">
+    <p:pull/>
+  </p:transition>
+</p:sld>
+</file>
+
+<file path=ppt/slides/slide30.xml><?xml version="1.0" encoding="utf-8"?>
+<p:sld xmlns:a="http://schemas.openxmlformats.org/drawingml/2006/main" xmlns:r="http://schemas.openxmlformats.org/officeDocument/2006/relationships" xmlns:p="http://schemas.openxmlformats.org/presentationml/2006/main">
+  <p:cSld>
+    <p:spTree>
+      <p:nvGrpSpPr>
+        <p:cNvPr id="1" name=""/>
+        <p:cNvGrpSpPr/>
+        <p:nvPr/>
+      </p:nvGrpSpPr>
+      <p:grpSpPr>
+        <a:xfrm>
+          <a:off x="0" y="0"/>
+          <a:ext cx="0" cy="0"/>
+          <a:chOff x="0" y="0"/>
+          <a:chExt cx="0" cy="0"/>
+        </a:xfrm>
+      </p:grpSpPr>
+      <p:sp>
+        <p:nvSpPr>
+          <p:cNvPr id="2" name="Title 1">
+            <a:extLst>
+              <a:ext uri="{FF2B5EF4-FFF2-40B4-BE49-F238E27FC236}">
+                <a16:creationId xmlns:a16="http://schemas.microsoft.com/office/drawing/2014/main" id="{63F5035C-74BC-40C2-9EC4-CD7907CF2505}"/>
+              </a:ext>
+            </a:extLst>
+          </p:cNvPr>
+          <p:cNvSpPr>
+            <a:spLocks noGrp="1"/>
+          </p:cNvSpPr>
+          <p:nvPr>
+            <p:ph type="title"/>
+          </p:nvPr>
+        </p:nvSpPr>
+        <p:spPr>
+          <a:xfrm>
+            <a:off x="502500" y="147157"/>
+            <a:ext cx="8865040" cy="925445"/>
+          </a:xfrm>
+        </p:spPr>
+        <p:txBody>
+          <a:bodyPr>
+            <a:noAutofit/>
+          </a:bodyPr>
+          <a:lstStyle/>
+          <a:p>
+            <a:r>
+              <a:rPr lang="en-US" sz="3200" dirty="0">
+                <a:solidFill>
+                  <a:schemeClr val="tx1"/>
+                </a:solidFill>
+                <a:latin typeface="Times New Roman" panose="02020603050405020304" pitchFamily="18" charset="0"/>
+                <a:cs typeface="Times New Roman" panose="02020603050405020304" pitchFamily="18" charset="0"/>
+              </a:rPr>
+              <a:t>6</a:t>
+            </a:r>
+            <a:r>
+              <a:rPr lang="ro-RO" sz="3200" dirty="0">
+                <a:solidFill>
+                  <a:schemeClr val="tx1"/>
+                </a:solidFill>
+                <a:latin typeface="Times New Roman" panose="02020603050405020304" pitchFamily="18" charset="0"/>
+                <a:cs typeface="Times New Roman" panose="02020603050405020304" pitchFamily="18" charset="0"/>
+              </a:rPr>
+              <a:t>. </a:t>
+            </a:r>
+            <a:r>
+              <a:rPr lang="en-US" sz="3200" dirty="0">
+                <a:solidFill>
+                  <a:schemeClr val="tx1"/>
+                </a:solidFill>
+                <a:latin typeface="Times New Roman" panose="02020603050405020304" pitchFamily="18" charset="0"/>
+                <a:cs typeface="Times New Roman" panose="02020603050405020304" pitchFamily="18" charset="0"/>
+              </a:rPr>
+              <a:t>Manual de </a:t>
+            </a:r>
+            <a:r>
+              <a:rPr lang="en-US" sz="3200" dirty="0" err="1">
+                <a:solidFill>
+                  <a:schemeClr val="tx1"/>
+                </a:solidFill>
+                <a:latin typeface="Times New Roman" panose="02020603050405020304" pitchFamily="18" charset="0"/>
+                <a:cs typeface="Times New Roman" panose="02020603050405020304" pitchFamily="18" charset="0"/>
+              </a:rPr>
+              <a:t>instalare</a:t>
+            </a:r>
+            <a:r>
+              <a:rPr lang="en-US" sz="3200" dirty="0">
+                <a:solidFill>
+                  <a:schemeClr val="tx1"/>
+                </a:solidFill>
+                <a:latin typeface="Times New Roman" panose="02020603050405020304" pitchFamily="18" charset="0"/>
+                <a:cs typeface="Times New Roman" panose="02020603050405020304" pitchFamily="18" charset="0"/>
+              </a:rPr>
+              <a:t> </a:t>
+            </a:r>
+            <a:r>
+              <a:rPr lang="en-US" sz="3200" dirty="0" err="1">
+                <a:solidFill>
+                  <a:schemeClr val="tx1"/>
+                </a:solidFill>
+                <a:latin typeface="Times New Roman" panose="02020603050405020304" pitchFamily="18" charset="0"/>
+                <a:cs typeface="Times New Roman" panose="02020603050405020304" pitchFamily="18" charset="0"/>
+              </a:rPr>
+              <a:t>si</a:t>
+            </a:r>
+            <a:r>
+              <a:rPr lang="en-US" sz="3200" dirty="0">
+                <a:solidFill>
+                  <a:schemeClr val="tx1"/>
+                </a:solidFill>
+                <a:latin typeface="Times New Roman" panose="02020603050405020304" pitchFamily="18" charset="0"/>
+                <a:cs typeface="Times New Roman" panose="02020603050405020304" pitchFamily="18" charset="0"/>
+              </a:rPr>
+              <a:t> </a:t>
+            </a:r>
+            <a:r>
+              <a:rPr lang="en-US" sz="3200" dirty="0" err="1">
+                <a:solidFill>
+                  <a:schemeClr val="tx1"/>
+                </a:solidFill>
+                <a:latin typeface="Times New Roman" panose="02020603050405020304" pitchFamily="18" charset="0"/>
+                <a:cs typeface="Times New Roman" panose="02020603050405020304" pitchFamily="18" charset="0"/>
+              </a:rPr>
+              <a:t>utilizare</a:t>
+            </a:r>
+            <a:br>
+              <a:rPr lang="ro-RO" sz="3200" dirty="0">
+                <a:latin typeface="Times New Roman" panose="02020603050405020304" pitchFamily="18" charset="0"/>
+                <a:cs typeface="Times New Roman" panose="02020603050405020304" pitchFamily="18" charset="0"/>
+              </a:rPr>
+            </a:br>
+            <a:r>
+              <a:rPr lang="ro-RO" sz="3200" dirty="0">
+                <a:latin typeface="Times New Roman" panose="02020603050405020304" pitchFamily="18" charset="0"/>
+                <a:cs typeface="Times New Roman" panose="02020603050405020304" pitchFamily="18" charset="0"/>
+              </a:rPr>
+              <a:t>     </a:t>
+            </a:r>
+            <a:endParaRPr lang="en-US" sz="3200" dirty="0">
+              <a:solidFill>
+                <a:schemeClr val="tx1"/>
+              </a:solidFill>
+              <a:latin typeface="Times New Roman" panose="02020603050405020304" pitchFamily="18" charset="0"/>
+              <a:cs typeface="Times New Roman" panose="02020603050405020304" pitchFamily="18" charset="0"/>
+            </a:endParaRPr>
+          </a:p>
+        </p:txBody>
+      </p:sp>
+      <p:sp>
+        <p:nvSpPr>
+          <p:cNvPr id="9" name="Title 1">
+            <a:extLst>
+              <a:ext uri="{FF2B5EF4-FFF2-40B4-BE49-F238E27FC236}">
+                <a16:creationId xmlns:a16="http://schemas.microsoft.com/office/drawing/2014/main" id="{FF107F4F-9209-4401-B8CA-4D4542BD228C}"/>
+              </a:ext>
+            </a:extLst>
+          </p:cNvPr>
+          <p:cNvSpPr txBox="1">
+            <a:spLocks/>
+          </p:cNvSpPr>
+          <p:nvPr/>
+        </p:nvSpPr>
+        <p:spPr>
+          <a:xfrm>
+            <a:off x="811397" y="609880"/>
+            <a:ext cx="10569206" cy="925445"/>
+          </a:xfrm>
+          <a:prstGeom prst="rect">
+            <a:avLst/>
+          </a:prstGeom>
+          <a:effectLst/>
+        </p:spPr>
+        <p:txBody>
+          <a:bodyPr vert="horz" lIns="91440" tIns="45720" rIns="91440" bIns="45720" rtlCol="0" anchor="ctr">
+            <a:noAutofit/>
+          </a:bodyPr>
+          <a:lstStyle>
+            <a:lvl1pPr algn="l" defTabSz="457200" rtl="0" eaLnBrk="1" latinLnBrk="0" hangingPunct="1">
+              <a:spcBef>
+                <a:spcPct val="0"/>
+              </a:spcBef>
+              <a:buNone/>
+              <a:defRPr sz="3600" kern="1200" cap="all">
+                <a:ln w="3175" cmpd="sng">
+                  <a:noFill/>
+                </a:ln>
+                <a:solidFill>
+                  <a:schemeClr val="tx1"/>
+                </a:solidFill>
+                <a:effectLst/>
+                <a:latin typeface="+mj-lt"/>
+                <a:ea typeface="+mj-ea"/>
+                <a:cs typeface="+mj-cs"/>
+              </a:defRPr>
+            </a:lvl1pPr>
+            <a:lvl2pPr eaLnBrk="1" hangingPunct="1">
+              <a:defRPr>
+                <a:solidFill>
+                  <a:schemeClr val="tx2"/>
+                </a:solidFill>
+              </a:defRPr>
+            </a:lvl2pPr>
+            <a:lvl3pPr eaLnBrk="1" hangingPunct="1">
+              <a:defRPr>
+                <a:solidFill>
+                  <a:schemeClr val="tx2"/>
+                </a:solidFill>
+              </a:defRPr>
+            </a:lvl3pPr>
+            <a:lvl4pPr eaLnBrk="1" hangingPunct="1">
+              <a:defRPr>
+                <a:solidFill>
+                  <a:schemeClr val="tx2"/>
+                </a:solidFill>
+              </a:defRPr>
+            </a:lvl4pPr>
+            <a:lvl5pPr eaLnBrk="1" hangingPunct="1">
+              <a:defRPr>
+                <a:solidFill>
+                  <a:schemeClr val="tx2"/>
+                </a:solidFill>
+              </a:defRPr>
+            </a:lvl5pPr>
+            <a:lvl6pPr eaLnBrk="1" hangingPunct="1">
+              <a:defRPr>
+                <a:solidFill>
+                  <a:schemeClr val="tx2"/>
+                </a:solidFill>
+              </a:defRPr>
+            </a:lvl6pPr>
+            <a:lvl7pPr eaLnBrk="1" hangingPunct="1">
+              <a:defRPr>
+                <a:solidFill>
+                  <a:schemeClr val="tx2"/>
+                </a:solidFill>
+              </a:defRPr>
+            </a:lvl7pPr>
+            <a:lvl8pPr eaLnBrk="1" hangingPunct="1">
+              <a:defRPr>
+                <a:solidFill>
+                  <a:schemeClr val="tx2"/>
+                </a:solidFill>
+              </a:defRPr>
+            </a:lvl8pPr>
+            <a:lvl9pPr eaLnBrk="1" hangingPunct="1">
+              <a:defRPr>
+                <a:solidFill>
+                  <a:schemeClr val="tx2"/>
+                </a:solidFill>
+              </a:defRPr>
+            </a:lvl9pPr>
+          </a:lstStyle>
+          <a:p>
+            <a:r>
+              <a:rPr lang="en-US" sz="2800" dirty="0">
+                <a:latin typeface="Times New Roman" panose="02020603050405020304" pitchFamily="18" charset="0"/>
+                <a:cs typeface="Times New Roman" panose="02020603050405020304" pitchFamily="18" charset="0"/>
+              </a:rPr>
+              <a:t>6</a:t>
+            </a:r>
+            <a:r>
+              <a:rPr lang="ro-RO" sz="2800" dirty="0">
+                <a:latin typeface="Times New Roman" panose="02020603050405020304" pitchFamily="18" charset="0"/>
+                <a:cs typeface="Times New Roman" panose="02020603050405020304" pitchFamily="18" charset="0"/>
+              </a:rPr>
+              <a:t>.</a:t>
+            </a:r>
+            <a:r>
+              <a:rPr lang="en-US" sz="2800" dirty="0">
+                <a:latin typeface="Times New Roman" panose="02020603050405020304" pitchFamily="18" charset="0"/>
+                <a:cs typeface="Times New Roman" panose="02020603050405020304" pitchFamily="18" charset="0"/>
+              </a:rPr>
+              <a:t>9 </a:t>
+            </a:r>
+            <a:r>
+              <a:rPr lang="en-US" sz="2800" dirty="0" err="1">
+                <a:latin typeface="Times New Roman" panose="02020603050405020304" pitchFamily="18" charset="0"/>
+                <a:cs typeface="Times New Roman" panose="02020603050405020304" pitchFamily="18" charset="0"/>
+              </a:rPr>
+              <a:t>Vizualizare</a:t>
+            </a:r>
+            <a:r>
+              <a:rPr lang="en-US" sz="2800" dirty="0">
+                <a:latin typeface="Times New Roman" panose="02020603050405020304" pitchFamily="18" charset="0"/>
+                <a:cs typeface="Times New Roman" panose="02020603050405020304" pitchFamily="18" charset="0"/>
+              </a:rPr>
+              <a:t> </a:t>
+            </a:r>
+            <a:r>
+              <a:rPr lang="en-US" sz="2800" dirty="0" err="1">
+                <a:latin typeface="Times New Roman" panose="02020603050405020304" pitchFamily="18" charset="0"/>
+                <a:cs typeface="Times New Roman" panose="02020603050405020304" pitchFamily="18" charset="0"/>
+              </a:rPr>
+              <a:t>intregului</a:t>
+            </a:r>
+            <a:r>
+              <a:rPr lang="en-US" sz="2800" dirty="0">
+                <a:latin typeface="Times New Roman" panose="02020603050405020304" pitchFamily="18" charset="0"/>
+                <a:cs typeface="Times New Roman" panose="02020603050405020304" pitchFamily="18" charset="0"/>
+              </a:rPr>
+              <a:t> mail</a:t>
+            </a:r>
+          </a:p>
+        </p:txBody>
+      </p:sp>
+      <p:sp>
+        <p:nvSpPr>
+          <p:cNvPr id="6" name="TextBox 5">
+            <a:extLst>
+              <a:ext uri="{FF2B5EF4-FFF2-40B4-BE49-F238E27FC236}">
+                <a16:creationId xmlns:a16="http://schemas.microsoft.com/office/drawing/2014/main" id="{826674D3-9206-492F-BACD-CEA338F4E7DC}"/>
+              </a:ext>
+            </a:extLst>
+          </p:cNvPr>
+          <p:cNvSpPr txBox="1"/>
+          <p:nvPr/>
+        </p:nvSpPr>
+        <p:spPr>
+          <a:xfrm>
+            <a:off x="811396" y="1351716"/>
+            <a:ext cx="10569206" cy="646331"/>
+          </a:xfrm>
+          <a:prstGeom prst="rect">
+            <a:avLst/>
+          </a:prstGeom>
+          <a:noFill/>
+        </p:spPr>
+        <p:txBody>
+          <a:bodyPr wrap="square" rtlCol="0">
+            <a:spAutoFit/>
+          </a:bodyPr>
+          <a:lstStyle/>
+          <a:p>
+            <a:r>
+              <a:rPr lang="en-US" dirty="0"/>
+              <a:t>Se </a:t>
+            </a:r>
+            <a:r>
+              <a:rPr lang="en-US" dirty="0" err="1"/>
+              <a:t>selecteaza</a:t>
+            </a:r>
+            <a:r>
+              <a:rPr lang="en-US" dirty="0"/>
+              <a:t> </a:t>
+            </a:r>
+            <a:r>
+              <a:rPr lang="en-US" dirty="0" err="1"/>
+              <a:t>mailul</a:t>
+            </a:r>
+            <a:r>
+              <a:rPr lang="en-US" dirty="0"/>
+              <a:t> din </a:t>
+            </a:r>
+            <a:r>
+              <a:rPr lang="en-US" dirty="0" err="1"/>
+              <a:t>categoria</a:t>
+            </a:r>
+            <a:r>
+              <a:rPr lang="en-US" dirty="0"/>
+              <a:t> “inbox” </a:t>
+            </a:r>
+            <a:r>
+              <a:rPr lang="en-US" dirty="0" err="1"/>
+              <a:t>sau</a:t>
+            </a:r>
+            <a:r>
+              <a:rPr lang="en-US" dirty="0"/>
+              <a:t> “sent” </a:t>
+            </a:r>
+            <a:r>
+              <a:rPr lang="en-US" dirty="0" err="1"/>
+              <a:t>si</a:t>
+            </a:r>
+            <a:r>
+              <a:rPr lang="en-US" dirty="0"/>
+              <a:t> </a:t>
+            </a:r>
+            <a:r>
+              <a:rPr lang="en-US" dirty="0" err="1"/>
+              <a:t>va</a:t>
+            </a:r>
+            <a:r>
+              <a:rPr lang="en-US" dirty="0"/>
+              <a:t> </a:t>
+            </a:r>
+            <a:r>
+              <a:rPr lang="en-US" dirty="0" err="1"/>
+              <a:t>aparea</a:t>
+            </a:r>
+            <a:r>
+              <a:rPr lang="en-US" dirty="0"/>
+              <a:t> o </a:t>
+            </a:r>
+            <a:r>
+              <a:rPr lang="en-US" dirty="0" err="1"/>
+              <a:t>fereastra</a:t>
+            </a:r>
+            <a:r>
+              <a:rPr lang="en-US" dirty="0"/>
+              <a:t> pop-up care </a:t>
+            </a:r>
+            <a:r>
+              <a:rPr lang="en-US" dirty="0" err="1"/>
+              <a:t>contine</a:t>
+            </a:r>
+            <a:r>
+              <a:rPr lang="en-US" dirty="0"/>
+              <a:t> </a:t>
+            </a:r>
+            <a:r>
+              <a:rPr lang="en-US" dirty="0" err="1"/>
+              <a:t>toate</a:t>
+            </a:r>
+            <a:r>
+              <a:rPr lang="en-US" dirty="0"/>
+              <a:t> </a:t>
+            </a:r>
+            <a:r>
+              <a:rPr lang="en-US" dirty="0" err="1"/>
+              <a:t>detaliile</a:t>
+            </a:r>
+            <a:r>
+              <a:rPr lang="en-US" dirty="0"/>
+              <a:t> mail-</a:t>
+            </a:r>
+            <a:r>
+              <a:rPr lang="en-US" dirty="0" err="1"/>
+              <a:t>ului</a:t>
+            </a:r>
+            <a:r>
+              <a:rPr lang="en-US" dirty="0"/>
+              <a:t>.</a:t>
+            </a:r>
+            <a:endParaRPr lang="ro-RO" dirty="0"/>
+          </a:p>
+        </p:txBody>
+      </p:sp>
+      <p:pic>
+        <p:nvPicPr>
+          <p:cNvPr id="4" name="Picture 3">
+            <a:extLst>
+              <a:ext uri="{FF2B5EF4-FFF2-40B4-BE49-F238E27FC236}">
+                <a16:creationId xmlns:a16="http://schemas.microsoft.com/office/drawing/2014/main" id="{A2A82173-C8FB-48EA-B702-FF6F091113C8}"/>
+              </a:ext>
+            </a:extLst>
+          </p:cNvPr>
+          <p:cNvPicPr>
+            <a:picLocks noChangeAspect="1"/>
+          </p:cNvPicPr>
+          <p:nvPr/>
+        </p:nvPicPr>
+        <p:blipFill>
+          <a:blip r:embed="rId2"/>
+          <a:stretch>
+            <a:fillRect/>
+          </a:stretch>
+        </p:blipFill>
+        <p:spPr>
+          <a:xfrm>
+            <a:off x="1948913" y="2070847"/>
+            <a:ext cx="8294175" cy="4551922"/>
+          </a:xfrm>
+          <a:prstGeom prst="rect">
+            <a:avLst/>
+          </a:prstGeom>
+        </p:spPr>
+      </p:pic>
+    </p:spTree>
+    <p:extLst>
+      <p:ext uri="{BB962C8B-B14F-4D97-AF65-F5344CB8AC3E}">
+        <p14:creationId xmlns:p14="http://schemas.microsoft.com/office/powerpoint/2010/main" val="3764742512"/>
+      </p:ext>
+    </p:extLst>
+  </p:cSld>
+  <p:clrMapOvr>
+    <a:masterClrMapping/>
+  </p:clrMapOvr>
+  <p:transition spd="med">
+    <p:pull/>
+  </p:transition>
+</p:sld>
+</file>
+
+<file path=ppt/slides/slide31.xml><?xml version="1.0" encoding="utf-8"?>
+<p:sld xmlns:a="http://schemas.openxmlformats.org/drawingml/2006/main" xmlns:r="http://schemas.openxmlformats.org/officeDocument/2006/relationships" xmlns:p="http://schemas.openxmlformats.org/presentationml/2006/main">
+  <p:cSld>
+    <p:spTree>
+      <p:nvGrpSpPr>
+        <p:cNvPr id="1" name=""/>
+        <p:cNvGrpSpPr/>
+        <p:nvPr/>
+      </p:nvGrpSpPr>
+      <p:grpSpPr>
+        <a:xfrm>
+          <a:off x="0" y="0"/>
+          <a:ext cx="0" cy="0"/>
+          <a:chOff x="0" y="0"/>
+          <a:chExt cx="0" cy="0"/>
+        </a:xfrm>
+      </p:grpSpPr>
+      <p:sp>
+        <p:nvSpPr>
+          <p:cNvPr id="2" name="Title 1">
+            <a:extLst>
+              <a:ext uri="{FF2B5EF4-FFF2-40B4-BE49-F238E27FC236}">
+                <a16:creationId xmlns:a16="http://schemas.microsoft.com/office/drawing/2014/main" id="{63F5035C-74BC-40C2-9EC4-CD7907CF2505}"/>
+              </a:ext>
+            </a:extLst>
+          </p:cNvPr>
+          <p:cNvSpPr>
+            <a:spLocks noGrp="1"/>
+          </p:cNvSpPr>
+          <p:nvPr>
+            <p:ph type="title"/>
+          </p:nvPr>
+        </p:nvSpPr>
+        <p:spPr>
+          <a:xfrm>
+            <a:off x="502500" y="147157"/>
+            <a:ext cx="8865040" cy="925445"/>
+          </a:xfrm>
+        </p:spPr>
+        <p:txBody>
+          <a:bodyPr>
+            <a:noAutofit/>
+          </a:bodyPr>
+          <a:lstStyle/>
+          <a:p>
+            <a:r>
+              <a:rPr lang="en-US" sz="3200" dirty="0">
+                <a:solidFill>
+                  <a:schemeClr val="tx1"/>
+                </a:solidFill>
+                <a:latin typeface="Times New Roman" panose="02020603050405020304" pitchFamily="18" charset="0"/>
+                <a:cs typeface="Times New Roman" panose="02020603050405020304" pitchFamily="18" charset="0"/>
+              </a:rPr>
+              <a:t>6</a:t>
+            </a:r>
+            <a:r>
+              <a:rPr lang="ro-RO" sz="3200" dirty="0">
+                <a:solidFill>
+                  <a:schemeClr val="tx1"/>
+                </a:solidFill>
+                <a:latin typeface="Times New Roman" panose="02020603050405020304" pitchFamily="18" charset="0"/>
+                <a:cs typeface="Times New Roman" panose="02020603050405020304" pitchFamily="18" charset="0"/>
+              </a:rPr>
+              <a:t>. </a:t>
+            </a:r>
+            <a:r>
+              <a:rPr lang="en-US" sz="3200" dirty="0">
+                <a:solidFill>
+                  <a:schemeClr val="tx1"/>
+                </a:solidFill>
+                <a:latin typeface="Times New Roman" panose="02020603050405020304" pitchFamily="18" charset="0"/>
+                <a:cs typeface="Times New Roman" panose="02020603050405020304" pitchFamily="18" charset="0"/>
+              </a:rPr>
+              <a:t>Manual de </a:t>
+            </a:r>
+            <a:r>
+              <a:rPr lang="en-US" sz="3200" dirty="0" err="1">
+                <a:solidFill>
+                  <a:schemeClr val="tx1"/>
+                </a:solidFill>
+                <a:latin typeface="Times New Roman" panose="02020603050405020304" pitchFamily="18" charset="0"/>
+                <a:cs typeface="Times New Roman" panose="02020603050405020304" pitchFamily="18" charset="0"/>
+              </a:rPr>
+              <a:t>instalare</a:t>
+            </a:r>
+            <a:r>
+              <a:rPr lang="en-US" sz="3200" dirty="0">
+                <a:solidFill>
+                  <a:schemeClr val="tx1"/>
+                </a:solidFill>
+                <a:latin typeface="Times New Roman" panose="02020603050405020304" pitchFamily="18" charset="0"/>
+                <a:cs typeface="Times New Roman" panose="02020603050405020304" pitchFamily="18" charset="0"/>
+              </a:rPr>
+              <a:t> </a:t>
+            </a:r>
+            <a:r>
+              <a:rPr lang="en-US" sz="3200" dirty="0" err="1">
+                <a:solidFill>
+                  <a:schemeClr val="tx1"/>
+                </a:solidFill>
+                <a:latin typeface="Times New Roman" panose="02020603050405020304" pitchFamily="18" charset="0"/>
+                <a:cs typeface="Times New Roman" panose="02020603050405020304" pitchFamily="18" charset="0"/>
+              </a:rPr>
+              <a:t>si</a:t>
+            </a:r>
+            <a:r>
+              <a:rPr lang="en-US" sz="3200" dirty="0">
+                <a:solidFill>
+                  <a:schemeClr val="tx1"/>
+                </a:solidFill>
+                <a:latin typeface="Times New Roman" panose="02020603050405020304" pitchFamily="18" charset="0"/>
+                <a:cs typeface="Times New Roman" panose="02020603050405020304" pitchFamily="18" charset="0"/>
+              </a:rPr>
+              <a:t> </a:t>
+            </a:r>
+            <a:r>
+              <a:rPr lang="en-US" sz="3200" dirty="0" err="1">
+                <a:solidFill>
+                  <a:schemeClr val="tx1"/>
+                </a:solidFill>
+                <a:latin typeface="Times New Roman" panose="02020603050405020304" pitchFamily="18" charset="0"/>
+                <a:cs typeface="Times New Roman" panose="02020603050405020304" pitchFamily="18" charset="0"/>
+              </a:rPr>
+              <a:t>utilizare</a:t>
+            </a:r>
+            <a:br>
+              <a:rPr lang="ro-RO" sz="3200" dirty="0">
+                <a:latin typeface="Times New Roman" panose="02020603050405020304" pitchFamily="18" charset="0"/>
+                <a:cs typeface="Times New Roman" panose="02020603050405020304" pitchFamily="18" charset="0"/>
+              </a:rPr>
+            </a:br>
+            <a:r>
+              <a:rPr lang="ro-RO" sz="3200" dirty="0">
+                <a:latin typeface="Times New Roman" panose="02020603050405020304" pitchFamily="18" charset="0"/>
+                <a:cs typeface="Times New Roman" panose="02020603050405020304" pitchFamily="18" charset="0"/>
+              </a:rPr>
+              <a:t>     </a:t>
+            </a:r>
+            <a:endParaRPr lang="en-US" sz="3200" dirty="0">
+              <a:solidFill>
+                <a:schemeClr val="tx1"/>
+              </a:solidFill>
+              <a:latin typeface="Times New Roman" panose="02020603050405020304" pitchFamily="18" charset="0"/>
+              <a:cs typeface="Times New Roman" panose="02020603050405020304" pitchFamily="18" charset="0"/>
+            </a:endParaRPr>
+          </a:p>
+        </p:txBody>
+      </p:sp>
+      <p:sp>
+        <p:nvSpPr>
+          <p:cNvPr id="9" name="Title 1">
+            <a:extLst>
+              <a:ext uri="{FF2B5EF4-FFF2-40B4-BE49-F238E27FC236}">
+                <a16:creationId xmlns:a16="http://schemas.microsoft.com/office/drawing/2014/main" id="{FF107F4F-9209-4401-B8CA-4D4542BD228C}"/>
+              </a:ext>
+            </a:extLst>
+          </p:cNvPr>
+          <p:cNvSpPr txBox="1">
+            <a:spLocks/>
+          </p:cNvSpPr>
+          <p:nvPr/>
+        </p:nvSpPr>
+        <p:spPr>
+          <a:xfrm>
+            <a:off x="811397" y="609880"/>
+            <a:ext cx="10569206" cy="925445"/>
+          </a:xfrm>
+          <a:prstGeom prst="rect">
+            <a:avLst/>
+          </a:prstGeom>
+          <a:effectLst/>
+        </p:spPr>
+        <p:txBody>
+          <a:bodyPr vert="horz" lIns="91440" tIns="45720" rIns="91440" bIns="45720" rtlCol="0" anchor="ctr">
+            <a:noAutofit/>
+          </a:bodyPr>
+          <a:lstStyle>
+            <a:lvl1pPr algn="l" defTabSz="457200" rtl="0" eaLnBrk="1" latinLnBrk="0" hangingPunct="1">
+              <a:spcBef>
+                <a:spcPct val="0"/>
+              </a:spcBef>
+              <a:buNone/>
+              <a:defRPr sz="3600" kern="1200" cap="all">
+                <a:ln w="3175" cmpd="sng">
+                  <a:noFill/>
+                </a:ln>
+                <a:solidFill>
+                  <a:schemeClr val="tx1"/>
+                </a:solidFill>
+                <a:effectLst/>
+                <a:latin typeface="+mj-lt"/>
+                <a:ea typeface="+mj-ea"/>
+                <a:cs typeface="+mj-cs"/>
+              </a:defRPr>
+            </a:lvl1pPr>
+            <a:lvl2pPr eaLnBrk="1" hangingPunct="1">
+              <a:defRPr>
+                <a:solidFill>
+                  <a:schemeClr val="tx2"/>
+                </a:solidFill>
+              </a:defRPr>
+            </a:lvl2pPr>
+            <a:lvl3pPr eaLnBrk="1" hangingPunct="1">
+              <a:defRPr>
+                <a:solidFill>
+                  <a:schemeClr val="tx2"/>
+                </a:solidFill>
+              </a:defRPr>
+            </a:lvl3pPr>
+            <a:lvl4pPr eaLnBrk="1" hangingPunct="1">
+              <a:defRPr>
+                <a:solidFill>
+                  <a:schemeClr val="tx2"/>
+                </a:solidFill>
+              </a:defRPr>
+            </a:lvl4pPr>
+            <a:lvl5pPr eaLnBrk="1" hangingPunct="1">
+              <a:defRPr>
+                <a:solidFill>
+                  <a:schemeClr val="tx2"/>
+                </a:solidFill>
+              </a:defRPr>
+            </a:lvl5pPr>
+            <a:lvl6pPr eaLnBrk="1" hangingPunct="1">
+              <a:defRPr>
+                <a:solidFill>
+                  <a:schemeClr val="tx2"/>
+                </a:solidFill>
+              </a:defRPr>
+            </a:lvl6pPr>
+            <a:lvl7pPr eaLnBrk="1" hangingPunct="1">
+              <a:defRPr>
+                <a:solidFill>
+                  <a:schemeClr val="tx2"/>
+                </a:solidFill>
+              </a:defRPr>
+            </a:lvl7pPr>
+            <a:lvl8pPr eaLnBrk="1" hangingPunct="1">
+              <a:defRPr>
+                <a:solidFill>
+                  <a:schemeClr val="tx2"/>
+                </a:solidFill>
+              </a:defRPr>
+            </a:lvl8pPr>
+            <a:lvl9pPr eaLnBrk="1" hangingPunct="1">
+              <a:defRPr>
+                <a:solidFill>
+                  <a:schemeClr val="tx2"/>
+                </a:solidFill>
+              </a:defRPr>
+            </a:lvl9pPr>
+          </a:lstStyle>
+          <a:p>
+            <a:r>
+              <a:rPr lang="en-US" sz="2800" dirty="0">
+                <a:latin typeface="Times New Roman" panose="02020603050405020304" pitchFamily="18" charset="0"/>
+                <a:cs typeface="Times New Roman" panose="02020603050405020304" pitchFamily="18" charset="0"/>
+              </a:rPr>
+              <a:t>6</a:t>
+            </a:r>
+            <a:r>
+              <a:rPr lang="ro-RO" sz="2800" dirty="0">
+                <a:latin typeface="Times New Roman" panose="02020603050405020304" pitchFamily="18" charset="0"/>
+                <a:cs typeface="Times New Roman" panose="02020603050405020304" pitchFamily="18" charset="0"/>
+              </a:rPr>
+              <a:t>.</a:t>
+            </a:r>
+            <a:r>
+              <a:rPr lang="en-US" sz="2800" dirty="0">
+                <a:latin typeface="Times New Roman" panose="02020603050405020304" pitchFamily="18" charset="0"/>
+                <a:cs typeface="Times New Roman" panose="02020603050405020304" pitchFamily="18" charset="0"/>
+              </a:rPr>
+              <a:t>10 </a:t>
+            </a:r>
+            <a:r>
+              <a:rPr lang="en-US" sz="2800" dirty="0" err="1">
+                <a:latin typeface="Times New Roman" panose="02020603050405020304" pitchFamily="18" charset="0"/>
+                <a:cs typeface="Times New Roman" panose="02020603050405020304" pitchFamily="18" charset="0"/>
+              </a:rPr>
+              <a:t>Vizualizare</a:t>
+            </a:r>
+            <a:r>
+              <a:rPr lang="en-US" sz="2800" dirty="0">
+                <a:latin typeface="Times New Roman" panose="02020603050405020304" pitchFamily="18" charset="0"/>
+                <a:cs typeface="Times New Roman" panose="02020603050405020304" pitchFamily="18" charset="0"/>
+              </a:rPr>
+              <a:t> </a:t>
+            </a:r>
+            <a:r>
+              <a:rPr lang="en-US" sz="2800" dirty="0" err="1">
+                <a:latin typeface="Times New Roman" panose="02020603050405020304" pitchFamily="18" charset="0"/>
+                <a:cs typeface="Times New Roman" panose="02020603050405020304" pitchFamily="18" charset="0"/>
+              </a:rPr>
+              <a:t>datelor</a:t>
+            </a:r>
+            <a:r>
+              <a:rPr lang="en-US" sz="2800" dirty="0">
+                <a:latin typeface="Times New Roman" panose="02020603050405020304" pitchFamily="18" charset="0"/>
+                <a:cs typeface="Times New Roman" panose="02020603050405020304" pitchFamily="18" charset="0"/>
+              </a:rPr>
+              <a:t> </a:t>
+            </a:r>
+            <a:r>
+              <a:rPr lang="en-US" sz="2800" dirty="0" err="1">
+                <a:latin typeface="Times New Roman" panose="02020603050405020304" pitchFamily="18" charset="0"/>
+                <a:cs typeface="Times New Roman" panose="02020603050405020304" pitchFamily="18" charset="0"/>
+              </a:rPr>
+              <a:t>personale</a:t>
+            </a:r>
+            <a:endParaRPr lang="en-US" sz="2800" dirty="0">
+              <a:latin typeface="Times New Roman" panose="02020603050405020304" pitchFamily="18" charset="0"/>
+              <a:cs typeface="Times New Roman" panose="02020603050405020304" pitchFamily="18" charset="0"/>
+            </a:endParaRPr>
+          </a:p>
+        </p:txBody>
+      </p:sp>
+      <p:sp>
+        <p:nvSpPr>
+          <p:cNvPr id="6" name="TextBox 5">
+            <a:extLst>
+              <a:ext uri="{FF2B5EF4-FFF2-40B4-BE49-F238E27FC236}">
+                <a16:creationId xmlns:a16="http://schemas.microsoft.com/office/drawing/2014/main" id="{826674D3-9206-492F-BACD-CEA338F4E7DC}"/>
+              </a:ext>
+            </a:extLst>
+          </p:cNvPr>
+          <p:cNvSpPr txBox="1"/>
+          <p:nvPr/>
+        </p:nvSpPr>
+        <p:spPr>
+          <a:xfrm>
+            <a:off x="811396" y="1351716"/>
+            <a:ext cx="10569206" cy="646331"/>
+          </a:xfrm>
+          <a:prstGeom prst="rect">
+            <a:avLst/>
+          </a:prstGeom>
+          <a:noFill/>
+        </p:spPr>
+        <p:txBody>
+          <a:bodyPr wrap="square" rtlCol="0">
+            <a:spAutoFit/>
+          </a:bodyPr>
+          <a:lstStyle/>
+          <a:p>
+            <a:r>
+              <a:rPr lang="en-US" dirty="0"/>
+              <a:t>Se </a:t>
+            </a:r>
+            <a:r>
+              <a:rPr lang="en-US" dirty="0" err="1"/>
+              <a:t>apasa</a:t>
+            </a:r>
+            <a:r>
+              <a:rPr lang="en-US" dirty="0"/>
+              <a:t> pe </a:t>
+            </a:r>
+            <a:r>
+              <a:rPr lang="en-US" dirty="0" err="1"/>
+              <a:t>butonul</a:t>
+            </a:r>
+            <a:r>
+              <a:rPr lang="en-US" dirty="0"/>
+              <a:t> din </a:t>
+            </a:r>
+            <a:r>
+              <a:rPr lang="en-US" dirty="0" err="1"/>
+              <a:t>coltul</a:t>
+            </a:r>
+            <a:r>
+              <a:rPr lang="en-US" dirty="0"/>
+              <a:t> </a:t>
+            </a:r>
+            <a:r>
+              <a:rPr lang="en-US" dirty="0" err="1"/>
+              <a:t>dreapta</a:t>
+            </a:r>
+            <a:r>
+              <a:rPr lang="en-US" dirty="0"/>
+              <a:t> sus “person” care </a:t>
+            </a:r>
+            <a:r>
+              <a:rPr lang="en-US" dirty="0" err="1"/>
+              <a:t>va</a:t>
+            </a:r>
+            <a:r>
+              <a:rPr lang="en-US" dirty="0"/>
+              <a:t> </a:t>
+            </a:r>
+            <a:r>
+              <a:rPr lang="en-US" dirty="0" err="1"/>
+              <a:t>afisa</a:t>
+            </a:r>
+            <a:r>
+              <a:rPr lang="en-US" dirty="0"/>
+              <a:t> </a:t>
+            </a:r>
+            <a:r>
+              <a:rPr lang="en-US" dirty="0" err="1"/>
+              <a:t>datele</a:t>
+            </a:r>
+            <a:r>
+              <a:rPr lang="en-US" dirty="0"/>
+              <a:t> </a:t>
+            </a:r>
+            <a:r>
+              <a:rPr lang="en-US" dirty="0" err="1"/>
+              <a:t>utilizatorului</a:t>
+            </a:r>
+            <a:r>
+              <a:rPr lang="en-US" dirty="0"/>
+              <a:t>.</a:t>
+            </a:r>
+          </a:p>
+          <a:p>
+            <a:r>
+              <a:rPr lang="en-US" dirty="0" err="1"/>
+              <a:t>Totodata</a:t>
+            </a:r>
+            <a:r>
+              <a:rPr lang="en-US" dirty="0"/>
+              <a:t>, in </a:t>
+            </a:r>
+            <a:r>
+              <a:rPr lang="en-US" dirty="0" err="1"/>
+              <a:t>acest</a:t>
+            </a:r>
+            <a:r>
+              <a:rPr lang="en-US" dirty="0"/>
+              <a:t> </a:t>
+            </a:r>
+            <a:r>
+              <a:rPr lang="en-US" dirty="0" err="1"/>
+              <a:t>meniu</a:t>
+            </a:r>
+            <a:r>
+              <a:rPr lang="en-US" dirty="0"/>
+              <a:t> se </a:t>
+            </a:r>
+            <a:r>
+              <a:rPr lang="en-US" dirty="0" err="1"/>
+              <a:t>afla</a:t>
+            </a:r>
+            <a:r>
+              <a:rPr lang="en-US" dirty="0"/>
+              <a:t> </a:t>
+            </a:r>
+            <a:r>
+              <a:rPr lang="en-US" dirty="0" err="1"/>
+              <a:t>si</a:t>
+            </a:r>
+            <a:r>
+              <a:rPr lang="en-US" dirty="0"/>
+              <a:t> </a:t>
+            </a:r>
+            <a:r>
+              <a:rPr lang="en-US" dirty="0" err="1"/>
+              <a:t>butonul</a:t>
+            </a:r>
+            <a:r>
+              <a:rPr lang="en-US" dirty="0"/>
+              <a:t> “Sign Out” care </a:t>
+            </a:r>
+            <a:r>
+              <a:rPr lang="en-US" dirty="0" err="1"/>
+              <a:t>va</a:t>
+            </a:r>
+            <a:r>
+              <a:rPr lang="en-US" dirty="0"/>
+              <a:t> </a:t>
+            </a:r>
+            <a:r>
+              <a:rPr lang="en-US" dirty="0" err="1"/>
+              <a:t>deloga</a:t>
+            </a:r>
+            <a:r>
+              <a:rPr lang="en-US" dirty="0"/>
+              <a:t> </a:t>
+            </a:r>
+            <a:r>
+              <a:rPr lang="en-US" dirty="0" err="1"/>
+              <a:t>utilizatorul</a:t>
+            </a:r>
+            <a:endParaRPr lang="ro-RO" dirty="0"/>
+          </a:p>
+        </p:txBody>
+      </p:sp>
+      <p:pic>
+        <p:nvPicPr>
+          <p:cNvPr id="5" name="Picture 4">
+            <a:extLst>
+              <a:ext uri="{FF2B5EF4-FFF2-40B4-BE49-F238E27FC236}">
+                <a16:creationId xmlns:a16="http://schemas.microsoft.com/office/drawing/2014/main" id="{3ABFAE3B-5BF6-4471-BFA3-9F783C423EE6}"/>
+              </a:ext>
+            </a:extLst>
+          </p:cNvPr>
+          <p:cNvPicPr>
+            <a:picLocks noChangeAspect="1"/>
+          </p:cNvPicPr>
+          <p:nvPr/>
+        </p:nvPicPr>
+        <p:blipFill>
+          <a:blip r:embed="rId2"/>
+          <a:stretch>
+            <a:fillRect/>
+          </a:stretch>
+        </p:blipFill>
+        <p:spPr>
+          <a:xfrm>
+            <a:off x="1929651" y="2079487"/>
+            <a:ext cx="8332696" cy="4548263"/>
+          </a:xfrm>
+          <a:prstGeom prst="rect">
+            <a:avLst/>
+          </a:prstGeom>
+        </p:spPr>
+      </p:pic>
+    </p:spTree>
+    <p:extLst>
+      <p:ext uri="{BB962C8B-B14F-4D97-AF65-F5344CB8AC3E}">
+        <p14:creationId xmlns:p14="http://schemas.microsoft.com/office/powerpoint/2010/main" val="174942901"/>
+      </p:ext>
+    </p:extLst>
+  </p:cSld>
+  <p:clrMapOvr>
+    <a:masterClrMapping/>
+  </p:clrMapOvr>
+  <p:transition spd="med">
+    <p:pull/>
+  </p:transition>
+</p:sld>
+</file>
+
+<file path=ppt/slides/slide32.xml><?xml version="1.0" encoding="utf-8"?>
+<p:sld xmlns:a="http://schemas.openxmlformats.org/drawingml/2006/main" xmlns:r="http://schemas.openxmlformats.org/officeDocument/2006/relationships" xmlns:p="http://schemas.openxmlformats.org/presentationml/2006/main">
+  <p:cSld>
+    <p:spTree>
+      <p:nvGrpSpPr>
+        <p:cNvPr id="1" name=""/>
+        <p:cNvGrpSpPr/>
+        <p:nvPr/>
+      </p:nvGrpSpPr>
+      <p:grpSpPr>
+        <a:xfrm>
+          <a:off x="0" y="0"/>
+          <a:ext cx="0" cy="0"/>
+          <a:chOff x="0" y="0"/>
+          <a:chExt cx="0" cy="0"/>
+        </a:xfrm>
+      </p:grpSpPr>
+      <p:sp>
+        <p:nvSpPr>
+          <p:cNvPr id="2" name="Title 1">
+            <a:extLst>
+              <a:ext uri="{FF2B5EF4-FFF2-40B4-BE49-F238E27FC236}">
+                <a16:creationId xmlns:a16="http://schemas.microsoft.com/office/drawing/2014/main" id="{63F5035C-74BC-40C2-9EC4-CD7907CF2505}"/>
+              </a:ext>
+            </a:extLst>
+          </p:cNvPr>
+          <p:cNvSpPr>
+            <a:spLocks noGrp="1"/>
+          </p:cNvSpPr>
+          <p:nvPr>
+            <p:ph type="title"/>
+          </p:nvPr>
+        </p:nvSpPr>
+        <p:spPr>
+          <a:xfrm>
+            <a:off x="502500" y="147157"/>
+            <a:ext cx="8865040" cy="925445"/>
+          </a:xfrm>
+        </p:spPr>
+        <p:txBody>
+          <a:bodyPr>
+            <a:noAutofit/>
+          </a:bodyPr>
+          <a:lstStyle/>
+          <a:p>
+            <a:r>
+              <a:rPr lang="en-US" sz="3200" dirty="0">
+                <a:latin typeface="Times New Roman" panose="02020603050405020304" pitchFamily="18" charset="0"/>
+                <a:cs typeface="Times New Roman" panose="02020603050405020304" pitchFamily="18" charset="0"/>
+              </a:rPr>
+              <a:t>7.1 </a:t>
+            </a:r>
+            <a:r>
+              <a:rPr lang="en-US" sz="3200" dirty="0" err="1">
+                <a:latin typeface="Times New Roman" panose="02020603050405020304" pitchFamily="18" charset="0"/>
+                <a:cs typeface="Times New Roman" panose="02020603050405020304" pitchFamily="18" charset="0"/>
+              </a:rPr>
+              <a:t>Dezvoltari</a:t>
+            </a:r>
+            <a:r>
+              <a:rPr lang="en-US" sz="3200" dirty="0">
+                <a:latin typeface="Times New Roman" panose="02020603050405020304" pitchFamily="18" charset="0"/>
+                <a:cs typeface="Times New Roman" panose="02020603050405020304" pitchFamily="18" charset="0"/>
+              </a:rPr>
+              <a:t> </a:t>
+            </a:r>
+            <a:r>
+              <a:rPr lang="en-US" sz="3200" dirty="0" err="1">
+                <a:latin typeface="Times New Roman" panose="02020603050405020304" pitchFamily="18" charset="0"/>
+                <a:cs typeface="Times New Roman" panose="02020603050405020304" pitchFamily="18" charset="0"/>
+              </a:rPr>
+              <a:t>ulterioare</a:t>
+            </a:r>
+            <a:br>
+              <a:rPr lang="ro-RO" sz="3200" dirty="0">
+                <a:latin typeface="Times New Roman" panose="02020603050405020304" pitchFamily="18" charset="0"/>
+                <a:cs typeface="Times New Roman" panose="02020603050405020304" pitchFamily="18" charset="0"/>
+              </a:rPr>
+            </a:br>
+            <a:r>
+              <a:rPr lang="ro-RO" sz="3200" dirty="0">
+                <a:latin typeface="Times New Roman" panose="02020603050405020304" pitchFamily="18" charset="0"/>
+                <a:cs typeface="Times New Roman" panose="02020603050405020304" pitchFamily="18" charset="0"/>
+              </a:rPr>
+              <a:t>     </a:t>
+            </a:r>
+            <a:endParaRPr lang="en-US" sz="3200" dirty="0">
+              <a:solidFill>
+                <a:schemeClr val="tx1"/>
+              </a:solidFill>
+              <a:latin typeface="Times New Roman" panose="02020603050405020304" pitchFamily="18" charset="0"/>
+              <a:cs typeface="Times New Roman" panose="02020603050405020304" pitchFamily="18" charset="0"/>
+            </a:endParaRPr>
+          </a:p>
+        </p:txBody>
+      </p:sp>
+      <p:sp>
+        <p:nvSpPr>
+          <p:cNvPr id="3" name="TextBox 2">
+            <a:extLst>
+              <a:ext uri="{FF2B5EF4-FFF2-40B4-BE49-F238E27FC236}">
+                <a16:creationId xmlns:a16="http://schemas.microsoft.com/office/drawing/2014/main" id="{E01CFEF1-D75E-41A3-902E-5F67E589DDA6}"/>
+              </a:ext>
+            </a:extLst>
+          </p:cNvPr>
+          <p:cNvSpPr txBox="1"/>
+          <p:nvPr/>
+        </p:nvSpPr>
+        <p:spPr>
+          <a:xfrm>
+            <a:off x="663387" y="1299882"/>
+            <a:ext cx="11080377" cy="1477328"/>
+          </a:xfrm>
+          <a:prstGeom prst="rect">
+            <a:avLst/>
+          </a:prstGeom>
+          <a:noFill/>
+        </p:spPr>
+        <p:txBody>
+          <a:bodyPr wrap="square" rtlCol="0">
+            <a:spAutoFit/>
+          </a:bodyPr>
+          <a:lstStyle/>
+          <a:p>
+            <a:pPr marL="285750" indent="-285750">
+              <a:buFont typeface="Arial" panose="020B0604020202020204" pitchFamily="34" charset="0"/>
+              <a:buChar char="•"/>
+            </a:pPr>
+            <a:r>
+              <a:rPr lang="en-US" dirty="0" err="1"/>
+              <a:t>Introducerea</a:t>
+            </a:r>
+            <a:r>
+              <a:rPr lang="en-US" dirty="0"/>
+              <a:t> a </a:t>
+            </a:r>
+            <a:r>
+              <a:rPr lang="en-US" dirty="0" err="1"/>
+              <a:t>mai</a:t>
+            </a:r>
+            <a:r>
+              <a:rPr lang="en-US" dirty="0"/>
+              <a:t> </a:t>
+            </a:r>
+            <a:r>
+              <a:rPr lang="en-US" dirty="0" err="1"/>
+              <a:t>multor</a:t>
+            </a:r>
+            <a:r>
+              <a:rPr lang="en-US" dirty="0"/>
+              <a:t> </a:t>
+            </a:r>
+            <a:r>
+              <a:rPr lang="en-US" dirty="0" err="1"/>
+              <a:t>categorii</a:t>
+            </a:r>
+            <a:r>
+              <a:rPr lang="en-US" dirty="0"/>
+              <a:t> de </a:t>
+            </a:r>
+            <a:r>
+              <a:rPr lang="en-US" dirty="0" err="1"/>
+              <a:t>mailuri</a:t>
+            </a:r>
+            <a:endParaRPr lang="en-US" dirty="0"/>
+          </a:p>
+          <a:p>
+            <a:pPr marL="285750" indent="-285750">
+              <a:buFont typeface="Arial" panose="020B0604020202020204" pitchFamily="34" charset="0"/>
+              <a:buChar char="•"/>
+            </a:pPr>
+            <a:r>
+              <a:rPr lang="en-US" dirty="0" err="1"/>
+              <a:t>Adaugarea</a:t>
+            </a:r>
+            <a:r>
+              <a:rPr lang="en-US" dirty="0"/>
+              <a:t> </a:t>
+            </a:r>
+            <a:r>
+              <a:rPr lang="en-US" dirty="0" err="1"/>
+              <a:t>atasamentelor</a:t>
+            </a:r>
+            <a:r>
+              <a:rPr lang="en-US" dirty="0"/>
+              <a:t> la un email</a:t>
+            </a:r>
+          </a:p>
+          <a:p>
+            <a:pPr marL="285750" indent="-285750">
+              <a:buFont typeface="Arial" panose="020B0604020202020204" pitchFamily="34" charset="0"/>
+              <a:buChar char="•"/>
+            </a:pPr>
+            <a:r>
+              <a:rPr lang="en-US" dirty="0" err="1"/>
+              <a:t>Posibilitatea</a:t>
+            </a:r>
+            <a:r>
+              <a:rPr lang="en-US" dirty="0"/>
+              <a:t> de a </a:t>
+            </a:r>
+            <a:r>
+              <a:rPr lang="en-US" dirty="0" err="1"/>
+              <a:t>schimba</a:t>
+            </a:r>
+            <a:r>
+              <a:rPr lang="en-US" dirty="0"/>
+              <a:t> </a:t>
+            </a:r>
+            <a:r>
+              <a:rPr lang="en-US" dirty="0" err="1"/>
+              <a:t>fontul</a:t>
+            </a:r>
+            <a:r>
+              <a:rPr lang="en-US" dirty="0"/>
+              <a:t> la </a:t>
+            </a:r>
+            <a:r>
+              <a:rPr lang="en-US" dirty="0" err="1"/>
+              <a:t>compunerea</a:t>
+            </a:r>
+            <a:r>
+              <a:rPr lang="en-US" dirty="0"/>
+              <a:t> </a:t>
+            </a:r>
+            <a:r>
+              <a:rPr lang="en-US" dirty="0" err="1"/>
+              <a:t>unui</a:t>
+            </a:r>
+            <a:r>
+              <a:rPr lang="en-US" dirty="0"/>
+              <a:t> email</a:t>
+            </a:r>
+          </a:p>
+          <a:p>
+            <a:pPr marL="285750" indent="-285750">
+              <a:buFont typeface="Arial" panose="020B0604020202020204" pitchFamily="34" charset="0"/>
+              <a:buChar char="•"/>
+            </a:pPr>
+            <a:r>
+              <a:rPr lang="en-US" dirty="0" err="1"/>
+              <a:t>Trimiterea</a:t>
+            </a:r>
+            <a:r>
+              <a:rPr lang="en-US" dirty="0"/>
+              <a:t> </a:t>
+            </a:r>
+            <a:r>
+              <a:rPr lang="en-US" dirty="0" err="1"/>
+              <a:t>programata</a:t>
+            </a:r>
+            <a:r>
+              <a:rPr lang="en-US" dirty="0"/>
+              <a:t> a </a:t>
+            </a:r>
+            <a:r>
+              <a:rPr lang="en-US" dirty="0" err="1"/>
+              <a:t>unui</a:t>
+            </a:r>
+            <a:r>
+              <a:rPr lang="en-US" dirty="0"/>
+              <a:t> email</a:t>
+            </a:r>
+          </a:p>
+          <a:p>
+            <a:pPr marL="285750" indent="-285750">
+              <a:buFont typeface="Arial" panose="020B0604020202020204" pitchFamily="34" charset="0"/>
+              <a:buChar char="•"/>
+            </a:pPr>
+            <a:r>
+              <a:rPr lang="en-US" dirty="0" err="1"/>
+              <a:t>Adaugare</a:t>
+            </a:r>
+            <a:r>
+              <a:rPr lang="en-US" dirty="0"/>
+              <a:t> </a:t>
+            </a:r>
+            <a:r>
+              <a:rPr lang="en-US" dirty="0" err="1"/>
+              <a:t>functie</a:t>
+            </a:r>
+            <a:r>
+              <a:rPr lang="en-US" dirty="0"/>
+              <a:t> CC</a:t>
+            </a:r>
+            <a:endParaRPr lang="ro-RO" dirty="0"/>
+          </a:p>
+        </p:txBody>
+      </p:sp>
+    </p:spTree>
+    <p:extLst>
+      <p:ext uri="{BB962C8B-B14F-4D97-AF65-F5344CB8AC3E}">
+        <p14:creationId xmlns:p14="http://schemas.microsoft.com/office/powerpoint/2010/main" val="472911799"/>
+      </p:ext>
+    </p:extLst>
+  </p:cSld>
+  <p:clrMapOvr>
+    <a:masterClrMapping/>
+  </p:clrMapOvr>
+  <p:transition spd="med">
+    <p:pull/>
+  </p:transition>
+</p:sld>
+</file>
+
+<file path=ppt/slides/slide33.xml><?xml version="1.0" encoding="utf-8"?>
+<p:sld xmlns:a="http://schemas.openxmlformats.org/drawingml/2006/main" xmlns:r="http://schemas.openxmlformats.org/officeDocument/2006/relationships" xmlns:p="http://schemas.openxmlformats.org/presentationml/2006/main">
+  <p:cSld>
+    <p:spTree>
+      <p:nvGrpSpPr>
+        <p:cNvPr id="1" name=""/>
+        <p:cNvGrpSpPr/>
+        <p:nvPr/>
+      </p:nvGrpSpPr>
+      <p:grpSpPr>
+        <a:xfrm>
+          <a:off x="0" y="0"/>
+          <a:ext cx="0" cy="0"/>
+          <a:chOff x="0" y="0"/>
+          <a:chExt cx="0" cy="0"/>
+        </a:xfrm>
+      </p:grpSpPr>
+      <p:sp>
+        <p:nvSpPr>
+          <p:cNvPr id="2" name="Title 1">
+            <a:extLst>
+              <a:ext uri="{FF2B5EF4-FFF2-40B4-BE49-F238E27FC236}">
+                <a16:creationId xmlns:a16="http://schemas.microsoft.com/office/drawing/2014/main" id="{63F5035C-74BC-40C2-9EC4-CD7907CF2505}"/>
+              </a:ext>
+            </a:extLst>
+          </p:cNvPr>
+          <p:cNvSpPr>
+            <a:spLocks noGrp="1"/>
+          </p:cNvSpPr>
+          <p:nvPr>
+            <p:ph type="title"/>
+          </p:nvPr>
+        </p:nvSpPr>
+        <p:spPr>
+          <a:xfrm>
+            <a:off x="502500" y="147157"/>
+            <a:ext cx="8865040" cy="925445"/>
+          </a:xfrm>
+        </p:spPr>
+        <p:txBody>
+          <a:bodyPr>
+            <a:noAutofit/>
+          </a:bodyPr>
+          <a:lstStyle/>
+          <a:p>
+            <a:r>
+              <a:rPr lang="en-US" sz="3200" dirty="0">
+                <a:latin typeface="Times New Roman" panose="02020603050405020304" pitchFamily="18" charset="0"/>
+                <a:cs typeface="Times New Roman" panose="02020603050405020304" pitchFamily="18" charset="0"/>
+              </a:rPr>
+              <a:t>7.2 </a:t>
+            </a:r>
+            <a:r>
+              <a:rPr lang="en-US" sz="3200" dirty="0" err="1">
+                <a:latin typeface="Times New Roman" panose="02020603050405020304" pitchFamily="18" charset="0"/>
+                <a:cs typeface="Times New Roman" panose="02020603050405020304" pitchFamily="18" charset="0"/>
+              </a:rPr>
+              <a:t>Concluzii</a:t>
+            </a:r>
+            <a:br>
+              <a:rPr lang="ro-RO" sz="3200" dirty="0">
+                <a:latin typeface="Times New Roman" panose="02020603050405020304" pitchFamily="18" charset="0"/>
+                <a:cs typeface="Times New Roman" panose="02020603050405020304" pitchFamily="18" charset="0"/>
+              </a:rPr>
+            </a:br>
+            <a:r>
+              <a:rPr lang="ro-RO" sz="3200" dirty="0">
+                <a:latin typeface="Times New Roman" panose="02020603050405020304" pitchFamily="18" charset="0"/>
+                <a:cs typeface="Times New Roman" panose="02020603050405020304" pitchFamily="18" charset="0"/>
+              </a:rPr>
+              <a:t>     </a:t>
+            </a:r>
+            <a:endParaRPr lang="en-US" sz="3200" dirty="0">
+              <a:solidFill>
+                <a:schemeClr val="tx1"/>
+              </a:solidFill>
+              <a:latin typeface="Times New Roman" panose="02020603050405020304" pitchFamily="18" charset="0"/>
+              <a:cs typeface="Times New Roman" panose="02020603050405020304" pitchFamily="18" charset="0"/>
+            </a:endParaRPr>
+          </a:p>
+        </p:txBody>
+      </p:sp>
+      <p:sp>
+        <p:nvSpPr>
+          <p:cNvPr id="3" name="TextBox 2">
+            <a:extLst>
+              <a:ext uri="{FF2B5EF4-FFF2-40B4-BE49-F238E27FC236}">
+                <a16:creationId xmlns:a16="http://schemas.microsoft.com/office/drawing/2014/main" id="{E01CFEF1-D75E-41A3-902E-5F67E589DDA6}"/>
+              </a:ext>
+            </a:extLst>
+          </p:cNvPr>
+          <p:cNvSpPr txBox="1"/>
+          <p:nvPr/>
+        </p:nvSpPr>
+        <p:spPr>
+          <a:xfrm>
+            <a:off x="663387" y="1299882"/>
+            <a:ext cx="11080377" cy="1477328"/>
+          </a:xfrm>
+          <a:prstGeom prst="rect">
+            <a:avLst/>
+          </a:prstGeom>
+          <a:noFill/>
+        </p:spPr>
+        <p:txBody>
+          <a:bodyPr wrap="square" rtlCol="0">
+            <a:spAutoFit/>
+          </a:bodyPr>
+          <a:lstStyle/>
+          <a:p>
+            <a:r>
+              <a:rPr lang="en-US" dirty="0"/>
+              <a:t>In </a:t>
+            </a:r>
+            <a:r>
+              <a:rPr lang="en-US" dirty="0" err="1"/>
+              <a:t>urma</a:t>
+            </a:r>
+            <a:r>
+              <a:rPr lang="en-US" dirty="0"/>
+              <a:t> </a:t>
+            </a:r>
+            <a:r>
+              <a:rPr lang="en-US" dirty="0" err="1"/>
+              <a:t>dezvoltarii</a:t>
+            </a:r>
+            <a:r>
+              <a:rPr lang="en-US" dirty="0"/>
+              <a:t> </a:t>
+            </a:r>
+            <a:r>
+              <a:rPr lang="en-US" dirty="0" err="1"/>
+              <a:t>acestei</a:t>
+            </a:r>
+            <a:r>
+              <a:rPr lang="en-US" dirty="0"/>
+              <a:t> </a:t>
+            </a:r>
+            <a:r>
+              <a:rPr lang="en-US" dirty="0" err="1"/>
+              <a:t>aplicatii</a:t>
+            </a:r>
+            <a:r>
+              <a:rPr lang="en-US" dirty="0"/>
+              <a:t> web, am </a:t>
+            </a:r>
+            <a:r>
+              <a:rPr lang="en-US" dirty="0" err="1"/>
+              <a:t>invatat</a:t>
+            </a:r>
+            <a:r>
+              <a:rPr lang="en-US" dirty="0"/>
+              <a:t> cum </a:t>
+            </a:r>
+            <a:r>
+              <a:rPr lang="en-US" dirty="0" err="1"/>
+              <a:t>sa</a:t>
+            </a:r>
+            <a:r>
+              <a:rPr lang="en-US" dirty="0"/>
+              <a:t> </a:t>
+            </a:r>
+            <a:r>
+              <a:rPr lang="en-US" dirty="0" err="1"/>
+              <a:t>lucram</a:t>
+            </a:r>
+            <a:r>
+              <a:rPr lang="en-US" dirty="0"/>
+              <a:t> cu framework-ul Java Spring </a:t>
+            </a:r>
+            <a:r>
+              <a:rPr lang="en-US" dirty="0" err="1"/>
+              <a:t>atat</a:t>
+            </a:r>
+            <a:r>
+              <a:rPr lang="en-US" dirty="0"/>
+              <a:t> pe </a:t>
+            </a:r>
+            <a:r>
+              <a:rPr lang="en-US" dirty="0" err="1"/>
+              <a:t>partea</a:t>
+            </a:r>
+            <a:r>
+              <a:rPr lang="en-US" dirty="0"/>
+              <a:t> de back-end de la </a:t>
+            </a:r>
+            <a:r>
+              <a:rPr lang="en-US" dirty="0" err="1"/>
+              <a:t>crearea</a:t>
+            </a:r>
+            <a:r>
+              <a:rPr lang="en-US" dirty="0"/>
+              <a:t> end-point-</a:t>
+            </a:r>
+            <a:r>
+              <a:rPr lang="en-US" dirty="0" err="1"/>
+              <a:t>urilor</a:t>
+            </a:r>
+            <a:r>
+              <a:rPr lang="en-US" dirty="0"/>
+              <a:t> </a:t>
+            </a:r>
+            <a:r>
+              <a:rPr lang="en-US" dirty="0" err="1"/>
+              <a:t>si</a:t>
+            </a:r>
+            <a:r>
+              <a:rPr lang="en-US" dirty="0"/>
+              <a:t> a </a:t>
+            </a:r>
+            <a:r>
+              <a:rPr lang="en-US" dirty="0" err="1"/>
+              <a:t>serviciilor</a:t>
+            </a:r>
+            <a:r>
+              <a:rPr lang="en-US" dirty="0"/>
+              <a:t> </a:t>
+            </a:r>
+            <a:r>
+              <a:rPr lang="en-US" dirty="0" err="1"/>
+              <a:t>asociate</a:t>
+            </a:r>
+            <a:r>
+              <a:rPr lang="en-US" dirty="0"/>
+              <a:t> cu </a:t>
+            </a:r>
+            <a:r>
+              <a:rPr lang="en-US" dirty="0" err="1"/>
+              <a:t>bazele</a:t>
+            </a:r>
+            <a:r>
+              <a:rPr lang="en-US" dirty="0"/>
+              <a:t> de date </a:t>
+            </a:r>
+            <a:r>
+              <a:rPr lang="en-US" dirty="0" err="1"/>
+              <a:t>pana</a:t>
+            </a:r>
+            <a:r>
+              <a:rPr lang="en-US" dirty="0"/>
+              <a:t> la </a:t>
+            </a:r>
+            <a:r>
+              <a:rPr lang="en-US" dirty="0" err="1"/>
+              <a:t>crearea</a:t>
+            </a:r>
+            <a:r>
+              <a:rPr lang="en-US" dirty="0"/>
+              <a:t> </a:t>
+            </a:r>
+            <a:r>
+              <a:rPr lang="en-US" dirty="0" err="1"/>
+              <a:t>unor</a:t>
+            </a:r>
+            <a:r>
+              <a:rPr lang="en-US" dirty="0"/>
+              <a:t> certificate SSL </a:t>
+            </a:r>
+            <a:r>
+              <a:rPr lang="en-US" dirty="0" err="1"/>
+              <a:t>pentru</a:t>
+            </a:r>
+            <a:r>
+              <a:rPr lang="en-US" dirty="0"/>
+              <a:t> a </a:t>
+            </a:r>
+            <a:r>
+              <a:rPr lang="en-US" dirty="0" err="1"/>
+              <a:t>putea</a:t>
+            </a:r>
+            <a:r>
+              <a:rPr lang="en-US" dirty="0"/>
+              <a:t> </a:t>
+            </a:r>
+            <a:r>
+              <a:rPr lang="en-US" dirty="0" err="1"/>
+              <a:t>folosi</a:t>
+            </a:r>
+            <a:r>
+              <a:rPr lang="en-US" dirty="0"/>
+              <a:t> </a:t>
+            </a:r>
+            <a:r>
+              <a:rPr lang="en-US" dirty="0" err="1"/>
+              <a:t>protocolul</a:t>
+            </a:r>
+            <a:r>
+              <a:rPr lang="en-US" dirty="0"/>
+              <a:t> https, cat </a:t>
+            </a:r>
+            <a:r>
+              <a:rPr lang="en-US" dirty="0" err="1"/>
+              <a:t>si</a:t>
+            </a:r>
+            <a:r>
+              <a:rPr lang="en-US" dirty="0"/>
+              <a:t> pe </a:t>
+            </a:r>
+            <a:r>
+              <a:rPr lang="en-US" dirty="0" err="1"/>
+              <a:t>partea</a:t>
+            </a:r>
+            <a:r>
+              <a:rPr lang="en-US" dirty="0"/>
+              <a:t> de front-end de la </a:t>
+            </a:r>
+            <a:r>
+              <a:rPr lang="en-US" dirty="0" err="1"/>
+              <a:t>formarea</a:t>
+            </a:r>
+            <a:r>
+              <a:rPr lang="en-US" dirty="0"/>
+              <a:t> </a:t>
+            </a:r>
+            <a:r>
+              <a:rPr lang="en-US" dirty="0" err="1"/>
+              <a:t>unor</a:t>
+            </a:r>
+            <a:r>
+              <a:rPr lang="en-US" dirty="0"/>
+              <a:t> template-</a:t>
+            </a:r>
+            <a:r>
+              <a:rPr lang="en-US" dirty="0" err="1"/>
+              <a:t>uri</a:t>
+            </a:r>
+            <a:r>
+              <a:rPr lang="en-US" dirty="0"/>
+              <a:t> cu </a:t>
+            </a:r>
+            <a:r>
+              <a:rPr lang="en-US" dirty="0" err="1"/>
+              <a:t>ajutorul</a:t>
+            </a:r>
+            <a:r>
+              <a:rPr lang="en-US" dirty="0"/>
+              <a:t> </a:t>
+            </a:r>
+            <a:r>
+              <a:rPr lang="en-US" dirty="0" err="1"/>
+              <a:t>Thymeleaf</a:t>
+            </a:r>
+            <a:r>
+              <a:rPr lang="en-US" dirty="0"/>
+              <a:t> </a:t>
+            </a:r>
+            <a:r>
+              <a:rPr lang="en-US" dirty="0" err="1"/>
+              <a:t>pana</a:t>
+            </a:r>
+            <a:r>
+              <a:rPr lang="en-US" dirty="0"/>
+              <a:t> la </a:t>
+            </a:r>
+            <a:r>
+              <a:rPr lang="en-US" dirty="0" err="1"/>
+              <a:t>manipularea</a:t>
+            </a:r>
+            <a:r>
+              <a:rPr lang="en-US" dirty="0"/>
+              <a:t> </a:t>
+            </a:r>
+            <a:r>
+              <a:rPr lang="en-US" dirty="0" err="1"/>
+              <a:t>elementelor</a:t>
+            </a:r>
+            <a:r>
+              <a:rPr lang="en-US" dirty="0"/>
+              <a:t> din </a:t>
+            </a:r>
+            <a:r>
+              <a:rPr lang="en-US" dirty="0" err="1"/>
+              <a:t>pagina</a:t>
+            </a:r>
+            <a:r>
+              <a:rPr lang="en-US" dirty="0"/>
+              <a:t> web cu </a:t>
+            </a:r>
+            <a:r>
+              <a:rPr lang="en-US" dirty="0" err="1"/>
+              <a:t>javascript</a:t>
+            </a:r>
+            <a:r>
+              <a:rPr lang="en-US" dirty="0"/>
+              <a:t>.</a:t>
+            </a:r>
+            <a:endParaRPr lang="ro-RO" dirty="0"/>
+          </a:p>
+        </p:txBody>
+      </p:sp>
+    </p:spTree>
+    <p:extLst>
+      <p:ext uri="{BB962C8B-B14F-4D97-AF65-F5344CB8AC3E}">
+        <p14:creationId xmlns:p14="http://schemas.microsoft.com/office/powerpoint/2010/main" val="3033370444"/>
+      </p:ext>
+    </p:extLst>
+  </p:cSld>
+  <p:clrMapOvr>
+    <a:masterClrMapping/>
+  </p:clrMapOvr>
+  <p:transition spd="med">
+    <p:pull/>
+  </p:transition>
+</p:sld>
+</file>
+
+<file path=ppt/slides/slide34.xml><?xml version="1.0" encoding="utf-8"?>
+<p:sld xmlns:a="http://schemas.openxmlformats.org/drawingml/2006/main" xmlns:r="http://schemas.openxmlformats.org/officeDocument/2006/relationships" xmlns:p="http://schemas.openxmlformats.org/presentationml/2006/main">
+  <p:cSld>
+    <p:spTree>
+      <p:nvGrpSpPr>
+        <p:cNvPr id="1" name=""/>
+        <p:cNvGrpSpPr/>
+        <p:nvPr/>
+      </p:nvGrpSpPr>
+      <p:grpSpPr>
+        <a:xfrm>
+          <a:off x="0" y="0"/>
+          <a:ext cx="0" cy="0"/>
+          <a:chOff x="0" y="0"/>
+          <a:chExt cx="0" cy="0"/>
+        </a:xfrm>
+      </p:grpSpPr>
+      <p:sp>
+        <p:nvSpPr>
+          <p:cNvPr id="2" name="Title 1">
+            <a:extLst>
+              <a:ext uri="{FF2B5EF4-FFF2-40B4-BE49-F238E27FC236}">
+                <a16:creationId xmlns:a16="http://schemas.microsoft.com/office/drawing/2014/main" id="{63F5035C-74BC-40C2-9EC4-CD7907CF2505}"/>
+              </a:ext>
+            </a:extLst>
+          </p:cNvPr>
+          <p:cNvSpPr>
+            <a:spLocks noGrp="1"/>
+          </p:cNvSpPr>
+          <p:nvPr>
+            <p:ph type="title"/>
+          </p:nvPr>
+        </p:nvSpPr>
+        <p:spPr>
+          <a:xfrm>
+            <a:off x="502500" y="147157"/>
+            <a:ext cx="8865040" cy="925445"/>
+          </a:xfrm>
+        </p:spPr>
+        <p:txBody>
+          <a:bodyPr>
+            <a:noAutofit/>
+          </a:bodyPr>
+          <a:lstStyle/>
+          <a:p>
+            <a:r>
+              <a:rPr lang="en-US" sz="3200" dirty="0">
+                <a:latin typeface="Times New Roman" panose="02020603050405020304" pitchFamily="18" charset="0"/>
+                <a:cs typeface="Times New Roman" panose="02020603050405020304" pitchFamily="18" charset="0"/>
+              </a:rPr>
+              <a:t>8. </a:t>
+            </a:r>
+            <a:r>
+              <a:rPr lang="en-US" sz="3200" dirty="0" err="1">
+                <a:latin typeface="Times New Roman" panose="02020603050405020304" pitchFamily="18" charset="0"/>
+                <a:cs typeface="Times New Roman" panose="02020603050405020304" pitchFamily="18" charset="0"/>
+              </a:rPr>
+              <a:t>Bibliografie</a:t>
+            </a:r>
+            <a:br>
+              <a:rPr lang="ro-RO" sz="3200" dirty="0">
+                <a:latin typeface="Times New Roman" panose="02020603050405020304" pitchFamily="18" charset="0"/>
+                <a:cs typeface="Times New Roman" panose="02020603050405020304" pitchFamily="18" charset="0"/>
+              </a:rPr>
+            </a:br>
+            <a:r>
+              <a:rPr lang="ro-RO" sz="3200" dirty="0">
+                <a:latin typeface="Times New Roman" panose="02020603050405020304" pitchFamily="18" charset="0"/>
+                <a:cs typeface="Times New Roman" panose="02020603050405020304" pitchFamily="18" charset="0"/>
+              </a:rPr>
+              <a:t>     </a:t>
+            </a:r>
+            <a:endParaRPr lang="en-US" sz="3200" dirty="0">
+              <a:solidFill>
+                <a:schemeClr val="tx1"/>
+              </a:solidFill>
+              <a:latin typeface="Times New Roman" panose="02020603050405020304" pitchFamily="18" charset="0"/>
+              <a:cs typeface="Times New Roman" panose="02020603050405020304" pitchFamily="18" charset="0"/>
+            </a:endParaRPr>
+          </a:p>
+        </p:txBody>
+      </p:sp>
+      <p:sp>
+        <p:nvSpPr>
+          <p:cNvPr id="3" name="TextBox 2">
+            <a:extLst>
+              <a:ext uri="{FF2B5EF4-FFF2-40B4-BE49-F238E27FC236}">
+                <a16:creationId xmlns:a16="http://schemas.microsoft.com/office/drawing/2014/main" id="{E01CFEF1-D75E-41A3-902E-5F67E589DDA6}"/>
+              </a:ext>
+            </a:extLst>
+          </p:cNvPr>
+          <p:cNvSpPr txBox="1"/>
+          <p:nvPr/>
+        </p:nvSpPr>
+        <p:spPr>
+          <a:xfrm>
+            <a:off x="663387" y="1299882"/>
+            <a:ext cx="11080377" cy="2585323"/>
+          </a:xfrm>
+          <a:prstGeom prst="rect">
+            <a:avLst/>
+          </a:prstGeom>
+          <a:noFill/>
+        </p:spPr>
+        <p:txBody>
+          <a:bodyPr wrap="square" rtlCol="0">
+            <a:spAutoFit/>
+          </a:bodyPr>
+          <a:lstStyle/>
+          <a:p>
+            <a:pPr marL="285750" indent="-285750">
+              <a:buFont typeface="Arial" panose="020B0604020202020204" pitchFamily="34" charset="0"/>
+              <a:buChar char="•"/>
+            </a:pPr>
+            <a:r>
+              <a:rPr lang="ro-RO" dirty="0">
+                <a:hlinkClick r:id="rId2"/>
+              </a:rPr>
+              <a:t>https://www.thymeleaf.org/documentation.html</a:t>
+            </a:r>
+            <a:endParaRPr lang="en-US" dirty="0"/>
+          </a:p>
+          <a:p>
+            <a:pPr marL="285750" indent="-285750">
+              <a:buFont typeface="Arial" panose="020B0604020202020204" pitchFamily="34" charset="0"/>
+              <a:buChar char="•"/>
+            </a:pPr>
+            <a:r>
+              <a:rPr lang="ro-RO" dirty="0">
+                <a:hlinkClick r:id="rId3"/>
+              </a:rPr>
+              <a:t>https://docs.spring.io/spring-boot/docs/current/reference/htmlsingle/</a:t>
+            </a:r>
+            <a:endParaRPr lang="en-US" dirty="0"/>
+          </a:p>
+          <a:p>
+            <a:pPr marL="285750" indent="-285750">
+              <a:buFont typeface="Arial" panose="020B0604020202020204" pitchFamily="34" charset="0"/>
+              <a:buChar char="•"/>
+            </a:pPr>
+            <a:r>
+              <a:rPr lang="ro-RO" dirty="0">
+                <a:hlinkClick r:id="rId4"/>
+              </a:rPr>
+              <a:t>https://spring.io/guides/gs/rest-service-cors/</a:t>
+            </a:r>
+            <a:endParaRPr lang="en-US" dirty="0"/>
+          </a:p>
+          <a:p>
+            <a:pPr marL="285750" indent="-285750">
+              <a:buFont typeface="Arial" panose="020B0604020202020204" pitchFamily="34" charset="0"/>
+              <a:buChar char="•"/>
+            </a:pPr>
+            <a:r>
+              <a:rPr lang="ro-RO" dirty="0">
+                <a:hlinkClick r:id="rId5"/>
+              </a:rPr>
+              <a:t>https://www.baeldung.com/spring-boot-https-self-signed-certificate</a:t>
+            </a:r>
+            <a:endParaRPr lang="en-US" dirty="0"/>
+          </a:p>
+          <a:p>
+            <a:pPr marL="285750" indent="-285750">
+              <a:buFont typeface="Arial" panose="020B0604020202020204" pitchFamily="34" charset="0"/>
+              <a:buChar char="•"/>
+            </a:pPr>
+            <a:r>
+              <a:rPr lang="ro-RO" dirty="0">
+                <a:hlinkClick r:id="rId6"/>
+              </a:rPr>
+              <a:t>https://www.baeldung.com/spring-security-registration-password-encoding-bcrypt</a:t>
+            </a:r>
+            <a:endParaRPr lang="en-US" dirty="0"/>
+          </a:p>
+          <a:p>
+            <a:pPr marL="285750" indent="-285750">
+              <a:buFont typeface="Arial" panose="020B0604020202020204" pitchFamily="34" charset="0"/>
+              <a:buChar char="•"/>
+            </a:pPr>
+            <a:r>
+              <a:rPr lang="ro-RO" dirty="0">
+                <a:hlinkClick r:id="rId7"/>
+              </a:rPr>
+              <a:t>https://www.mongodb.com/compatibility/spring-boot</a:t>
+            </a:r>
+            <a:endParaRPr lang="en-US" dirty="0"/>
+          </a:p>
+          <a:p>
+            <a:pPr marL="285750" indent="-285750">
+              <a:buFont typeface="Arial" panose="020B0604020202020204" pitchFamily="34" charset="0"/>
+              <a:buChar char="•"/>
+            </a:pPr>
+            <a:r>
+              <a:rPr lang="en-US" dirty="0">
+                <a:hlinkClick r:id="rId8"/>
+              </a:rPr>
+              <a:t>https://www.w3schools.com/js/default.asp</a:t>
+            </a:r>
+            <a:endParaRPr lang="en-US" dirty="0"/>
+          </a:p>
+          <a:p>
+            <a:pPr marL="285750" indent="-285750">
+              <a:buFont typeface="Arial" panose="020B0604020202020204" pitchFamily="34" charset="0"/>
+              <a:buChar char="•"/>
+            </a:pPr>
+            <a:r>
+              <a:rPr lang="ro-RO" dirty="0">
+                <a:hlinkClick r:id="rId9"/>
+              </a:rPr>
+              <a:t>https://www.w3schools.com/jquery/default.asp</a:t>
+            </a:r>
+            <a:endParaRPr lang="en-US" dirty="0"/>
+          </a:p>
+          <a:p>
+            <a:pPr marL="285750" indent="-285750">
+              <a:buFont typeface="Arial" panose="020B0604020202020204" pitchFamily="34" charset="0"/>
+              <a:buChar char="•"/>
+            </a:pPr>
+            <a:r>
+              <a:rPr lang="ro-RO" dirty="0">
+                <a:hlinkClick r:id="rId10"/>
+              </a:rPr>
+              <a:t>https://getbootstrap.com/docs/4.0/components/modal/</a:t>
+            </a:r>
+            <a:endParaRPr lang="en-US" dirty="0"/>
+          </a:p>
+        </p:txBody>
+      </p:sp>
+    </p:spTree>
+    <p:extLst>
+      <p:ext uri="{BB962C8B-B14F-4D97-AF65-F5344CB8AC3E}">
+        <p14:creationId xmlns:p14="http://schemas.microsoft.com/office/powerpoint/2010/main" val="4201389111"/>
       </p:ext>
     </p:extLst>
   </p:cSld>

--- a/DesignProiect - Pucani Liviu, Tanul Gabriel.pptx
+++ b/DesignProiect - Pucani Liviu, Tanul Gabriel.pptx
@@ -2,7 +2,7 @@
 <file path=ppt/presentation.xml><?xml version="1.0" encoding="utf-8"?>
 <p:presentation xmlns:a="http://schemas.openxmlformats.org/drawingml/2006/main" xmlns:r="http://schemas.openxmlformats.org/officeDocument/2006/relationships" xmlns:p="http://schemas.openxmlformats.org/presentationml/2006/main" saveSubsetFonts="1">
   <p:sldMasterIdLst>
-    <p:sldMasterId id="2147483831" r:id="rId1"/>
+    <p:sldMasterId id="2147483849" r:id="rId1"/>
   </p:sldMasterIdLst>
   <p:sldIdLst>
     <p:sldId id="256" r:id="rId2"/>
@@ -46,7 +46,7 @@
     <a:defPPr>
       <a:defRPr lang="en-US"/>
     </a:defPPr>
-    <a:lvl1pPr marL="0" algn="l" defTabSz="457200" rtl="0" eaLnBrk="1" latinLnBrk="0" hangingPunct="1">
+    <a:lvl1pPr marL="0" algn="l" defTabSz="914400" rtl="0" eaLnBrk="1" latinLnBrk="0" hangingPunct="1">
       <a:defRPr sz="1800" kern="1200">
         <a:solidFill>
           <a:schemeClr val="tx1"/>
@@ -56,7 +56,7 @@
         <a:cs typeface="+mn-cs"/>
       </a:defRPr>
     </a:lvl1pPr>
-    <a:lvl2pPr marL="457200" algn="l" defTabSz="457200" rtl="0" eaLnBrk="1" latinLnBrk="0" hangingPunct="1">
+    <a:lvl2pPr marL="457200" algn="l" defTabSz="914400" rtl="0" eaLnBrk="1" latinLnBrk="0" hangingPunct="1">
       <a:defRPr sz="1800" kern="1200">
         <a:solidFill>
           <a:schemeClr val="tx1"/>
@@ -66,7 +66,7 @@
         <a:cs typeface="+mn-cs"/>
       </a:defRPr>
     </a:lvl2pPr>
-    <a:lvl3pPr marL="914400" algn="l" defTabSz="457200" rtl="0" eaLnBrk="1" latinLnBrk="0" hangingPunct="1">
+    <a:lvl3pPr marL="914400" algn="l" defTabSz="914400" rtl="0" eaLnBrk="1" latinLnBrk="0" hangingPunct="1">
       <a:defRPr sz="1800" kern="1200">
         <a:solidFill>
           <a:schemeClr val="tx1"/>
@@ -76,7 +76,7 @@
         <a:cs typeface="+mn-cs"/>
       </a:defRPr>
     </a:lvl3pPr>
-    <a:lvl4pPr marL="1371600" algn="l" defTabSz="457200" rtl="0" eaLnBrk="1" latinLnBrk="0" hangingPunct="1">
+    <a:lvl4pPr marL="1371600" algn="l" defTabSz="914400" rtl="0" eaLnBrk="1" latinLnBrk="0" hangingPunct="1">
       <a:defRPr sz="1800" kern="1200">
         <a:solidFill>
           <a:schemeClr val="tx1"/>
@@ -86,7 +86,7 @@
         <a:cs typeface="+mn-cs"/>
       </a:defRPr>
     </a:lvl4pPr>
-    <a:lvl5pPr marL="1828800" algn="l" defTabSz="457200" rtl="0" eaLnBrk="1" latinLnBrk="0" hangingPunct="1">
+    <a:lvl5pPr marL="1828800" algn="l" defTabSz="914400" rtl="0" eaLnBrk="1" latinLnBrk="0" hangingPunct="1">
       <a:defRPr sz="1800" kern="1200">
         <a:solidFill>
           <a:schemeClr val="tx1"/>
@@ -96,7 +96,7 @@
         <a:cs typeface="+mn-cs"/>
       </a:defRPr>
     </a:lvl5pPr>
-    <a:lvl6pPr marL="2286000" algn="l" defTabSz="457200" rtl="0" eaLnBrk="1" latinLnBrk="0" hangingPunct="1">
+    <a:lvl6pPr marL="2286000" algn="l" defTabSz="914400" rtl="0" eaLnBrk="1" latinLnBrk="0" hangingPunct="1">
       <a:defRPr sz="1800" kern="1200">
         <a:solidFill>
           <a:schemeClr val="tx1"/>
@@ -106,7 +106,7 @@
         <a:cs typeface="+mn-cs"/>
       </a:defRPr>
     </a:lvl6pPr>
-    <a:lvl7pPr marL="2743200" algn="l" defTabSz="457200" rtl="0" eaLnBrk="1" latinLnBrk="0" hangingPunct="1">
+    <a:lvl7pPr marL="2743200" algn="l" defTabSz="914400" rtl="0" eaLnBrk="1" latinLnBrk="0" hangingPunct="1">
       <a:defRPr sz="1800" kern="1200">
         <a:solidFill>
           <a:schemeClr val="tx1"/>
@@ -116,7 +116,7 @@
         <a:cs typeface="+mn-cs"/>
       </a:defRPr>
     </a:lvl7pPr>
-    <a:lvl8pPr marL="3200400" algn="l" defTabSz="457200" rtl="0" eaLnBrk="1" latinLnBrk="0" hangingPunct="1">
+    <a:lvl8pPr marL="3200400" algn="l" defTabSz="914400" rtl="0" eaLnBrk="1" latinLnBrk="0" hangingPunct="1">
       <a:defRPr sz="1800" kern="1200">
         <a:solidFill>
           <a:schemeClr val="tx1"/>
@@ -126,7 +126,7 @@
         <a:cs typeface="+mn-cs"/>
       </a:defRPr>
     </a:lvl8pPr>
-    <a:lvl9pPr marL="3657600" algn="l" defTabSz="457200" rtl="0" eaLnBrk="1" latinLnBrk="0" hangingPunct="1">
+    <a:lvl9pPr marL="3657600" algn="l" defTabSz="914400" rtl="0" eaLnBrk="1" latinLnBrk="0" hangingPunct="1">
       <a:defRPr sz="1800" kern="1200">
         <a:solidFill>
           <a:schemeClr val="tx1"/>
@@ -146,7 +146,7 @@
 </file>
 
 <file path=ppt/slideLayouts/slideLayout1.xml><?xml version="1.0" encoding="utf-8"?>
-<p:sldLayout xmlns:a="http://schemas.openxmlformats.org/drawingml/2006/main" xmlns:r="http://schemas.openxmlformats.org/officeDocument/2006/relationships" xmlns:p="http://schemas.openxmlformats.org/presentationml/2006/main" showMasterSp="0" type="title" preserve="1">
+<p:sldLayout xmlns:a="http://schemas.openxmlformats.org/drawingml/2006/main" xmlns:r="http://schemas.openxmlformats.org/officeDocument/2006/relationships" xmlns:p="http://schemas.openxmlformats.org/presentationml/2006/main" type="title" preserve="1">
   <p:cSld name="Title Slide">
     <p:spTree>
       <p:nvGrpSpPr>
@@ -164,7 +164,13 @@
       </p:grpSpPr>
       <p:sp>
         <p:nvSpPr>
-          <p:cNvPr id="2" name="Title 1"/>
+          <p:cNvPr id="2" name="Title 1">
+            <a:extLst>
+              <a:ext uri="{FF2B5EF4-FFF2-40B4-BE49-F238E27FC236}">
+                <a16:creationId xmlns:a16="http://schemas.microsoft.com/office/drawing/2014/main" id="{3B542DB7-C43F-4B0A-ADD6-AAF27A3E88C2}"/>
+              </a:ext>
+            </a:extLst>
+          </p:cNvPr>
           <p:cNvSpPr>
             <a:spLocks noGrp="1"/>
           </p:cNvSpPr>
@@ -174,19 +180,15 @@
         </p:nvSpPr>
         <p:spPr>
           <a:xfrm>
-            <a:off x="684212" y="685799"/>
-            <a:ext cx="8001000" cy="2971801"/>
+            <a:off x="1524000" y="1122363"/>
+            <a:ext cx="9144000" cy="2387600"/>
           </a:xfrm>
         </p:spPr>
         <p:txBody>
-          <a:bodyPr anchor="b">
-            <a:normAutofit/>
-          </a:bodyPr>
+          <a:bodyPr anchor="b"/>
           <a:lstStyle>
-            <a:lvl1pPr algn="l">
-              <a:defRPr sz="4800">
-                <a:effectLst/>
-              </a:defRPr>
+            <a:lvl1pPr algn="ctr">
+              <a:defRPr sz="6000"/>
             </a:lvl1pPr>
           </a:lstStyle>
           <a:p>
@@ -194,13 +196,18 @@
               <a:rPr lang="en-US"/>
               <a:t>Click to edit Master title style</a:t>
             </a:r>
-            <a:endParaRPr lang="en-US" dirty="0"/>
           </a:p>
         </p:txBody>
       </p:sp>
       <p:sp>
         <p:nvSpPr>
-          <p:cNvPr id="3" name="Subtitle 2"/>
+          <p:cNvPr id="3" name="Subtitle 2">
+            <a:extLst>
+              <a:ext uri="{FF2B5EF4-FFF2-40B4-BE49-F238E27FC236}">
+                <a16:creationId xmlns:a16="http://schemas.microsoft.com/office/drawing/2014/main" id="{4B048AF3-F87C-419D-8A8A-8A8422845CA9}"/>
+              </a:ext>
+            </a:extLst>
+          </p:cNvPr>
           <p:cNvSpPr>
             <a:spLocks noGrp="1"/>
           </p:cNvSpPr>
@@ -210,104 +217,48 @@
         </p:nvSpPr>
         <p:spPr>
           <a:xfrm>
-            <a:off x="684212" y="3843867"/>
-            <a:ext cx="6400800" cy="1947333"/>
+            <a:off x="1524000" y="3602038"/>
+            <a:ext cx="9144000" cy="1655762"/>
           </a:xfrm>
         </p:spPr>
         <p:txBody>
-          <a:bodyPr anchor="t">
-            <a:normAutofit/>
-          </a:bodyPr>
+          <a:bodyPr/>
           <a:lstStyle>
-            <a:lvl1pPr marL="0" indent="0" algn="l">
+            <a:lvl1pPr marL="0" indent="0" algn="ctr">
               <a:buNone/>
-              <a:defRPr sz="2100">
-                <a:solidFill>
-                  <a:schemeClr val="bg2">
-                    <a:lumMod val="75000"/>
-                  </a:schemeClr>
-                </a:solidFill>
-              </a:defRPr>
+              <a:defRPr sz="2400"/>
             </a:lvl1pPr>
             <a:lvl2pPr marL="457200" indent="0" algn="ctr">
               <a:buNone/>
-              <a:defRPr>
-                <a:solidFill>
-                  <a:schemeClr val="tx1">
-                    <a:tint val="75000"/>
-                  </a:schemeClr>
-                </a:solidFill>
-              </a:defRPr>
+              <a:defRPr sz="2000"/>
             </a:lvl2pPr>
             <a:lvl3pPr marL="914400" indent="0" algn="ctr">
               <a:buNone/>
-              <a:defRPr>
-                <a:solidFill>
-                  <a:schemeClr val="tx1">
-                    <a:tint val="75000"/>
-                  </a:schemeClr>
-                </a:solidFill>
-              </a:defRPr>
+              <a:defRPr sz="1800"/>
             </a:lvl3pPr>
             <a:lvl4pPr marL="1371600" indent="0" algn="ctr">
               <a:buNone/>
-              <a:defRPr>
-                <a:solidFill>
-                  <a:schemeClr val="tx1">
-                    <a:tint val="75000"/>
-                  </a:schemeClr>
-                </a:solidFill>
-              </a:defRPr>
+              <a:defRPr sz="1600"/>
             </a:lvl4pPr>
             <a:lvl5pPr marL="1828800" indent="0" algn="ctr">
               <a:buNone/>
-              <a:defRPr>
-                <a:solidFill>
-                  <a:schemeClr val="tx1">
-                    <a:tint val="75000"/>
-                  </a:schemeClr>
-                </a:solidFill>
-              </a:defRPr>
+              <a:defRPr sz="1600"/>
             </a:lvl5pPr>
             <a:lvl6pPr marL="2286000" indent="0" algn="ctr">
               <a:buNone/>
-              <a:defRPr>
-                <a:solidFill>
-                  <a:schemeClr val="tx1">
-                    <a:tint val="75000"/>
-                  </a:schemeClr>
-                </a:solidFill>
-              </a:defRPr>
+              <a:defRPr sz="1600"/>
             </a:lvl6pPr>
             <a:lvl7pPr marL="2743200" indent="0" algn="ctr">
               <a:buNone/>
-              <a:defRPr>
-                <a:solidFill>
-                  <a:schemeClr val="tx1">
-                    <a:tint val="75000"/>
-                  </a:schemeClr>
-                </a:solidFill>
-              </a:defRPr>
+              <a:defRPr sz="1600"/>
             </a:lvl7pPr>
             <a:lvl8pPr marL="3200400" indent="0" algn="ctr">
               <a:buNone/>
-              <a:defRPr>
-                <a:solidFill>
-                  <a:schemeClr val="tx1">
-                    <a:tint val="75000"/>
-                  </a:schemeClr>
-                </a:solidFill>
-              </a:defRPr>
+              <a:defRPr sz="1600"/>
             </a:lvl8pPr>
             <a:lvl9pPr marL="3657600" indent="0" algn="ctr">
               <a:buNone/>
-              <a:defRPr>
-                <a:solidFill>
-                  <a:schemeClr val="tx1">
-                    <a:tint val="75000"/>
-                  </a:schemeClr>
-                </a:solidFill>
-              </a:defRPr>
+              <a:defRPr sz="1600"/>
             </a:lvl9pPr>
           </a:lstStyle>
           <a:p>
@@ -315,13 +266,18 @@
               <a:rPr lang="en-US"/>
               <a:t>Click to edit Master subtitle style</a:t>
             </a:r>
-            <a:endParaRPr lang="en-US" dirty="0"/>
           </a:p>
         </p:txBody>
       </p:sp>
       <p:sp>
         <p:nvSpPr>
-          <p:cNvPr id="4" name="Date Placeholder 3"/>
+          <p:cNvPr id="4" name="Date Placeholder 3">
+            <a:extLst>
+              <a:ext uri="{FF2B5EF4-FFF2-40B4-BE49-F238E27FC236}">
+                <a16:creationId xmlns:a16="http://schemas.microsoft.com/office/drawing/2014/main" id="{239760CA-06E5-4ABE-AD23-5570DDFA47F4}"/>
+              </a:ext>
+            </a:extLst>
+          </p:cNvPr>
           <p:cNvSpPr>
             <a:spLocks noGrp="1"/>
           </p:cNvSpPr>
@@ -336,7 +292,7 @@
           <a:p>
             <a:fld id="{AA70F276-1833-4A75-9C1D-A56E2295A68D}" type="datetimeFigureOut">
               <a:rPr lang="en-US" smtClean="0"/>
-              <a:t>03-Jan-22</a:t>
+              <a:t>06-Jan-22</a:t>
             </a:fld>
             <a:endParaRPr lang="en-US"/>
           </a:p>
@@ -344,7 +300,13 @@
       </p:sp>
       <p:sp>
         <p:nvSpPr>
-          <p:cNvPr id="5" name="Footer Placeholder 4"/>
+          <p:cNvPr id="5" name="Footer Placeholder 4">
+            <a:extLst>
+              <a:ext uri="{FF2B5EF4-FFF2-40B4-BE49-F238E27FC236}">
+                <a16:creationId xmlns:a16="http://schemas.microsoft.com/office/drawing/2014/main" id="{C9F3E31A-BE1D-4854-9281-BFEDB96D122A}"/>
+              </a:ext>
+            </a:extLst>
+          </p:cNvPr>
           <p:cNvSpPr>
             <a:spLocks noGrp="1"/>
           </p:cNvSpPr>
@@ -363,7 +325,13 @@
       </p:sp>
       <p:sp>
         <p:nvSpPr>
-          <p:cNvPr id="6" name="Slide Number Placeholder 5"/>
+          <p:cNvPr id="6" name="Slide Number Placeholder 5">
+            <a:extLst>
+              <a:ext uri="{FF2B5EF4-FFF2-40B4-BE49-F238E27FC236}">
+                <a16:creationId xmlns:a16="http://schemas.microsoft.com/office/drawing/2014/main" id="{451DABAA-48DB-4B13-A1B9-8242F56E443A}"/>
+              </a:ext>
+            </a:extLst>
+          </p:cNvPr>
           <p:cNvSpPr>
             <a:spLocks noGrp="1"/>
           </p:cNvSpPr>
@@ -384,185 +352,10 @@
           </a:p>
         </p:txBody>
       </p:sp>
-      <p:cxnSp>
-        <p:nvCxnSpPr>
-          <p:cNvPr id="16" name="Straight Connector 15"/>
-          <p:cNvCxnSpPr/>
-          <p:nvPr/>
-        </p:nvCxnSpPr>
-        <p:spPr>
-          <a:xfrm flipH="1">
-            <a:off x="8228012" y="8467"/>
-            <a:ext cx="3810000" cy="3810000"/>
-          </a:xfrm>
-          <a:prstGeom prst="line">
-            <a:avLst/>
-          </a:prstGeom>
-          <a:ln w="12700">
-            <a:solidFill>
-              <a:schemeClr val="tx1"/>
-            </a:solidFill>
-          </a:ln>
-        </p:spPr>
-        <p:style>
-          <a:lnRef idx="2">
-            <a:schemeClr val="accent1"/>
-          </a:lnRef>
-          <a:fillRef idx="0">
-            <a:schemeClr val="accent1"/>
-          </a:fillRef>
-          <a:effectRef idx="1">
-            <a:schemeClr val="accent1"/>
-          </a:effectRef>
-          <a:fontRef idx="minor">
-            <a:schemeClr val="tx1"/>
-          </a:fontRef>
-        </p:style>
-      </p:cxnSp>
-      <p:cxnSp>
-        <p:nvCxnSpPr>
-          <p:cNvPr id="17" name="Straight Connector 16"/>
-          <p:cNvCxnSpPr/>
-          <p:nvPr/>
-        </p:nvCxnSpPr>
-        <p:spPr>
-          <a:xfrm flipH="1">
-            <a:off x="6108170" y="91545"/>
-            <a:ext cx="6080655" cy="6080655"/>
-          </a:xfrm>
-          <a:prstGeom prst="line">
-            <a:avLst/>
-          </a:prstGeom>
-          <a:ln w="12700">
-            <a:solidFill>
-              <a:schemeClr val="tx1"/>
-            </a:solidFill>
-          </a:ln>
-        </p:spPr>
-        <p:style>
-          <a:lnRef idx="2">
-            <a:schemeClr val="accent1"/>
-          </a:lnRef>
-          <a:fillRef idx="0">
-            <a:schemeClr val="accent1"/>
-          </a:fillRef>
-          <a:effectRef idx="1">
-            <a:schemeClr val="accent1"/>
-          </a:effectRef>
-          <a:fontRef idx="minor">
-            <a:schemeClr val="tx1"/>
-          </a:fontRef>
-        </p:style>
-      </p:cxnSp>
-      <p:cxnSp>
-        <p:nvCxnSpPr>
-          <p:cNvPr id="19" name="Straight Connector 18"/>
-          <p:cNvCxnSpPr/>
-          <p:nvPr/>
-        </p:nvCxnSpPr>
-        <p:spPr>
-          <a:xfrm flipH="1">
-            <a:off x="7235825" y="228600"/>
-            <a:ext cx="4953000" cy="4953000"/>
-          </a:xfrm>
-          <a:prstGeom prst="line">
-            <a:avLst/>
-          </a:prstGeom>
-          <a:ln w="12700">
-            <a:solidFill>
-              <a:schemeClr val="tx1"/>
-            </a:solidFill>
-          </a:ln>
-        </p:spPr>
-        <p:style>
-          <a:lnRef idx="2">
-            <a:schemeClr val="accent1"/>
-          </a:lnRef>
-          <a:fillRef idx="0">
-            <a:schemeClr val="accent1"/>
-          </a:fillRef>
-          <a:effectRef idx="1">
-            <a:schemeClr val="accent1"/>
-          </a:effectRef>
-          <a:fontRef idx="minor">
-            <a:schemeClr val="tx1"/>
-          </a:fontRef>
-        </p:style>
-      </p:cxnSp>
-      <p:cxnSp>
-        <p:nvCxnSpPr>
-          <p:cNvPr id="21" name="Straight Connector 20"/>
-          <p:cNvCxnSpPr/>
-          <p:nvPr/>
-        </p:nvCxnSpPr>
-        <p:spPr>
-          <a:xfrm flipH="1">
-            <a:off x="7335837" y="32278"/>
-            <a:ext cx="4852989" cy="4852989"/>
-          </a:xfrm>
-          <a:prstGeom prst="line">
-            <a:avLst/>
-          </a:prstGeom>
-          <a:ln w="31750">
-            <a:solidFill>
-              <a:schemeClr val="tx1"/>
-            </a:solidFill>
-          </a:ln>
-        </p:spPr>
-        <p:style>
-          <a:lnRef idx="2">
-            <a:schemeClr val="accent1"/>
-          </a:lnRef>
-          <a:fillRef idx="0">
-            <a:schemeClr val="accent1"/>
-          </a:fillRef>
-          <a:effectRef idx="1">
-            <a:schemeClr val="accent1"/>
-          </a:effectRef>
-          <a:fontRef idx="minor">
-            <a:schemeClr val="tx1"/>
-          </a:fontRef>
-        </p:style>
-      </p:cxnSp>
-      <p:cxnSp>
-        <p:nvCxnSpPr>
-          <p:cNvPr id="23" name="Straight Connector 22"/>
-          <p:cNvCxnSpPr/>
-          <p:nvPr/>
-        </p:nvCxnSpPr>
-        <p:spPr>
-          <a:xfrm flipH="1">
-            <a:off x="7845426" y="609601"/>
-            <a:ext cx="4343399" cy="4343399"/>
-          </a:xfrm>
-          <a:prstGeom prst="line">
-            <a:avLst/>
-          </a:prstGeom>
-          <a:ln w="31750">
-            <a:solidFill>
-              <a:schemeClr val="tx1"/>
-            </a:solidFill>
-          </a:ln>
-        </p:spPr>
-        <p:style>
-          <a:lnRef idx="2">
-            <a:schemeClr val="accent1"/>
-          </a:lnRef>
-          <a:fillRef idx="0">
-            <a:schemeClr val="accent1"/>
-          </a:fillRef>
-          <a:effectRef idx="1">
-            <a:schemeClr val="accent1"/>
-          </a:effectRef>
-          <a:fontRef idx="minor">
-            <a:schemeClr val="tx1"/>
-          </a:fontRef>
-        </p:style>
-      </p:cxnSp>
     </p:spTree>
     <p:extLst>
       <p:ext uri="{BB962C8B-B14F-4D97-AF65-F5344CB8AC3E}">
-        <p14:creationId xmlns:p14="http://schemas.microsoft.com/office/powerpoint/2010/main" val="1934594975"/>
+        <p14:creationId xmlns:p14="http://schemas.microsoft.com/office/powerpoint/2010/main" val="2113872221"/>
       </p:ext>
     </p:extLst>
   </p:cSld>
@@ -573,1848 +366,6 @@
 </file>
 
 <file path=ppt/slideLayouts/slideLayout10.xml><?xml version="1.0" encoding="utf-8"?>
-<p:sldLayout xmlns:a="http://schemas.openxmlformats.org/drawingml/2006/main" xmlns:r="http://schemas.openxmlformats.org/officeDocument/2006/relationships" xmlns:p="http://schemas.openxmlformats.org/presentationml/2006/main" preserve="1">
-  <p:cSld name="Panoramic Picture with Caption">
-    <p:spTree>
-      <p:nvGrpSpPr>
-        <p:cNvPr id="1" name=""/>
-        <p:cNvGrpSpPr/>
-        <p:nvPr/>
-      </p:nvGrpSpPr>
-      <p:grpSpPr>
-        <a:xfrm>
-          <a:off x="0" y="0"/>
-          <a:ext cx="0" cy="0"/>
-          <a:chOff x="0" y="0"/>
-          <a:chExt cx="0" cy="0"/>
-        </a:xfrm>
-      </p:grpSpPr>
-      <p:sp>
-        <p:nvSpPr>
-          <p:cNvPr id="2" name="Title 1"/>
-          <p:cNvSpPr>
-            <a:spLocks noGrp="1"/>
-          </p:cNvSpPr>
-          <p:nvPr>
-            <p:ph type="title"/>
-          </p:nvPr>
-        </p:nvSpPr>
-        <p:spPr/>
-        <p:txBody>
-          <a:bodyPr/>
-          <a:lstStyle/>
-          <a:p>
-            <a:r>
-              <a:rPr lang="en-US"/>
-              <a:t>Click to edit Master title style</a:t>
-            </a:r>
-            <a:endParaRPr lang="en-US" dirty="0"/>
-          </a:p>
-        </p:txBody>
-      </p:sp>
-      <p:sp>
-        <p:nvSpPr>
-          <p:cNvPr id="17" name="Picture Placeholder 2"/>
-          <p:cNvSpPr>
-            <a:spLocks noGrp="1" noChangeAspect="1"/>
-          </p:cNvSpPr>
-          <p:nvPr>
-            <p:ph type="pic" idx="13"/>
-          </p:nvPr>
-        </p:nvSpPr>
-        <p:spPr>
-          <a:xfrm>
-            <a:off x="685800" y="533400"/>
-            <a:ext cx="10818812" cy="3124200"/>
-          </a:xfrm>
-          <a:prstGeom prst="snip2DiagRect">
-            <a:avLst>
-              <a:gd name="adj1" fmla="val 10815"/>
-              <a:gd name="adj2" fmla="val 0"/>
-            </a:avLst>
-          </a:prstGeom>
-          <a:ln w="15875">
-            <a:solidFill>
-              <a:schemeClr val="tx1">
-                <a:alpha val="40000"/>
-              </a:schemeClr>
-            </a:solidFill>
-          </a:ln>
-          <a:effectLst>
-            <a:innerShdw blurRad="57150" dist="38100" dir="14460000">
-              <a:srgbClr val="000000">
-                <a:alpha val="70000"/>
-              </a:srgbClr>
-            </a:innerShdw>
-          </a:effectLst>
-        </p:spPr>
-        <p:txBody>
-          <a:bodyPr anchor="t">
-            <a:normAutofit/>
-          </a:bodyPr>
-          <a:lstStyle>
-            <a:lvl1pPr marL="0" indent="0" algn="ctr">
-              <a:buNone/>
-              <a:defRPr sz="1600"/>
-            </a:lvl1pPr>
-            <a:lvl2pPr marL="457200" indent="0">
-              <a:buNone/>
-              <a:defRPr sz="1600"/>
-            </a:lvl2pPr>
-            <a:lvl3pPr marL="914400" indent="0">
-              <a:buNone/>
-              <a:defRPr sz="1600"/>
-            </a:lvl3pPr>
-            <a:lvl4pPr marL="1371600" indent="0">
-              <a:buNone/>
-              <a:defRPr sz="1600"/>
-            </a:lvl4pPr>
-            <a:lvl5pPr marL="1828800" indent="0">
-              <a:buNone/>
-              <a:defRPr sz="1600"/>
-            </a:lvl5pPr>
-            <a:lvl6pPr marL="2286000" indent="0">
-              <a:buNone/>
-              <a:defRPr sz="1600"/>
-            </a:lvl6pPr>
-            <a:lvl7pPr marL="2743200" indent="0">
-              <a:buNone/>
-              <a:defRPr sz="1600"/>
-            </a:lvl7pPr>
-            <a:lvl8pPr marL="3200400" indent="0">
-              <a:buNone/>
-              <a:defRPr sz="1600"/>
-            </a:lvl8pPr>
-            <a:lvl9pPr marL="3657600" indent="0">
-              <a:buNone/>
-              <a:defRPr sz="1600"/>
-            </a:lvl9pPr>
-          </a:lstStyle>
-          <a:p>
-            <a:r>
-              <a:rPr lang="en-US"/>
-              <a:t>Click icon to add picture</a:t>
-            </a:r>
-            <a:endParaRPr lang="en-US" dirty="0"/>
-          </a:p>
-        </p:txBody>
-      </p:sp>
-      <p:sp>
-        <p:nvSpPr>
-          <p:cNvPr id="16" name="Text Placeholder 9"/>
-          <p:cNvSpPr>
-            <a:spLocks noGrp="1"/>
-          </p:cNvSpPr>
-          <p:nvPr>
-            <p:ph type="body" sz="quarter" idx="14"/>
-          </p:nvPr>
-        </p:nvSpPr>
-        <p:spPr>
-          <a:xfrm>
-            <a:off x="914402" y="3843867"/>
-            <a:ext cx="8304210" cy="457200"/>
-          </a:xfrm>
-        </p:spPr>
-        <p:txBody>
-          <a:bodyPr anchor="t">
-            <a:normAutofit/>
-          </a:bodyPr>
-          <a:lstStyle>
-            <a:lvl1pPr marL="0" indent="0">
-              <a:buFontTx/>
-              <a:buNone/>
-              <a:defRPr sz="1600"/>
-            </a:lvl1pPr>
-            <a:lvl2pPr marL="457200" indent="0">
-              <a:buFontTx/>
-              <a:buNone/>
-              <a:defRPr/>
-            </a:lvl2pPr>
-            <a:lvl3pPr marL="914400" indent="0">
-              <a:buFontTx/>
-              <a:buNone/>
-              <a:defRPr/>
-            </a:lvl3pPr>
-            <a:lvl4pPr marL="1371600" indent="0">
-              <a:buFontTx/>
-              <a:buNone/>
-              <a:defRPr/>
-            </a:lvl4pPr>
-            <a:lvl5pPr marL="1828800" indent="0">
-              <a:buFontTx/>
-              <a:buNone/>
-              <a:defRPr/>
-            </a:lvl5pPr>
-          </a:lstStyle>
-          <a:p>
-            <a:pPr lvl="0"/>
-            <a:r>
-              <a:rPr lang="en-US"/>
-              <a:t>Click to edit Master text styles</a:t>
-            </a:r>
-          </a:p>
-        </p:txBody>
-      </p:sp>
-      <p:sp>
-        <p:nvSpPr>
-          <p:cNvPr id="3" name="Date Placeholder 2"/>
-          <p:cNvSpPr>
-            <a:spLocks noGrp="1"/>
-          </p:cNvSpPr>
-          <p:nvPr>
-            <p:ph type="dt" sz="half" idx="10"/>
-          </p:nvPr>
-        </p:nvSpPr>
-        <p:spPr/>
-        <p:txBody>
-          <a:bodyPr/>
-          <a:lstStyle/>
-          <a:p>
-            <a:fld id="{AA70F276-1833-4A75-9C1D-A56E2295A68D}" type="datetimeFigureOut">
-              <a:rPr lang="en-US" smtClean="0"/>
-              <a:pPr/>
-              <a:t>03-Jan-22</a:t>
-            </a:fld>
-            <a:endParaRPr lang="en-US" dirty="0"/>
-          </a:p>
-        </p:txBody>
-      </p:sp>
-      <p:sp>
-        <p:nvSpPr>
-          <p:cNvPr id="4" name="Footer Placeholder 3"/>
-          <p:cNvSpPr>
-            <a:spLocks noGrp="1"/>
-          </p:cNvSpPr>
-          <p:nvPr>
-            <p:ph type="ftr" sz="quarter" idx="11"/>
-          </p:nvPr>
-        </p:nvSpPr>
-        <p:spPr/>
-        <p:txBody>
-          <a:bodyPr/>
-          <a:lstStyle/>
-          <a:p>
-            <a:endParaRPr lang="en-US">
-              <a:solidFill>
-                <a:srgbClr val="FFFFFF"/>
-              </a:solidFill>
-            </a:endParaRPr>
-          </a:p>
-        </p:txBody>
-      </p:sp>
-      <p:sp>
-        <p:nvSpPr>
-          <p:cNvPr id="5" name="Slide Number Placeholder 4"/>
-          <p:cNvSpPr>
-            <a:spLocks noGrp="1"/>
-          </p:cNvSpPr>
-          <p:nvPr>
-            <p:ph type="sldNum" sz="quarter" idx="12"/>
-          </p:nvPr>
-        </p:nvSpPr>
-        <p:spPr/>
-        <p:txBody>
-          <a:bodyPr/>
-          <a:lstStyle/>
-          <a:p>
-            <a:fld id="{28844951-7827-47D4-8276-7DDE1FA7D85A}" type="slidenum">
-              <a:rPr lang="en-US" smtClean="0"/>
-              <a:pPr/>
-              <a:t>‹#›</a:t>
-            </a:fld>
-            <a:endParaRPr lang="en-US"/>
-          </a:p>
-        </p:txBody>
-      </p:sp>
-    </p:spTree>
-    <p:extLst>
-      <p:ext uri="{BB962C8B-B14F-4D97-AF65-F5344CB8AC3E}">
-        <p14:creationId xmlns:p14="http://schemas.microsoft.com/office/powerpoint/2010/main" val="1560096089"/>
-      </p:ext>
-    </p:extLst>
-  </p:cSld>
-  <p:clrMapOvr>
-    <a:masterClrMapping/>
-  </p:clrMapOvr>
-</p:sldLayout>
-</file>
-
-<file path=ppt/slideLayouts/slideLayout11.xml><?xml version="1.0" encoding="utf-8"?>
-<p:sldLayout xmlns:a="http://schemas.openxmlformats.org/drawingml/2006/main" xmlns:r="http://schemas.openxmlformats.org/officeDocument/2006/relationships" xmlns:p="http://schemas.openxmlformats.org/presentationml/2006/main" preserve="1">
-  <p:cSld name="Title and Caption">
-    <p:spTree>
-      <p:nvGrpSpPr>
-        <p:cNvPr id="1" name=""/>
-        <p:cNvGrpSpPr/>
-        <p:nvPr/>
-      </p:nvGrpSpPr>
-      <p:grpSpPr>
-        <a:xfrm>
-          <a:off x="0" y="0"/>
-          <a:ext cx="0" cy="0"/>
-          <a:chOff x="0" y="0"/>
-          <a:chExt cx="0" cy="0"/>
-        </a:xfrm>
-      </p:grpSpPr>
-      <p:sp>
-        <p:nvSpPr>
-          <p:cNvPr id="2" name="Title 1"/>
-          <p:cNvSpPr>
-            <a:spLocks noGrp="1"/>
-          </p:cNvSpPr>
-          <p:nvPr>
-            <p:ph type="title"/>
-          </p:nvPr>
-        </p:nvSpPr>
-        <p:spPr>
-          <a:xfrm>
-            <a:off x="684213" y="685800"/>
-            <a:ext cx="10058400" cy="2743200"/>
-          </a:xfrm>
-        </p:spPr>
-        <p:txBody>
-          <a:bodyPr anchor="ctr">
-            <a:normAutofit/>
-          </a:bodyPr>
-          <a:lstStyle>
-            <a:lvl1pPr algn="l">
-              <a:defRPr sz="3200" b="0" cap="all"/>
-            </a:lvl1pPr>
-          </a:lstStyle>
-          <a:p>
-            <a:r>
-              <a:rPr lang="en-US"/>
-              <a:t>Click to edit Master title style</a:t>
-            </a:r>
-            <a:endParaRPr lang="en-US" dirty="0"/>
-          </a:p>
-        </p:txBody>
-      </p:sp>
-      <p:sp>
-        <p:nvSpPr>
-          <p:cNvPr id="3" name="Text Placeholder 2"/>
-          <p:cNvSpPr>
-            <a:spLocks noGrp="1"/>
-          </p:cNvSpPr>
-          <p:nvPr>
-            <p:ph type="body" idx="1"/>
-          </p:nvPr>
-        </p:nvSpPr>
-        <p:spPr>
-          <a:xfrm>
-            <a:off x="684212" y="4114800"/>
-            <a:ext cx="8535988" cy="1879600"/>
-          </a:xfrm>
-        </p:spPr>
-        <p:txBody>
-          <a:bodyPr anchor="ctr">
-            <a:normAutofit/>
-          </a:bodyPr>
-          <a:lstStyle>
-            <a:lvl1pPr marL="0" indent="0" algn="l">
-              <a:buNone/>
-              <a:defRPr sz="2000">
-                <a:solidFill>
-                  <a:schemeClr val="bg2">
-                    <a:lumMod val="75000"/>
-                  </a:schemeClr>
-                </a:solidFill>
-              </a:defRPr>
-            </a:lvl1pPr>
-            <a:lvl2pPr marL="457200" indent="0">
-              <a:buNone/>
-              <a:defRPr sz="1800">
-                <a:solidFill>
-                  <a:schemeClr val="tx1">
-                    <a:tint val="75000"/>
-                  </a:schemeClr>
-                </a:solidFill>
-              </a:defRPr>
-            </a:lvl2pPr>
-            <a:lvl3pPr marL="914400" indent="0">
-              <a:buNone/>
-              <a:defRPr sz="1600">
-                <a:solidFill>
-                  <a:schemeClr val="tx1">
-                    <a:tint val="75000"/>
-                  </a:schemeClr>
-                </a:solidFill>
-              </a:defRPr>
-            </a:lvl3pPr>
-            <a:lvl4pPr marL="1371600" indent="0">
-              <a:buNone/>
-              <a:defRPr sz="1400">
-                <a:solidFill>
-                  <a:schemeClr val="tx1">
-                    <a:tint val="75000"/>
-                  </a:schemeClr>
-                </a:solidFill>
-              </a:defRPr>
-            </a:lvl4pPr>
-            <a:lvl5pPr marL="1828800" indent="0">
-              <a:buNone/>
-              <a:defRPr sz="1400">
-                <a:solidFill>
-                  <a:schemeClr val="tx1">
-                    <a:tint val="75000"/>
-                  </a:schemeClr>
-                </a:solidFill>
-              </a:defRPr>
-            </a:lvl5pPr>
-            <a:lvl6pPr marL="2286000" indent="0">
-              <a:buNone/>
-              <a:defRPr sz="1400">
-                <a:solidFill>
-                  <a:schemeClr val="tx1">
-                    <a:tint val="75000"/>
-                  </a:schemeClr>
-                </a:solidFill>
-              </a:defRPr>
-            </a:lvl6pPr>
-            <a:lvl7pPr marL="2743200" indent="0">
-              <a:buNone/>
-              <a:defRPr sz="1400">
-                <a:solidFill>
-                  <a:schemeClr val="tx1">
-                    <a:tint val="75000"/>
-                  </a:schemeClr>
-                </a:solidFill>
-              </a:defRPr>
-            </a:lvl7pPr>
-            <a:lvl8pPr marL="3200400" indent="0">
-              <a:buNone/>
-              <a:defRPr sz="1400">
-                <a:solidFill>
-                  <a:schemeClr val="tx1">
-                    <a:tint val="75000"/>
-                  </a:schemeClr>
-                </a:solidFill>
-              </a:defRPr>
-            </a:lvl8pPr>
-            <a:lvl9pPr marL="3657600" indent="0">
-              <a:buNone/>
-              <a:defRPr sz="1400">
-                <a:solidFill>
-                  <a:schemeClr val="tx1">
-                    <a:tint val="75000"/>
-                  </a:schemeClr>
-                </a:solidFill>
-              </a:defRPr>
-            </a:lvl9pPr>
-          </a:lstStyle>
-          <a:p>
-            <a:pPr lvl="0"/>
-            <a:r>
-              <a:rPr lang="en-US"/>
-              <a:t>Click to edit Master text styles</a:t>
-            </a:r>
-          </a:p>
-        </p:txBody>
-      </p:sp>
-      <p:sp>
-        <p:nvSpPr>
-          <p:cNvPr id="4" name="Date Placeholder 3"/>
-          <p:cNvSpPr>
-            <a:spLocks noGrp="1"/>
-          </p:cNvSpPr>
-          <p:nvPr>
-            <p:ph type="dt" sz="half" idx="10"/>
-          </p:nvPr>
-        </p:nvSpPr>
-        <p:spPr/>
-        <p:txBody>
-          <a:bodyPr/>
-          <a:lstStyle/>
-          <a:p>
-            <a:fld id="{AA70F276-1833-4A75-9C1D-A56E2295A68D}" type="datetimeFigureOut">
-              <a:rPr lang="en-US" smtClean="0"/>
-              <a:pPr/>
-              <a:t>03-Jan-22</a:t>
-            </a:fld>
-            <a:endParaRPr lang="en-US" dirty="0"/>
-          </a:p>
-        </p:txBody>
-      </p:sp>
-      <p:sp>
-        <p:nvSpPr>
-          <p:cNvPr id="5" name="Footer Placeholder 4"/>
-          <p:cNvSpPr>
-            <a:spLocks noGrp="1"/>
-          </p:cNvSpPr>
-          <p:nvPr>
-            <p:ph type="ftr" sz="quarter" idx="11"/>
-          </p:nvPr>
-        </p:nvSpPr>
-        <p:spPr/>
-        <p:txBody>
-          <a:bodyPr/>
-          <a:lstStyle/>
-          <a:p>
-            <a:endParaRPr lang="en-US">
-              <a:solidFill>
-                <a:srgbClr val="FFFFFF"/>
-              </a:solidFill>
-            </a:endParaRPr>
-          </a:p>
-        </p:txBody>
-      </p:sp>
-      <p:sp>
-        <p:nvSpPr>
-          <p:cNvPr id="6" name="Slide Number Placeholder 5"/>
-          <p:cNvSpPr>
-            <a:spLocks noGrp="1"/>
-          </p:cNvSpPr>
-          <p:nvPr>
-            <p:ph type="sldNum" sz="quarter" idx="12"/>
-          </p:nvPr>
-        </p:nvSpPr>
-        <p:spPr/>
-        <p:txBody>
-          <a:bodyPr/>
-          <a:lstStyle/>
-          <a:p>
-            <a:fld id="{28844951-7827-47D4-8276-7DDE1FA7D85A}" type="slidenum">
-              <a:rPr lang="en-US" smtClean="0"/>
-              <a:pPr/>
-              <a:t>‹#›</a:t>
-            </a:fld>
-            <a:endParaRPr lang="en-US"/>
-          </a:p>
-        </p:txBody>
-      </p:sp>
-    </p:spTree>
-    <p:extLst>
-      <p:ext uri="{BB962C8B-B14F-4D97-AF65-F5344CB8AC3E}">
-        <p14:creationId xmlns:p14="http://schemas.microsoft.com/office/powerpoint/2010/main" val="310736121"/>
-      </p:ext>
-    </p:extLst>
-  </p:cSld>
-  <p:clrMapOvr>
-    <a:masterClrMapping/>
-  </p:clrMapOvr>
-</p:sldLayout>
-</file>
-
-<file path=ppt/slideLayouts/slideLayout12.xml><?xml version="1.0" encoding="utf-8"?>
-<p:sldLayout xmlns:a="http://schemas.openxmlformats.org/drawingml/2006/main" xmlns:r="http://schemas.openxmlformats.org/officeDocument/2006/relationships" xmlns:p="http://schemas.openxmlformats.org/presentationml/2006/main" preserve="1">
-  <p:cSld name="Quote with Caption">
-    <p:spTree>
-      <p:nvGrpSpPr>
-        <p:cNvPr id="1" name=""/>
-        <p:cNvGrpSpPr/>
-        <p:nvPr/>
-      </p:nvGrpSpPr>
-      <p:grpSpPr>
-        <a:xfrm>
-          <a:off x="0" y="0"/>
-          <a:ext cx="0" cy="0"/>
-          <a:chOff x="0" y="0"/>
-          <a:chExt cx="0" cy="0"/>
-        </a:xfrm>
-      </p:grpSpPr>
-      <p:sp>
-        <p:nvSpPr>
-          <p:cNvPr id="2" name="Title 1"/>
-          <p:cNvSpPr>
-            <a:spLocks noGrp="1"/>
-          </p:cNvSpPr>
-          <p:nvPr>
-            <p:ph type="title"/>
-          </p:nvPr>
-        </p:nvSpPr>
-        <p:spPr>
-          <a:xfrm>
-            <a:off x="1141411" y="685800"/>
-            <a:ext cx="9144001" cy="2743200"/>
-          </a:xfrm>
-        </p:spPr>
-        <p:txBody>
-          <a:bodyPr anchor="ctr">
-            <a:normAutofit/>
-          </a:bodyPr>
-          <a:lstStyle>
-            <a:lvl1pPr algn="l">
-              <a:defRPr sz="3200" b="0" cap="all">
-                <a:solidFill>
-                  <a:schemeClr val="tx1"/>
-                </a:solidFill>
-              </a:defRPr>
-            </a:lvl1pPr>
-          </a:lstStyle>
-          <a:p>
-            <a:r>
-              <a:rPr lang="en-US"/>
-              <a:t>Click to edit Master title style</a:t>
-            </a:r>
-            <a:endParaRPr lang="en-US" dirty="0"/>
-          </a:p>
-        </p:txBody>
-      </p:sp>
-      <p:sp>
-        <p:nvSpPr>
-          <p:cNvPr id="10" name="Text Placeholder 9"/>
-          <p:cNvSpPr>
-            <a:spLocks noGrp="1"/>
-          </p:cNvSpPr>
-          <p:nvPr>
-            <p:ph type="body" sz="quarter" idx="13"/>
-          </p:nvPr>
-        </p:nvSpPr>
-        <p:spPr>
-          <a:xfrm>
-            <a:off x="1446212" y="3429000"/>
-            <a:ext cx="8534400" cy="381000"/>
-          </a:xfrm>
-        </p:spPr>
-        <p:txBody>
-          <a:bodyPr anchor="ctr"/>
-          <a:lstStyle>
-            <a:lvl1pPr marL="0" indent="0">
-              <a:buFontTx/>
-              <a:buNone/>
-              <a:defRPr/>
-            </a:lvl1pPr>
-            <a:lvl2pPr marL="457200" indent="0">
-              <a:buFontTx/>
-              <a:buNone/>
-              <a:defRPr/>
-            </a:lvl2pPr>
-            <a:lvl3pPr marL="914400" indent="0">
-              <a:buFontTx/>
-              <a:buNone/>
-              <a:defRPr/>
-            </a:lvl3pPr>
-            <a:lvl4pPr marL="1371600" indent="0">
-              <a:buFontTx/>
-              <a:buNone/>
-              <a:defRPr/>
-            </a:lvl4pPr>
-            <a:lvl5pPr marL="1828800" indent="0">
-              <a:buFontTx/>
-              <a:buNone/>
-              <a:defRPr/>
-            </a:lvl5pPr>
-          </a:lstStyle>
-          <a:p>
-            <a:pPr lvl="0"/>
-            <a:r>
-              <a:rPr lang="en-US"/>
-              <a:t>Click to edit Master text styles</a:t>
-            </a:r>
-          </a:p>
-        </p:txBody>
-      </p:sp>
-      <p:sp>
-        <p:nvSpPr>
-          <p:cNvPr id="3" name="Text Placeholder 2"/>
-          <p:cNvSpPr>
-            <a:spLocks noGrp="1"/>
-          </p:cNvSpPr>
-          <p:nvPr>
-            <p:ph type="body" idx="1"/>
-          </p:nvPr>
-        </p:nvSpPr>
-        <p:spPr>
-          <a:xfrm>
-            <a:off x="684213" y="4301067"/>
-            <a:ext cx="8534400" cy="1684865"/>
-          </a:xfrm>
-        </p:spPr>
-        <p:txBody>
-          <a:bodyPr anchor="ctr">
-            <a:normAutofit/>
-          </a:bodyPr>
-          <a:lstStyle>
-            <a:lvl1pPr marL="0" indent="0" algn="l">
-              <a:buNone/>
-              <a:defRPr sz="2000">
-                <a:solidFill>
-                  <a:schemeClr val="bg2">
-                    <a:lumMod val="75000"/>
-                  </a:schemeClr>
-                </a:solidFill>
-              </a:defRPr>
-            </a:lvl1pPr>
-            <a:lvl2pPr marL="457200" indent="0">
-              <a:buNone/>
-              <a:defRPr sz="1800">
-                <a:solidFill>
-                  <a:schemeClr val="tx1">
-                    <a:tint val="75000"/>
-                  </a:schemeClr>
-                </a:solidFill>
-              </a:defRPr>
-            </a:lvl2pPr>
-            <a:lvl3pPr marL="914400" indent="0">
-              <a:buNone/>
-              <a:defRPr sz="1600">
-                <a:solidFill>
-                  <a:schemeClr val="tx1">
-                    <a:tint val="75000"/>
-                  </a:schemeClr>
-                </a:solidFill>
-              </a:defRPr>
-            </a:lvl3pPr>
-            <a:lvl4pPr marL="1371600" indent="0">
-              <a:buNone/>
-              <a:defRPr sz="1400">
-                <a:solidFill>
-                  <a:schemeClr val="tx1">
-                    <a:tint val="75000"/>
-                  </a:schemeClr>
-                </a:solidFill>
-              </a:defRPr>
-            </a:lvl4pPr>
-            <a:lvl5pPr marL="1828800" indent="0">
-              <a:buNone/>
-              <a:defRPr sz="1400">
-                <a:solidFill>
-                  <a:schemeClr val="tx1">
-                    <a:tint val="75000"/>
-                  </a:schemeClr>
-                </a:solidFill>
-              </a:defRPr>
-            </a:lvl5pPr>
-            <a:lvl6pPr marL="2286000" indent="0">
-              <a:buNone/>
-              <a:defRPr sz="1400">
-                <a:solidFill>
-                  <a:schemeClr val="tx1">
-                    <a:tint val="75000"/>
-                  </a:schemeClr>
-                </a:solidFill>
-              </a:defRPr>
-            </a:lvl6pPr>
-            <a:lvl7pPr marL="2743200" indent="0">
-              <a:buNone/>
-              <a:defRPr sz="1400">
-                <a:solidFill>
-                  <a:schemeClr val="tx1">
-                    <a:tint val="75000"/>
-                  </a:schemeClr>
-                </a:solidFill>
-              </a:defRPr>
-            </a:lvl7pPr>
-            <a:lvl8pPr marL="3200400" indent="0">
-              <a:buNone/>
-              <a:defRPr sz="1400">
-                <a:solidFill>
-                  <a:schemeClr val="tx1">
-                    <a:tint val="75000"/>
-                  </a:schemeClr>
-                </a:solidFill>
-              </a:defRPr>
-            </a:lvl8pPr>
-            <a:lvl9pPr marL="3657600" indent="0">
-              <a:buNone/>
-              <a:defRPr sz="1400">
-                <a:solidFill>
-                  <a:schemeClr val="tx1">
-                    <a:tint val="75000"/>
-                  </a:schemeClr>
-                </a:solidFill>
-              </a:defRPr>
-            </a:lvl9pPr>
-          </a:lstStyle>
-          <a:p>
-            <a:pPr lvl="0"/>
-            <a:r>
-              <a:rPr lang="en-US"/>
-              <a:t>Click to edit Master text styles</a:t>
-            </a:r>
-          </a:p>
-        </p:txBody>
-      </p:sp>
-      <p:sp>
-        <p:nvSpPr>
-          <p:cNvPr id="4" name="Date Placeholder 3"/>
-          <p:cNvSpPr>
-            <a:spLocks noGrp="1"/>
-          </p:cNvSpPr>
-          <p:nvPr>
-            <p:ph type="dt" sz="half" idx="10"/>
-          </p:nvPr>
-        </p:nvSpPr>
-        <p:spPr/>
-        <p:txBody>
-          <a:bodyPr/>
-          <a:lstStyle/>
-          <a:p>
-            <a:fld id="{AA70F276-1833-4A75-9C1D-A56E2295A68D}" type="datetimeFigureOut">
-              <a:rPr lang="en-US" smtClean="0"/>
-              <a:pPr/>
-              <a:t>03-Jan-22</a:t>
-            </a:fld>
-            <a:endParaRPr lang="en-US" dirty="0"/>
-          </a:p>
-        </p:txBody>
-      </p:sp>
-      <p:sp>
-        <p:nvSpPr>
-          <p:cNvPr id="5" name="Footer Placeholder 4"/>
-          <p:cNvSpPr>
-            <a:spLocks noGrp="1"/>
-          </p:cNvSpPr>
-          <p:nvPr>
-            <p:ph type="ftr" sz="quarter" idx="11"/>
-          </p:nvPr>
-        </p:nvSpPr>
-        <p:spPr/>
-        <p:txBody>
-          <a:bodyPr/>
-          <a:lstStyle/>
-          <a:p>
-            <a:endParaRPr lang="en-US">
-              <a:solidFill>
-                <a:srgbClr val="FFFFFF"/>
-              </a:solidFill>
-            </a:endParaRPr>
-          </a:p>
-        </p:txBody>
-      </p:sp>
-      <p:sp>
-        <p:nvSpPr>
-          <p:cNvPr id="6" name="Slide Number Placeholder 5"/>
-          <p:cNvSpPr>
-            <a:spLocks noGrp="1"/>
-          </p:cNvSpPr>
-          <p:nvPr>
-            <p:ph type="sldNum" sz="quarter" idx="12"/>
-          </p:nvPr>
-        </p:nvSpPr>
-        <p:spPr/>
-        <p:txBody>
-          <a:bodyPr/>
-          <a:lstStyle/>
-          <a:p>
-            <a:fld id="{28844951-7827-47D4-8276-7DDE1FA7D85A}" type="slidenum">
-              <a:rPr lang="en-US" smtClean="0"/>
-              <a:pPr/>
-              <a:t>‹#›</a:t>
-            </a:fld>
-            <a:endParaRPr lang="en-US"/>
-          </a:p>
-        </p:txBody>
-      </p:sp>
-      <p:sp>
-        <p:nvSpPr>
-          <p:cNvPr id="14" name="TextBox 13"/>
-          <p:cNvSpPr txBox="1"/>
-          <p:nvPr/>
-        </p:nvSpPr>
-        <p:spPr>
-          <a:xfrm>
-            <a:off x="531812" y="812222"/>
-            <a:ext cx="609600" cy="584776"/>
-          </a:xfrm>
-          <a:prstGeom prst="rect">
-            <a:avLst/>
-          </a:prstGeom>
-        </p:spPr>
-        <p:txBody>
-          <a:bodyPr vert="horz" lIns="91440" tIns="45720" rIns="91440" bIns="45720" rtlCol="0" anchor="ctr">
-            <a:noAutofit/>
-          </a:bodyPr>
-          <a:lstStyle/>
-          <a:p>
-            <a:pPr lvl="0"/>
-            <a:r>
-              <a:rPr lang="en-US" sz="8000" dirty="0">
-                <a:solidFill>
-                  <a:schemeClr val="tx1"/>
-                </a:solidFill>
-                <a:effectLst/>
-              </a:rPr>
-              <a:t>“</a:t>
-            </a:r>
-          </a:p>
-        </p:txBody>
-      </p:sp>
-      <p:sp>
-        <p:nvSpPr>
-          <p:cNvPr id="15" name="TextBox 14"/>
-          <p:cNvSpPr txBox="1"/>
-          <p:nvPr/>
-        </p:nvSpPr>
-        <p:spPr>
-          <a:xfrm>
-            <a:off x="10285412" y="2768601"/>
-            <a:ext cx="609600" cy="584776"/>
-          </a:xfrm>
-          <a:prstGeom prst="rect">
-            <a:avLst/>
-          </a:prstGeom>
-        </p:spPr>
-        <p:txBody>
-          <a:bodyPr vert="horz" lIns="91440" tIns="45720" rIns="91440" bIns="45720" rtlCol="0" anchor="ctr">
-            <a:noAutofit/>
-          </a:bodyPr>
-          <a:lstStyle/>
-          <a:p>
-            <a:pPr lvl="0" algn="r"/>
-            <a:r>
-              <a:rPr lang="en-US" sz="8000" dirty="0">
-                <a:solidFill>
-                  <a:schemeClr val="tx1"/>
-                </a:solidFill>
-                <a:effectLst/>
-              </a:rPr>
-              <a:t>”</a:t>
-            </a:r>
-          </a:p>
-        </p:txBody>
-      </p:sp>
-    </p:spTree>
-    <p:extLst>
-      <p:ext uri="{BB962C8B-B14F-4D97-AF65-F5344CB8AC3E}">
-        <p14:creationId xmlns:p14="http://schemas.microsoft.com/office/powerpoint/2010/main" val="2210090720"/>
-      </p:ext>
-    </p:extLst>
-  </p:cSld>
-  <p:clrMapOvr>
-    <a:masterClrMapping/>
-  </p:clrMapOvr>
-</p:sldLayout>
-</file>
-
-<file path=ppt/slideLayouts/slideLayout13.xml><?xml version="1.0" encoding="utf-8"?>
-<p:sldLayout xmlns:a="http://schemas.openxmlformats.org/drawingml/2006/main" xmlns:r="http://schemas.openxmlformats.org/officeDocument/2006/relationships" xmlns:p="http://schemas.openxmlformats.org/presentationml/2006/main" preserve="1">
-  <p:cSld name="Name Card">
-    <p:spTree>
-      <p:nvGrpSpPr>
-        <p:cNvPr id="1" name=""/>
-        <p:cNvGrpSpPr/>
-        <p:nvPr/>
-      </p:nvGrpSpPr>
-      <p:grpSpPr>
-        <a:xfrm>
-          <a:off x="0" y="0"/>
-          <a:ext cx="0" cy="0"/>
-          <a:chOff x="0" y="0"/>
-          <a:chExt cx="0" cy="0"/>
-        </a:xfrm>
-      </p:grpSpPr>
-      <p:sp>
-        <p:nvSpPr>
-          <p:cNvPr id="2" name="Title 1"/>
-          <p:cNvSpPr>
-            <a:spLocks noGrp="1"/>
-          </p:cNvSpPr>
-          <p:nvPr>
-            <p:ph type="title"/>
-          </p:nvPr>
-        </p:nvSpPr>
-        <p:spPr>
-          <a:xfrm>
-            <a:off x="684212" y="3429000"/>
-            <a:ext cx="8534400" cy="1697400"/>
-          </a:xfrm>
-        </p:spPr>
-        <p:txBody>
-          <a:bodyPr anchor="b">
-            <a:normAutofit/>
-          </a:bodyPr>
-          <a:lstStyle>
-            <a:lvl1pPr algn="l">
-              <a:defRPr sz="3200" b="0" cap="all"/>
-            </a:lvl1pPr>
-          </a:lstStyle>
-          <a:p>
-            <a:r>
-              <a:rPr lang="en-US"/>
-              <a:t>Click to edit Master title style</a:t>
-            </a:r>
-            <a:endParaRPr lang="en-US" dirty="0"/>
-          </a:p>
-        </p:txBody>
-      </p:sp>
-      <p:sp>
-        <p:nvSpPr>
-          <p:cNvPr id="3" name="Text Placeholder 2"/>
-          <p:cNvSpPr>
-            <a:spLocks noGrp="1"/>
-          </p:cNvSpPr>
-          <p:nvPr>
-            <p:ph type="body" idx="1"/>
-          </p:nvPr>
-        </p:nvSpPr>
-        <p:spPr>
-          <a:xfrm>
-            <a:off x="684211" y="5132981"/>
-            <a:ext cx="8535990" cy="860400"/>
-          </a:xfrm>
-        </p:spPr>
-        <p:txBody>
-          <a:bodyPr anchor="t">
-            <a:normAutofit/>
-          </a:bodyPr>
-          <a:lstStyle>
-            <a:lvl1pPr marL="0" indent="0" algn="l">
-              <a:buNone/>
-              <a:defRPr sz="2000">
-                <a:solidFill>
-                  <a:schemeClr val="bg2">
-                    <a:lumMod val="75000"/>
-                  </a:schemeClr>
-                </a:solidFill>
-              </a:defRPr>
-            </a:lvl1pPr>
-            <a:lvl2pPr marL="457200" indent="0">
-              <a:buNone/>
-              <a:defRPr sz="1800">
-                <a:solidFill>
-                  <a:schemeClr val="tx1">
-                    <a:tint val="75000"/>
-                  </a:schemeClr>
-                </a:solidFill>
-              </a:defRPr>
-            </a:lvl2pPr>
-            <a:lvl3pPr marL="914400" indent="0">
-              <a:buNone/>
-              <a:defRPr sz="1600">
-                <a:solidFill>
-                  <a:schemeClr val="tx1">
-                    <a:tint val="75000"/>
-                  </a:schemeClr>
-                </a:solidFill>
-              </a:defRPr>
-            </a:lvl3pPr>
-            <a:lvl4pPr marL="1371600" indent="0">
-              <a:buNone/>
-              <a:defRPr sz="1400">
-                <a:solidFill>
-                  <a:schemeClr val="tx1">
-                    <a:tint val="75000"/>
-                  </a:schemeClr>
-                </a:solidFill>
-              </a:defRPr>
-            </a:lvl4pPr>
-            <a:lvl5pPr marL="1828800" indent="0">
-              <a:buNone/>
-              <a:defRPr sz="1400">
-                <a:solidFill>
-                  <a:schemeClr val="tx1">
-                    <a:tint val="75000"/>
-                  </a:schemeClr>
-                </a:solidFill>
-              </a:defRPr>
-            </a:lvl5pPr>
-            <a:lvl6pPr marL="2286000" indent="0">
-              <a:buNone/>
-              <a:defRPr sz="1400">
-                <a:solidFill>
-                  <a:schemeClr val="tx1">
-                    <a:tint val="75000"/>
-                  </a:schemeClr>
-                </a:solidFill>
-              </a:defRPr>
-            </a:lvl6pPr>
-            <a:lvl7pPr marL="2743200" indent="0">
-              <a:buNone/>
-              <a:defRPr sz="1400">
-                <a:solidFill>
-                  <a:schemeClr val="tx1">
-                    <a:tint val="75000"/>
-                  </a:schemeClr>
-                </a:solidFill>
-              </a:defRPr>
-            </a:lvl7pPr>
-            <a:lvl8pPr marL="3200400" indent="0">
-              <a:buNone/>
-              <a:defRPr sz="1400">
-                <a:solidFill>
-                  <a:schemeClr val="tx1">
-                    <a:tint val="75000"/>
-                  </a:schemeClr>
-                </a:solidFill>
-              </a:defRPr>
-            </a:lvl8pPr>
-            <a:lvl9pPr marL="3657600" indent="0">
-              <a:buNone/>
-              <a:defRPr sz="1400">
-                <a:solidFill>
-                  <a:schemeClr val="tx1">
-                    <a:tint val="75000"/>
-                  </a:schemeClr>
-                </a:solidFill>
-              </a:defRPr>
-            </a:lvl9pPr>
-          </a:lstStyle>
-          <a:p>
-            <a:pPr lvl="0"/>
-            <a:r>
-              <a:rPr lang="en-US"/>
-              <a:t>Click to edit Master text styles</a:t>
-            </a:r>
-          </a:p>
-        </p:txBody>
-      </p:sp>
-      <p:sp>
-        <p:nvSpPr>
-          <p:cNvPr id="4" name="Date Placeholder 3"/>
-          <p:cNvSpPr>
-            <a:spLocks noGrp="1"/>
-          </p:cNvSpPr>
-          <p:nvPr>
-            <p:ph type="dt" sz="half" idx="10"/>
-          </p:nvPr>
-        </p:nvSpPr>
-        <p:spPr/>
-        <p:txBody>
-          <a:bodyPr/>
-          <a:lstStyle/>
-          <a:p>
-            <a:fld id="{AA70F276-1833-4A75-9C1D-A56E2295A68D}" type="datetimeFigureOut">
-              <a:rPr lang="en-US" smtClean="0"/>
-              <a:pPr/>
-              <a:t>03-Jan-22</a:t>
-            </a:fld>
-            <a:endParaRPr lang="en-US" dirty="0"/>
-          </a:p>
-        </p:txBody>
-      </p:sp>
-      <p:sp>
-        <p:nvSpPr>
-          <p:cNvPr id="5" name="Footer Placeholder 4"/>
-          <p:cNvSpPr>
-            <a:spLocks noGrp="1"/>
-          </p:cNvSpPr>
-          <p:nvPr>
-            <p:ph type="ftr" sz="quarter" idx="11"/>
-          </p:nvPr>
-        </p:nvSpPr>
-        <p:spPr/>
-        <p:txBody>
-          <a:bodyPr/>
-          <a:lstStyle/>
-          <a:p>
-            <a:endParaRPr lang="en-US">
-              <a:solidFill>
-                <a:srgbClr val="FFFFFF"/>
-              </a:solidFill>
-            </a:endParaRPr>
-          </a:p>
-        </p:txBody>
-      </p:sp>
-      <p:sp>
-        <p:nvSpPr>
-          <p:cNvPr id="6" name="Slide Number Placeholder 5"/>
-          <p:cNvSpPr>
-            <a:spLocks noGrp="1"/>
-          </p:cNvSpPr>
-          <p:nvPr>
-            <p:ph type="sldNum" sz="quarter" idx="12"/>
-          </p:nvPr>
-        </p:nvSpPr>
-        <p:spPr/>
-        <p:txBody>
-          <a:bodyPr/>
-          <a:lstStyle/>
-          <a:p>
-            <a:fld id="{28844951-7827-47D4-8276-7DDE1FA7D85A}" type="slidenum">
-              <a:rPr lang="en-US" smtClean="0"/>
-              <a:pPr/>
-              <a:t>‹#›</a:t>
-            </a:fld>
-            <a:endParaRPr lang="en-US"/>
-          </a:p>
-        </p:txBody>
-      </p:sp>
-    </p:spTree>
-    <p:extLst>
-      <p:ext uri="{BB962C8B-B14F-4D97-AF65-F5344CB8AC3E}">
-        <p14:creationId xmlns:p14="http://schemas.microsoft.com/office/powerpoint/2010/main" val="1541499504"/>
-      </p:ext>
-    </p:extLst>
-  </p:cSld>
-  <p:clrMapOvr>
-    <a:masterClrMapping/>
-  </p:clrMapOvr>
-</p:sldLayout>
-</file>
-
-<file path=ppt/slideLayouts/slideLayout14.xml><?xml version="1.0" encoding="utf-8"?>
-<p:sldLayout xmlns:a="http://schemas.openxmlformats.org/drawingml/2006/main" xmlns:r="http://schemas.openxmlformats.org/officeDocument/2006/relationships" xmlns:p="http://schemas.openxmlformats.org/presentationml/2006/main" preserve="1">
-  <p:cSld name="Quote Name Card">
-    <p:spTree>
-      <p:nvGrpSpPr>
-        <p:cNvPr id="1" name=""/>
-        <p:cNvGrpSpPr/>
-        <p:nvPr/>
-      </p:nvGrpSpPr>
-      <p:grpSpPr>
-        <a:xfrm>
-          <a:off x="0" y="0"/>
-          <a:ext cx="0" cy="0"/>
-          <a:chOff x="0" y="0"/>
-          <a:chExt cx="0" cy="0"/>
-        </a:xfrm>
-      </p:grpSpPr>
-      <p:sp>
-        <p:nvSpPr>
-          <p:cNvPr id="2" name="Title 1"/>
-          <p:cNvSpPr>
-            <a:spLocks noGrp="1"/>
-          </p:cNvSpPr>
-          <p:nvPr>
-            <p:ph type="title"/>
-          </p:nvPr>
-        </p:nvSpPr>
-        <p:spPr>
-          <a:xfrm>
-            <a:off x="1141413" y="685800"/>
-            <a:ext cx="9144000" cy="2743200"/>
-          </a:xfrm>
-        </p:spPr>
-        <p:txBody>
-          <a:bodyPr anchor="ctr">
-            <a:normAutofit/>
-          </a:bodyPr>
-          <a:lstStyle>
-            <a:lvl1pPr algn="l">
-              <a:defRPr sz="3200" b="0" cap="all">
-                <a:solidFill>
-                  <a:schemeClr val="tx1"/>
-                </a:solidFill>
-              </a:defRPr>
-            </a:lvl1pPr>
-          </a:lstStyle>
-          <a:p>
-            <a:r>
-              <a:rPr lang="en-US"/>
-              <a:t>Click to edit Master title style</a:t>
-            </a:r>
-            <a:endParaRPr lang="en-US" dirty="0"/>
-          </a:p>
-        </p:txBody>
-      </p:sp>
-      <p:sp>
-        <p:nvSpPr>
-          <p:cNvPr id="10" name="Text Placeholder 9"/>
-          <p:cNvSpPr>
-            <a:spLocks noGrp="1"/>
-          </p:cNvSpPr>
-          <p:nvPr>
-            <p:ph type="body" sz="quarter" idx="13"/>
-          </p:nvPr>
-        </p:nvSpPr>
-        <p:spPr>
-          <a:xfrm>
-            <a:off x="684212" y="3928534"/>
-            <a:ext cx="8534401" cy="1049866"/>
-          </a:xfrm>
-        </p:spPr>
-        <p:txBody>
-          <a:bodyPr vert="horz" lIns="91440" tIns="45720" rIns="91440" bIns="45720" rtlCol="0" anchor="b">
-            <a:normAutofit/>
-          </a:bodyPr>
-          <a:lstStyle>
-            <a:lvl1pPr>
-              <a:buNone/>
-              <a:defRPr lang="en-US" sz="2400" b="0" cap="all" dirty="0">
-                <a:ln w="3175" cmpd="sng">
-                  <a:noFill/>
-                </a:ln>
-                <a:solidFill>
-                  <a:schemeClr val="tx1"/>
-                </a:solidFill>
-                <a:effectLst/>
-              </a:defRPr>
-            </a:lvl1pPr>
-          </a:lstStyle>
-          <a:p>
-            <a:pPr marL="0" lvl="0">
-              <a:spcBef>
-                <a:spcPct val="0"/>
-              </a:spcBef>
-              <a:buNone/>
-            </a:pPr>
-            <a:r>
-              <a:rPr lang="en-US"/>
-              <a:t>Click to edit Master text styles</a:t>
-            </a:r>
-          </a:p>
-        </p:txBody>
-      </p:sp>
-      <p:sp>
-        <p:nvSpPr>
-          <p:cNvPr id="3" name="Text Placeholder 2"/>
-          <p:cNvSpPr>
-            <a:spLocks noGrp="1"/>
-          </p:cNvSpPr>
-          <p:nvPr>
-            <p:ph type="body" idx="1"/>
-          </p:nvPr>
-        </p:nvSpPr>
-        <p:spPr>
-          <a:xfrm>
-            <a:off x="684211" y="4978400"/>
-            <a:ext cx="8534401" cy="1016000"/>
-          </a:xfrm>
-        </p:spPr>
-        <p:txBody>
-          <a:bodyPr anchor="t">
-            <a:normAutofit/>
-          </a:bodyPr>
-          <a:lstStyle>
-            <a:lvl1pPr marL="0" indent="0" algn="l">
-              <a:buNone/>
-              <a:defRPr sz="1800">
-                <a:solidFill>
-                  <a:schemeClr val="bg2">
-                    <a:lumMod val="75000"/>
-                  </a:schemeClr>
-                </a:solidFill>
-              </a:defRPr>
-            </a:lvl1pPr>
-            <a:lvl2pPr marL="457200" indent="0">
-              <a:buNone/>
-              <a:defRPr sz="1800">
-                <a:solidFill>
-                  <a:schemeClr val="tx1">
-                    <a:tint val="75000"/>
-                  </a:schemeClr>
-                </a:solidFill>
-              </a:defRPr>
-            </a:lvl2pPr>
-            <a:lvl3pPr marL="914400" indent="0">
-              <a:buNone/>
-              <a:defRPr sz="1600">
-                <a:solidFill>
-                  <a:schemeClr val="tx1">
-                    <a:tint val="75000"/>
-                  </a:schemeClr>
-                </a:solidFill>
-              </a:defRPr>
-            </a:lvl3pPr>
-            <a:lvl4pPr marL="1371600" indent="0">
-              <a:buNone/>
-              <a:defRPr sz="1400">
-                <a:solidFill>
-                  <a:schemeClr val="tx1">
-                    <a:tint val="75000"/>
-                  </a:schemeClr>
-                </a:solidFill>
-              </a:defRPr>
-            </a:lvl4pPr>
-            <a:lvl5pPr marL="1828800" indent="0">
-              <a:buNone/>
-              <a:defRPr sz="1400">
-                <a:solidFill>
-                  <a:schemeClr val="tx1">
-                    <a:tint val="75000"/>
-                  </a:schemeClr>
-                </a:solidFill>
-              </a:defRPr>
-            </a:lvl5pPr>
-            <a:lvl6pPr marL="2286000" indent="0">
-              <a:buNone/>
-              <a:defRPr sz="1400">
-                <a:solidFill>
-                  <a:schemeClr val="tx1">
-                    <a:tint val="75000"/>
-                  </a:schemeClr>
-                </a:solidFill>
-              </a:defRPr>
-            </a:lvl6pPr>
-            <a:lvl7pPr marL="2743200" indent="0">
-              <a:buNone/>
-              <a:defRPr sz="1400">
-                <a:solidFill>
-                  <a:schemeClr val="tx1">
-                    <a:tint val="75000"/>
-                  </a:schemeClr>
-                </a:solidFill>
-              </a:defRPr>
-            </a:lvl7pPr>
-            <a:lvl8pPr marL="3200400" indent="0">
-              <a:buNone/>
-              <a:defRPr sz="1400">
-                <a:solidFill>
-                  <a:schemeClr val="tx1">
-                    <a:tint val="75000"/>
-                  </a:schemeClr>
-                </a:solidFill>
-              </a:defRPr>
-            </a:lvl8pPr>
-            <a:lvl9pPr marL="3657600" indent="0">
-              <a:buNone/>
-              <a:defRPr sz="1400">
-                <a:solidFill>
-                  <a:schemeClr val="tx1">
-                    <a:tint val="75000"/>
-                  </a:schemeClr>
-                </a:solidFill>
-              </a:defRPr>
-            </a:lvl9pPr>
-          </a:lstStyle>
-          <a:p>
-            <a:pPr lvl="0"/>
-            <a:r>
-              <a:rPr lang="en-US"/>
-              <a:t>Click to edit Master text styles</a:t>
-            </a:r>
-          </a:p>
-        </p:txBody>
-      </p:sp>
-      <p:sp>
-        <p:nvSpPr>
-          <p:cNvPr id="4" name="Date Placeholder 3"/>
-          <p:cNvSpPr>
-            <a:spLocks noGrp="1"/>
-          </p:cNvSpPr>
-          <p:nvPr>
-            <p:ph type="dt" sz="half" idx="10"/>
-          </p:nvPr>
-        </p:nvSpPr>
-        <p:spPr/>
-        <p:txBody>
-          <a:bodyPr/>
-          <a:lstStyle/>
-          <a:p>
-            <a:fld id="{AA70F276-1833-4A75-9C1D-A56E2295A68D}" type="datetimeFigureOut">
-              <a:rPr lang="en-US" smtClean="0"/>
-              <a:pPr/>
-              <a:t>03-Jan-22</a:t>
-            </a:fld>
-            <a:endParaRPr lang="en-US" dirty="0"/>
-          </a:p>
-        </p:txBody>
-      </p:sp>
-      <p:sp>
-        <p:nvSpPr>
-          <p:cNvPr id="5" name="Footer Placeholder 4"/>
-          <p:cNvSpPr>
-            <a:spLocks noGrp="1"/>
-          </p:cNvSpPr>
-          <p:nvPr>
-            <p:ph type="ftr" sz="quarter" idx="11"/>
-          </p:nvPr>
-        </p:nvSpPr>
-        <p:spPr/>
-        <p:txBody>
-          <a:bodyPr/>
-          <a:lstStyle/>
-          <a:p>
-            <a:endParaRPr lang="en-US">
-              <a:solidFill>
-                <a:srgbClr val="FFFFFF"/>
-              </a:solidFill>
-            </a:endParaRPr>
-          </a:p>
-        </p:txBody>
-      </p:sp>
-      <p:sp>
-        <p:nvSpPr>
-          <p:cNvPr id="6" name="Slide Number Placeholder 5"/>
-          <p:cNvSpPr>
-            <a:spLocks noGrp="1"/>
-          </p:cNvSpPr>
-          <p:nvPr>
-            <p:ph type="sldNum" sz="quarter" idx="12"/>
-          </p:nvPr>
-        </p:nvSpPr>
-        <p:spPr/>
-        <p:txBody>
-          <a:bodyPr/>
-          <a:lstStyle/>
-          <a:p>
-            <a:fld id="{28844951-7827-47D4-8276-7DDE1FA7D85A}" type="slidenum">
-              <a:rPr lang="en-US" smtClean="0"/>
-              <a:pPr/>
-              <a:t>‹#›</a:t>
-            </a:fld>
-            <a:endParaRPr lang="en-US"/>
-          </a:p>
-        </p:txBody>
-      </p:sp>
-      <p:sp>
-        <p:nvSpPr>
-          <p:cNvPr id="11" name="TextBox 10"/>
-          <p:cNvSpPr txBox="1"/>
-          <p:nvPr/>
-        </p:nvSpPr>
-        <p:spPr>
-          <a:xfrm>
-            <a:off x="531812" y="812222"/>
-            <a:ext cx="609600" cy="584776"/>
-          </a:xfrm>
-          <a:prstGeom prst="rect">
-            <a:avLst/>
-          </a:prstGeom>
-        </p:spPr>
-        <p:txBody>
-          <a:bodyPr vert="horz" lIns="91440" tIns="45720" rIns="91440" bIns="45720" rtlCol="0" anchor="ctr">
-            <a:noAutofit/>
-          </a:bodyPr>
-          <a:lstStyle/>
-          <a:p>
-            <a:pPr lvl="0"/>
-            <a:r>
-              <a:rPr lang="en-US" sz="8000" dirty="0">
-                <a:solidFill>
-                  <a:schemeClr val="tx1"/>
-                </a:solidFill>
-                <a:effectLst/>
-              </a:rPr>
-              <a:t>“</a:t>
-            </a:r>
-          </a:p>
-        </p:txBody>
-      </p:sp>
-      <p:sp>
-        <p:nvSpPr>
-          <p:cNvPr id="12" name="TextBox 11"/>
-          <p:cNvSpPr txBox="1"/>
-          <p:nvPr/>
-        </p:nvSpPr>
-        <p:spPr>
-          <a:xfrm>
-            <a:off x="10285412" y="2768601"/>
-            <a:ext cx="609600" cy="584776"/>
-          </a:xfrm>
-          <a:prstGeom prst="rect">
-            <a:avLst/>
-          </a:prstGeom>
-        </p:spPr>
-        <p:txBody>
-          <a:bodyPr vert="horz" lIns="91440" tIns="45720" rIns="91440" bIns="45720" rtlCol="0" anchor="ctr">
-            <a:noAutofit/>
-          </a:bodyPr>
-          <a:lstStyle/>
-          <a:p>
-            <a:pPr lvl="0" algn="r"/>
-            <a:r>
-              <a:rPr lang="en-US" sz="8000" dirty="0">
-                <a:solidFill>
-                  <a:schemeClr val="tx1"/>
-                </a:solidFill>
-                <a:effectLst/>
-              </a:rPr>
-              <a:t>”</a:t>
-            </a:r>
-          </a:p>
-        </p:txBody>
-      </p:sp>
-    </p:spTree>
-    <p:extLst>
-      <p:ext uri="{BB962C8B-B14F-4D97-AF65-F5344CB8AC3E}">
-        <p14:creationId xmlns:p14="http://schemas.microsoft.com/office/powerpoint/2010/main" val="705538684"/>
-      </p:ext>
-    </p:extLst>
-  </p:cSld>
-  <p:clrMapOvr>
-    <a:masterClrMapping/>
-  </p:clrMapOvr>
-</p:sldLayout>
-</file>
-
-<file path=ppt/slideLayouts/slideLayout15.xml><?xml version="1.0" encoding="utf-8"?>
-<p:sldLayout xmlns:a="http://schemas.openxmlformats.org/drawingml/2006/main" xmlns:r="http://schemas.openxmlformats.org/officeDocument/2006/relationships" xmlns:p="http://schemas.openxmlformats.org/presentationml/2006/main" preserve="1">
-  <p:cSld name="True or False">
-    <p:spTree>
-      <p:nvGrpSpPr>
-        <p:cNvPr id="1" name=""/>
-        <p:cNvGrpSpPr/>
-        <p:nvPr/>
-      </p:nvGrpSpPr>
-      <p:grpSpPr>
-        <a:xfrm>
-          <a:off x="0" y="0"/>
-          <a:ext cx="0" cy="0"/>
-          <a:chOff x="0" y="0"/>
-          <a:chExt cx="0" cy="0"/>
-        </a:xfrm>
-      </p:grpSpPr>
-      <p:sp>
-        <p:nvSpPr>
-          <p:cNvPr id="2" name="Title 1"/>
-          <p:cNvSpPr>
-            <a:spLocks noGrp="1"/>
-          </p:cNvSpPr>
-          <p:nvPr>
-            <p:ph type="title"/>
-          </p:nvPr>
-        </p:nvSpPr>
-        <p:spPr>
-          <a:xfrm>
-            <a:off x="684213" y="685800"/>
-            <a:ext cx="10058400" cy="2743200"/>
-          </a:xfrm>
-        </p:spPr>
-        <p:txBody>
-          <a:bodyPr vert="horz" lIns="91440" tIns="45720" rIns="91440" bIns="45720" rtlCol="0" anchor="ctr">
-            <a:normAutofit/>
-          </a:bodyPr>
-          <a:lstStyle>
-            <a:lvl1pPr>
-              <a:defRPr lang="en-US" b="0" dirty="0"/>
-            </a:lvl1pPr>
-          </a:lstStyle>
-          <a:p>
-            <a:pPr marL="0" lvl="0"/>
-            <a:r>
-              <a:rPr lang="en-US"/>
-              <a:t>Click to edit Master title style</a:t>
-            </a:r>
-            <a:endParaRPr lang="en-US" dirty="0"/>
-          </a:p>
-        </p:txBody>
-      </p:sp>
-      <p:sp>
-        <p:nvSpPr>
-          <p:cNvPr id="10" name="Text Placeholder 9"/>
-          <p:cNvSpPr>
-            <a:spLocks noGrp="1"/>
-          </p:cNvSpPr>
-          <p:nvPr>
-            <p:ph type="body" sz="quarter" idx="13"/>
-          </p:nvPr>
-        </p:nvSpPr>
-        <p:spPr>
-          <a:xfrm>
-            <a:off x="684212" y="3928534"/>
-            <a:ext cx="8534400" cy="838200"/>
-          </a:xfrm>
-        </p:spPr>
-        <p:txBody>
-          <a:bodyPr vert="horz" lIns="91440" tIns="45720" rIns="91440" bIns="45720" rtlCol="0" anchor="b">
-            <a:normAutofit/>
-          </a:bodyPr>
-          <a:lstStyle>
-            <a:lvl1pPr>
-              <a:buNone/>
-              <a:defRPr lang="en-US" sz="2400" b="0" cap="all" dirty="0">
-                <a:ln w="3175" cmpd="sng">
-                  <a:noFill/>
-                </a:ln>
-                <a:solidFill>
-                  <a:schemeClr val="tx1"/>
-                </a:solidFill>
-                <a:effectLst/>
-              </a:defRPr>
-            </a:lvl1pPr>
-          </a:lstStyle>
-          <a:p>
-            <a:pPr marL="0" lvl="0">
-              <a:spcBef>
-                <a:spcPct val="0"/>
-              </a:spcBef>
-              <a:buNone/>
-            </a:pPr>
-            <a:r>
-              <a:rPr lang="en-US"/>
-              <a:t>Click to edit Master text styles</a:t>
-            </a:r>
-          </a:p>
-        </p:txBody>
-      </p:sp>
-      <p:sp>
-        <p:nvSpPr>
-          <p:cNvPr id="3" name="Text Placeholder 2"/>
-          <p:cNvSpPr>
-            <a:spLocks noGrp="1"/>
-          </p:cNvSpPr>
-          <p:nvPr>
-            <p:ph type="body" idx="1"/>
-          </p:nvPr>
-        </p:nvSpPr>
-        <p:spPr>
-          <a:xfrm>
-            <a:off x="684211" y="4766732"/>
-            <a:ext cx="8534401" cy="1227667"/>
-          </a:xfrm>
-        </p:spPr>
-        <p:txBody>
-          <a:bodyPr anchor="t">
-            <a:normAutofit/>
-          </a:bodyPr>
-          <a:lstStyle>
-            <a:lvl1pPr marL="0" indent="0" algn="l">
-              <a:buNone/>
-              <a:defRPr sz="1800">
-                <a:solidFill>
-                  <a:schemeClr val="bg2">
-                    <a:lumMod val="75000"/>
-                  </a:schemeClr>
-                </a:solidFill>
-              </a:defRPr>
-            </a:lvl1pPr>
-            <a:lvl2pPr marL="457200" indent="0">
-              <a:buNone/>
-              <a:defRPr sz="1800">
-                <a:solidFill>
-                  <a:schemeClr val="tx1">
-                    <a:tint val="75000"/>
-                  </a:schemeClr>
-                </a:solidFill>
-              </a:defRPr>
-            </a:lvl2pPr>
-            <a:lvl3pPr marL="914400" indent="0">
-              <a:buNone/>
-              <a:defRPr sz="1600">
-                <a:solidFill>
-                  <a:schemeClr val="tx1">
-                    <a:tint val="75000"/>
-                  </a:schemeClr>
-                </a:solidFill>
-              </a:defRPr>
-            </a:lvl3pPr>
-            <a:lvl4pPr marL="1371600" indent="0">
-              <a:buNone/>
-              <a:defRPr sz="1400">
-                <a:solidFill>
-                  <a:schemeClr val="tx1">
-                    <a:tint val="75000"/>
-                  </a:schemeClr>
-                </a:solidFill>
-              </a:defRPr>
-            </a:lvl4pPr>
-            <a:lvl5pPr marL="1828800" indent="0">
-              <a:buNone/>
-              <a:defRPr sz="1400">
-                <a:solidFill>
-                  <a:schemeClr val="tx1">
-                    <a:tint val="75000"/>
-                  </a:schemeClr>
-                </a:solidFill>
-              </a:defRPr>
-            </a:lvl5pPr>
-            <a:lvl6pPr marL="2286000" indent="0">
-              <a:buNone/>
-              <a:defRPr sz="1400">
-                <a:solidFill>
-                  <a:schemeClr val="tx1">
-                    <a:tint val="75000"/>
-                  </a:schemeClr>
-                </a:solidFill>
-              </a:defRPr>
-            </a:lvl6pPr>
-            <a:lvl7pPr marL="2743200" indent="0">
-              <a:buNone/>
-              <a:defRPr sz="1400">
-                <a:solidFill>
-                  <a:schemeClr val="tx1">
-                    <a:tint val="75000"/>
-                  </a:schemeClr>
-                </a:solidFill>
-              </a:defRPr>
-            </a:lvl7pPr>
-            <a:lvl8pPr marL="3200400" indent="0">
-              <a:buNone/>
-              <a:defRPr sz="1400">
-                <a:solidFill>
-                  <a:schemeClr val="tx1">
-                    <a:tint val="75000"/>
-                  </a:schemeClr>
-                </a:solidFill>
-              </a:defRPr>
-            </a:lvl8pPr>
-            <a:lvl9pPr marL="3657600" indent="0">
-              <a:buNone/>
-              <a:defRPr sz="1400">
-                <a:solidFill>
-                  <a:schemeClr val="tx1">
-                    <a:tint val="75000"/>
-                  </a:schemeClr>
-                </a:solidFill>
-              </a:defRPr>
-            </a:lvl9pPr>
-          </a:lstStyle>
-          <a:p>
-            <a:pPr lvl="0"/>
-            <a:r>
-              <a:rPr lang="en-US"/>
-              <a:t>Click to edit Master text styles</a:t>
-            </a:r>
-          </a:p>
-        </p:txBody>
-      </p:sp>
-      <p:sp>
-        <p:nvSpPr>
-          <p:cNvPr id="4" name="Date Placeholder 3"/>
-          <p:cNvSpPr>
-            <a:spLocks noGrp="1"/>
-          </p:cNvSpPr>
-          <p:nvPr>
-            <p:ph type="dt" sz="half" idx="10"/>
-          </p:nvPr>
-        </p:nvSpPr>
-        <p:spPr/>
-        <p:txBody>
-          <a:bodyPr/>
-          <a:lstStyle/>
-          <a:p>
-            <a:fld id="{AA70F276-1833-4A75-9C1D-A56E2295A68D}" type="datetimeFigureOut">
-              <a:rPr lang="en-US" smtClean="0"/>
-              <a:pPr/>
-              <a:t>03-Jan-22</a:t>
-            </a:fld>
-            <a:endParaRPr lang="en-US" dirty="0"/>
-          </a:p>
-        </p:txBody>
-      </p:sp>
-      <p:sp>
-        <p:nvSpPr>
-          <p:cNvPr id="5" name="Footer Placeholder 4"/>
-          <p:cNvSpPr>
-            <a:spLocks noGrp="1"/>
-          </p:cNvSpPr>
-          <p:nvPr>
-            <p:ph type="ftr" sz="quarter" idx="11"/>
-          </p:nvPr>
-        </p:nvSpPr>
-        <p:spPr/>
-        <p:txBody>
-          <a:bodyPr/>
-          <a:lstStyle/>
-          <a:p>
-            <a:endParaRPr lang="en-US">
-              <a:solidFill>
-                <a:srgbClr val="FFFFFF"/>
-              </a:solidFill>
-            </a:endParaRPr>
-          </a:p>
-        </p:txBody>
-      </p:sp>
-      <p:sp>
-        <p:nvSpPr>
-          <p:cNvPr id="6" name="Slide Number Placeholder 5"/>
-          <p:cNvSpPr>
-            <a:spLocks noGrp="1"/>
-          </p:cNvSpPr>
-          <p:nvPr>
-            <p:ph type="sldNum" sz="quarter" idx="12"/>
-          </p:nvPr>
-        </p:nvSpPr>
-        <p:spPr/>
-        <p:txBody>
-          <a:bodyPr/>
-          <a:lstStyle/>
-          <a:p>
-            <a:fld id="{28844951-7827-47D4-8276-7DDE1FA7D85A}" type="slidenum">
-              <a:rPr lang="en-US" smtClean="0"/>
-              <a:pPr/>
-              <a:t>‹#›</a:t>
-            </a:fld>
-            <a:endParaRPr lang="en-US"/>
-          </a:p>
-        </p:txBody>
-      </p:sp>
-    </p:spTree>
-    <p:extLst>
-      <p:ext uri="{BB962C8B-B14F-4D97-AF65-F5344CB8AC3E}">
-        <p14:creationId xmlns:p14="http://schemas.microsoft.com/office/powerpoint/2010/main" val="2693349289"/>
-      </p:ext>
-    </p:extLst>
-  </p:cSld>
-  <p:clrMapOvr>
-    <a:masterClrMapping/>
-  </p:clrMapOvr>
-</p:sldLayout>
-</file>
-
-<file path=ppt/slideLayouts/slideLayout16.xml><?xml version="1.0" encoding="utf-8"?>
 <p:sldLayout xmlns:a="http://schemas.openxmlformats.org/drawingml/2006/main" xmlns:r="http://schemas.openxmlformats.org/officeDocument/2006/relationships" xmlns:p="http://schemas.openxmlformats.org/presentationml/2006/main" type="vertTx" preserve="1">
   <p:cSld name="Title and Vertical Text">
     <p:spTree>
@@ -2433,7 +384,13 @@
       </p:grpSpPr>
       <p:sp>
         <p:nvSpPr>
-          <p:cNvPr id="2" name="Title 1"/>
+          <p:cNvPr id="2" name="Title 1">
+            <a:extLst>
+              <a:ext uri="{FF2B5EF4-FFF2-40B4-BE49-F238E27FC236}">
+                <a16:creationId xmlns:a16="http://schemas.microsoft.com/office/drawing/2014/main" id="{6984FA8A-C442-47A9-AD2E-FEA6377C412E}"/>
+              </a:ext>
+            </a:extLst>
+          </p:cNvPr>
           <p:cNvSpPr>
             <a:spLocks noGrp="1"/>
           </p:cNvSpPr>
@@ -2444,23 +401,24 @@
         <p:spPr/>
         <p:txBody>
           <a:bodyPr/>
-          <a:lstStyle>
-            <a:lvl1pPr algn="l">
-              <a:defRPr/>
-            </a:lvl1pPr>
-          </a:lstStyle>
+          <a:lstStyle/>
           <a:p>
             <a:r>
               <a:rPr lang="en-US"/>
               <a:t>Click to edit Master title style</a:t>
             </a:r>
-            <a:endParaRPr lang="en-US" dirty="0"/>
           </a:p>
         </p:txBody>
       </p:sp>
       <p:sp>
         <p:nvSpPr>
-          <p:cNvPr id="3" name="Vertical Text Placeholder 2"/>
+          <p:cNvPr id="3" name="Vertical Text Placeholder 2">
+            <a:extLst>
+              <a:ext uri="{FF2B5EF4-FFF2-40B4-BE49-F238E27FC236}">
+                <a16:creationId xmlns:a16="http://schemas.microsoft.com/office/drawing/2014/main" id="{577E3398-0598-4B44-80A3-F7B98CCF1DCC}"/>
+              </a:ext>
+            </a:extLst>
+          </p:cNvPr>
           <p:cNvSpPr>
             <a:spLocks noGrp="1"/>
           </p:cNvSpPr>
@@ -2470,7 +428,7 @@
         </p:nvSpPr>
         <p:spPr/>
         <p:txBody>
-          <a:bodyPr vert="eaVert" anchor="t"/>
+          <a:bodyPr vert="eaVert"/>
           <a:lstStyle/>
           <a:p>
             <a:pPr lvl="0"/>
@@ -2506,13 +464,18 @@
               <a:rPr lang="en-US"/>
               <a:t>Fifth level</a:t>
             </a:r>
-            <a:endParaRPr lang="en-US" dirty="0"/>
           </a:p>
         </p:txBody>
       </p:sp>
       <p:sp>
         <p:nvSpPr>
-          <p:cNvPr id="4" name="Date Placeholder 3"/>
+          <p:cNvPr id="4" name="Date Placeholder 3">
+            <a:extLst>
+              <a:ext uri="{FF2B5EF4-FFF2-40B4-BE49-F238E27FC236}">
+                <a16:creationId xmlns:a16="http://schemas.microsoft.com/office/drawing/2014/main" id="{89B04C3D-D748-44D1-AA84-E21C8CA74137}"/>
+              </a:ext>
+            </a:extLst>
+          </p:cNvPr>
           <p:cNvSpPr>
             <a:spLocks noGrp="1"/>
           </p:cNvSpPr>
@@ -2527,7 +490,7 @@
           <a:p>
             <a:fld id="{AA70F276-1833-4A75-9C1D-A56E2295A68D}" type="datetimeFigureOut">
               <a:rPr lang="en-US" smtClean="0"/>
-              <a:t>03-Jan-22</a:t>
+              <a:t>06-Jan-22</a:t>
             </a:fld>
             <a:endParaRPr lang="en-US"/>
           </a:p>
@@ -2535,7 +498,13 @@
       </p:sp>
       <p:sp>
         <p:nvSpPr>
-          <p:cNvPr id="5" name="Footer Placeholder 4"/>
+          <p:cNvPr id="5" name="Footer Placeholder 4">
+            <a:extLst>
+              <a:ext uri="{FF2B5EF4-FFF2-40B4-BE49-F238E27FC236}">
+                <a16:creationId xmlns:a16="http://schemas.microsoft.com/office/drawing/2014/main" id="{885B9D85-B482-4B01-B0EE-F929ABB1098E}"/>
+              </a:ext>
+            </a:extLst>
+          </p:cNvPr>
           <p:cNvSpPr>
             <a:spLocks noGrp="1"/>
           </p:cNvSpPr>
@@ -2554,7 +523,13 @@
       </p:sp>
       <p:sp>
         <p:nvSpPr>
-          <p:cNvPr id="6" name="Slide Number Placeholder 5"/>
+          <p:cNvPr id="6" name="Slide Number Placeholder 5">
+            <a:extLst>
+              <a:ext uri="{FF2B5EF4-FFF2-40B4-BE49-F238E27FC236}">
+                <a16:creationId xmlns:a16="http://schemas.microsoft.com/office/drawing/2014/main" id="{24F53171-1B9A-42CE-8DAA-9E7C5675216B}"/>
+              </a:ext>
+            </a:extLst>
+          </p:cNvPr>
           <p:cNvSpPr>
             <a:spLocks noGrp="1"/>
           </p:cNvSpPr>
@@ -2578,7 +553,7 @@
     </p:spTree>
     <p:extLst>
       <p:ext uri="{BB962C8B-B14F-4D97-AF65-F5344CB8AC3E}">
-        <p14:creationId xmlns:p14="http://schemas.microsoft.com/office/powerpoint/2010/main" val="4153896230"/>
+        <p14:creationId xmlns:p14="http://schemas.microsoft.com/office/powerpoint/2010/main" val="1112312298"/>
       </p:ext>
     </p:extLst>
   </p:cSld>
@@ -2588,7 +563,7 @@
 </p:sldLayout>
 </file>
 
-<file path=ppt/slideLayouts/slideLayout17.xml><?xml version="1.0" encoding="utf-8"?>
+<file path=ppt/slideLayouts/slideLayout11.xml><?xml version="1.0" encoding="utf-8"?>
 <p:sldLayout xmlns:a="http://schemas.openxmlformats.org/drawingml/2006/main" xmlns:r="http://schemas.openxmlformats.org/officeDocument/2006/relationships" xmlns:p="http://schemas.openxmlformats.org/presentationml/2006/main" type="vertTitleAndTx" preserve="1">
   <p:cSld name="Vertical Title and Text">
     <p:spTree>
@@ -2607,7 +582,13 @@
       </p:grpSpPr>
       <p:sp>
         <p:nvSpPr>
-          <p:cNvPr id="2" name="Vertical Title 1"/>
+          <p:cNvPr id="2" name="Vertical Title 1">
+            <a:extLst>
+              <a:ext uri="{FF2B5EF4-FFF2-40B4-BE49-F238E27FC236}">
+                <a16:creationId xmlns:a16="http://schemas.microsoft.com/office/drawing/2014/main" id="{BB60298E-CADF-47D9-B333-23DED27EEB4F}"/>
+              </a:ext>
+            </a:extLst>
+          </p:cNvPr>
           <p:cNvSpPr>
             <a:spLocks noGrp="1"/>
           </p:cNvSpPr>
@@ -2617,8 +598,8 @@
         </p:nvSpPr>
         <p:spPr>
           <a:xfrm>
-            <a:off x="8685212" y="685800"/>
-            <a:ext cx="2057400" cy="4572000"/>
+            <a:off x="8724900" y="365125"/>
+            <a:ext cx="2628900" cy="5811838"/>
           </a:xfrm>
         </p:spPr>
         <p:txBody>
@@ -2629,13 +610,18 @@
               <a:rPr lang="en-US"/>
               <a:t>Click to edit Master title style</a:t>
             </a:r>
-            <a:endParaRPr lang="en-US" dirty="0"/>
           </a:p>
         </p:txBody>
       </p:sp>
       <p:sp>
         <p:nvSpPr>
-          <p:cNvPr id="3" name="Vertical Text Placeholder 2"/>
+          <p:cNvPr id="3" name="Vertical Text Placeholder 2">
+            <a:extLst>
+              <a:ext uri="{FF2B5EF4-FFF2-40B4-BE49-F238E27FC236}">
+                <a16:creationId xmlns:a16="http://schemas.microsoft.com/office/drawing/2014/main" id="{D6C3141A-CE76-4F57-BCE9-7A4959403944}"/>
+              </a:ext>
+            </a:extLst>
+          </p:cNvPr>
           <p:cNvSpPr>
             <a:spLocks noGrp="1"/>
           </p:cNvSpPr>
@@ -2645,12 +631,12 @@
         </p:nvSpPr>
         <p:spPr>
           <a:xfrm>
-            <a:off x="685800" y="685800"/>
-            <a:ext cx="7823200" cy="5308600"/>
+            <a:off x="838200" y="365125"/>
+            <a:ext cx="7734300" cy="5811838"/>
           </a:xfrm>
         </p:spPr>
         <p:txBody>
-          <a:bodyPr vert="eaVert" anchor="t"/>
+          <a:bodyPr vert="eaVert"/>
           <a:lstStyle/>
           <a:p>
             <a:pPr lvl="0"/>
@@ -2686,13 +672,18 @@
               <a:rPr lang="en-US"/>
               <a:t>Fifth level</a:t>
             </a:r>
-            <a:endParaRPr lang="en-US" dirty="0"/>
           </a:p>
         </p:txBody>
       </p:sp>
       <p:sp>
         <p:nvSpPr>
-          <p:cNvPr id="4" name="Date Placeholder 3"/>
+          <p:cNvPr id="4" name="Date Placeholder 3">
+            <a:extLst>
+              <a:ext uri="{FF2B5EF4-FFF2-40B4-BE49-F238E27FC236}">
+                <a16:creationId xmlns:a16="http://schemas.microsoft.com/office/drawing/2014/main" id="{11E834FC-3141-4C98-8894-965F0CAEE8C1}"/>
+              </a:ext>
+            </a:extLst>
+          </p:cNvPr>
           <p:cNvSpPr>
             <a:spLocks noGrp="1"/>
           </p:cNvSpPr>
@@ -2707,7 +698,7 @@
           <a:p>
             <a:fld id="{AA70F276-1833-4A75-9C1D-A56E2295A68D}" type="datetimeFigureOut">
               <a:rPr lang="en-US" smtClean="0"/>
-              <a:t>03-Jan-22</a:t>
+              <a:t>06-Jan-22</a:t>
             </a:fld>
             <a:endParaRPr lang="en-US"/>
           </a:p>
@@ -2715,7 +706,13 @@
       </p:sp>
       <p:sp>
         <p:nvSpPr>
-          <p:cNvPr id="5" name="Footer Placeholder 4"/>
+          <p:cNvPr id="5" name="Footer Placeholder 4">
+            <a:extLst>
+              <a:ext uri="{FF2B5EF4-FFF2-40B4-BE49-F238E27FC236}">
+                <a16:creationId xmlns:a16="http://schemas.microsoft.com/office/drawing/2014/main" id="{C5875DA3-893E-4823-BB7A-B9E93A240ABC}"/>
+              </a:ext>
+            </a:extLst>
+          </p:cNvPr>
           <p:cNvSpPr>
             <a:spLocks noGrp="1"/>
           </p:cNvSpPr>
@@ -2734,7 +731,13 @@
       </p:sp>
       <p:sp>
         <p:nvSpPr>
-          <p:cNvPr id="6" name="Slide Number Placeholder 5"/>
+          <p:cNvPr id="6" name="Slide Number Placeholder 5">
+            <a:extLst>
+              <a:ext uri="{FF2B5EF4-FFF2-40B4-BE49-F238E27FC236}">
+                <a16:creationId xmlns:a16="http://schemas.microsoft.com/office/drawing/2014/main" id="{8B27C7E0-85AE-4735-A032-706D96A51289}"/>
+              </a:ext>
+            </a:extLst>
+          </p:cNvPr>
           <p:cNvSpPr>
             <a:spLocks noGrp="1"/>
           </p:cNvSpPr>
@@ -2758,7 +761,7 @@
     </p:spTree>
     <p:extLst>
       <p:ext uri="{BB962C8B-B14F-4D97-AF65-F5344CB8AC3E}">
-        <p14:creationId xmlns:p14="http://schemas.microsoft.com/office/powerpoint/2010/main" val="3505561205"/>
+        <p14:creationId xmlns:p14="http://schemas.microsoft.com/office/powerpoint/2010/main" val="2242119943"/>
       </p:ext>
     </p:extLst>
   </p:cSld>
@@ -2787,7 +790,13 @@
       </p:grpSpPr>
       <p:sp>
         <p:nvSpPr>
-          <p:cNvPr id="2" name="Title 1"/>
+          <p:cNvPr id="2" name="Title 1">
+            <a:extLst>
+              <a:ext uri="{FF2B5EF4-FFF2-40B4-BE49-F238E27FC236}">
+                <a16:creationId xmlns:a16="http://schemas.microsoft.com/office/drawing/2014/main" id="{E2C13A6A-FC53-447A-8296-C8FE240B5566}"/>
+              </a:ext>
+            </a:extLst>
+          </p:cNvPr>
           <p:cNvSpPr>
             <a:spLocks noGrp="1"/>
           </p:cNvSpPr>
@@ -2804,13 +813,18 @@
               <a:rPr lang="en-US"/>
               <a:t>Click to edit Master title style</a:t>
             </a:r>
-            <a:endParaRPr lang="en-US" dirty="0"/>
           </a:p>
         </p:txBody>
       </p:sp>
       <p:sp>
         <p:nvSpPr>
-          <p:cNvPr id="3" name="Content Placeholder 2"/>
+          <p:cNvPr id="3" name="Content Placeholder 2">
+            <a:extLst>
+              <a:ext uri="{FF2B5EF4-FFF2-40B4-BE49-F238E27FC236}">
+                <a16:creationId xmlns:a16="http://schemas.microsoft.com/office/drawing/2014/main" id="{2F43D3C6-4069-4593-8313-F858990025B2}"/>
+              </a:ext>
+            </a:extLst>
+          </p:cNvPr>
           <p:cNvSpPr>
             <a:spLocks noGrp="1"/>
           </p:cNvSpPr>
@@ -2820,7 +834,7 @@
         </p:nvSpPr>
         <p:spPr/>
         <p:txBody>
-          <a:bodyPr anchor="ctr"/>
+          <a:bodyPr/>
           <a:lstStyle/>
           <a:p>
             <a:pPr lvl="0"/>
@@ -2856,13 +870,18 @@
               <a:rPr lang="en-US"/>
               <a:t>Fifth level</a:t>
             </a:r>
-            <a:endParaRPr lang="en-US" dirty="0"/>
           </a:p>
         </p:txBody>
       </p:sp>
       <p:sp>
         <p:nvSpPr>
-          <p:cNvPr id="4" name="Date Placeholder 3"/>
+          <p:cNvPr id="4" name="Date Placeholder 3">
+            <a:extLst>
+              <a:ext uri="{FF2B5EF4-FFF2-40B4-BE49-F238E27FC236}">
+                <a16:creationId xmlns:a16="http://schemas.microsoft.com/office/drawing/2014/main" id="{6F79E2F4-B463-4523-89CA-6DCC47D7638F}"/>
+              </a:ext>
+            </a:extLst>
+          </p:cNvPr>
           <p:cNvSpPr>
             <a:spLocks noGrp="1"/>
           </p:cNvSpPr>
@@ -2877,7 +896,7 @@
           <a:p>
             <a:fld id="{AA70F276-1833-4A75-9C1D-A56E2295A68D}" type="datetimeFigureOut">
               <a:rPr lang="en-US" smtClean="0"/>
-              <a:t>03-Jan-22</a:t>
+              <a:t>06-Jan-22</a:t>
             </a:fld>
             <a:endParaRPr lang="en-US"/>
           </a:p>
@@ -2885,7 +904,13 @@
       </p:sp>
       <p:sp>
         <p:nvSpPr>
-          <p:cNvPr id="5" name="Footer Placeholder 4"/>
+          <p:cNvPr id="5" name="Footer Placeholder 4">
+            <a:extLst>
+              <a:ext uri="{FF2B5EF4-FFF2-40B4-BE49-F238E27FC236}">
+                <a16:creationId xmlns:a16="http://schemas.microsoft.com/office/drawing/2014/main" id="{9148562C-65C6-4352-A130-2D13AA6C40B4}"/>
+              </a:ext>
+            </a:extLst>
+          </p:cNvPr>
           <p:cNvSpPr>
             <a:spLocks noGrp="1"/>
           </p:cNvSpPr>
@@ -2904,7 +929,13 @@
       </p:sp>
       <p:sp>
         <p:nvSpPr>
-          <p:cNvPr id="6" name="Slide Number Placeholder 5"/>
+          <p:cNvPr id="6" name="Slide Number Placeholder 5">
+            <a:extLst>
+              <a:ext uri="{FF2B5EF4-FFF2-40B4-BE49-F238E27FC236}">
+                <a16:creationId xmlns:a16="http://schemas.microsoft.com/office/drawing/2014/main" id="{58F1BD79-74DD-48DD-A11C-B6FDCD96EA68}"/>
+              </a:ext>
+            </a:extLst>
+          </p:cNvPr>
           <p:cNvSpPr>
             <a:spLocks noGrp="1"/>
           </p:cNvSpPr>
@@ -2928,7 +959,7 @@
     </p:spTree>
     <p:extLst>
       <p:ext uri="{BB962C8B-B14F-4D97-AF65-F5344CB8AC3E}">
-        <p14:creationId xmlns:p14="http://schemas.microsoft.com/office/powerpoint/2010/main" val="352640691"/>
+        <p14:creationId xmlns:p14="http://schemas.microsoft.com/office/powerpoint/2010/main" val="620445352"/>
       </p:ext>
     </p:extLst>
   </p:cSld>
@@ -2957,7 +988,13 @@
       </p:grpSpPr>
       <p:sp>
         <p:nvSpPr>
-          <p:cNvPr id="2" name="Title 1"/>
+          <p:cNvPr id="2" name="Title 1">
+            <a:extLst>
+              <a:ext uri="{FF2B5EF4-FFF2-40B4-BE49-F238E27FC236}">
+                <a16:creationId xmlns:a16="http://schemas.microsoft.com/office/drawing/2014/main" id="{73E4FE27-2D13-448B-937E-9F9DE0BB6243}"/>
+              </a:ext>
+            </a:extLst>
+          </p:cNvPr>
           <p:cNvSpPr>
             <a:spLocks noGrp="1"/>
           </p:cNvSpPr>
@@ -2967,17 +1004,15 @@
         </p:nvSpPr>
         <p:spPr>
           <a:xfrm>
-            <a:off x="684211" y="2006600"/>
-            <a:ext cx="8534401" cy="2281600"/>
+            <a:off x="831850" y="1709738"/>
+            <a:ext cx="10515600" cy="2852737"/>
           </a:xfrm>
         </p:spPr>
         <p:txBody>
-          <a:bodyPr anchor="b">
-            <a:normAutofit/>
-          </a:bodyPr>
+          <a:bodyPr anchor="b"/>
           <a:lstStyle>
-            <a:lvl1pPr algn="l">
-              <a:defRPr sz="3600" b="0" cap="all"/>
+            <a:lvl1pPr>
+              <a:defRPr sz="6000"/>
             </a:lvl1pPr>
           </a:lstStyle>
           <a:p>
@@ -2985,13 +1020,18 @@
               <a:rPr lang="en-US"/>
               <a:t>Click to edit Master title style</a:t>
             </a:r>
-            <a:endParaRPr lang="en-US" dirty="0"/>
           </a:p>
         </p:txBody>
       </p:sp>
       <p:sp>
         <p:nvSpPr>
-          <p:cNvPr id="3" name="Text Placeholder 2"/>
+          <p:cNvPr id="3" name="Text Placeholder 2">
+            <a:extLst>
+              <a:ext uri="{FF2B5EF4-FFF2-40B4-BE49-F238E27FC236}">
+                <a16:creationId xmlns:a16="http://schemas.microsoft.com/office/drawing/2014/main" id="{B51210B9-EF54-485D-BB83-116B31368B57}"/>
+              </a:ext>
+            </a:extLst>
+          </p:cNvPr>
           <p:cNvSpPr>
             <a:spLocks noGrp="1"/>
           </p:cNvSpPr>
@@ -3001,28 +1041,26 @@
         </p:nvSpPr>
         <p:spPr>
           <a:xfrm>
-            <a:off x="684213" y="4495800"/>
-            <a:ext cx="8534400" cy="1498600"/>
+            <a:off x="831850" y="4589463"/>
+            <a:ext cx="10515600" cy="1500187"/>
           </a:xfrm>
         </p:spPr>
         <p:txBody>
-          <a:bodyPr anchor="t">
-            <a:normAutofit/>
-          </a:bodyPr>
+          <a:bodyPr/>
           <a:lstStyle>
-            <a:lvl1pPr marL="0" indent="0" algn="l">
+            <a:lvl1pPr marL="0" indent="0">
               <a:buNone/>
-              <a:defRPr sz="1800">
-                <a:solidFill>
-                  <a:schemeClr val="bg2">
-                    <a:lumMod val="75000"/>
+              <a:defRPr sz="2400">
+                <a:solidFill>
+                  <a:schemeClr val="tx1">
+                    <a:tint val="75000"/>
                   </a:schemeClr>
                 </a:solidFill>
               </a:defRPr>
             </a:lvl1pPr>
             <a:lvl2pPr marL="457200" indent="0">
               <a:buNone/>
-              <a:defRPr sz="1800">
+              <a:defRPr sz="2000">
                 <a:solidFill>
                   <a:schemeClr val="tx1">
                     <a:tint val="75000"/>
@@ -3032,7 +1070,7 @@
             </a:lvl2pPr>
             <a:lvl3pPr marL="914400" indent="0">
               <a:buNone/>
-              <a:defRPr sz="1600">
+              <a:defRPr sz="1800">
                 <a:solidFill>
                   <a:schemeClr val="tx1">
                     <a:tint val="75000"/>
@@ -3042,7 +1080,7 @@
             </a:lvl3pPr>
             <a:lvl4pPr marL="1371600" indent="0">
               <a:buNone/>
-              <a:defRPr sz="1400">
+              <a:defRPr sz="1600">
                 <a:solidFill>
                   <a:schemeClr val="tx1">
                     <a:tint val="75000"/>
@@ -3052,7 +1090,7 @@
             </a:lvl4pPr>
             <a:lvl5pPr marL="1828800" indent="0">
               <a:buNone/>
-              <a:defRPr sz="1400">
+              <a:defRPr sz="1600">
                 <a:solidFill>
                   <a:schemeClr val="tx1">
                     <a:tint val="75000"/>
@@ -3062,7 +1100,7 @@
             </a:lvl5pPr>
             <a:lvl6pPr marL="2286000" indent="0">
               <a:buNone/>
-              <a:defRPr sz="1400">
+              <a:defRPr sz="1600">
                 <a:solidFill>
                   <a:schemeClr val="tx1">
                     <a:tint val="75000"/>
@@ -3072,7 +1110,7 @@
             </a:lvl6pPr>
             <a:lvl7pPr marL="2743200" indent="0">
               <a:buNone/>
-              <a:defRPr sz="1400">
+              <a:defRPr sz="1600">
                 <a:solidFill>
                   <a:schemeClr val="tx1">
                     <a:tint val="75000"/>
@@ -3082,7 +1120,7 @@
             </a:lvl7pPr>
             <a:lvl8pPr marL="3200400" indent="0">
               <a:buNone/>
-              <a:defRPr sz="1400">
+              <a:defRPr sz="1600">
                 <a:solidFill>
                   <a:schemeClr val="tx1">
                     <a:tint val="75000"/>
@@ -3092,7 +1130,7 @@
             </a:lvl8pPr>
             <a:lvl9pPr marL="3657600" indent="0">
               <a:buNone/>
-              <a:defRPr sz="1400">
+              <a:defRPr sz="1600">
                 <a:solidFill>
                   <a:schemeClr val="tx1">
                     <a:tint val="75000"/>
@@ -3112,7 +1150,13 @@
       </p:sp>
       <p:sp>
         <p:nvSpPr>
-          <p:cNvPr id="4" name="Date Placeholder 3"/>
+          <p:cNvPr id="4" name="Date Placeholder 3">
+            <a:extLst>
+              <a:ext uri="{FF2B5EF4-FFF2-40B4-BE49-F238E27FC236}">
+                <a16:creationId xmlns:a16="http://schemas.microsoft.com/office/drawing/2014/main" id="{FC24A7ED-B01A-4475-8196-8B356AC9FFFE}"/>
+              </a:ext>
+            </a:extLst>
+          </p:cNvPr>
           <p:cNvSpPr>
             <a:spLocks noGrp="1"/>
           </p:cNvSpPr>
@@ -3127,7 +1171,7 @@
           <a:p>
             <a:fld id="{AA70F276-1833-4A75-9C1D-A56E2295A68D}" type="datetimeFigureOut">
               <a:rPr lang="en-US" smtClean="0"/>
-              <a:t>03-Jan-22</a:t>
+              <a:t>06-Jan-22</a:t>
             </a:fld>
             <a:endParaRPr lang="en-US"/>
           </a:p>
@@ -3135,7 +1179,13 @@
       </p:sp>
       <p:sp>
         <p:nvSpPr>
-          <p:cNvPr id="5" name="Footer Placeholder 4"/>
+          <p:cNvPr id="5" name="Footer Placeholder 4">
+            <a:extLst>
+              <a:ext uri="{FF2B5EF4-FFF2-40B4-BE49-F238E27FC236}">
+                <a16:creationId xmlns:a16="http://schemas.microsoft.com/office/drawing/2014/main" id="{B11E8D2E-3839-404C-A570-D696C8838A80}"/>
+              </a:ext>
+            </a:extLst>
+          </p:cNvPr>
           <p:cNvSpPr>
             <a:spLocks noGrp="1"/>
           </p:cNvSpPr>
@@ -3154,7 +1204,13 @@
       </p:sp>
       <p:sp>
         <p:nvSpPr>
-          <p:cNvPr id="6" name="Slide Number Placeholder 5"/>
+          <p:cNvPr id="6" name="Slide Number Placeholder 5">
+            <a:extLst>
+              <a:ext uri="{FF2B5EF4-FFF2-40B4-BE49-F238E27FC236}">
+                <a16:creationId xmlns:a16="http://schemas.microsoft.com/office/drawing/2014/main" id="{5C155594-E6BA-434A-8CC0-BC4F386DC4E3}"/>
+              </a:ext>
+            </a:extLst>
+          </p:cNvPr>
           <p:cNvSpPr>
             <a:spLocks noGrp="1"/>
           </p:cNvSpPr>
@@ -3178,7 +1234,7 @@
     </p:spTree>
     <p:extLst>
       <p:ext uri="{BB962C8B-B14F-4D97-AF65-F5344CB8AC3E}">
-        <p14:creationId xmlns:p14="http://schemas.microsoft.com/office/powerpoint/2010/main" val="3516506274"/>
+        <p14:creationId xmlns:p14="http://schemas.microsoft.com/office/powerpoint/2010/main" val="3582333633"/>
       </p:ext>
     </p:extLst>
   </p:cSld>
@@ -3207,7 +1263,13 @@
       </p:grpSpPr>
       <p:sp>
         <p:nvSpPr>
-          <p:cNvPr id="2" name="Title 1"/>
+          <p:cNvPr id="2" name="Title 1">
+            <a:extLst>
+              <a:ext uri="{FF2B5EF4-FFF2-40B4-BE49-F238E27FC236}">
+                <a16:creationId xmlns:a16="http://schemas.microsoft.com/office/drawing/2014/main" id="{B0C1802A-8854-42F0-8D21-CF5C73D9A41A}"/>
+              </a:ext>
+            </a:extLst>
+          </p:cNvPr>
           <p:cNvSpPr>
             <a:spLocks noGrp="1"/>
           </p:cNvSpPr>
@@ -3224,13 +1286,18 @@
               <a:rPr lang="en-US"/>
               <a:t>Click to edit Master title style</a:t>
             </a:r>
-            <a:endParaRPr lang="en-US" dirty="0"/>
           </a:p>
         </p:txBody>
       </p:sp>
       <p:sp>
         <p:nvSpPr>
-          <p:cNvPr id="3" name="Content Placeholder 2"/>
+          <p:cNvPr id="3" name="Content Placeholder 2">
+            <a:extLst>
+              <a:ext uri="{FF2B5EF4-FFF2-40B4-BE49-F238E27FC236}">
+                <a16:creationId xmlns:a16="http://schemas.microsoft.com/office/drawing/2014/main" id="{4F7412DD-A73A-4081-BE23-3239CCD1B6DC}"/>
+              </a:ext>
+            </a:extLst>
+          </p:cNvPr>
           <p:cNvSpPr>
             <a:spLocks noGrp="1"/>
           </p:cNvSpPr>
@@ -3240,14 +1307,12 @@
         </p:nvSpPr>
         <p:spPr>
           <a:xfrm>
-            <a:off x="684211" y="685800"/>
-            <a:ext cx="4937655" cy="3615267"/>
+            <a:off x="838200" y="1825625"/>
+            <a:ext cx="5181600" cy="4351338"/>
           </a:xfrm>
         </p:spPr>
         <p:txBody>
-          <a:bodyPr>
-            <a:normAutofit/>
-          </a:bodyPr>
+          <a:bodyPr/>
           <a:lstStyle/>
           <a:p>
             <a:pPr lvl="0"/>
@@ -3283,13 +1348,18 @@
               <a:rPr lang="en-US"/>
               <a:t>Fifth level</a:t>
             </a:r>
-            <a:endParaRPr lang="en-US" dirty="0"/>
           </a:p>
         </p:txBody>
       </p:sp>
       <p:sp>
         <p:nvSpPr>
-          <p:cNvPr id="4" name="Content Placeholder 3"/>
+          <p:cNvPr id="4" name="Content Placeholder 3">
+            <a:extLst>
+              <a:ext uri="{FF2B5EF4-FFF2-40B4-BE49-F238E27FC236}">
+                <a16:creationId xmlns:a16="http://schemas.microsoft.com/office/drawing/2014/main" id="{3CD0E07E-A7F0-472B-AAF1-1AFB705AC8F7}"/>
+              </a:ext>
+            </a:extLst>
+          </p:cNvPr>
           <p:cNvSpPr>
             <a:spLocks noGrp="1"/>
           </p:cNvSpPr>
@@ -3299,14 +1369,12 @@
         </p:nvSpPr>
         <p:spPr>
           <a:xfrm>
-            <a:off x="5808133" y="685801"/>
-            <a:ext cx="4934479" cy="3615266"/>
+            <a:off x="6172200" y="1825625"/>
+            <a:ext cx="5181600" cy="4351338"/>
           </a:xfrm>
         </p:spPr>
         <p:txBody>
-          <a:bodyPr>
-            <a:normAutofit/>
-          </a:bodyPr>
+          <a:bodyPr/>
           <a:lstStyle/>
           <a:p>
             <a:pPr lvl="0"/>
@@ -3342,13 +1410,18 @@
               <a:rPr lang="en-US"/>
               <a:t>Fifth level</a:t>
             </a:r>
-            <a:endParaRPr lang="en-US" dirty="0"/>
           </a:p>
         </p:txBody>
       </p:sp>
       <p:sp>
         <p:nvSpPr>
-          <p:cNvPr id="5" name="Date Placeholder 4"/>
+          <p:cNvPr id="5" name="Date Placeholder 4">
+            <a:extLst>
+              <a:ext uri="{FF2B5EF4-FFF2-40B4-BE49-F238E27FC236}">
+                <a16:creationId xmlns:a16="http://schemas.microsoft.com/office/drawing/2014/main" id="{F6EA3459-4D0E-4A57-B7E9-2487CBA72C21}"/>
+              </a:ext>
+            </a:extLst>
+          </p:cNvPr>
           <p:cNvSpPr>
             <a:spLocks noGrp="1"/>
           </p:cNvSpPr>
@@ -3363,7 +1436,7 @@
           <a:p>
             <a:fld id="{AA70F276-1833-4A75-9C1D-A56E2295A68D}" type="datetimeFigureOut">
               <a:rPr lang="en-US" smtClean="0"/>
-              <a:t>03-Jan-22</a:t>
+              <a:t>06-Jan-22</a:t>
             </a:fld>
             <a:endParaRPr lang="en-US"/>
           </a:p>
@@ -3371,7 +1444,13 @@
       </p:sp>
       <p:sp>
         <p:nvSpPr>
-          <p:cNvPr id="6" name="Footer Placeholder 5"/>
+          <p:cNvPr id="6" name="Footer Placeholder 5">
+            <a:extLst>
+              <a:ext uri="{FF2B5EF4-FFF2-40B4-BE49-F238E27FC236}">
+                <a16:creationId xmlns:a16="http://schemas.microsoft.com/office/drawing/2014/main" id="{E8D095EF-8235-4C4A-B0F2-8C0A9D663626}"/>
+              </a:ext>
+            </a:extLst>
+          </p:cNvPr>
           <p:cNvSpPr>
             <a:spLocks noGrp="1"/>
           </p:cNvSpPr>
@@ -3390,7 +1469,13 @@
       </p:sp>
       <p:sp>
         <p:nvSpPr>
-          <p:cNvPr id="7" name="Slide Number Placeholder 6"/>
+          <p:cNvPr id="7" name="Slide Number Placeholder 6">
+            <a:extLst>
+              <a:ext uri="{FF2B5EF4-FFF2-40B4-BE49-F238E27FC236}">
+                <a16:creationId xmlns:a16="http://schemas.microsoft.com/office/drawing/2014/main" id="{F7999A72-F210-4668-9DA6-D7C2D0226625}"/>
+              </a:ext>
+            </a:extLst>
+          </p:cNvPr>
           <p:cNvSpPr>
             <a:spLocks noGrp="1"/>
           </p:cNvSpPr>
@@ -3414,7 +1499,7 @@
     </p:spTree>
     <p:extLst>
       <p:ext uri="{BB962C8B-B14F-4D97-AF65-F5344CB8AC3E}">
-        <p14:creationId xmlns:p14="http://schemas.microsoft.com/office/powerpoint/2010/main" val="806508656"/>
+        <p14:creationId xmlns:p14="http://schemas.microsoft.com/office/powerpoint/2010/main" val="1494404495"/>
       </p:ext>
     </p:extLst>
   </p:cSld>
@@ -3443,7 +1528,13 @@
       </p:grpSpPr>
       <p:sp>
         <p:nvSpPr>
-          <p:cNvPr id="2" name="Title 1"/>
+          <p:cNvPr id="2" name="Title 1">
+            <a:extLst>
+              <a:ext uri="{FF2B5EF4-FFF2-40B4-BE49-F238E27FC236}">
+                <a16:creationId xmlns:a16="http://schemas.microsoft.com/office/drawing/2014/main" id="{943ABCD9-4941-4C2A-9015-C516372A527A}"/>
+              </a:ext>
+            </a:extLst>
+          </p:cNvPr>
           <p:cNvSpPr>
             <a:spLocks noGrp="1"/>
           </p:cNvSpPr>
@@ -3451,26 +1542,32 @@
             <p:ph type="title"/>
           </p:nvPr>
         </p:nvSpPr>
-        <p:spPr/>
+        <p:spPr>
+          <a:xfrm>
+            <a:off x="839788" y="365125"/>
+            <a:ext cx="10515600" cy="1325563"/>
+          </a:xfrm>
+        </p:spPr>
         <p:txBody>
           <a:bodyPr/>
-          <a:lstStyle>
-            <a:lvl1pPr>
-              <a:defRPr/>
-            </a:lvl1pPr>
-          </a:lstStyle>
+          <a:lstStyle/>
           <a:p>
             <a:r>
               <a:rPr lang="en-US"/>
               <a:t>Click to edit Master title style</a:t>
             </a:r>
-            <a:endParaRPr lang="en-US" dirty="0"/>
           </a:p>
         </p:txBody>
       </p:sp>
       <p:sp>
         <p:nvSpPr>
-          <p:cNvPr id="3" name="Text Placeholder 2"/>
+          <p:cNvPr id="3" name="Text Placeholder 2">
+            <a:extLst>
+              <a:ext uri="{FF2B5EF4-FFF2-40B4-BE49-F238E27FC236}">
+                <a16:creationId xmlns:a16="http://schemas.microsoft.com/office/drawing/2014/main" id="{9491245D-8E6C-4E71-845B-9E499E01B41A}"/>
+              </a:ext>
+            </a:extLst>
+          </p:cNvPr>
           <p:cNvSpPr>
             <a:spLocks noGrp="1"/>
           </p:cNvSpPr>
@@ -3480,22 +1577,16 @@
         </p:nvSpPr>
         <p:spPr>
           <a:xfrm>
-            <a:off x="972080" y="685800"/>
-            <a:ext cx="4649787" cy="576262"/>
+            <a:off x="839788" y="1681163"/>
+            <a:ext cx="5157787" cy="823912"/>
           </a:xfrm>
         </p:spPr>
         <p:txBody>
-          <a:bodyPr anchor="b">
-            <a:noAutofit/>
-          </a:bodyPr>
+          <a:bodyPr anchor="b"/>
           <a:lstStyle>
             <a:lvl1pPr marL="0" indent="0">
               <a:buNone/>
-              <a:defRPr sz="2800" b="0">
-                <a:solidFill>
-                  <a:schemeClr val="tx1"/>
-                </a:solidFill>
-              </a:defRPr>
+              <a:defRPr sz="2400" b="1"/>
             </a:lvl1pPr>
             <a:lvl2pPr marL="457200" indent="0">
               <a:buNone/>
@@ -3541,7 +1632,13 @@
       </p:sp>
       <p:sp>
         <p:nvSpPr>
-          <p:cNvPr id="4" name="Content Placeholder 3"/>
+          <p:cNvPr id="4" name="Content Placeholder 3">
+            <a:extLst>
+              <a:ext uri="{FF2B5EF4-FFF2-40B4-BE49-F238E27FC236}">
+                <a16:creationId xmlns:a16="http://schemas.microsoft.com/office/drawing/2014/main" id="{E4F594F3-A400-4C18-82FE-EEFCFD467406}"/>
+              </a:ext>
+            </a:extLst>
+          </p:cNvPr>
           <p:cNvSpPr>
             <a:spLocks noGrp="1"/>
           </p:cNvSpPr>
@@ -3551,14 +1648,12 @@
         </p:nvSpPr>
         <p:spPr>
           <a:xfrm>
-            <a:off x="684211" y="1270529"/>
-            <a:ext cx="4937655" cy="3030538"/>
+            <a:off x="839788" y="2505075"/>
+            <a:ext cx="5157787" cy="3684588"/>
           </a:xfrm>
         </p:spPr>
         <p:txBody>
-          <a:bodyPr anchor="t">
-            <a:normAutofit/>
-          </a:bodyPr>
+          <a:bodyPr/>
           <a:lstStyle/>
           <a:p>
             <a:pPr lvl="0"/>
@@ -3594,13 +1689,18 @@
               <a:rPr lang="en-US"/>
               <a:t>Fifth level</a:t>
             </a:r>
-            <a:endParaRPr lang="en-US" dirty="0"/>
           </a:p>
         </p:txBody>
       </p:sp>
       <p:sp>
         <p:nvSpPr>
-          <p:cNvPr id="5" name="Text Placeholder 4"/>
+          <p:cNvPr id="5" name="Text Placeholder 4">
+            <a:extLst>
+              <a:ext uri="{FF2B5EF4-FFF2-40B4-BE49-F238E27FC236}">
+                <a16:creationId xmlns:a16="http://schemas.microsoft.com/office/drawing/2014/main" id="{56DACB6F-3488-42DE-97E7-F7B26AB948C1}"/>
+              </a:ext>
+            </a:extLst>
+          </p:cNvPr>
           <p:cNvSpPr>
             <a:spLocks noGrp="1"/>
           </p:cNvSpPr>
@@ -3610,22 +1710,16 @@
         </p:nvSpPr>
         <p:spPr>
           <a:xfrm>
-            <a:off x="6079066" y="685800"/>
-            <a:ext cx="4665134" cy="576262"/>
+            <a:off x="6172200" y="1681163"/>
+            <a:ext cx="5183188" cy="823912"/>
           </a:xfrm>
         </p:spPr>
         <p:txBody>
-          <a:bodyPr anchor="b">
-            <a:noAutofit/>
-          </a:bodyPr>
+          <a:bodyPr anchor="b"/>
           <a:lstStyle>
             <a:lvl1pPr marL="0" indent="0">
               <a:buNone/>
-              <a:defRPr sz="2800" b="0">
-                <a:solidFill>
-                  <a:schemeClr val="tx1"/>
-                </a:solidFill>
-              </a:defRPr>
+              <a:defRPr sz="2400" b="1"/>
             </a:lvl1pPr>
             <a:lvl2pPr marL="457200" indent="0">
               <a:buNone/>
@@ -3671,7 +1765,13 @@
       </p:sp>
       <p:sp>
         <p:nvSpPr>
-          <p:cNvPr id="6" name="Content Placeholder 5"/>
+          <p:cNvPr id="6" name="Content Placeholder 5">
+            <a:extLst>
+              <a:ext uri="{FF2B5EF4-FFF2-40B4-BE49-F238E27FC236}">
+                <a16:creationId xmlns:a16="http://schemas.microsoft.com/office/drawing/2014/main" id="{F1F62E6A-7756-4B36-86DA-59924B60E345}"/>
+              </a:ext>
+            </a:extLst>
+          </p:cNvPr>
           <p:cNvSpPr>
             <a:spLocks noGrp="1"/>
           </p:cNvSpPr>
@@ -3681,14 +1781,12 @@
         </p:nvSpPr>
         <p:spPr>
           <a:xfrm>
-            <a:off x="5806545" y="1262062"/>
-            <a:ext cx="4929188" cy="3030538"/>
+            <a:off x="6172200" y="2505075"/>
+            <a:ext cx="5183188" cy="3684588"/>
           </a:xfrm>
         </p:spPr>
         <p:txBody>
-          <a:bodyPr anchor="t">
-            <a:normAutofit/>
-          </a:bodyPr>
+          <a:bodyPr/>
           <a:lstStyle/>
           <a:p>
             <a:pPr lvl="0"/>
@@ -3724,13 +1822,18 @@
               <a:rPr lang="en-US"/>
               <a:t>Fifth level</a:t>
             </a:r>
-            <a:endParaRPr lang="en-US" dirty="0"/>
           </a:p>
         </p:txBody>
       </p:sp>
       <p:sp>
         <p:nvSpPr>
-          <p:cNvPr id="7" name="Date Placeholder 6"/>
+          <p:cNvPr id="7" name="Date Placeholder 6">
+            <a:extLst>
+              <a:ext uri="{FF2B5EF4-FFF2-40B4-BE49-F238E27FC236}">
+                <a16:creationId xmlns:a16="http://schemas.microsoft.com/office/drawing/2014/main" id="{909D5D78-1DBA-4FA2-9E0D-C3F94C109A44}"/>
+              </a:ext>
+            </a:extLst>
+          </p:cNvPr>
           <p:cNvSpPr>
             <a:spLocks noGrp="1"/>
           </p:cNvSpPr>
@@ -3745,7 +1848,7 @@
           <a:p>
             <a:fld id="{AA70F276-1833-4A75-9C1D-A56E2295A68D}" type="datetimeFigureOut">
               <a:rPr lang="en-US" smtClean="0"/>
-              <a:t>03-Jan-22</a:t>
+              <a:t>06-Jan-22</a:t>
             </a:fld>
             <a:endParaRPr lang="en-US"/>
           </a:p>
@@ -3753,7 +1856,13 @@
       </p:sp>
       <p:sp>
         <p:nvSpPr>
-          <p:cNvPr id="8" name="Footer Placeholder 7"/>
+          <p:cNvPr id="8" name="Footer Placeholder 7">
+            <a:extLst>
+              <a:ext uri="{FF2B5EF4-FFF2-40B4-BE49-F238E27FC236}">
+                <a16:creationId xmlns:a16="http://schemas.microsoft.com/office/drawing/2014/main" id="{335BD5F9-60F7-4009-B9B5-094C713721F6}"/>
+              </a:ext>
+            </a:extLst>
+          </p:cNvPr>
           <p:cNvSpPr>
             <a:spLocks noGrp="1"/>
           </p:cNvSpPr>
@@ -3772,7 +1881,13 @@
       </p:sp>
       <p:sp>
         <p:nvSpPr>
-          <p:cNvPr id="9" name="Slide Number Placeholder 8"/>
+          <p:cNvPr id="9" name="Slide Number Placeholder 8">
+            <a:extLst>
+              <a:ext uri="{FF2B5EF4-FFF2-40B4-BE49-F238E27FC236}">
+                <a16:creationId xmlns:a16="http://schemas.microsoft.com/office/drawing/2014/main" id="{867C84C3-7F65-4681-85E3-C6C5C706463A}"/>
+              </a:ext>
+            </a:extLst>
+          </p:cNvPr>
           <p:cNvSpPr>
             <a:spLocks noGrp="1"/>
           </p:cNvSpPr>
@@ -3796,7 +1911,7 @@
     </p:spTree>
     <p:extLst>
       <p:ext uri="{BB962C8B-B14F-4D97-AF65-F5344CB8AC3E}">
-        <p14:creationId xmlns:p14="http://schemas.microsoft.com/office/powerpoint/2010/main" val="3493183959"/>
+        <p14:creationId xmlns:p14="http://schemas.microsoft.com/office/powerpoint/2010/main" val="2451879924"/>
       </p:ext>
     </p:extLst>
   </p:cSld>
@@ -3825,7 +1940,13 @@
       </p:grpSpPr>
       <p:sp>
         <p:nvSpPr>
-          <p:cNvPr id="2" name="Title 1"/>
+          <p:cNvPr id="2" name="Title 1">
+            <a:extLst>
+              <a:ext uri="{FF2B5EF4-FFF2-40B4-BE49-F238E27FC236}">
+                <a16:creationId xmlns:a16="http://schemas.microsoft.com/office/drawing/2014/main" id="{E9ECAD66-8F04-4625-A5E1-C9F2BC6354DC}"/>
+              </a:ext>
+            </a:extLst>
+          </p:cNvPr>
           <p:cNvSpPr>
             <a:spLocks noGrp="1"/>
           </p:cNvSpPr>
@@ -3842,13 +1963,18 @@
               <a:rPr lang="en-US"/>
               <a:t>Click to edit Master title style</a:t>
             </a:r>
-            <a:endParaRPr lang="en-US" dirty="0"/>
           </a:p>
         </p:txBody>
       </p:sp>
       <p:sp>
         <p:nvSpPr>
-          <p:cNvPr id="3" name="Date Placeholder 2"/>
+          <p:cNvPr id="3" name="Date Placeholder 2">
+            <a:extLst>
+              <a:ext uri="{FF2B5EF4-FFF2-40B4-BE49-F238E27FC236}">
+                <a16:creationId xmlns:a16="http://schemas.microsoft.com/office/drawing/2014/main" id="{9A72DC1F-EE57-4FE5-8695-AED3F53D1854}"/>
+              </a:ext>
+            </a:extLst>
+          </p:cNvPr>
           <p:cNvSpPr>
             <a:spLocks noGrp="1"/>
           </p:cNvSpPr>
@@ -3863,7 +1989,7 @@
           <a:p>
             <a:fld id="{AA70F276-1833-4A75-9C1D-A56E2295A68D}" type="datetimeFigureOut">
               <a:rPr lang="en-US" smtClean="0"/>
-              <a:t>03-Jan-22</a:t>
+              <a:t>06-Jan-22</a:t>
             </a:fld>
             <a:endParaRPr lang="en-US"/>
           </a:p>
@@ -3871,7 +1997,13 @@
       </p:sp>
       <p:sp>
         <p:nvSpPr>
-          <p:cNvPr id="4" name="Footer Placeholder 3"/>
+          <p:cNvPr id="4" name="Footer Placeholder 3">
+            <a:extLst>
+              <a:ext uri="{FF2B5EF4-FFF2-40B4-BE49-F238E27FC236}">
+                <a16:creationId xmlns:a16="http://schemas.microsoft.com/office/drawing/2014/main" id="{D865756B-E822-4A91-AF53-595928D10840}"/>
+              </a:ext>
+            </a:extLst>
+          </p:cNvPr>
           <p:cNvSpPr>
             <a:spLocks noGrp="1"/>
           </p:cNvSpPr>
@@ -3890,7 +2022,13 @@
       </p:sp>
       <p:sp>
         <p:nvSpPr>
-          <p:cNvPr id="5" name="Slide Number Placeholder 4"/>
+          <p:cNvPr id="5" name="Slide Number Placeholder 4">
+            <a:extLst>
+              <a:ext uri="{FF2B5EF4-FFF2-40B4-BE49-F238E27FC236}">
+                <a16:creationId xmlns:a16="http://schemas.microsoft.com/office/drawing/2014/main" id="{2896AB4F-724E-42D5-BACE-EE06B3462902}"/>
+              </a:ext>
+            </a:extLst>
+          </p:cNvPr>
           <p:cNvSpPr>
             <a:spLocks noGrp="1"/>
           </p:cNvSpPr>
@@ -3914,7 +2052,7 @@
     </p:spTree>
     <p:extLst>
       <p:ext uri="{BB962C8B-B14F-4D97-AF65-F5344CB8AC3E}">
-        <p14:creationId xmlns:p14="http://schemas.microsoft.com/office/powerpoint/2010/main" val="2483212647"/>
+        <p14:creationId xmlns:p14="http://schemas.microsoft.com/office/powerpoint/2010/main" val="270596645"/>
       </p:ext>
     </p:extLst>
   </p:cSld>
@@ -3943,7 +2081,13 @@
       </p:grpSpPr>
       <p:sp>
         <p:nvSpPr>
-          <p:cNvPr id="2" name="Date Placeholder 1"/>
+          <p:cNvPr id="2" name="Date Placeholder 1">
+            <a:extLst>
+              <a:ext uri="{FF2B5EF4-FFF2-40B4-BE49-F238E27FC236}">
+                <a16:creationId xmlns:a16="http://schemas.microsoft.com/office/drawing/2014/main" id="{FC43CB87-8A60-4AA9-AB21-AA0C69015118}"/>
+              </a:ext>
+            </a:extLst>
+          </p:cNvPr>
           <p:cNvSpPr>
             <a:spLocks noGrp="1"/>
           </p:cNvSpPr>
@@ -3958,7 +2102,7 @@
           <a:p>
             <a:fld id="{AA70F276-1833-4A75-9C1D-A56E2295A68D}" type="datetimeFigureOut">
               <a:rPr lang="en-US" smtClean="0"/>
-              <a:t>03-Jan-22</a:t>
+              <a:t>06-Jan-22</a:t>
             </a:fld>
             <a:endParaRPr lang="en-US"/>
           </a:p>
@@ -3966,7 +2110,13 @@
       </p:sp>
       <p:sp>
         <p:nvSpPr>
-          <p:cNvPr id="3" name="Footer Placeholder 2"/>
+          <p:cNvPr id="3" name="Footer Placeholder 2">
+            <a:extLst>
+              <a:ext uri="{FF2B5EF4-FFF2-40B4-BE49-F238E27FC236}">
+                <a16:creationId xmlns:a16="http://schemas.microsoft.com/office/drawing/2014/main" id="{C927BC8D-C4D3-49BF-B2F0-AB0E2700ACA2}"/>
+              </a:ext>
+            </a:extLst>
+          </p:cNvPr>
           <p:cNvSpPr>
             <a:spLocks noGrp="1"/>
           </p:cNvSpPr>
@@ -3985,7 +2135,13 @@
       </p:sp>
       <p:sp>
         <p:nvSpPr>
-          <p:cNvPr id="4" name="Slide Number Placeholder 3"/>
+          <p:cNvPr id="4" name="Slide Number Placeholder 3">
+            <a:extLst>
+              <a:ext uri="{FF2B5EF4-FFF2-40B4-BE49-F238E27FC236}">
+                <a16:creationId xmlns:a16="http://schemas.microsoft.com/office/drawing/2014/main" id="{AC0A72F6-DC69-4ECE-BD90-9A21C0AED75A}"/>
+              </a:ext>
+            </a:extLst>
+          </p:cNvPr>
           <p:cNvSpPr>
             <a:spLocks noGrp="1"/>
           </p:cNvSpPr>
@@ -4009,7 +2165,7 @@
     </p:spTree>
     <p:extLst>
       <p:ext uri="{BB962C8B-B14F-4D97-AF65-F5344CB8AC3E}">
-        <p14:creationId xmlns:p14="http://schemas.microsoft.com/office/powerpoint/2010/main" val="3717798974"/>
+        <p14:creationId xmlns:p14="http://schemas.microsoft.com/office/powerpoint/2010/main" val="1565968057"/>
       </p:ext>
     </p:extLst>
   </p:cSld>
@@ -4038,7 +2194,13 @@
       </p:grpSpPr>
       <p:sp>
         <p:nvSpPr>
-          <p:cNvPr id="2" name="Title 1"/>
+          <p:cNvPr id="2" name="Title 1">
+            <a:extLst>
+              <a:ext uri="{FF2B5EF4-FFF2-40B4-BE49-F238E27FC236}">
+                <a16:creationId xmlns:a16="http://schemas.microsoft.com/office/drawing/2014/main" id="{A5582B8F-8070-453A-8BBA-2B854C379F44}"/>
+              </a:ext>
+            </a:extLst>
+          </p:cNvPr>
           <p:cNvSpPr>
             <a:spLocks noGrp="1"/>
           </p:cNvSpPr>
@@ -4048,17 +2210,15 @@
         </p:nvSpPr>
         <p:spPr>
           <a:xfrm>
-            <a:off x="7085012" y="685800"/>
-            <a:ext cx="3657600" cy="1371600"/>
+            <a:off x="839788" y="457200"/>
+            <a:ext cx="3932237" cy="1600200"/>
           </a:xfrm>
         </p:spPr>
         <p:txBody>
-          <a:bodyPr anchor="b">
-            <a:normAutofit/>
-          </a:bodyPr>
+          <a:bodyPr anchor="b"/>
           <a:lstStyle>
-            <a:lvl1pPr algn="l">
-              <a:defRPr sz="2400" b="0"/>
+            <a:lvl1pPr>
+              <a:defRPr sz="3200"/>
             </a:lvl1pPr>
           </a:lstStyle>
           <a:p>
@@ -4066,13 +2226,18 @@
               <a:rPr lang="en-US"/>
               <a:t>Click to edit Master title style</a:t>
             </a:r>
-            <a:endParaRPr lang="en-US" dirty="0"/>
           </a:p>
         </p:txBody>
       </p:sp>
       <p:sp>
         <p:nvSpPr>
-          <p:cNvPr id="3" name="Content Placeholder 2"/>
+          <p:cNvPr id="3" name="Content Placeholder 2">
+            <a:extLst>
+              <a:ext uri="{FF2B5EF4-FFF2-40B4-BE49-F238E27FC236}">
+                <a16:creationId xmlns:a16="http://schemas.microsoft.com/office/drawing/2014/main" id="{F660AE7C-69E6-495C-875E-66F988C46E51}"/>
+              </a:ext>
+            </a:extLst>
+          </p:cNvPr>
           <p:cNvSpPr>
             <a:spLocks noGrp="1"/>
           </p:cNvSpPr>
@@ -4082,15 +2247,41 @@
         </p:nvSpPr>
         <p:spPr>
           <a:xfrm>
-            <a:off x="684212" y="685800"/>
-            <a:ext cx="5943601" cy="5308600"/>
+            <a:off x="5183188" y="987425"/>
+            <a:ext cx="6172200" cy="4873625"/>
           </a:xfrm>
         </p:spPr>
         <p:txBody>
-          <a:bodyPr anchor="ctr">
-            <a:normAutofit/>
-          </a:bodyPr>
-          <a:lstStyle/>
+          <a:bodyPr/>
+          <a:lstStyle>
+            <a:lvl1pPr>
+              <a:defRPr sz="3200"/>
+            </a:lvl1pPr>
+            <a:lvl2pPr>
+              <a:defRPr sz="2800"/>
+            </a:lvl2pPr>
+            <a:lvl3pPr>
+              <a:defRPr sz="2400"/>
+            </a:lvl3pPr>
+            <a:lvl4pPr>
+              <a:defRPr sz="2000"/>
+            </a:lvl4pPr>
+            <a:lvl5pPr>
+              <a:defRPr sz="2000"/>
+            </a:lvl5pPr>
+            <a:lvl6pPr>
+              <a:defRPr sz="2000"/>
+            </a:lvl6pPr>
+            <a:lvl7pPr>
+              <a:defRPr sz="2000"/>
+            </a:lvl7pPr>
+            <a:lvl8pPr>
+              <a:defRPr sz="2000"/>
+            </a:lvl8pPr>
+            <a:lvl9pPr>
+              <a:defRPr sz="2000"/>
+            </a:lvl9pPr>
+          </a:lstStyle>
           <a:p>
             <a:pPr lvl="0"/>
             <a:r>
@@ -4125,13 +2316,18 @@
               <a:rPr lang="en-US"/>
               <a:t>Fifth level</a:t>
             </a:r>
-            <a:endParaRPr lang="en-US" dirty="0"/>
           </a:p>
         </p:txBody>
       </p:sp>
       <p:sp>
         <p:nvSpPr>
-          <p:cNvPr id="4" name="Text Placeholder 3"/>
+          <p:cNvPr id="4" name="Text Placeholder 3">
+            <a:extLst>
+              <a:ext uri="{FF2B5EF4-FFF2-40B4-BE49-F238E27FC236}">
+                <a16:creationId xmlns:a16="http://schemas.microsoft.com/office/drawing/2014/main" id="{AEE3CA3B-72D9-4764-A2D5-FFF1356A4108}"/>
+              </a:ext>
+            </a:extLst>
+          </p:cNvPr>
           <p:cNvSpPr>
             <a:spLocks noGrp="1"/>
           </p:cNvSpPr>
@@ -4141,14 +2337,12 @@
         </p:nvSpPr>
         <p:spPr>
           <a:xfrm>
-            <a:off x="7085012" y="2209799"/>
-            <a:ext cx="3657600" cy="2091267"/>
+            <a:off x="839788" y="2057400"/>
+            <a:ext cx="3932237" cy="3811588"/>
           </a:xfrm>
         </p:spPr>
         <p:txBody>
-          <a:bodyPr anchor="t">
-            <a:normAutofit/>
-          </a:bodyPr>
+          <a:bodyPr/>
           <a:lstStyle>
             <a:lvl1pPr marL="0" indent="0">
               <a:buNone/>
@@ -4156,35 +2350,35 @@
             </a:lvl1pPr>
             <a:lvl2pPr marL="457200" indent="0">
               <a:buNone/>
-              <a:defRPr sz="1200"/>
+              <a:defRPr sz="1400"/>
             </a:lvl2pPr>
             <a:lvl3pPr marL="914400" indent="0">
               <a:buNone/>
-              <a:defRPr sz="1000"/>
+              <a:defRPr sz="1200"/>
             </a:lvl3pPr>
             <a:lvl4pPr marL="1371600" indent="0">
               <a:buNone/>
-              <a:defRPr sz="900"/>
+              <a:defRPr sz="1000"/>
             </a:lvl4pPr>
             <a:lvl5pPr marL="1828800" indent="0">
               <a:buNone/>
-              <a:defRPr sz="900"/>
+              <a:defRPr sz="1000"/>
             </a:lvl5pPr>
             <a:lvl6pPr marL="2286000" indent="0">
               <a:buNone/>
-              <a:defRPr sz="900"/>
+              <a:defRPr sz="1000"/>
             </a:lvl6pPr>
             <a:lvl7pPr marL="2743200" indent="0">
               <a:buNone/>
-              <a:defRPr sz="900"/>
+              <a:defRPr sz="1000"/>
             </a:lvl7pPr>
             <a:lvl8pPr marL="3200400" indent="0">
               <a:buNone/>
-              <a:defRPr sz="900"/>
+              <a:defRPr sz="1000"/>
             </a:lvl8pPr>
             <a:lvl9pPr marL="3657600" indent="0">
               <a:buNone/>
-              <a:defRPr sz="900"/>
+              <a:defRPr sz="1000"/>
             </a:lvl9pPr>
           </a:lstStyle>
           <a:p>
@@ -4198,7 +2392,13 @@
       </p:sp>
       <p:sp>
         <p:nvSpPr>
-          <p:cNvPr id="5" name="Date Placeholder 4"/>
+          <p:cNvPr id="5" name="Date Placeholder 4">
+            <a:extLst>
+              <a:ext uri="{FF2B5EF4-FFF2-40B4-BE49-F238E27FC236}">
+                <a16:creationId xmlns:a16="http://schemas.microsoft.com/office/drawing/2014/main" id="{A0F7FBF5-57D3-4E30-A4B8-0521CA783C7F}"/>
+              </a:ext>
+            </a:extLst>
+          </p:cNvPr>
           <p:cNvSpPr>
             <a:spLocks noGrp="1"/>
           </p:cNvSpPr>
@@ -4213,7 +2413,7 @@
           <a:p>
             <a:fld id="{AA70F276-1833-4A75-9C1D-A56E2295A68D}" type="datetimeFigureOut">
               <a:rPr lang="en-US" smtClean="0"/>
-              <a:t>03-Jan-22</a:t>
+              <a:t>06-Jan-22</a:t>
             </a:fld>
             <a:endParaRPr lang="en-US"/>
           </a:p>
@@ -4221,7 +2421,13 @@
       </p:sp>
       <p:sp>
         <p:nvSpPr>
-          <p:cNvPr id="6" name="Footer Placeholder 5"/>
+          <p:cNvPr id="6" name="Footer Placeholder 5">
+            <a:extLst>
+              <a:ext uri="{FF2B5EF4-FFF2-40B4-BE49-F238E27FC236}">
+                <a16:creationId xmlns:a16="http://schemas.microsoft.com/office/drawing/2014/main" id="{6553F91E-E177-4A1D-9C19-FD4741796D4A}"/>
+              </a:ext>
+            </a:extLst>
+          </p:cNvPr>
           <p:cNvSpPr>
             <a:spLocks noGrp="1"/>
           </p:cNvSpPr>
@@ -4240,7 +2446,13 @@
       </p:sp>
       <p:sp>
         <p:nvSpPr>
-          <p:cNvPr id="7" name="Slide Number Placeholder 6"/>
+          <p:cNvPr id="7" name="Slide Number Placeholder 6">
+            <a:extLst>
+              <a:ext uri="{FF2B5EF4-FFF2-40B4-BE49-F238E27FC236}">
+                <a16:creationId xmlns:a16="http://schemas.microsoft.com/office/drawing/2014/main" id="{602EEECE-BD8C-4C0D-BB55-9CE1B8679111}"/>
+              </a:ext>
+            </a:extLst>
+          </p:cNvPr>
           <p:cNvSpPr>
             <a:spLocks noGrp="1"/>
           </p:cNvSpPr>
@@ -4264,7 +2476,7 @@
     </p:spTree>
     <p:extLst>
       <p:ext uri="{BB962C8B-B14F-4D97-AF65-F5344CB8AC3E}">
-        <p14:creationId xmlns:p14="http://schemas.microsoft.com/office/powerpoint/2010/main" val="1684602638"/>
+        <p14:creationId xmlns:p14="http://schemas.microsoft.com/office/powerpoint/2010/main" val="2612415282"/>
       </p:ext>
     </p:extLst>
   </p:cSld>
@@ -4293,7 +2505,13 @@
       </p:grpSpPr>
       <p:sp>
         <p:nvSpPr>
-          <p:cNvPr id="2" name="Title 1"/>
+          <p:cNvPr id="2" name="Title 1">
+            <a:extLst>
+              <a:ext uri="{FF2B5EF4-FFF2-40B4-BE49-F238E27FC236}">
+                <a16:creationId xmlns:a16="http://schemas.microsoft.com/office/drawing/2014/main" id="{E403BF3E-8B11-456B-93AA-99F07FB7243B}"/>
+              </a:ext>
+            </a:extLst>
+          </p:cNvPr>
           <p:cNvSpPr>
             <a:spLocks noGrp="1"/>
           </p:cNvSpPr>
@@ -4303,17 +2521,15 @@
         </p:nvSpPr>
         <p:spPr>
           <a:xfrm>
-            <a:off x="4722812" y="1447800"/>
-            <a:ext cx="6019800" cy="1143000"/>
+            <a:off x="839788" y="457200"/>
+            <a:ext cx="3932237" cy="1600200"/>
           </a:xfrm>
         </p:spPr>
         <p:txBody>
-          <a:bodyPr anchor="b">
-            <a:normAutofit/>
-          </a:bodyPr>
+          <a:bodyPr anchor="b"/>
           <a:lstStyle>
-            <a:lvl1pPr algn="l">
-              <a:defRPr sz="2800" b="0"/>
+            <a:lvl1pPr>
+              <a:defRPr sz="3200"/>
             </a:lvl1pPr>
           </a:lstStyle>
           <a:p>
@@ -4321,15 +2537,20 @@
               <a:rPr lang="en-US"/>
               <a:t>Click to edit Master title style</a:t>
             </a:r>
-            <a:endParaRPr lang="en-US" dirty="0"/>
           </a:p>
         </p:txBody>
       </p:sp>
       <p:sp>
         <p:nvSpPr>
-          <p:cNvPr id="14" name="Picture Placeholder 2"/>
+          <p:cNvPr id="3" name="Picture Placeholder 2">
+            <a:extLst>
+              <a:ext uri="{FF2B5EF4-FFF2-40B4-BE49-F238E27FC236}">
+                <a16:creationId xmlns:a16="http://schemas.microsoft.com/office/drawing/2014/main" id="{0A3C21B1-7089-41ED-9CEA-9422F9230FCA}"/>
+              </a:ext>
+            </a:extLst>
+          </p:cNvPr>
           <p:cNvSpPr>
-            <a:spLocks noGrp="1" noChangeAspect="1"/>
+            <a:spLocks noGrp="1"/>
           </p:cNvSpPr>
           <p:nvPr>
             <p:ph type="pic" idx="1"/>
@@ -4337,84 +2558,64 @@
         </p:nvSpPr>
         <p:spPr>
           <a:xfrm>
-            <a:off x="989012" y="914400"/>
-            <a:ext cx="3280974" cy="4572000"/>
+            <a:off x="5183188" y="987425"/>
+            <a:ext cx="6172200" cy="4873625"/>
           </a:xfrm>
-          <a:prstGeom prst="snip2DiagRect">
-            <a:avLst>
-              <a:gd name="adj1" fmla="val 10815"/>
-              <a:gd name="adj2" fmla="val 0"/>
-            </a:avLst>
-          </a:prstGeom>
-          <a:ln w="15875">
-            <a:solidFill>
-              <a:schemeClr val="tx1">
-                <a:alpha val="40000"/>
-              </a:schemeClr>
-            </a:solidFill>
-          </a:ln>
-          <a:effectLst>
-            <a:innerShdw blurRad="57150" dist="38100" dir="14460000">
-              <a:srgbClr val="000000">
-                <a:alpha val="70000"/>
-              </a:srgbClr>
-            </a:innerShdw>
-          </a:effectLst>
         </p:spPr>
         <p:txBody>
-          <a:bodyPr anchor="t">
-            <a:normAutofit/>
-          </a:bodyPr>
+          <a:bodyPr/>
           <a:lstStyle>
-            <a:lvl1pPr marL="0" indent="0" algn="ctr">
+            <a:lvl1pPr marL="0" indent="0">
               <a:buNone/>
-              <a:defRPr sz="1600"/>
+              <a:defRPr sz="3200"/>
             </a:lvl1pPr>
             <a:lvl2pPr marL="457200" indent="0">
               <a:buNone/>
-              <a:defRPr sz="1600"/>
+              <a:defRPr sz="2800"/>
             </a:lvl2pPr>
             <a:lvl3pPr marL="914400" indent="0">
               <a:buNone/>
-              <a:defRPr sz="1600"/>
+              <a:defRPr sz="2400"/>
             </a:lvl3pPr>
             <a:lvl4pPr marL="1371600" indent="0">
               <a:buNone/>
-              <a:defRPr sz="1600"/>
+              <a:defRPr sz="2000"/>
             </a:lvl4pPr>
             <a:lvl5pPr marL="1828800" indent="0">
               <a:buNone/>
-              <a:defRPr sz="1600"/>
+              <a:defRPr sz="2000"/>
             </a:lvl5pPr>
             <a:lvl6pPr marL="2286000" indent="0">
               <a:buNone/>
-              <a:defRPr sz="1600"/>
+              <a:defRPr sz="2000"/>
             </a:lvl6pPr>
             <a:lvl7pPr marL="2743200" indent="0">
               <a:buNone/>
-              <a:defRPr sz="1600"/>
+              <a:defRPr sz="2000"/>
             </a:lvl7pPr>
             <a:lvl8pPr marL="3200400" indent="0">
               <a:buNone/>
-              <a:defRPr sz="1600"/>
+              <a:defRPr sz="2000"/>
             </a:lvl8pPr>
             <a:lvl9pPr marL="3657600" indent="0">
               <a:buNone/>
-              <a:defRPr sz="1600"/>
+              <a:defRPr sz="2000"/>
             </a:lvl9pPr>
           </a:lstStyle>
           <a:p>
-            <a:r>
-              <a:rPr lang="en-US"/>
-              <a:t>Click icon to add picture</a:t>
-            </a:r>
-            <a:endParaRPr lang="en-US" dirty="0"/>
+            <a:endParaRPr lang="en-US"/>
           </a:p>
         </p:txBody>
       </p:sp>
       <p:sp>
         <p:nvSpPr>
-          <p:cNvPr id="4" name="Text Placeholder 3"/>
+          <p:cNvPr id="4" name="Text Placeholder 3">
+            <a:extLst>
+              <a:ext uri="{FF2B5EF4-FFF2-40B4-BE49-F238E27FC236}">
+                <a16:creationId xmlns:a16="http://schemas.microsoft.com/office/drawing/2014/main" id="{ED643A1B-1399-4AAF-BD61-754CD512C8E6}"/>
+              </a:ext>
+            </a:extLst>
+          </p:cNvPr>
           <p:cNvSpPr>
             <a:spLocks noGrp="1"/>
           </p:cNvSpPr>
@@ -4424,50 +2625,48 @@
         </p:nvSpPr>
         <p:spPr>
           <a:xfrm>
-            <a:off x="4722812" y="2777066"/>
-            <a:ext cx="6021388" cy="2048933"/>
+            <a:off x="839788" y="2057400"/>
+            <a:ext cx="3932237" cy="3811588"/>
           </a:xfrm>
         </p:spPr>
         <p:txBody>
-          <a:bodyPr anchor="t">
-            <a:normAutofit/>
-          </a:bodyPr>
+          <a:bodyPr/>
           <a:lstStyle>
             <a:lvl1pPr marL="0" indent="0">
               <a:buNone/>
-              <a:defRPr sz="1800"/>
+              <a:defRPr sz="1600"/>
             </a:lvl1pPr>
             <a:lvl2pPr marL="457200" indent="0">
               <a:buNone/>
-              <a:defRPr sz="1200"/>
+              <a:defRPr sz="1400"/>
             </a:lvl2pPr>
             <a:lvl3pPr marL="914400" indent="0">
               <a:buNone/>
-              <a:defRPr sz="1000"/>
+              <a:defRPr sz="1200"/>
             </a:lvl3pPr>
             <a:lvl4pPr marL="1371600" indent="0">
               <a:buNone/>
-              <a:defRPr sz="900"/>
+              <a:defRPr sz="1000"/>
             </a:lvl4pPr>
             <a:lvl5pPr marL="1828800" indent="0">
               <a:buNone/>
-              <a:defRPr sz="900"/>
+              <a:defRPr sz="1000"/>
             </a:lvl5pPr>
             <a:lvl6pPr marL="2286000" indent="0">
               <a:buNone/>
-              <a:defRPr sz="900"/>
+              <a:defRPr sz="1000"/>
             </a:lvl6pPr>
             <a:lvl7pPr marL="2743200" indent="0">
               <a:buNone/>
-              <a:defRPr sz="900"/>
+              <a:defRPr sz="1000"/>
             </a:lvl7pPr>
             <a:lvl8pPr marL="3200400" indent="0">
               <a:buNone/>
-              <a:defRPr sz="900"/>
+              <a:defRPr sz="1000"/>
             </a:lvl8pPr>
             <a:lvl9pPr marL="3657600" indent="0">
               <a:buNone/>
-              <a:defRPr sz="900"/>
+              <a:defRPr sz="1000"/>
             </a:lvl9pPr>
           </a:lstStyle>
           <a:p>
@@ -4481,7 +2680,13 @@
       </p:sp>
       <p:sp>
         <p:nvSpPr>
-          <p:cNvPr id="5" name="Date Placeholder 4"/>
+          <p:cNvPr id="5" name="Date Placeholder 4">
+            <a:extLst>
+              <a:ext uri="{FF2B5EF4-FFF2-40B4-BE49-F238E27FC236}">
+                <a16:creationId xmlns:a16="http://schemas.microsoft.com/office/drawing/2014/main" id="{5CB8D7E5-4BB7-4727-BFAC-B7AE1DDC8FA6}"/>
+              </a:ext>
+            </a:extLst>
+          </p:cNvPr>
           <p:cNvSpPr>
             <a:spLocks noGrp="1"/>
           </p:cNvSpPr>
@@ -4496,7 +2701,7 @@
           <a:p>
             <a:fld id="{AA70F276-1833-4A75-9C1D-A56E2295A68D}" type="datetimeFigureOut">
               <a:rPr lang="en-US" smtClean="0"/>
-              <a:t>03-Jan-22</a:t>
+              <a:t>06-Jan-22</a:t>
             </a:fld>
             <a:endParaRPr lang="en-US"/>
           </a:p>
@@ -4504,7 +2709,13 @@
       </p:sp>
       <p:sp>
         <p:nvSpPr>
-          <p:cNvPr id="6" name="Footer Placeholder 5"/>
+          <p:cNvPr id="6" name="Footer Placeholder 5">
+            <a:extLst>
+              <a:ext uri="{FF2B5EF4-FFF2-40B4-BE49-F238E27FC236}">
+                <a16:creationId xmlns:a16="http://schemas.microsoft.com/office/drawing/2014/main" id="{17FA131A-7A10-4033-AEDE-293B23F246D7}"/>
+              </a:ext>
+            </a:extLst>
+          </p:cNvPr>
           <p:cNvSpPr>
             <a:spLocks noGrp="1"/>
           </p:cNvSpPr>
@@ -4523,7 +2734,13 @@
       </p:sp>
       <p:sp>
         <p:nvSpPr>
-          <p:cNvPr id="7" name="Slide Number Placeholder 6"/>
+          <p:cNvPr id="7" name="Slide Number Placeholder 6">
+            <a:extLst>
+              <a:ext uri="{FF2B5EF4-FFF2-40B4-BE49-F238E27FC236}">
+                <a16:creationId xmlns:a16="http://schemas.microsoft.com/office/drawing/2014/main" id="{5DED7249-6CF1-4E32-ADCF-9DD2C4E41E4B}"/>
+              </a:ext>
+            </a:extLst>
+          </p:cNvPr>
           <p:cNvSpPr>
             <a:spLocks noGrp="1"/>
           </p:cNvSpPr>
@@ -4547,7 +2764,7 @@
     </p:spTree>
     <p:extLst>
       <p:ext uri="{BB962C8B-B14F-4D97-AF65-F5344CB8AC3E}">
-        <p14:creationId xmlns:p14="http://schemas.microsoft.com/office/powerpoint/2010/main" val="2064576773"/>
+        <p14:creationId xmlns:p14="http://schemas.microsoft.com/office/powerpoint/2010/main" val="3833941076"/>
       </p:ext>
     </p:extLst>
   </p:cSld>
@@ -4561,8 +2778,8 @@
 <p:sldMaster xmlns:a="http://schemas.openxmlformats.org/drawingml/2006/main" xmlns:r="http://schemas.openxmlformats.org/officeDocument/2006/relationships" xmlns:p="http://schemas.openxmlformats.org/presentationml/2006/main">
   <p:cSld>
     <p:bg>
-      <p:bgRef idx="1002">
-        <a:schemeClr val="bg2"/>
+      <p:bgRef idx="1001">
+        <a:schemeClr val="bg1"/>
       </p:bgRef>
     </p:bg>
     <p:spTree>
@@ -4579,199 +2796,15 @@
           <a:chExt cx="0" cy="0"/>
         </a:xfrm>
       </p:grpSpPr>
-      <p:grpSp>
-        <p:nvGrpSpPr>
-          <p:cNvPr id="7" name="Group 6"/>
-          <p:cNvGrpSpPr/>
-          <p:nvPr/>
-        </p:nvGrpSpPr>
-        <p:grpSpPr>
-          <a:xfrm>
-            <a:off x="9206969" y="2963333"/>
-            <a:ext cx="2981858" cy="3208867"/>
-            <a:chOff x="9206969" y="2963333"/>
-            <a:chExt cx="2981858" cy="3208867"/>
-          </a:xfrm>
-        </p:grpSpPr>
-        <p:cxnSp>
-          <p:nvCxnSpPr>
-            <p:cNvPr id="8" name="Straight Connector 7"/>
-            <p:cNvCxnSpPr/>
-            <p:nvPr/>
-          </p:nvCxnSpPr>
-          <p:spPr>
-            <a:xfrm flipH="1">
-              <a:off x="11276012" y="2963333"/>
-              <a:ext cx="912814" cy="912812"/>
-            </a:xfrm>
-            <a:prstGeom prst="line">
-              <a:avLst/>
-            </a:prstGeom>
-            <a:ln w="9525">
-              <a:solidFill>
-                <a:schemeClr val="tx1"/>
-              </a:solidFill>
-            </a:ln>
-          </p:spPr>
-          <p:style>
-            <a:lnRef idx="2">
-              <a:schemeClr val="accent1"/>
-            </a:lnRef>
-            <a:fillRef idx="0">
-              <a:schemeClr val="accent1"/>
-            </a:fillRef>
-            <a:effectRef idx="1">
-              <a:schemeClr val="accent1"/>
-            </a:effectRef>
-            <a:fontRef idx="minor">
-              <a:schemeClr val="tx1"/>
-            </a:fontRef>
-          </p:style>
-        </p:cxnSp>
-        <p:cxnSp>
-          <p:nvCxnSpPr>
-            <p:cNvPr id="9" name="Straight Connector 8"/>
-            <p:cNvCxnSpPr/>
-            <p:nvPr/>
-          </p:nvCxnSpPr>
-          <p:spPr>
-            <a:xfrm flipH="1">
-              <a:off x="9206969" y="3190344"/>
-              <a:ext cx="2981857" cy="2981856"/>
-            </a:xfrm>
-            <a:prstGeom prst="line">
-              <a:avLst/>
-            </a:prstGeom>
-            <a:ln w="9525">
-              <a:solidFill>
-                <a:schemeClr val="tx1"/>
-              </a:solidFill>
-            </a:ln>
-          </p:spPr>
-          <p:style>
-            <a:lnRef idx="2">
-              <a:schemeClr val="accent1"/>
-            </a:lnRef>
-            <a:fillRef idx="0">
-              <a:schemeClr val="accent1"/>
-            </a:fillRef>
-            <a:effectRef idx="1">
-              <a:schemeClr val="accent1"/>
-            </a:effectRef>
-            <a:fontRef idx="minor">
-              <a:schemeClr val="tx1"/>
-            </a:fontRef>
-          </p:style>
-        </p:cxnSp>
-        <p:cxnSp>
-          <p:nvCxnSpPr>
-            <p:cNvPr id="10" name="Straight Connector 9"/>
-            <p:cNvCxnSpPr/>
-            <p:nvPr/>
-          </p:nvCxnSpPr>
-          <p:spPr>
-            <a:xfrm flipH="1">
-              <a:off x="10292292" y="3285067"/>
-              <a:ext cx="1896534" cy="1896533"/>
-            </a:xfrm>
-            <a:prstGeom prst="line">
-              <a:avLst/>
-            </a:prstGeom>
-            <a:ln w="9525">
-              <a:solidFill>
-                <a:schemeClr val="tx1"/>
-              </a:solidFill>
-            </a:ln>
-          </p:spPr>
-          <p:style>
-            <a:lnRef idx="2">
-              <a:schemeClr val="accent1"/>
-            </a:lnRef>
-            <a:fillRef idx="0">
-              <a:schemeClr val="accent1"/>
-            </a:fillRef>
-            <a:effectRef idx="1">
-              <a:schemeClr val="accent1"/>
-            </a:effectRef>
-            <a:fontRef idx="minor">
-              <a:schemeClr val="tx1"/>
-            </a:fontRef>
-          </p:style>
-        </p:cxnSp>
-        <p:cxnSp>
-          <p:nvCxnSpPr>
-            <p:cNvPr id="11" name="Straight Connector 10"/>
-            <p:cNvCxnSpPr/>
-            <p:nvPr/>
-          </p:nvCxnSpPr>
-          <p:spPr>
-            <a:xfrm flipH="1">
-              <a:off x="10443103" y="3131080"/>
-              <a:ext cx="1745722" cy="1745720"/>
-            </a:xfrm>
-            <a:prstGeom prst="line">
-              <a:avLst/>
-            </a:prstGeom>
-            <a:ln w="28575">
-              <a:solidFill>
-                <a:schemeClr val="tx1"/>
-              </a:solidFill>
-            </a:ln>
-          </p:spPr>
-          <p:style>
-            <a:lnRef idx="2">
-              <a:schemeClr val="accent1"/>
-            </a:lnRef>
-            <a:fillRef idx="0">
-              <a:schemeClr val="accent1"/>
-            </a:fillRef>
-            <a:effectRef idx="1">
-              <a:schemeClr val="accent1"/>
-            </a:effectRef>
-            <a:fontRef idx="minor">
-              <a:schemeClr val="tx1"/>
-            </a:fontRef>
-          </p:style>
-        </p:cxnSp>
-        <p:cxnSp>
-          <p:nvCxnSpPr>
-            <p:cNvPr id="12" name="Straight Connector 11"/>
-            <p:cNvCxnSpPr/>
-            <p:nvPr/>
-          </p:nvCxnSpPr>
-          <p:spPr>
-            <a:xfrm flipH="1">
-              <a:off x="10918826" y="3683001"/>
-              <a:ext cx="1270001" cy="1269999"/>
-            </a:xfrm>
-            <a:prstGeom prst="line">
-              <a:avLst/>
-            </a:prstGeom>
-            <a:ln w="28575">
-              <a:solidFill>
-                <a:schemeClr val="tx1"/>
-              </a:solidFill>
-            </a:ln>
-          </p:spPr>
-          <p:style>
-            <a:lnRef idx="2">
-              <a:schemeClr val="accent1"/>
-            </a:lnRef>
-            <a:fillRef idx="0">
-              <a:schemeClr val="accent1"/>
-            </a:fillRef>
-            <a:effectRef idx="1">
-              <a:schemeClr val="accent1"/>
-            </a:effectRef>
-            <a:fontRef idx="minor">
-              <a:schemeClr val="tx1"/>
-            </a:fontRef>
-          </p:style>
-        </p:cxnSp>
-      </p:grpSp>
       <p:sp>
         <p:nvSpPr>
-          <p:cNvPr id="2" name="Title Placeholder 1"/>
+          <p:cNvPr id="2" name="Title Placeholder 1">
+            <a:extLst>
+              <a:ext uri="{FF2B5EF4-FFF2-40B4-BE49-F238E27FC236}">
+                <a16:creationId xmlns:a16="http://schemas.microsoft.com/office/drawing/2014/main" id="{AFCFEE7E-D55D-410C-BEB3-94AB4B888A60}"/>
+              </a:ext>
+            </a:extLst>
+          </p:cNvPr>
           <p:cNvSpPr>
             <a:spLocks noGrp="1"/>
           </p:cNvSpPr>
@@ -4781,42 +2814,8 @@
         </p:nvSpPr>
         <p:spPr>
           <a:xfrm>
-            <a:off x="684212" y="4487332"/>
-            <a:ext cx="8534400" cy="1507067"/>
-          </a:xfrm>
-          <a:prstGeom prst="rect">
-            <a:avLst/>
-          </a:prstGeom>
-          <a:effectLst/>
-        </p:spPr>
-        <p:txBody>
-          <a:bodyPr vert="horz" lIns="91440" tIns="45720" rIns="91440" bIns="45720" rtlCol="0" anchor="ctr">
-            <a:normAutofit/>
-          </a:bodyPr>
-          <a:lstStyle/>
-          <a:p>
-            <a:r>
-              <a:rPr lang="en-US"/>
-              <a:t>Click to edit Master title style</a:t>
-            </a:r>
-            <a:endParaRPr lang="en-US" dirty="0"/>
-          </a:p>
-        </p:txBody>
-      </p:sp>
-      <p:sp>
-        <p:nvSpPr>
-          <p:cNvPr id="3" name="Text Placeholder 2"/>
-          <p:cNvSpPr>
-            <a:spLocks noGrp="1"/>
-          </p:cNvSpPr>
-          <p:nvPr>
-            <p:ph type="body" idx="1"/>
-          </p:nvPr>
-        </p:nvSpPr>
-        <p:spPr>
-          <a:xfrm>
-            <a:off x="684212" y="685800"/>
-            <a:ext cx="8534400" cy="3615267"/>
+            <a:off x="838200" y="365125"/>
+            <a:ext cx="10515600" cy="1325563"/>
           </a:xfrm>
           <a:prstGeom prst="rect">
             <a:avLst/>
@@ -4828,46 +2827,89 @@
           </a:bodyPr>
           <a:lstStyle/>
           <a:p>
-            <a:pPr lvl="0"/>
             <a:r>
               <a:rPr lang="en-US"/>
-              <a:t>Click to edit Master text styles</a:t>
-            </a:r>
-          </a:p>
-          <a:p>
-            <a:pPr lvl="1"/>
-            <a:r>
-              <a:rPr lang="en-US"/>
-              <a:t>Second level</a:t>
-            </a:r>
-          </a:p>
-          <a:p>
-            <a:pPr lvl="2"/>
-            <a:r>
-              <a:rPr lang="en-US"/>
-              <a:t>Third level</a:t>
-            </a:r>
-          </a:p>
-          <a:p>
-            <a:pPr lvl="3"/>
-            <a:r>
-              <a:rPr lang="en-US"/>
-              <a:t>Fourth level</a:t>
-            </a:r>
-          </a:p>
-          <a:p>
-            <a:pPr lvl="4"/>
-            <a:r>
-              <a:rPr lang="en-US"/>
-              <a:t>Fifth level</a:t>
-            </a:r>
-            <a:endParaRPr lang="en-US" dirty="0"/>
+              <a:t>Click to edit Master title style</a:t>
+            </a:r>
           </a:p>
         </p:txBody>
       </p:sp>
       <p:sp>
         <p:nvSpPr>
-          <p:cNvPr id="4" name="Date Placeholder 3"/>
+          <p:cNvPr id="3" name="Text Placeholder 2">
+            <a:extLst>
+              <a:ext uri="{FF2B5EF4-FFF2-40B4-BE49-F238E27FC236}">
+                <a16:creationId xmlns:a16="http://schemas.microsoft.com/office/drawing/2014/main" id="{AECE2AAD-8AE3-47F8-8D29-B8168E270869}"/>
+              </a:ext>
+            </a:extLst>
+          </p:cNvPr>
+          <p:cNvSpPr>
+            <a:spLocks noGrp="1"/>
+          </p:cNvSpPr>
+          <p:nvPr>
+            <p:ph type="body" idx="1"/>
+          </p:nvPr>
+        </p:nvSpPr>
+        <p:spPr>
+          <a:xfrm>
+            <a:off x="838200" y="1825625"/>
+            <a:ext cx="10515600" cy="4351338"/>
+          </a:xfrm>
+          <a:prstGeom prst="rect">
+            <a:avLst/>
+          </a:prstGeom>
+        </p:spPr>
+        <p:txBody>
+          <a:bodyPr vert="horz" lIns="91440" tIns="45720" rIns="91440" bIns="45720" rtlCol="0">
+            <a:normAutofit/>
+          </a:bodyPr>
+          <a:lstStyle/>
+          <a:p>
+            <a:pPr lvl="0"/>
+            <a:r>
+              <a:rPr lang="en-US"/>
+              <a:t>Click to edit Master text styles</a:t>
+            </a:r>
+          </a:p>
+          <a:p>
+            <a:pPr lvl="1"/>
+            <a:r>
+              <a:rPr lang="en-US"/>
+              <a:t>Second level</a:t>
+            </a:r>
+          </a:p>
+          <a:p>
+            <a:pPr lvl="2"/>
+            <a:r>
+              <a:rPr lang="en-US"/>
+              <a:t>Third level</a:t>
+            </a:r>
+          </a:p>
+          <a:p>
+            <a:pPr lvl="3"/>
+            <a:r>
+              <a:rPr lang="en-US"/>
+              <a:t>Fourth level</a:t>
+            </a:r>
+          </a:p>
+          <a:p>
+            <a:pPr lvl="4"/>
+            <a:r>
+              <a:rPr lang="en-US"/>
+              <a:t>Fifth level</a:t>
+            </a:r>
+          </a:p>
+        </p:txBody>
+      </p:sp>
+      <p:sp>
+        <p:nvSpPr>
+          <p:cNvPr id="4" name="Date Placeholder 3">
+            <a:extLst>
+              <a:ext uri="{FF2B5EF4-FFF2-40B4-BE49-F238E27FC236}">
+                <a16:creationId xmlns:a16="http://schemas.microsoft.com/office/drawing/2014/main" id="{F9D1FDA9-DEC5-4C42-B9CB-41434157DA2D}"/>
+              </a:ext>
+            </a:extLst>
+          </p:cNvPr>
           <p:cNvSpPr>
             <a:spLocks noGrp="1"/>
           </p:cNvSpPr>
@@ -4877,25 +2919,23 @@
         </p:nvSpPr>
         <p:spPr>
           <a:xfrm>
-            <a:off x="9904412" y="6172200"/>
-            <a:ext cx="1600200" cy="365125"/>
+            <a:off x="838200" y="6356350"/>
+            <a:ext cx="2743200" cy="365125"/>
           </a:xfrm>
           <a:prstGeom prst="rect">
             <a:avLst/>
           </a:prstGeom>
         </p:spPr>
         <p:txBody>
-          <a:bodyPr vert="horz" lIns="91440" tIns="45720" rIns="91440" bIns="45720" rtlCol="0" anchor="t"/>
+          <a:bodyPr vert="horz" lIns="91440" tIns="45720" rIns="91440" bIns="45720" rtlCol="0" anchor="ctr"/>
           <a:lstStyle>
-            <a:lvl1pPr algn="r">
-              <a:defRPr sz="1000" b="0" i="0">
-                <a:solidFill>
-                  <a:schemeClr val="bg2">
-                    <a:lumMod val="50000"/>
+            <a:lvl1pPr algn="l">
+              <a:defRPr sz="1200">
+                <a:solidFill>
+                  <a:schemeClr val="tx1">
+                    <a:tint val="75000"/>
                   </a:schemeClr>
                 </a:solidFill>
-                <a:effectLst/>
-                <a:latin typeface="+mn-lt"/>
               </a:defRPr>
             </a:lvl1pPr>
           </a:lstStyle>
@@ -4903,7 +2943,7 @@
             <a:fld id="{AA70F276-1833-4A75-9C1D-A56E2295A68D}" type="datetimeFigureOut">
               <a:rPr lang="en-US" smtClean="0"/>
               <a:pPr/>
-              <a:t>03-Jan-22</a:t>
+              <a:t>06-Jan-22</a:t>
             </a:fld>
             <a:endParaRPr lang="en-US" dirty="0"/>
           </a:p>
@@ -4911,7 +2951,13 @@
       </p:sp>
       <p:sp>
         <p:nvSpPr>
-          <p:cNvPr id="5" name="Footer Placeholder 4"/>
+          <p:cNvPr id="5" name="Footer Placeholder 4">
+            <a:extLst>
+              <a:ext uri="{FF2B5EF4-FFF2-40B4-BE49-F238E27FC236}">
+                <a16:creationId xmlns:a16="http://schemas.microsoft.com/office/drawing/2014/main" id="{1DCECA23-2881-433F-A0A7-BC29032B5878}"/>
+              </a:ext>
+            </a:extLst>
+          </p:cNvPr>
           <p:cNvSpPr>
             <a:spLocks noGrp="1"/>
           </p:cNvSpPr>
@@ -4921,25 +2967,23 @@
         </p:nvSpPr>
         <p:spPr>
           <a:xfrm>
-            <a:off x="684212" y="6172200"/>
-            <a:ext cx="7543800" cy="365125"/>
+            <a:off x="4038600" y="6356350"/>
+            <a:ext cx="4114800" cy="365125"/>
           </a:xfrm>
           <a:prstGeom prst="rect">
             <a:avLst/>
           </a:prstGeom>
         </p:spPr>
         <p:txBody>
-          <a:bodyPr vert="horz" lIns="91440" tIns="45720" rIns="91440" bIns="45720" rtlCol="0" anchor="t"/>
+          <a:bodyPr vert="horz" lIns="91440" tIns="45720" rIns="91440" bIns="45720" rtlCol="0" anchor="ctr"/>
           <a:lstStyle>
-            <a:lvl1pPr algn="l">
-              <a:defRPr sz="1000" b="0" i="0">
-                <a:solidFill>
-                  <a:schemeClr val="bg2">
-                    <a:lumMod val="50000"/>
+            <a:lvl1pPr algn="ctr">
+              <a:defRPr sz="1200">
+                <a:solidFill>
+                  <a:schemeClr val="tx1">
+                    <a:tint val="75000"/>
                   </a:schemeClr>
                 </a:solidFill>
-                <a:effectLst/>
-                <a:latin typeface="+mn-lt"/>
               </a:defRPr>
             </a:lvl1pPr>
           </a:lstStyle>
@@ -4954,7 +2998,13 @@
       </p:sp>
       <p:sp>
         <p:nvSpPr>
-          <p:cNvPr id="6" name="Slide Number Placeholder 5"/>
+          <p:cNvPr id="6" name="Slide Number Placeholder 5">
+            <a:extLst>
+              <a:ext uri="{FF2B5EF4-FFF2-40B4-BE49-F238E27FC236}">
+                <a16:creationId xmlns:a16="http://schemas.microsoft.com/office/drawing/2014/main" id="{80A8EB2F-CAB6-4715-8E3D-05DD46241293}"/>
+              </a:ext>
+            </a:extLst>
+          </p:cNvPr>
           <p:cNvSpPr>
             <a:spLocks noGrp="1"/>
           </p:cNvSpPr>
@@ -4964,25 +3014,23 @@
         </p:nvSpPr>
         <p:spPr>
           <a:xfrm>
-            <a:off x="10363200" y="5578475"/>
-            <a:ext cx="1142245" cy="669925"/>
+            <a:off x="8610600" y="6356350"/>
+            <a:ext cx="2743200" cy="365125"/>
           </a:xfrm>
           <a:prstGeom prst="rect">
             <a:avLst/>
           </a:prstGeom>
         </p:spPr>
         <p:txBody>
-          <a:bodyPr vert="horz" lIns="91440" tIns="45720" rIns="91440" bIns="45720" rtlCol="0" anchor="b"/>
+          <a:bodyPr vert="horz" lIns="91440" tIns="45720" rIns="91440" bIns="45720" rtlCol="0" anchor="ctr"/>
           <a:lstStyle>
             <a:lvl1pPr algn="r">
-              <a:defRPr sz="3200" b="0" i="0">
-                <a:solidFill>
-                  <a:schemeClr val="bg2">
-                    <a:lumMod val="50000"/>
+              <a:defRPr sz="1200">
+                <a:solidFill>
+                  <a:schemeClr val="tx1">
+                    <a:tint val="75000"/>
                   </a:schemeClr>
                 </a:solidFill>
-                <a:effectLst/>
-                <a:latin typeface="+mn-lt"/>
               </a:defRPr>
             </a:lvl1pPr>
           </a:lstStyle>
@@ -4999,328 +3047,202 @@
     </p:spTree>
     <p:extLst>
       <p:ext uri="{BB962C8B-B14F-4D97-AF65-F5344CB8AC3E}">
-        <p14:creationId xmlns:p14="http://schemas.microsoft.com/office/powerpoint/2010/main" val="2775010258"/>
+        <p14:creationId xmlns:p14="http://schemas.microsoft.com/office/powerpoint/2010/main" val="2571242488"/>
       </p:ext>
     </p:extLst>
   </p:cSld>
-  <p:clrMap bg1="dk1" tx1="lt1" bg2="dk2" tx2="lt2" accent1="accent1" accent2="accent2" accent3="accent3" accent4="accent4" accent5="accent5" accent6="accent6" hlink="hlink" folHlink="folHlink"/>
+  <p:clrMap bg1="lt1" tx1="dk1" bg2="lt2" tx2="dk2" accent1="accent1" accent2="accent2" accent3="accent3" accent4="accent4" accent5="accent5" accent6="accent6" hlink="hlink" folHlink="folHlink"/>
   <p:sldLayoutIdLst>
-    <p:sldLayoutId id="2147483832" r:id="rId1"/>
-    <p:sldLayoutId id="2147483833" r:id="rId2"/>
-    <p:sldLayoutId id="2147483834" r:id="rId3"/>
-    <p:sldLayoutId id="2147483835" r:id="rId4"/>
-    <p:sldLayoutId id="2147483836" r:id="rId5"/>
-    <p:sldLayoutId id="2147483837" r:id="rId6"/>
-    <p:sldLayoutId id="2147483838" r:id="rId7"/>
-    <p:sldLayoutId id="2147483839" r:id="rId8"/>
-    <p:sldLayoutId id="2147483840" r:id="rId9"/>
-    <p:sldLayoutId id="2147483841" r:id="rId10"/>
-    <p:sldLayoutId id="2147483842" r:id="rId11"/>
-    <p:sldLayoutId id="2147483843" r:id="rId12"/>
-    <p:sldLayoutId id="2147483844" r:id="rId13"/>
-    <p:sldLayoutId id="2147483845" r:id="rId14"/>
-    <p:sldLayoutId id="2147483846" r:id="rId15"/>
-    <p:sldLayoutId id="2147483847" r:id="rId16"/>
-    <p:sldLayoutId id="2147483848" r:id="rId17"/>
+    <p:sldLayoutId id="2147483850" r:id="rId1"/>
+    <p:sldLayoutId id="2147483851" r:id="rId2"/>
+    <p:sldLayoutId id="2147483852" r:id="rId3"/>
+    <p:sldLayoutId id="2147483853" r:id="rId4"/>
+    <p:sldLayoutId id="2147483854" r:id="rId5"/>
+    <p:sldLayoutId id="2147483855" r:id="rId6"/>
+    <p:sldLayoutId id="2147483856" r:id="rId7"/>
+    <p:sldLayoutId id="2147483857" r:id="rId8"/>
+    <p:sldLayoutId id="2147483858" r:id="rId9"/>
+    <p:sldLayoutId id="2147483859" r:id="rId10"/>
+    <p:sldLayoutId id="2147483860" r:id="rId11"/>
   </p:sldLayoutIdLst>
   <p:txStyles>
     <p:titleStyle>
-      <a:lvl1pPr algn="l" defTabSz="457200" rtl="0" eaLnBrk="1" latinLnBrk="0" hangingPunct="1">
+      <a:lvl1pPr algn="l" defTabSz="914400" rtl="0" eaLnBrk="1" latinLnBrk="0" hangingPunct="1">
+        <a:lnSpc>
+          <a:spcPct val="90000"/>
+        </a:lnSpc>
         <a:spcBef>
           <a:spcPct val="0"/>
         </a:spcBef>
         <a:buNone/>
-        <a:defRPr sz="3600" kern="1200" cap="all">
-          <a:ln w="3175" cmpd="sng">
-            <a:noFill/>
-          </a:ln>
+        <a:defRPr sz="4400" kern="1200">
           <a:solidFill>
             <a:schemeClr val="tx1"/>
           </a:solidFill>
-          <a:effectLst/>
           <a:latin typeface="+mj-lt"/>
           <a:ea typeface="+mj-ea"/>
           <a:cs typeface="+mj-cs"/>
         </a:defRPr>
       </a:lvl1pPr>
-      <a:lvl2pPr eaLnBrk="1" hangingPunct="1">
-        <a:defRPr>
-          <a:solidFill>
-            <a:schemeClr val="tx2"/>
-          </a:solidFill>
-        </a:defRPr>
-      </a:lvl2pPr>
-      <a:lvl3pPr eaLnBrk="1" hangingPunct="1">
-        <a:defRPr>
-          <a:solidFill>
-            <a:schemeClr val="tx2"/>
-          </a:solidFill>
-        </a:defRPr>
-      </a:lvl3pPr>
-      <a:lvl4pPr eaLnBrk="1" hangingPunct="1">
-        <a:defRPr>
-          <a:solidFill>
-            <a:schemeClr val="tx2"/>
-          </a:solidFill>
-        </a:defRPr>
-      </a:lvl4pPr>
-      <a:lvl5pPr eaLnBrk="1" hangingPunct="1">
-        <a:defRPr>
-          <a:solidFill>
-            <a:schemeClr val="tx2"/>
-          </a:solidFill>
-        </a:defRPr>
-      </a:lvl5pPr>
-      <a:lvl6pPr eaLnBrk="1" hangingPunct="1">
-        <a:defRPr>
-          <a:solidFill>
-            <a:schemeClr val="tx2"/>
-          </a:solidFill>
-        </a:defRPr>
-      </a:lvl6pPr>
-      <a:lvl7pPr eaLnBrk="1" hangingPunct="1">
-        <a:defRPr>
-          <a:solidFill>
-            <a:schemeClr val="tx2"/>
-          </a:solidFill>
-        </a:defRPr>
-      </a:lvl7pPr>
-      <a:lvl8pPr eaLnBrk="1" hangingPunct="1">
-        <a:defRPr>
-          <a:solidFill>
-            <a:schemeClr val="tx2"/>
-          </a:solidFill>
-        </a:defRPr>
-      </a:lvl8pPr>
-      <a:lvl9pPr eaLnBrk="1" hangingPunct="1">
-        <a:defRPr>
-          <a:solidFill>
-            <a:schemeClr val="tx2"/>
-          </a:solidFill>
-        </a:defRPr>
-      </a:lvl9pPr>
     </p:titleStyle>
     <p:bodyStyle>
-      <a:lvl1pPr marL="285750" indent="-285750" algn="l" defTabSz="457200" rtl="0" eaLnBrk="1" latinLnBrk="0" hangingPunct="1">
+      <a:lvl1pPr marL="228600" indent="-228600" algn="l" defTabSz="914400" rtl="0" eaLnBrk="1" latinLnBrk="0" hangingPunct="1">
+        <a:lnSpc>
+          <a:spcPct val="90000"/>
+        </a:lnSpc>
         <a:spcBef>
-          <a:spcPct val="20000"/>
+          <a:spcPts val="1000"/>
         </a:spcBef>
-        <a:spcAft>
-          <a:spcPts val="600"/>
-        </a:spcAft>
-        <a:buClr>
-          <a:schemeClr val="tx1"/>
-        </a:buClr>
-        <a:buSzPct val="80000"/>
-        <a:buFont typeface="Wingdings 3" panose="05040102010807070707" pitchFamily="18" charset="2"/>
-        <a:buChar char=""/>
-        <a:defRPr sz="2000" kern="1200" cap="none">
+        <a:buFont typeface="Arial" panose="020B0604020202020204" pitchFamily="34" charset="0"/>
+        <a:buChar char="•"/>
+        <a:defRPr sz="2800" kern="1200">
           <a:solidFill>
-            <a:schemeClr val="bg2">
-              <a:lumMod val="75000"/>
-            </a:schemeClr>
+            <a:schemeClr val="tx1"/>
           </a:solidFill>
-          <a:effectLst/>
           <a:latin typeface="+mn-lt"/>
           <a:ea typeface="+mn-ea"/>
           <a:cs typeface="+mn-cs"/>
         </a:defRPr>
       </a:lvl1pPr>
-      <a:lvl2pPr marL="742950" indent="-285750" algn="l" defTabSz="457200" rtl="0" eaLnBrk="1" latinLnBrk="0" hangingPunct="1">
+      <a:lvl2pPr marL="685800" indent="-228600" algn="l" defTabSz="914400" rtl="0" eaLnBrk="1" latinLnBrk="0" hangingPunct="1">
+        <a:lnSpc>
+          <a:spcPct val="90000"/>
+        </a:lnSpc>
         <a:spcBef>
-          <a:spcPct val="20000"/>
+          <a:spcPts val="500"/>
         </a:spcBef>
-        <a:spcAft>
-          <a:spcPts val="600"/>
-        </a:spcAft>
-        <a:buClr>
-          <a:schemeClr val="tx1"/>
-        </a:buClr>
-        <a:buSzPct val="80000"/>
-        <a:buFont typeface="Wingdings 3" panose="05040102010807070707" pitchFamily="18" charset="2"/>
-        <a:buChar char=""/>
-        <a:defRPr sz="1800" kern="1200" cap="none">
+        <a:buFont typeface="Arial" panose="020B0604020202020204" pitchFamily="34" charset="0"/>
+        <a:buChar char="•"/>
+        <a:defRPr sz="2400" kern="1200">
           <a:solidFill>
-            <a:schemeClr val="bg2">
-              <a:lumMod val="75000"/>
-            </a:schemeClr>
+            <a:schemeClr val="tx1"/>
           </a:solidFill>
-          <a:effectLst/>
           <a:latin typeface="+mn-lt"/>
           <a:ea typeface="+mn-ea"/>
           <a:cs typeface="+mn-cs"/>
         </a:defRPr>
       </a:lvl2pPr>
-      <a:lvl3pPr marL="1200150" indent="-285750" algn="l" defTabSz="457200" rtl="0" eaLnBrk="1" latinLnBrk="0" hangingPunct="1">
+      <a:lvl3pPr marL="1143000" indent="-228600" algn="l" defTabSz="914400" rtl="0" eaLnBrk="1" latinLnBrk="0" hangingPunct="1">
+        <a:lnSpc>
+          <a:spcPct val="90000"/>
+        </a:lnSpc>
         <a:spcBef>
-          <a:spcPct val="20000"/>
+          <a:spcPts val="500"/>
         </a:spcBef>
-        <a:spcAft>
-          <a:spcPts val="600"/>
-        </a:spcAft>
-        <a:buClr>
-          <a:schemeClr val="tx1"/>
-        </a:buClr>
-        <a:buSzPct val="80000"/>
-        <a:buFont typeface="Wingdings 3" panose="05040102010807070707" pitchFamily="18" charset="2"/>
-        <a:buChar char=""/>
-        <a:defRPr sz="1600" kern="1200" cap="none">
+        <a:buFont typeface="Arial" panose="020B0604020202020204" pitchFamily="34" charset="0"/>
+        <a:buChar char="•"/>
+        <a:defRPr sz="2000" kern="1200">
           <a:solidFill>
-            <a:schemeClr val="bg2">
-              <a:lumMod val="75000"/>
-            </a:schemeClr>
+            <a:schemeClr val="tx1"/>
           </a:solidFill>
-          <a:effectLst/>
           <a:latin typeface="+mn-lt"/>
           <a:ea typeface="+mn-ea"/>
           <a:cs typeface="+mn-cs"/>
         </a:defRPr>
       </a:lvl3pPr>
-      <a:lvl4pPr marL="1543050" indent="-171450" algn="l" defTabSz="457200" rtl="0" eaLnBrk="1" latinLnBrk="0" hangingPunct="1">
+      <a:lvl4pPr marL="1600200" indent="-228600" algn="l" defTabSz="914400" rtl="0" eaLnBrk="1" latinLnBrk="0" hangingPunct="1">
+        <a:lnSpc>
+          <a:spcPct val="90000"/>
+        </a:lnSpc>
         <a:spcBef>
-          <a:spcPct val="20000"/>
+          <a:spcPts val="500"/>
         </a:spcBef>
-        <a:spcAft>
-          <a:spcPts val="600"/>
-        </a:spcAft>
-        <a:buClr>
-          <a:schemeClr val="tx1"/>
-        </a:buClr>
-        <a:buSzPct val="80000"/>
-        <a:buFont typeface="Wingdings 3" panose="05040102010807070707" pitchFamily="18" charset="2"/>
-        <a:buChar char=""/>
-        <a:defRPr sz="1400" kern="1200" cap="none">
+        <a:buFont typeface="Arial" panose="020B0604020202020204" pitchFamily="34" charset="0"/>
+        <a:buChar char="•"/>
+        <a:defRPr sz="1800" kern="1200">
           <a:solidFill>
-            <a:schemeClr val="bg2">
-              <a:lumMod val="75000"/>
-            </a:schemeClr>
+            <a:schemeClr val="tx1"/>
           </a:solidFill>
-          <a:effectLst/>
           <a:latin typeface="+mn-lt"/>
           <a:ea typeface="+mn-ea"/>
           <a:cs typeface="+mn-cs"/>
         </a:defRPr>
       </a:lvl4pPr>
-      <a:lvl5pPr marL="2000250" indent="-171450" algn="l" defTabSz="457200" rtl="0" eaLnBrk="1" latinLnBrk="0" hangingPunct="1">
+      <a:lvl5pPr marL="2057400" indent="-228600" algn="l" defTabSz="914400" rtl="0" eaLnBrk="1" latinLnBrk="0" hangingPunct="1">
+        <a:lnSpc>
+          <a:spcPct val="90000"/>
+        </a:lnSpc>
         <a:spcBef>
-          <a:spcPct val="20000"/>
+          <a:spcPts val="500"/>
         </a:spcBef>
-        <a:spcAft>
-          <a:spcPts val="600"/>
-        </a:spcAft>
-        <a:buClr>
-          <a:schemeClr val="tx1"/>
-        </a:buClr>
-        <a:buSzPct val="80000"/>
-        <a:buFont typeface="Wingdings 3" panose="05040102010807070707" pitchFamily="18" charset="2"/>
-        <a:buChar char=""/>
-        <a:defRPr sz="1400" kern="1200" cap="none">
+        <a:buFont typeface="Arial" panose="020B0604020202020204" pitchFamily="34" charset="0"/>
+        <a:buChar char="•"/>
+        <a:defRPr sz="1800" kern="1200">
           <a:solidFill>
-            <a:schemeClr val="bg2">
-              <a:lumMod val="75000"/>
-            </a:schemeClr>
+            <a:schemeClr val="tx1"/>
           </a:solidFill>
-          <a:effectLst/>
           <a:latin typeface="+mn-lt"/>
           <a:ea typeface="+mn-ea"/>
           <a:cs typeface="+mn-cs"/>
         </a:defRPr>
       </a:lvl5pPr>
-      <a:lvl6pPr marL="2514600" indent="-228600" algn="l" defTabSz="457200" rtl="0" eaLnBrk="1" latinLnBrk="0" hangingPunct="1">
+      <a:lvl6pPr marL="2514600" indent="-228600" algn="l" defTabSz="914400" rtl="0" eaLnBrk="1" latinLnBrk="0" hangingPunct="1">
+        <a:lnSpc>
+          <a:spcPct val="90000"/>
+        </a:lnSpc>
         <a:spcBef>
-          <a:spcPct val="20000"/>
+          <a:spcPts val="500"/>
         </a:spcBef>
-        <a:spcAft>
-          <a:spcPts val="600"/>
-        </a:spcAft>
-        <a:buClr>
-          <a:schemeClr val="tx1"/>
-        </a:buClr>
-        <a:buSzPct val="80000"/>
-        <a:buFont typeface="Wingdings 3" panose="05040102010807070707" pitchFamily="18" charset="2"/>
-        <a:buChar char=""/>
-        <a:defRPr sz="1400" kern="1200" cap="none">
+        <a:buFont typeface="Arial" panose="020B0604020202020204" pitchFamily="34" charset="0"/>
+        <a:buChar char="•"/>
+        <a:defRPr sz="1800" kern="1200">
           <a:solidFill>
-            <a:schemeClr val="bg2">
-              <a:lumMod val="75000"/>
-            </a:schemeClr>
+            <a:schemeClr val="tx1"/>
           </a:solidFill>
-          <a:effectLst/>
           <a:latin typeface="+mn-lt"/>
           <a:ea typeface="+mn-ea"/>
           <a:cs typeface="+mn-cs"/>
         </a:defRPr>
       </a:lvl6pPr>
-      <a:lvl7pPr marL="2971800" indent="-228600" algn="l" defTabSz="457200" rtl="0" eaLnBrk="1" latinLnBrk="0" hangingPunct="1">
+      <a:lvl7pPr marL="2971800" indent="-228600" algn="l" defTabSz="914400" rtl="0" eaLnBrk="1" latinLnBrk="0" hangingPunct="1">
+        <a:lnSpc>
+          <a:spcPct val="90000"/>
+        </a:lnSpc>
         <a:spcBef>
-          <a:spcPct val="20000"/>
+          <a:spcPts val="500"/>
         </a:spcBef>
-        <a:spcAft>
-          <a:spcPts val="600"/>
-        </a:spcAft>
-        <a:buClr>
-          <a:schemeClr val="tx1"/>
-        </a:buClr>
-        <a:buSzPct val="80000"/>
-        <a:buFont typeface="Wingdings 3" panose="05040102010807070707" pitchFamily="18" charset="2"/>
-        <a:buChar char=""/>
-        <a:defRPr sz="1400" kern="1200" cap="none">
+        <a:buFont typeface="Arial" panose="020B0604020202020204" pitchFamily="34" charset="0"/>
+        <a:buChar char="•"/>
+        <a:defRPr sz="1800" kern="1200">
           <a:solidFill>
-            <a:schemeClr val="bg2">
-              <a:lumMod val="75000"/>
-            </a:schemeClr>
+            <a:schemeClr val="tx1"/>
           </a:solidFill>
-          <a:effectLst/>
           <a:latin typeface="+mn-lt"/>
           <a:ea typeface="+mn-ea"/>
           <a:cs typeface="+mn-cs"/>
         </a:defRPr>
       </a:lvl7pPr>
-      <a:lvl8pPr marL="3429000" indent="-228600" algn="l" defTabSz="457200" rtl="0" eaLnBrk="1" latinLnBrk="0" hangingPunct="1">
+      <a:lvl8pPr marL="3429000" indent="-228600" algn="l" defTabSz="914400" rtl="0" eaLnBrk="1" latinLnBrk="0" hangingPunct="1">
+        <a:lnSpc>
+          <a:spcPct val="90000"/>
+        </a:lnSpc>
         <a:spcBef>
-          <a:spcPct val="20000"/>
+          <a:spcPts val="500"/>
         </a:spcBef>
-        <a:spcAft>
-          <a:spcPts val="600"/>
-        </a:spcAft>
-        <a:buClr>
-          <a:schemeClr val="tx1"/>
-        </a:buClr>
-        <a:buSzPct val="80000"/>
-        <a:buFont typeface="Wingdings 3" panose="05040102010807070707" pitchFamily="18" charset="2"/>
-        <a:buChar char=""/>
-        <a:defRPr sz="1400" kern="1200" cap="none">
+        <a:buFont typeface="Arial" panose="020B0604020202020204" pitchFamily="34" charset="0"/>
+        <a:buChar char="•"/>
+        <a:defRPr sz="1800" kern="1200">
           <a:solidFill>
-            <a:schemeClr val="bg2">
-              <a:lumMod val="75000"/>
-            </a:schemeClr>
+            <a:schemeClr val="tx1"/>
           </a:solidFill>
-          <a:effectLst/>
           <a:latin typeface="+mn-lt"/>
           <a:ea typeface="+mn-ea"/>
           <a:cs typeface="+mn-cs"/>
         </a:defRPr>
       </a:lvl8pPr>
-      <a:lvl9pPr marL="3886200" indent="-228600" algn="l" defTabSz="457200" rtl="0" eaLnBrk="1" latinLnBrk="0" hangingPunct="1">
+      <a:lvl9pPr marL="3886200" indent="-228600" algn="l" defTabSz="914400" rtl="0" eaLnBrk="1" latinLnBrk="0" hangingPunct="1">
+        <a:lnSpc>
+          <a:spcPct val="90000"/>
+        </a:lnSpc>
         <a:spcBef>
-          <a:spcPct val="20000"/>
+          <a:spcPts val="500"/>
         </a:spcBef>
-        <a:spcAft>
-          <a:spcPts val="600"/>
-        </a:spcAft>
-        <a:buClr>
-          <a:schemeClr val="tx1"/>
-        </a:buClr>
-        <a:buSzPct val="80000"/>
-        <a:buFont typeface="Wingdings 3" panose="05040102010807070707" pitchFamily="18" charset="2"/>
-        <a:buChar char=""/>
-        <a:defRPr sz="1400" kern="1200" cap="none">
+        <a:buFont typeface="Arial" panose="020B0604020202020204" pitchFamily="34" charset="0"/>
+        <a:buChar char="•"/>
+        <a:defRPr sz="1800" kern="1200">
           <a:solidFill>
-            <a:schemeClr val="bg2">
-              <a:lumMod val="75000"/>
-            </a:schemeClr>
+            <a:schemeClr val="tx1"/>
           </a:solidFill>
-          <a:effectLst/>
           <a:latin typeface="+mn-lt"/>
           <a:ea typeface="+mn-ea"/>
           <a:cs typeface="+mn-cs"/>
@@ -5331,7 +3253,7 @@
       <a:defPPr>
         <a:defRPr lang="en-US"/>
       </a:defPPr>
-      <a:lvl1pPr marL="0" algn="l" defTabSz="457200" rtl="0" eaLnBrk="1" latinLnBrk="0" hangingPunct="1">
+      <a:lvl1pPr marL="0" algn="l" defTabSz="914400" rtl="0" eaLnBrk="1" latinLnBrk="0" hangingPunct="1">
         <a:defRPr sz="1800" kern="1200">
           <a:solidFill>
             <a:schemeClr val="tx1"/>
@@ -5341,7 +3263,7 @@
           <a:cs typeface="+mn-cs"/>
         </a:defRPr>
       </a:lvl1pPr>
-      <a:lvl2pPr marL="457200" algn="l" defTabSz="457200" rtl="0" eaLnBrk="1" latinLnBrk="0" hangingPunct="1">
+      <a:lvl2pPr marL="457200" algn="l" defTabSz="914400" rtl="0" eaLnBrk="1" latinLnBrk="0" hangingPunct="1">
         <a:defRPr sz="1800" kern="1200">
           <a:solidFill>
             <a:schemeClr val="tx1"/>
@@ -5351,7 +3273,7 @@
           <a:cs typeface="+mn-cs"/>
         </a:defRPr>
       </a:lvl2pPr>
-      <a:lvl3pPr marL="914400" algn="l" defTabSz="457200" rtl="0" eaLnBrk="1" latinLnBrk="0" hangingPunct="1">
+      <a:lvl3pPr marL="914400" algn="l" defTabSz="914400" rtl="0" eaLnBrk="1" latinLnBrk="0" hangingPunct="1">
         <a:defRPr sz="1800" kern="1200">
           <a:solidFill>
             <a:schemeClr val="tx1"/>
@@ -5361,7 +3283,7 @@
           <a:cs typeface="+mn-cs"/>
         </a:defRPr>
       </a:lvl3pPr>
-      <a:lvl4pPr marL="1371600" algn="l" defTabSz="457200" rtl="0" eaLnBrk="1" latinLnBrk="0" hangingPunct="1">
+      <a:lvl4pPr marL="1371600" algn="l" defTabSz="914400" rtl="0" eaLnBrk="1" latinLnBrk="0" hangingPunct="1">
         <a:defRPr sz="1800" kern="1200">
           <a:solidFill>
             <a:schemeClr val="tx1"/>
@@ -5371,7 +3293,7 @@
           <a:cs typeface="+mn-cs"/>
         </a:defRPr>
       </a:lvl4pPr>
-      <a:lvl5pPr marL="1828800" algn="l" defTabSz="457200" rtl="0" eaLnBrk="1" latinLnBrk="0" hangingPunct="1">
+      <a:lvl5pPr marL="1828800" algn="l" defTabSz="914400" rtl="0" eaLnBrk="1" latinLnBrk="0" hangingPunct="1">
         <a:defRPr sz="1800" kern="1200">
           <a:solidFill>
             <a:schemeClr val="tx1"/>
@@ -5381,7 +3303,7 @@
           <a:cs typeface="+mn-cs"/>
         </a:defRPr>
       </a:lvl5pPr>
-      <a:lvl6pPr marL="2286000" algn="l" defTabSz="457200" rtl="0" eaLnBrk="1" latinLnBrk="0" hangingPunct="1">
+      <a:lvl6pPr marL="2286000" algn="l" defTabSz="914400" rtl="0" eaLnBrk="1" latinLnBrk="0" hangingPunct="1">
         <a:defRPr sz="1800" kern="1200">
           <a:solidFill>
             <a:schemeClr val="tx1"/>
@@ -5391,7 +3313,7 @@
           <a:cs typeface="+mn-cs"/>
         </a:defRPr>
       </a:lvl6pPr>
-      <a:lvl7pPr marL="2743200" algn="l" defTabSz="457200" rtl="0" eaLnBrk="1" latinLnBrk="0" hangingPunct="1">
+      <a:lvl7pPr marL="2743200" algn="l" defTabSz="914400" rtl="0" eaLnBrk="1" latinLnBrk="0" hangingPunct="1">
         <a:defRPr sz="1800" kern="1200">
           <a:solidFill>
             <a:schemeClr val="tx1"/>
@@ -5401,7 +3323,7 @@
           <a:cs typeface="+mn-cs"/>
         </a:defRPr>
       </a:lvl7pPr>
-      <a:lvl8pPr marL="3200400" algn="l" defTabSz="457200" rtl="0" eaLnBrk="1" latinLnBrk="0" hangingPunct="1">
+      <a:lvl8pPr marL="3200400" algn="l" defTabSz="914400" rtl="0" eaLnBrk="1" latinLnBrk="0" hangingPunct="1">
         <a:defRPr sz="1800" kern="1200">
           <a:solidFill>
             <a:schemeClr val="tx1"/>
@@ -5411,7 +3333,7 @@
           <a:cs typeface="+mn-cs"/>
         </a:defRPr>
       </a:lvl8pPr>
-      <a:lvl9pPr marL="3657600" algn="l" defTabSz="457200" rtl="0" eaLnBrk="1" latinLnBrk="0" hangingPunct="1">
+      <a:lvl9pPr marL="3657600" algn="l" defTabSz="914400" rtl="0" eaLnBrk="1" latinLnBrk="0" hangingPunct="1">
         <a:defRPr sz="1800" kern="1200">
           <a:solidFill>
             <a:schemeClr val="tx1"/>
@@ -19926,9 +17848,9 @@
 </file>
 
 <file path=ppt/theme/theme1.xml><?xml version="1.0" encoding="utf-8"?>
-<a:theme xmlns:a="http://schemas.openxmlformats.org/drawingml/2006/main" name="Slice">
+<a:theme xmlns:a="http://schemas.openxmlformats.org/drawingml/2006/main" name="Office Theme">
   <a:themeElements>
-    <a:clrScheme name="Slice">
+    <a:clrScheme name="Office">
       <a:dk1>
         <a:sysClr val="windowText" lastClr="000000"/>
       </a:dk1>
@@ -19936,48 +17858,100 @@
         <a:sysClr val="window" lastClr="FFFFFF"/>
       </a:lt1>
       <a:dk2>
-        <a:srgbClr val="146194"/>
+        <a:srgbClr val="44546A"/>
       </a:dk2>
       <a:lt2>
-        <a:srgbClr val="76DBF4"/>
+        <a:srgbClr val="E7E6E6"/>
       </a:lt2>
       <a:accent1>
-        <a:srgbClr val="052F61"/>
+        <a:srgbClr val="4472C4"/>
       </a:accent1>
       <a:accent2>
-        <a:srgbClr val="A50E82"/>
+        <a:srgbClr val="ED7D31"/>
       </a:accent2>
       <a:accent3>
-        <a:srgbClr val="14967C"/>
+        <a:srgbClr val="A5A5A5"/>
       </a:accent3>
       <a:accent4>
-        <a:srgbClr val="6A9E1F"/>
+        <a:srgbClr val="FFC000"/>
       </a:accent4>
       <a:accent5>
-        <a:srgbClr val="E87D37"/>
+        <a:srgbClr val="5B9BD5"/>
       </a:accent5>
       <a:accent6>
-        <a:srgbClr val="C62324"/>
+        <a:srgbClr val="70AD47"/>
       </a:accent6>
       <a:hlink>
-        <a:srgbClr val="0D2E46"/>
+        <a:srgbClr val="0563C1"/>
       </a:hlink>
       <a:folHlink>
-        <a:srgbClr val="356A95"/>
+        <a:srgbClr val="954F72"/>
       </a:folHlink>
     </a:clrScheme>
-    <a:fontScheme name="Slice">
+    <a:fontScheme name="Office">
       <a:majorFont>
-        <a:latin typeface="Century Gothic" panose="020B0502020202020204"/>
+        <a:latin typeface="Calibri Light" panose="020F0302020204030204"/>
         <a:ea typeface=""/>
         <a:cs typeface=""/>
-        <a:font script="Jpan" typeface="メイリオ"/>
-        <a:font script="Hang" typeface="HY중고딕"/>
-        <a:font script="Hans" typeface="幼圆"/>
-        <a:font script="Hant" typeface="微軟正黑體"/>
-        <a:font script="Arab" typeface="Tahoma"/>
-        <a:font script="Hebr" typeface="Gisha"/>
-        <a:font script="Thai" typeface="DilleniaUPC"/>
+        <a:font script="Jpan" typeface="游ゴシック Light"/>
+        <a:font script="Hang" typeface="맑은 고딕"/>
+        <a:font script="Hans" typeface="等线 Light"/>
+        <a:font script="Hant" typeface="新細明體"/>
+        <a:font script="Arab" typeface="Times New Roman"/>
+        <a:font script="Hebr" typeface="Times New Roman"/>
+        <a:font script="Thai" typeface="Angsana New"/>
+        <a:font script="Ethi" typeface="Nyala"/>
+        <a:font script="Beng" typeface="Vrinda"/>
+        <a:font script="Gujr" typeface="Shruti"/>
+        <a:font script="Khmr" typeface="MoolBoran"/>
+        <a:font script="Knda" typeface="Tunga"/>
+        <a:font script="Guru" typeface="Raavi"/>
+        <a:font script="Cans" typeface="Euphemia"/>
+        <a:font script="Cher" typeface="Plantagenet Cherokee"/>
+        <a:font script="Yiii" typeface="Microsoft Yi Baiti"/>
+        <a:font script="Tibt" typeface="Microsoft Himalaya"/>
+        <a:font script="Thaa" typeface="MV Boli"/>
+        <a:font script="Deva" typeface="Mangal"/>
+        <a:font script="Telu" typeface="Gautami"/>
+        <a:font script="Taml" typeface="Latha"/>
+        <a:font script="Syrc" typeface="Estrangelo Edessa"/>
+        <a:font script="Orya" typeface="Kalinga"/>
+        <a:font script="Mlym" typeface="Kartika"/>
+        <a:font script="Laoo" typeface="DokChampa"/>
+        <a:font script="Sinh" typeface="Iskoola Pota"/>
+        <a:font script="Mong" typeface="Mongolian Baiti"/>
+        <a:font script="Viet" typeface="Times New Roman"/>
+        <a:font script="Uigh" typeface="Microsoft Uighur"/>
+        <a:font script="Geor" typeface="Sylfaen"/>
+        <a:font script="Armn" typeface="Arial"/>
+        <a:font script="Bugi" typeface="Leelawadee UI"/>
+        <a:font script="Bopo" typeface="Microsoft JhengHei"/>
+        <a:font script="Java" typeface="Javanese Text"/>
+        <a:font script="Lisu" typeface="Segoe UI"/>
+        <a:font script="Mymr" typeface="Myanmar Text"/>
+        <a:font script="Nkoo" typeface="Ebrima"/>
+        <a:font script="Olck" typeface="Nirmala UI"/>
+        <a:font script="Osma" typeface="Ebrima"/>
+        <a:font script="Phag" typeface="Phagspa"/>
+        <a:font script="Syrn" typeface="Estrangelo Edessa"/>
+        <a:font script="Syrj" typeface="Estrangelo Edessa"/>
+        <a:font script="Syre" typeface="Estrangelo Edessa"/>
+        <a:font script="Sora" typeface="Nirmala UI"/>
+        <a:font script="Tale" typeface="Microsoft Tai Le"/>
+        <a:font script="Talu" typeface="Microsoft New Tai Lue"/>
+        <a:font script="Tfng" typeface="Ebrima"/>
+      </a:majorFont>
+      <a:minorFont>
+        <a:latin typeface="Calibri" panose="020F0502020204030204"/>
+        <a:ea typeface=""/>
+        <a:cs typeface=""/>
+        <a:font script="Jpan" typeface="游ゴシック"/>
+        <a:font script="Hang" typeface="맑은 고딕"/>
+        <a:font script="Hans" typeface="等线"/>
+        <a:font script="Hant" typeface="新細明體"/>
+        <a:font script="Arab" typeface="Arial"/>
+        <a:font script="Hebr" typeface="Arial"/>
+        <a:font script="Thai" typeface="Cordia New"/>
         <a:font script="Ethi" typeface="Nyala"/>
         <a:font script="Beng" typeface="Vrinda"/>
         <a:font script="Gujr" typeface="Shruti"/>
@@ -19998,47 +17972,29 @@
         <a:font script="Laoo" typeface="DokChampa"/>
         <a:font script="Sinh" typeface="Iskoola Pota"/>
         <a:font script="Mong" typeface="Mongolian Baiti"/>
-        <a:font script="Viet" typeface="Tahoma"/>
+        <a:font script="Viet" typeface="Arial"/>
         <a:font script="Uigh" typeface="Microsoft Uighur"/>
         <a:font script="Geor" typeface="Sylfaen"/>
-      </a:majorFont>
-      <a:minorFont>
-        <a:latin typeface="Century Gothic" panose="020B0502020202020204"/>
-        <a:ea typeface=""/>
-        <a:cs typeface=""/>
-        <a:font script="Jpan" typeface="メイリオ"/>
-        <a:font script="Hang" typeface="HY중고딕"/>
-        <a:font script="Hans" typeface="幼圆"/>
-        <a:font script="Hant" typeface="微軟正黑體"/>
-        <a:font script="Arab" typeface="Tahoma"/>
-        <a:font script="Hebr" typeface="Gisha"/>
-        <a:font script="Thai" typeface="DilleniaUPC"/>
-        <a:font script="Ethi" typeface="Nyala"/>
-        <a:font script="Beng" typeface="Vrinda"/>
-        <a:font script="Gujr" typeface="Shruti"/>
-        <a:font script="Khmr" typeface="DaunPenh"/>
-        <a:font script="Knda" typeface="Tunga"/>
-        <a:font script="Guru" typeface="Raavi"/>
-        <a:font script="Cans" typeface="Euphemia"/>
-        <a:font script="Cher" typeface="Plantagenet Cherokee"/>
-        <a:font script="Yiii" typeface="Microsoft Yi Baiti"/>
-        <a:font script="Tibt" typeface="Microsoft Himalaya"/>
-        <a:font script="Thaa" typeface="MV Boli"/>
-        <a:font script="Deva" typeface="Mangal"/>
-        <a:font script="Telu" typeface="Gautami"/>
-        <a:font script="Taml" typeface="Latha"/>
-        <a:font script="Syrc" typeface="Estrangelo Edessa"/>
-        <a:font script="Orya" typeface="Kalinga"/>
-        <a:font script="Mlym" typeface="Kartika"/>
-        <a:font script="Laoo" typeface="DokChampa"/>
-        <a:font script="Sinh" typeface="Iskoola Pota"/>
-        <a:font script="Mong" typeface="Mongolian Baiti"/>
-        <a:font script="Viet" typeface="Tahoma"/>
-        <a:font script="Uigh" typeface="Microsoft Uighur"/>
-        <a:font script="Geor" typeface="Sylfaen"/>
+        <a:font script="Armn" typeface="Arial"/>
+        <a:font script="Bugi" typeface="Leelawadee UI"/>
+        <a:font script="Bopo" typeface="Microsoft JhengHei"/>
+        <a:font script="Java" typeface="Javanese Text"/>
+        <a:font script="Lisu" typeface="Segoe UI"/>
+        <a:font script="Mymr" typeface="Myanmar Text"/>
+        <a:font script="Nkoo" typeface="Ebrima"/>
+        <a:font script="Olck" typeface="Nirmala UI"/>
+        <a:font script="Osma" typeface="Ebrima"/>
+        <a:font script="Phag" typeface="Phagspa"/>
+        <a:font script="Syrn" typeface="Estrangelo Edessa"/>
+        <a:font script="Syrj" typeface="Estrangelo Edessa"/>
+        <a:font script="Syre" typeface="Estrangelo Edessa"/>
+        <a:font script="Sora" typeface="Nirmala UI"/>
+        <a:font script="Tale" typeface="Microsoft Tai Le"/>
+        <a:font script="Talu" typeface="Microsoft New Tai Lue"/>
+        <a:font script="Tfng" typeface="Ebrima"/>
       </a:minorFont>
     </a:fontScheme>
-    <a:fmtScheme name="Slice">
+    <a:fmtScheme name="Office">
       <a:fillStyleLst>
         <a:solidFill>
           <a:schemeClr val="phClr"/>
@@ -20047,16 +18003,23 @@
           <a:gsLst>
             <a:gs pos="0">
               <a:schemeClr val="phClr">
-                <a:tint val="62000"/>
-                <a:hueMod val="94000"/>
-                <a:satMod val="140000"/>
                 <a:lumMod val="110000"/>
+                <a:satMod val="105000"/>
+                <a:tint val="67000"/>
+              </a:schemeClr>
+            </a:gs>
+            <a:gs pos="50000">
+              <a:schemeClr val="phClr">
+                <a:lumMod val="105000"/>
+                <a:satMod val="103000"/>
+                <a:tint val="73000"/>
               </a:schemeClr>
             </a:gs>
             <a:gs pos="100000">
               <a:schemeClr val="phClr">
-                <a:tint val="84000"/>
-                <a:satMod val="160000"/>
+                <a:lumMod val="105000"/>
+                <a:satMod val="109000"/>
+                <a:tint val="81000"/>
               </a:schemeClr>
             </a:gs>
           </a:gsLst>
@@ -20066,16 +18029,23 @@
           <a:gsLst>
             <a:gs pos="0">
               <a:schemeClr val="phClr">
-                <a:tint val="98000"/>
-                <a:hueMod val="94000"/>
-                <a:satMod val="130000"/>
-                <a:lumMod val="128000"/>
+                <a:satMod val="103000"/>
+                <a:lumMod val="102000"/>
+                <a:tint val="94000"/>
+              </a:schemeClr>
+            </a:gs>
+            <a:gs pos="50000">
+              <a:schemeClr val="phClr">
+                <a:satMod val="110000"/>
+                <a:lumMod val="100000"/>
+                <a:shade val="100000"/>
               </a:schemeClr>
             </a:gs>
             <a:gs pos="100000">
               <a:schemeClr val="phClr">
-                <a:shade val="94000"/>
-                <a:lumMod val="88000"/>
+                <a:lumMod val="99000"/>
+                <a:satMod val="120000"/>
+                <a:shade val="78000"/>
               </a:schemeClr>
             </a:gs>
           </a:gsLst>
@@ -20083,29 +18053,26 @@
         </a:gradFill>
       </a:fillStyleLst>
       <a:lnStyleLst>
-        <a:ln w="9525" cap="rnd" cmpd="sng" algn="ctr">
-          <a:solidFill>
-            <a:schemeClr val="phClr">
-              <a:tint val="76000"/>
-              <a:alpha val="60000"/>
-              <a:hueMod val="94000"/>
-            </a:schemeClr>
-          </a:solidFill>
-          <a:prstDash val="solid"/>
-        </a:ln>
-        <a:ln w="15875" cap="rnd" cmpd="sng" algn="ctr">
-          <a:solidFill>
-            <a:schemeClr val="phClr">
-              <a:hueMod val="94000"/>
-            </a:schemeClr>
-          </a:solidFill>
-          <a:prstDash val="solid"/>
-        </a:ln>
-        <a:ln w="28575" cap="rnd" cmpd="sng" algn="ctr">
+        <a:ln w="6350" cap="flat" cmpd="sng" algn="ctr">
           <a:solidFill>
             <a:schemeClr val="phClr"/>
           </a:solidFill>
           <a:prstDash val="solid"/>
+          <a:miter lim="800000"/>
+        </a:ln>
+        <a:ln w="12700" cap="flat" cmpd="sng" algn="ctr">
+          <a:solidFill>
+            <a:schemeClr val="phClr"/>
+          </a:solidFill>
+          <a:prstDash val="solid"/>
+          <a:miter lim="800000"/>
+        </a:ln>
+        <a:ln w="19050" cap="flat" cmpd="sng" algn="ctr">
+          <a:solidFill>
+            <a:schemeClr val="phClr"/>
+          </a:solidFill>
+          <a:prstDash val="solid"/>
+          <a:miter lim="800000"/>
         </a:ln>
       </a:lnStyleLst>
       <a:effectStyleLst>
@@ -20113,78 +18080,54 @@
           <a:effectLst/>
         </a:effectStyle>
         <a:effectStyle>
-          <a:effectLst>
-            <a:innerShdw blurRad="25400" dist="12700" dir="13500000">
-              <a:srgbClr val="000000">
-                <a:alpha val="45000"/>
-              </a:srgbClr>
-            </a:innerShdw>
-          </a:effectLst>
+          <a:effectLst/>
         </a:effectStyle>
         <a:effectStyle>
           <a:effectLst>
-            <a:outerShdw blurRad="50800" dist="38100" dir="5400000" rotWithShape="0">
+            <a:outerShdw blurRad="57150" dist="19050" dir="5400000" algn="ctr" rotWithShape="0">
               <a:srgbClr val="000000">
-                <a:alpha val="46000"/>
+                <a:alpha val="63000"/>
               </a:srgbClr>
             </a:outerShdw>
           </a:effectLst>
-          <a:scene3d>
-            <a:camera prst="orthographicFront">
-              <a:rot lat="0" lon="0" rev="0"/>
-            </a:camera>
-            <a:lightRig rig="threePt" dir="t"/>
-          </a:scene3d>
-          <a:sp3d prstMaterial="plastic">
-            <a:bevelT w="25400" h="25400"/>
-          </a:sp3d>
         </a:effectStyle>
       </a:effectStyleLst>
       <a:bgFillStyleLst>
         <a:solidFill>
           <a:schemeClr val="phClr"/>
         </a:solidFill>
+        <a:solidFill>
+          <a:schemeClr val="phClr">
+            <a:tint val="95000"/>
+            <a:satMod val="170000"/>
+          </a:schemeClr>
+        </a:solidFill>
         <a:gradFill rotWithShape="1">
           <a:gsLst>
-            <a:gs pos="10000">
+            <a:gs pos="0">
               <a:schemeClr val="phClr">
-                <a:tint val="97000"/>
-                <a:hueMod val="92000"/>
-                <a:satMod val="169000"/>
-                <a:lumMod val="164000"/>
+                <a:tint val="93000"/>
+                <a:satMod val="150000"/>
+                <a:shade val="98000"/>
+                <a:lumMod val="102000"/>
+              </a:schemeClr>
+            </a:gs>
+            <a:gs pos="50000">
+              <a:schemeClr val="phClr">
+                <a:tint val="98000"/>
+                <a:satMod val="130000"/>
+                <a:shade val="90000"/>
+                <a:lumMod val="103000"/>
               </a:schemeClr>
             </a:gs>
             <a:gs pos="100000">
               <a:schemeClr val="phClr">
-                <a:shade val="96000"/>
+                <a:shade val="63000"/>
                 <a:satMod val="120000"/>
-                <a:lumMod val="90000"/>
               </a:schemeClr>
             </a:gs>
           </a:gsLst>
-          <a:lin ang="6120000" scaled="1"/>
-        </a:gradFill>
-        <a:gradFill rotWithShape="1">
-          <a:gsLst>
-            <a:gs pos="0">
-              <a:schemeClr val="phClr">
-                <a:tint val="97000"/>
-                <a:hueMod val="92000"/>
-                <a:satMod val="169000"/>
-                <a:lumMod val="164000"/>
-              </a:schemeClr>
-            </a:gs>
-            <a:gs pos="100000">
-              <a:schemeClr val="phClr">
-                <a:shade val="96000"/>
-                <a:satMod val="120000"/>
-                <a:lumMod val="90000"/>
-              </a:schemeClr>
-            </a:gs>
-          </a:gsLst>
-          <a:path path="circle">
-            <a:fillToRect b="100000"/>
-          </a:path>
+          <a:lin ang="5400000" scaled="0"/>
         </a:gradFill>
       </a:bgFillStyleLst>
     </a:fmtScheme>
@@ -20193,7 +18136,7 @@
   <a:extraClrSchemeLst/>
   <a:extLst>
     <a:ext uri="{05A4C25C-085E-4340-85A3-A5531E510DB2}">
-      <thm15:themeFamily xmlns:thm15="http://schemas.microsoft.com/office/thememl/2012/main" name="Slice" id="{0507925B-6AC9-4358-8E18-C330545D08F8}" vid="{13FEC7C6-62A9-40C4-99D2-581AACACAA2F}"/>
+      <thm15:themeFamily xmlns:thm15="http://schemas.microsoft.com/office/thememl/2012/main" name="Office Theme" id="{62F939B6-93AF-4DB8-9C6B-D6C7DFDC589F}" vid="{4A3C46E8-61CC-4603-A589-7422A47A8E4A}"/>
     </a:ext>
   </a:extLst>
 </a:theme>
